--- a/Slides/Polyglot persistence.pptx
+++ b/Slides/Polyglot persistence.pptx
@@ -8,7 +8,7 @@
     <p:sldMasterId id="2147483673" r:id="rId4"/>
   </p:sldMasterIdLst>
   <p:notesMasterIdLst>
-    <p:notesMasterId r:id="rId20"/>
+    <p:notesMasterId r:id="rId30"/>
   </p:notesMasterIdLst>
   <p:sldIdLst>
     <p:sldId id="256" r:id="rId5"/>
@@ -18,14 +18,24 @@
     <p:sldId id="281" r:id="rId9"/>
     <p:sldId id="285" r:id="rId10"/>
     <p:sldId id="284" r:id="rId11"/>
-    <p:sldId id="283" r:id="rId12"/>
-    <p:sldId id="282" r:id="rId13"/>
-    <p:sldId id="291" r:id="rId14"/>
-    <p:sldId id="286" r:id="rId15"/>
-    <p:sldId id="287" r:id="rId16"/>
-    <p:sldId id="289" r:id="rId17"/>
-    <p:sldId id="288" r:id="rId18"/>
-    <p:sldId id="274" r:id="rId19"/>
+    <p:sldId id="295" r:id="rId12"/>
+    <p:sldId id="302" r:id="rId13"/>
+    <p:sldId id="283" r:id="rId14"/>
+    <p:sldId id="282" r:id="rId15"/>
+    <p:sldId id="291" r:id="rId16"/>
+    <p:sldId id="300" r:id="rId17"/>
+    <p:sldId id="286" r:id="rId18"/>
+    <p:sldId id="292" r:id="rId19"/>
+    <p:sldId id="289" r:id="rId20"/>
+    <p:sldId id="293" r:id="rId21"/>
+    <p:sldId id="287" r:id="rId22"/>
+    <p:sldId id="303" r:id="rId23"/>
+    <p:sldId id="296" r:id="rId24"/>
+    <p:sldId id="288" r:id="rId25"/>
+    <p:sldId id="297" r:id="rId26"/>
+    <p:sldId id="299" r:id="rId27"/>
+    <p:sldId id="298" r:id="rId28"/>
+    <p:sldId id="301" r:id="rId29"/>
   </p:sldIdLst>
   <p:sldSz cx="9144000" cy="6858000" type="screen4x3"/>
   <p:notesSz cx="6858000" cy="9144000"/>
@@ -641,6 +651,11 @@
         </p:txBody>
       </p:sp>
     </p:spTree>
+    <p:extLst>
+      <p:ext uri="{BB962C8B-B14F-4D97-AF65-F5344CB8AC3E}">
+        <p14:creationId xmlns:p14="http://schemas.microsoft.com/office/powerpoint/2010/main" val="1639988634"/>
+      </p:ext>
+    </p:extLst>
   </p:cSld>
   <p:clrMap bg1="lt1" tx1="dk1" bg2="dk2" tx2="lt2" accent1="accent1" accent2="accent2" accent3="accent3" accent4="accent4" accent5="accent5" accent6="accent6" hlink="hlink" folHlink="folHlink"/>
   <p:notesStyle>
@@ -1047,55 +1062,76 @@
           <a:p>
             <a:pPr marL="0" marR="0" lvl="0" indent="0" algn="l" rtl="0">
               <a:buSzPct val="25000"/>
-              <a:buFont typeface="Arial"/>
+              <a:buFontTx/>
               <a:buNone/>
             </a:pPr>
             <a:r>
               <a:rPr lang="nb-NO" sz="1800" b="0" i="0" u="none" strike="noStrike" cap="none" baseline="0" dirty="0" smtClean="0"/>
-              <a:t>* Key og blob. Map reduce, om noe.</a:t>
+              <a:t>RDBMS = ACID</a:t>
             </a:r>
           </a:p>
           <a:p>
             <a:pPr marL="0" marR="0" lvl="0" indent="0" algn="l" rtl="0">
               <a:buSzPct val="25000"/>
-              <a:buFont typeface="Arial" charset="0"/>
-              <a:buChar char="•"/>
+              <a:buFontTx/>
+              <a:buNone/>
             </a:pPr>
             <a:r>
               <a:rPr lang="nb-NO" sz="1800" b="0" i="0" u="none" strike="noStrike" cap="none" baseline="0" dirty="0" smtClean="0"/>
-              <a:t>Eksempler: MongoDB, Redis, Riak, DynamoDB</a:t>
+              <a:t>- ACID - Atomcity, Consistency, Isolation, Durability</a:t>
             </a:r>
           </a:p>
           <a:p>
             <a:pPr marL="0" marR="0" lvl="0" indent="0" algn="l" rtl="0">
               <a:buSzPct val="25000"/>
-              <a:buFont typeface="Arial" charset="0"/>
-              <a:buChar char="•"/>
-            </a:pPr>
-            <a:endParaRPr lang="nb-NO" sz="1800" b="0" i="0" u="none" strike="noStrike" cap="none" baseline="0" dirty="0" smtClean="0"/>
+              <a:buFontTx/>
+              <a:buNone/>
+            </a:pPr>
+            <a:r>
+              <a:rPr lang="nb-NO" sz="1800" b="0" i="0" u="none" strike="noStrike" cap="none" baseline="0" dirty="0" smtClean="0"/>
+              <a:t>	- Atomicity - atomisk. Alt eller ingenting.</a:t>
+            </a:r>
           </a:p>
           <a:p>
             <a:pPr marL="0" marR="0" lvl="0" indent="0" algn="l" rtl="0">
               <a:buSzPct val="25000"/>
-              <a:buFont typeface="Arial" charset="0"/>
-              <a:buChar char="•"/>
+              <a:buFontTx/>
+              <a:buNone/>
             </a:pPr>
             <a:r>
               <a:rPr lang="nb-NO" sz="1800" b="0" i="0" u="none" strike="noStrike" cap="none" baseline="0" dirty="0" smtClean="0"/>
-              <a:t>Redis: alt i minne.</a:t>
+              <a:t>	- Consistency - Innenfor en transaksjon er alt konsistent, som ved start av transaksjonen. Valid =&gt; valid</a:t>
             </a:r>
           </a:p>
           <a:p>
             <a:pPr marL="0" marR="0" lvl="0" indent="0" algn="l" rtl="0">
               <a:buSzPct val="25000"/>
-              <a:buFont typeface="Arial" charset="0"/>
-              <a:buChar char="•"/>
+              <a:buFontTx/>
+              <a:buNone/>
             </a:pPr>
             <a:r>
               <a:rPr lang="nb-NO" sz="1800" b="0" i="0" u="none" strike="noStrike" cap="none" baseline="0" dirty="0" smtClean="0"/>
-              <a:t>MongoDB: No ACID. No transactions, NO fsync.</a:t>
+              <a:t>	- Isolation - Hver transaksjon lever i sin egen verden. Påvirker ikke hverandre før commit.</a:t>
             </a:r>
-            <a:endParaRPr sz="1800" b="0" i="0" u="none" strike="noStrike" cap="none" baseline="0" dirty="0"/>
+          </a:p>
+          <a:p>
+            <a:pPr marL="0" marR="0" lvl="0" indent="0" algn="l" rtl="0">
+              <a:buSzPct val="25000"/>
+              <a:buFontTx/>
+              <a:buNone/>
+            </a:pPr>
+            <a:r>
+              <a:rPr lang="nb-NO" sz="1800" b="0" i="0" u="none" strike="noStrike" cap="none" baseline="0" dirty="0" smtClean="0"/>
+              <a:t>	- Durability - Er det committet, er det commitet.</a:t>
+            </a:r>
+          </a:p>
+          <a:p>
+            <a:pPr marL="0" marR="0" lvl="0" indent="0" algn="l" rtl="0">
+              <a:buSzPct val="25000"/>
+              <a:buFontTx/>
+              <a:buNone/>
+            </a:pPr>
+            <a:endParaRPr lang="nb-NO" sz="1800" b="0" i="0" u="none" strike="noStrike" cap="none" baseline="0" dirty="0" smtClean="0"/>
           </a:p>
         </p:txBody>
       </p:sp>
@@ -1276,55 +1312,14 @@
           <a:p>
             <a:pPr marL="0" marR="0" lvl="0" indent="0" algn="l" rtl="0">
               <a:buSzPct val="25000"/>
-              <a:buFont typeface="Arial"/>
-              <a:buNone/>
+              <a:buFontTx/>
+              <a:buChar char="-"/>
             </a:pPr>
             <a:r>
-              <a:rPr lang="nb-NO" sz="1800" b="0" i="0" u="none" strike="noStrike" cap="none" baseline="0" dirty="0" smtClean="0"/>
-              <a:t>* Key og blob. Map reduce, om noe.</a:t>
+              <a:rPr lang="en-US" sz="1800" b="0" i="0" u="none" strike="noStrike" cap="none" baseline="0" dirty="0" smtClean="0"/>
+              <a:t>- BASE - Basically Available, Soft state, Eventual consistency (BASE),</a:t>
             </a:r>
-          </a:p>
-          <a:p>
-            <a:pPr marL="0" marR="0" lvl="0" indent="0" algn="l" rtl="0">
-              <a:buSzPct val="25000"/>
-              <a:buFont typeface="Arial" charset="0"/>
-              <a:buChar char="•"/>
-            </a:pPr>
-            <a:r>
-              <a:rPr lang="nb-NO" sz="1800" b="0" i="0" u="none" strike="noStrike" cap="none" baseline="0" dirty="0" smtClean="0"/>
-              <a:t>Eksempler: MongoDB, Redis, Riak, DynamoDB</a:t>
-            </a:r>
-          </a:p>
-          <a:p>
-            <a:pPr marL="0" marR="0" lvl="0" indent="0" algn="l" rtl="0">
-              <a:buSzPct val="25000"/>
-              <a:buFont typeface="Arial" charset="0"/>
-              <a:buChar char="•"/>
-            </a:pPr>
             <a:endParaRPr lang="nb-NO" sz="1800" b="0" i="0" u="none" strike="noStrike" cap="none" baseline="0" dirty="0" smtClean="0"/>
-          </a:p>
-          <a:p>
-            <a:pPr marL="0" marR="0" lvl="0" indent="0" algn="l" rtl="0">
-              <a:buSzPct val="25000"/>
-              <a:buFont typeface="Arial" charset="0"/>
-              <a:buChar char="•"/>
-            </a:pPr>
-            <a:r>
-              <a:rPr lang="nb-NO" sz="1800" b="0" i="0" u="none" strike="noStrike" cap="none" baseline="0" dirty="0" smtClean="0"/>
-              <a:t>Redis: alt i minne.</a:t>
-            </a:r>
-          </a:p>
-          <a:p>
-            <a:pPr marL="0" marR="0" lvl="0" indent="0" algn="l" rtl="0">
-              <a:buSzPct val="25000"/>
-              <a:buFont typeface="Arial" charset="0"/>
-              <a:buChar char="•"/>
-            </a:pPr>
-            <a:r>
-              <a:rPr lang="nb-NO" sz="1800" b="0" i="0" u="none" strike="noStrike" cap="none" baseline="0" dirty="0" smtClean="0"/>
-              <a:t>MongoDB: No ACID. No transactions, NO fsync.</a:t>
-            </a:r>
-            <a:endParaRPr sz="1800" b="0" i="0" u="none" strike="noStrike" cap="none" baseline="0" dirty="0"/>
           </a:p>
         </p:txBody>
       </p:sp>
@@ -1505,57 +1500,9 @@
           <a:p>
             <a:pPr marL="0" marR="0" lvl="0" indent="0" algn="l" rtl="0">
               <a:buSzPct val="25000"/>
-              <a:buFont typeface="Arial" charset="0"/>
-              <a:buChar char="•"/>
-            </a:pPr>
-            <a:r>
-              <a:rPr lang="nb-NO" sz="1800" b="0" i="0" u="none" strike="noStrike" cap="none" baseline="0" dirty="0" smtClean="0"/>
-              <a:t>Columns i stedet for rader lagres. </a:t>
-            </a:r>
-          </a:p>
-          <a:p>
-            <a:pPr marL="0" marR="0" lvl="0" indent="0" algn="l" rtl="0">
-              <a:buSzPct val="25000"/>
-              <a:buFont typeface="Arial" charset="0"/>
-              <a:buChar char="•"/>
-            </a:pPr>
-            <a:r>
-              <a:rPr lang="nb-NO" sz="1800" b="0" i="0" u="none" strike="noStrike" cap="none" baseline="0" dirty="0" smtClean="0"/>
-              <a:t>B-tree(Variant) : Løvnoder er kolonner, ikke rader</a:t>
-            </a:r>
-          </a:p>
-          <a:p>
-            <a:pPr marL="0" marR="0" lvl="0" indent="0" algn="l" rtl="0">
-              <a:buSzPct val="25000"/>
-              <a:buFont typeface="Arial" charset="0"/>
-              <a:buChar char="•"/>
-            </a:pPr>
-            <a:r>
-              <a:rPr lang="nb-NO" sz="1800" b="0" i="0" u="none" strike="noStrike" cap="none" baseline="0" dirty="0" smtClean="0"/>
-              <a:t>Perfekt for aggregat-operasjoner.</a:t>
-            </a:r>
-          </a:p>
-          <a:p>
-            <a:pPr marL="0" marR="0" lvl="0" indent="0" algn="l" rtl="0">
-              <a:buSzPct val="25000"/>
-              <a:buFont typeface="Arial" charset="0"/>
-              <a:buChar char="•"/>
-            </a:pPr>
-            <a:r>
-              <a:rPr lang="nb-NO" sz="1800" b="0" i="0" u="none" strike="noStrike" cap="none" baseline="0" dirty="0" smtClean="0"/>
-              <a:t>Eksempler: Cassandra, InfiniDB, SQL Server 2012(xVelocity), HBase(ish)</a:t>
-            </a:r>
-          </a:p>
-          <a:p>
-            <a:pPr marL="0" marR="0" lvl="0" indent="0" algn="l" rtl="0">
-              <a:buSzPct val="25000"/>
-              <a:buFont typeface="Arial" charset="0"/>
-              <a:buChar char="•"/>
-            </a:pPr>
-            <a:r>
-              <a:rPr lang="nb-NO" sz="1800" b="0" i="0" u="none" strike="noStrike" cap="none" baseline="0" dirty="0" smtClean="0"/>
-              <a:t>Gull når du har rader med mye tomme felter per rad. Ingen overhead på null values.</a:t>
-            </a:r>
+              <a:buFont typeface="Arial"/>
+              <a:buNone/>
+            </a:pPr>
             <a:endParaRPr sz="1800" b="0" i="0" u="none" strike="noStrike" cap="none" baseline="0" dirty="0"/>
           </a:p>
         </p:txBody>
@@ -1612,7 +1559,7 @@
   <p:cSld>
     <p:spTree>
       <p:nvGrpSpPr>
-        <p:cNvPr id="1" name="Shape 262"/>
+        <p:cNvPr id="1" name="Shape 121"/>
         <p:cNvGrpSpPr/>
         <p:nvPr/>
       </p:nvGrpSpPr>
@@ -1626,7 +1573,7 @@
       </p:grpSpPr>
       <p:sp>
         <p:nvSpPr>
-          <p:cNvPr id="263" name="Shape 263"/>
+          <p:cNvPr id="122" name="Shape 122"/>
           <p:cNvSpPr/>
           <p:nvPr/>
         </p:nvSpPr>
@@ -1663,7 +1610,7 @@
       </p:sp>
       <p:sp>
         <p:nvSpPr>
-          <p:cNvPr id="264" name="Shape 264"/>
+          <p:cNvPr id="123" name="Shape 123"/>
           <p:cNvSpPr>
             <a:spLocks noGrp="1" noRot="1" noChangeAspect="1"/>
           </p:cNvSpPr>
@@ -1708,7 +1655,7 @@
       </p:sp>
       <p:sp>
         <p:nvSpPr>
-          <p:cNvPr id="265" name="Shape 265"/>
+          <p:cNvPr id="124" name="Shape 124"/>
           <p:cNvSpPr>
             <a:spLocks noGrp="1"/>
           </p:cNvSpPr>
@@ -1741,71 +1688,8 @@
               <a:buNone/>
             </a:pPr>
             <a:r>
-              <a:rPr lang="nb-NO" sz="1800" b="0" i="0" u="none" strike="noStrike" cap="none" baseline="0" dirty="0" smtClean="0"/>
-              <a:t>* Selvstendige dokumenter. </a:t>
-            </a:r>
-          </a:p>
-          <a:p>
-            <a:pPr marL="0" marR="0" lvl="0" indent="0" algn="l" rtl="0">
-              <a:buSzPct val="25000"/>
-              <a:buFont typeface="Arial"/>
-              <a:buNone/>
-            </a:pPr>
-            <a:r>
-              <a:rPr lang="nb-NO" sz="1800" b="0" i="0" u="none" strike="noStrike" cap="none" baseline="0" dirty="0" smtClean="0"/>
-              <a:t>* Queries må kjøres per dokument eller på en index.  Ingen queries.</a:t>
-            </a:r>
-          </a:p>
-          <a:p>
-            <a:pPr marL="0" marR="0" lvl="0" indent="0" algn="l" rtl="0">
-              <a:buSzPct val="25000"/>
-              <a:buFont typeface="Arial"/>
-              <a:buNone/>
-            </a:pPr>
-            <a:r>
-              <a:rPr lang="nb-NO" sz="1800" b="0" i="0" u="none" strike="noStrike" cap="none" baseline="0" dirty="0" smtClean="0"/>
-              <a:t>* Ofte map reduce i parallell.  </a:t>
-            </a:r>
-          </a:p>
-          <a:p>
-            <a:pPr marL="0" marR="0" lvl="0" indent="0" algn="l" rtl="0">
-              <a:buSzPct val="25000"/>
-              <a:buFont typeface="Arial"/>
-              <a:buNone/>
-            </a:pPr>
-            <a:r>
-              <a:rPr lang="nb-NO" sz="1800" b="0" i="0" u="none" strike="noStrike" cap="none" baseline="0" dirty="0" smtClean="0"/>
-              <a:t>Eksempler: RavenDB, CouchDB, MongoDB</a:t>
-            </a:r>
-          </a:p>
-          <a:p>
-            <a:pPr marL="0" marR="0" lvl="0" indent="0" algn="l" rtl="0">
-              <a:buSzPct val="25000"/>
-              <a:buFont typeface="Arial"/>
-              <a:buNone/>
-            </a:pPr>
-            <a:endParaRPr lang="nb-NO" sz="1800" b="0" i="0" u="none" strike="noStrike" cap="none" baseline="0" dirty="0" smtClean="0"/>
-          </a:p>
-          <a:p>
-            <a:pPr marL="0" marR="0" lvl="0" indent="0" algn="l" rtl="0">
-              <a:buSzPct val="25000"/>
-              <a:buFont typeface="Arial" charset="0"/>
-              <a:buChar char="•"/>
-            </a:pPr>
-            <a:r>
-              <a:rPr lang="nb-NO" sz="1800" b="0" i="0" u="none" strike="noStrike" cap="none" baseline="0" dirty="0" smtClean="0"/>
-              <a:t>RavenDB - Dokument som datamodell. Documents are ACID, indexing is BASE. MVCC </a:t>
-            </a:r>
-          </a:p>
-          <a:p>
-            <a:pPr marL="0" marR="0" lvl="0" indent="0" algn="l" rtl="0">
-              <a:buSzPct val="25000"/>
-              <a:buFont typeface="Arial" charset="0"/>
-              <a:buChar char="•"/>
-            </a:pPr>
-            <a:r>
-              <a:rPr lang="nb-NO" sz="1800" b="0" i="0" u="none" strike="noStrike" cap="none" baseline="0" dirty="0" smtClean="0"/>
-              <a:t> CouchDB - Dokment som datamodell. Documents and indexes are ACID. MVCC.</a:t>
+              <a:rPr lang="en-US" sz="1800" b="0" i="0" u="none" strike="noStrike" cap="none" baseline="0" dirty="0" smtClean="0"/>
+              <a:t>"ACID on the node, BASE on the cluster"</a:t>
             </a:r>
             <a:endParaRPr sz="1800" b="0" i="0" u="none" strike="noStrike" cap="none" baseline="0" dirty="0"/>
           </a:p>
@@ -1813,7 +1697,7 @@
       </p:sp>
       <p:sp>
         <p:nvSpPr>
-          <p:cNvPr id="266" name="Shape 266"/>
+          <p:cNvPr id="125" name="Shape 125"/>
           <p:cNvSpPr>
             <a:spLocks noGrp="1"/>
           </p:cNvSpPr>
@@ -1988,12 +1872,12 @@
           <a:p>
             <a:pPr marL="0" marR="0" lvl="0" indent="0" algn="l" rtl="0">
               <a:buSzPct val="25000"/>
-              <a:buFont typeface="Arial"/>
-              <a:buNone/>
+              <a:buFont typeface="Arial" charset="0"/>
+              <a:buChar char="•"/>
             </a:pPr>
             <a:r>
               <a:rPr lang="nb-NO" sz="1800" b="0" i="0" u="none" strike="noStrike" cap="none" baseline="0" dirty="0" smtClean="0"/>
-              <a:t>* Datamodell: Noder og kanter.</a:t>
+              <a:t>Key og blob. Slå opp på key.</a:t>
             </a:r>
           </a:p>
           <a:p>
@@ -2004,7 +1888,7 @@
             </a:pPr>
             <a:r>
               <a:rPr lang="nb-NO" sz="1800" b="0" i="0" u="none" strike="noStrike" cap="none" baseline="0" dirty="0" smtClean="0"/>
-              <a:t>Eksempler: Neo4J, HyperGraphDB, OrientDB</a:t>
+              <a:t>UTNYTTER: enkel datamodell, går bort fra ACID. Ingen join</a:t>
             </a:r>
           </a:p>
           <a:p>
@@ -2013,7 +1897,10 @@
               <a:buFont typeface="Arial" charset="0"/>
               <a:buChar char="•"/>
             </a:pPr>
-            <a:endParaRPr lang="nb-NO" sz="1800" b="0" i="0" u="none" strike="noStrike" cap="none" baseline="0" dirty="0" smtClean="0"/>
+            <a:r>
+              <a:rPr lang="nb-NO" sz="1800" b="0" i="0" u="none" strike="noStrike" cap="none" baseline="0" dirty="0" smtClean="0"/>
+              <a:t>BRA TIL: Ren ytelse for en entitet. Få releasjoner.  CRUD</a:t>
+            </a:r>
           </a:p>
           <a:p>
             <a:pPr marL="0" marR="0" lvl="0" indent="0" algn="l" rtl="0">
@@ -2023,9 +1910,8 @@
             </a:pPr>
             <a:r>
               <a:rPr lang="nb-NO" sz="1800" b="0" i="0" u="none" strike="noStrike" cap="none" baseline="0" dirty="0" smtClean="0"/>
-              <a:t>Neo4J: ACID.</a:t>
+              <a:t>DÅRLIG :  Aggregering.</a:t>
             </a:r>
-            <a:endParaRPr sz="1800" b="0" i="0" u="none" strike="noStrike" cap="none" baseline="0" dirty="0"/>
           </a:p>
         </p:txBody>
       </p:sp>
@@ -2081,7 +1967,7 @@
   <p:cSld>
     <p:spTree>
       <p:nvGrpSpPr>
-        <p:cNvPr id="1" name="Shape 121"/>
+        <p:cNvPr id="1" name="Shape 262"/>
         <p:cNvGrpSpPr/>
         <p:nvPr/>
       </p:nvGrpSpPr>
@@ -2095,7 +1981,7 @@
       </p:grpSpPr>
       <p:sp>
         <p:nvSpPr>
-          <p:cNvPr id="122" name="Shape 122"/>
+          <p:cNvPr id="263" name="Shape 263"/>
           <p:cNvSpPr/>
           <p:nvPr/>
         </p:nvSpPr>
@@ -2132,7 +2018,7 @@
       </p:sp>
       <p:sp>
         <p:nvSpPr>
-          <p:cNvPr id="123" name="Shape 123"/>
+          <p:cNvPr id="264" name="Shape 264"/>
           <p:cNvSpPr>
             <a:spLocks noGrp="1" noRot="1" noChangeAspect="1"/>
           </p:cNvSpPr>
@@ -2177,7 +2063,7 @@
       </p:sp>
       <p:sp>
         <p:nvSpPr>
-          <p:cNvPr id="124" name="Shape 124"/>
+          <p:cNvPr id="265" name="Shape 265"/>
           <p:cNvSpPr>
             <a:spLocks noGrp="1"/>
           </p:cNvSpPr>
@@ -2204,22 +2090,1007 @@
           </a:bodyPr>
           <a:lstStyle/>
           <a:p>
+            <a:pPr marL="0" marR="0" lvl="0" indent="0" algn="l" defTabSz="914400" rtl="0" eaLnBrk="1" fontAlgn="auto" latinLnBrk="0" hangingPunct="1">
+              <a:lnSpc>
+                <a:spcPct val="100000"/>
+              </a:lnSpc>
+              <a:spcBef>
+                <a:spcPts val="0"/>
+              </a:spcBef>
+              <a:spcAft>
+                <a:spcPts val="0"/>
+              </a:spcAft>
+              <a:buClrTx/>
+              <a:buSzPct val="25000"/>
+              <a:buFont typeface="Arial" charset="0"/>
+              <a:buChar char="•"/>
+              <a:tabLst/>
+              <a:defRPr/>
+            </a:pPr>
+            <a:r>
+              <a:rPr lang="nb-NO" sz="1800" b="0" i="0" u="none" strike="noStrike" cap="none" baseline="0" dirty="0" smtClean="0"/>
+              <a:t>Eksempler: Redis, Riak, DynamoDB</a:t>
+            </a:r>
+          </a:p>
+          <a:p>
+            <a:pPr marL="0" marR="0" lvl="0" indent="0" algn="l" rtl="0">
+              <a:buSzPct val="25000"/>
+              <a:buFont typeface="Arial" charset="0"/>
+              <a:buChar char="•"/>
+            </a:pPr>
+            <a:endParaRPr lang="nb-NO" sz="1800" b="0" i="0" u="none" strike="noStrike" cap="none" baseline="0" dirty="0" smtClean="0"/>
+          </a:p>
+          <a:p>
+            <a:pPr marL="0" marR="0" lvl="0" indent="0" algn="l" rtl="0">
+              <a:buSzPct val="25000"/>
+              <a:buFont typeface="Arial" charset="0"/>
+              <a:buChar char="•"/>
+            </a:pPr>
+            <a:r>
+              <a:rPr lang="nb-NO" sz="1800" b="0" i="0" u="none" strike="noStrike" cap="none" baseline="0" dirty="0" smtClean="0"/>
+              <a:t>Redis: alt i minne.</a:t>
+            </a:r>
+          </a:p>
+          <a:p>
+            <a:pPr marL="0" marR="0" lvl="0" indent="0" algn="l" rtl="0">
+              <a:buSzPct val="25000"/>
+              <a:buFont typeface="Arial" charset="0"/>
+              <a:buChar char="•"/>
+            </a:pPr>
+            <a:r>
+              <a:rPr lang="nb-NO" sz="1800" b="0" i="0" u="none" strike="noStrike" cap="none" baseline="0" dirty="0" smtClean="0"/>
+              <a:t>Riak: tre kopier av alle data, optimalisert for oppetid. Eventual consistency </a:t>
+            </a:r>
+          </a:p>
+          <a:p>
+            <a:pPr marL="0" marR="0" lvl="0" indent="0" algn="l" rtl="0">
+              <a:buSzPct val="25000"/>
+              <a:buFont typeface="Arial" charset="0"/>
+              <a:buChar char="•"/>
+            </a:pPr>
+            <a:r>
+              <a:rPr lang="nb-NO" sz="1800" b="0" i="0" u="none" strike="noStrike" cap="none" baseline="0" dirty="0" smtClean="0"/>
+              <a:t>DynamoDB : hostet av Amzon, flere kopier og null schema. Flere datatyper</a:t>
+            </a:r>
+            <a:endParaRPr sz="1800" b="0" i="0" u="none" strike="noStrike" cap="none" baseline="0" dirty="0"/>
+          </a:p>
+        </p:txBody>
+      </p:sp>
+      <p:sp>
+        <p:nvSpPr>
+          <p:cNvPr id="266" name="Shape 266"/>
+          <p:cNvSpPr>
+            <a:spLocks noGrp="1"/>
+          </p:cNvSpPr>
+          <p:nvPr>
+            <p:ph type="sldNum" idx="12"/>
+          </p:nvPr>
+        </p:nvSpPr>
+        <p:spPr>
+          <a:xfrm>
+            <a:off x="3886200" y="8686800"/>
+            <a:ext cx="2971799" cy="457200"/>
+          </a:xfrm>
+          <a:prstGeom prst="rect">
+            <a:avLst/>
+          </a:prstGeom>
+          <a:noFill/>
+          <a:ln>
+            <a:noFill/>
+          </a:ln>
+        </p:spPr>
+        <p:txBody>
+          <a:bodyPr lIns="91425" tIns="45700" rIns="91425" bIns="45700" anchor="b" anchorCtr="0">
+            <a:spAutoFit/>
+          </a:bodyPr>
+          <a:lstStyle/>
+          <a:p>
+            <a:pPr>
+              <a:buNone/>
+            </a:pPr>
+            <a:r>
+              <a:rPr/>
+              <a:t> </a:t>
+            </a:r>
+          </a:p>
+        </p:txBody>
+      </p:sp>
+    </p:spTree>
+  </p:cSld>
+  <p:clrMapOvr>
+    <a:masterClrMapping/>
+  </p:clrMapOvr>
+</p:notes>
+</file>
+
+<file path=ppt/notesSlides/notesSlide16.xml><?xml version="1.0" encoding="utf-8"?>
+<p:notes xmlns:a="http://schemas.openxmlformats.org/drawingml/2006/main" xmlns:r="http://schemas.openxmlformats.org/officeDocument/2006/relationships" xmlns:p="http://schemas.openxmlformats.org/presentationml/2006/main" showMasterSp="0" showMasterPhAnim="0">
+  <p:cSld>
+    <p:spTree>
+      <p:nvGrpSpPr>
+        <p:cNvPr id="1" name="Shape 262"/>
+        <p:cNvGrpSpPr/>
+        <p:nvPr/>
+      </p:nvGrpSpPr>
+      <p:grpSpPr>
+        <a:xfrm>
+          <a:off x="0" y="0"/>
+          <a:ext cx="0" cy="0"/>
+          <a:chOff x="0" y="0"/>
+          <a:chExt cx="0" cy="0"/>
+        </a:xfrm>
+      </p:grpSpPr>
+      <p:sp>
+        <p:nvSpPr>
+          <p:cNvPr id="263" name="Shape 263"/>
+          <p:cNvSpPr/>
+          <p:nvPr/>
+        </p:nvSpPr>
+        <p:spPr>
+          <a:xfrm>
+            <a:off x="3886200" y="8686800"/>
+            <a:ext cx="2971799" cy="457200"/>
+          </a:xfrm>
+          <a:prstGeom prst="rect">
+            <a:avLst/>
+          </a:prstGeom>
+          <a:noFill/>
+          <a:ln>
+            <a:noFill/>
+          </a:ln>
+        </p:spPr>
+        <p:txBody>
+          <a:bodyPr lIns="91425" tIns="45700" rIns="91425" bIns="45700" anchor="b" anchorCtr="0">
+            <a:spAutoFit/>
+          </a:bodyPr>
+          <a:lstStyle/>
+          <a:p>
+            <a:pPr marL="0" marR="0" lvl="0" indent="0" algn="r" rtl="0">
+              <a:buSzPct val="25000"/>
+              <a:buFont typeface="Arial"/>
+              <a:buNone/>
+            </a:pPr>
+            <a:r>
+              <a:rPr sz="1200" b="0" i="0" u="none" strike="noStrike" cap="none" baseline="0"/>
+              <a:t>*</a:t>
+            </a:r>
+          </a:p>
+        </p:txBody>
+      </p:sp>
+      <p:sp>
+        <p:nvSpPr>
+          <p:cNvPr id="264" name="Shape 264"/>
+          <p:cNvSpPr>
+            <a:spLocks noGrp="1" noRot="1" noChangeAspect="1"/>
+          </p:cNvSpPr>
+          <p:nvPr>
+            <p:ph type="sldImg" idx="2"/>
+          </p:nvPr>
+        </p:nvSpPr>
+        <p:spPr>
+          <a:xfrm>
+            <a:off x="1143000" y="685800"/>
+            <a:ext cx="4572000" cy="3429000"/>
+          </a:xfrm>
+          <a:custGeom>
+            <a:avLst/>
+            <a:gdLst/>
+            <a:ahLst/>
+            <a:cxnLst/>
+            <a:rect l="0" t="0" r="0" b="0"/>
+            <a:pathLst>
+              <a:path w="120000" h="120000" extrusionOk="0">
+                <a:moveTo>
+                  <a:pt x="0" y="0"/>
+                </a:moveTo>
+                <a:lnTo>
+                  <a:pt x="120000" y="0"/>
+                </a:lnTo>
+                <a:lnTo>
+                  <a:pt x="120000" y="120000"/>
+                </a:lnTo>
+                <a:lnTo>
+                  <a:pt x="0" y="120000"/>
+                </a:lnTo>
+                <a:close/>
+              </a:path>
+            </a:pathLst>
+          </a:custGeom>
+          <a:noFill/>
+          <a:ln>
+            <a:noFill/>
+          </a:ln>
+        </p:spPr>
+      </p:sp>
+      <p:sp>
+        <p:nvSpPr>
+          <p:cNvPr id="265" name="Shape 265"/>
+          <p:cNvSpPr>
+            <a:spLocks noGrp="1"/>
+          </p:cNvSpPr>
+          <p:nvPr>
+            <p:ph type="body" idx="1"/>
+          </p:nvPr>
+        </p:nvSpPr>
+        <p:spPr>
+          <a:xfrm>
+            <a:off x="914400" y="4343400"/>
+            <a:ext cx="5029199" cy="4114800"/>
+          </a:xfrm>
+          <a:prstGeom prst="rect">
+            <a:avLst/>
+          </a:prstGeom>
+          <a:noFill/>
+          <a:ln>
+            <a:noFill/>
+          </a:ln>
+        </p:spPr>
+        <p:txBody>
+          <a:bodyPr lIns="91425" tIns="45700" rIns="91425" bIns="45700" anchor="t" anchorCtr="0">
+            <a:spAutoFit/>
+          </a:bodyPr>
+          <a:lstStyle/>
+          <a:p>
+            <a:pPr marL="0" marR="0" lvl="0" indent="0" algn="l" rtl="0">
+              <a:buSzPct val="25000"/>
+              <a:buFont typeface="Arial" charset="0"/>
+              <a:buChar char="•"/>
+            </a:pPr>
+            <a:r>
+              <a:rPr lang="nb-NO" sz="1800" b="0" i="0" u="none" strike="noStrike" cap="none" baseline="0" dirty="0" smtClean="0"/>
+              <a:t>UTNYTTER: enklere datamodell: Selvstendige dokumenter uten relasjoner</a:t>
+            </a:r>
+          </a:p>
+          <a:p>
+            <a:pPr marL="0" marR="0" lvl="0" indent="0" algn="l" rtl="0">
+              <a:buSzPct val="25000"/>
+              <a:buFont typeface="Arial" charset="0"/>
+              <a:buChar char="•"/>
+            </a:pPr>
+            <a:r>
+              <a:rPr lang="nb-NO" sz="1800" b="0" i="0" u="none" strike="noStrike" cap="none" baseline="0" dirty="0" smtClean="0"/>
+              <a:t> Likt key/value, men tilbyr ofte flere typer ”values”</a:t>
+            </a:r>
+          </a:p>
+          <a:p>
+            <a:pPr marL="0" marR="0" lvl="0" indent="0" algn="l" rtl="0">
+              <a:buSzPct val="25000"/>
+              <a:buFont typeface="Arial" charset="0"/>
+              <a:buChar char="•"/>
+            </a:pPr>
+            <a:r>
+              <a:rPr lang="nb-NO" sz="1800" b="0" i="0" u="none" strike="noStrike" cap="none" baseline="0" dirty="0" smtClean="0"/>
+              <a:t> Ofte mulig å lage eksplisitte indexer på content</a:t>
+            </a:r>
+          </a:p>
+          <a:p>
+            <a:pPr marL="0" marR="0" lvl="0" indent="0" algn="l" rtl="0">
+              <a:buSzPct val="25000"/>
+              <a:buFont typeface="Arial" charset="0"/>
+              <a:buChar char="•"/>
+            </a:pPr>
+            <a:r>
+              <a:rPr lang="nb-NO" sz="1800" b="0" i="0" u="none" strike="noStrike" cap="none" baseline="0" dirty="0" smtClean="0"/>
+              <a:t> Queries må kjøres per dokument </a:t>
+            </a:r>
+          </a:p>
+          <a:p>
+            <a:pPr marL="0" marR="0" lvl="0" indent="0" algn="l" rtl="0">
+              <a:buSzPct val="25000"/>
+              <a:buFont typeface="Arial" charset="0"/>
+              <a:buChar char="•"/>
+            </a:pPr>
+            <a:r>
+              <a:rPr lang="nb-NO" sz="1800" b="0" i="0" u="none" strike="noStrike" cap="none" baseline="0" dirty="0" smtClean="0"/>
+              <a:t> Ofte map reduce i parallell.  </a:t>
+            </a:r>
+          </a:p>
+          <a:p>
             <a:pPr marL="0" marR="0" lvl="0" indent="0" algn="l" rtl="0">
               <a:buSzPct val="25000"/>
               <a:buFont typeface="Arial"/>
               <a:buNone/>
             </a:pPr>
-            <a:r>
-              <a:rPr lang="en-US" sz="1800" b="0" i="0" u="none" strike="noStrike" cap="none" baseline="0" dirty="0" smtClean="0"/>
-              <a:t>"ACID on the node, BASE on the cluster"</a:t>
-            </a:r>
             <a:endParaRPr sz="1800" b="0" i="0" u="none" strike="noStrike" cap="none" baseline="0" dirty="0"/>
           </a:p>
         </p:txBody>
       </p:sp>
       <p:sp>
         <p:nvSpPr>
-          <p:cNvPr id="125" name="Shape 125"/>
+          <p:cNvPr id="266" name="Shape 266"/>
+          <p:cNvSpPr>
+            <a:spLocks noGrp="1"/>
+          </p:cNvSpPr>
+          <p:nvPr>
+            <p:ph type="sldNum" idx="12"/>
+          </p:nvPr>
+        </p:nvSpPr>
+        <p:spPr>
+          <a:xfrm>
+            <a:off x="3886200" y="8686800"/>
+            <a:ext cx="2971799" cy="457200"/>
+          </a:xfrm>
+          <a:prstGeom prst="rect">
+            <a:avLst/>
+          </a:prstGeom>
+          <a:noFill/>
+          <a:ln>
+            <a:noFill/>
+          </a:ln>
+        </p:spPr>
+        <p:txBody>
+          <a:bodyPr lIns="91425" tIns="45700" rIns="91425" bIns="45700" anchor="b" anchorCtr="0">
+            <a:spAutoFit/>
+          </a:bodyPr>
+          <a:lstStyle/>
+          <a:p>
+            <a:pPr>
+              <a:buNone/>
+            </a:pPr>
+            <a:r>
+              <a:rPr/>
+              <a:t> </a:t>
+            </a:r>
+          </a:p>
+        </p:txBody>
+      </p:sp>
+    </p:spTree>
+  </p:cSld>
+  <p:clrMapOvr>
+    <a:masterClrMapping/>
+  </p:clrMapOvr>
+</p:notes>
+</file>
+
+<file path=ppt/notesSlides/notesSlide17.xml><?xml version="1.0" encoding="utf-8"?>
+<p:notes xmlns:a="http://schemas.openxmlformats.org/drawingml/2006/main" xmlns:r="http://schemas.openxmlformats.org/officeDocument/2006/relationships" xmlns:p="http://schemas.openxmlformats.org/presentationml/2006/main" showMasterSp="0" showMasterPhAnim="0">
+  <p:cSld>
+    <p:spTree>
+      <p:nvGrpSpPr>
+        <p:cNvPr id="1" name="Shape 262"/>
+        <p:cNvGrpSpPr/>
+        <p:nvPr/>
+      </p:nvGrpSpPr>
+      <p:grpSpPr>
+        <a:xfrm>
+          <a:off x="0" y="0"/>
+          <a:ext cx="0" cy="0"/>
+          <a:chOff x="0" y="0"/>
+          <a:chExt cx="0" cy="0"/>
+        </a:xfrm>
+      </p:grpSpPr>
+      <p:sp>
+        <p:nvSpPr>
+          <p:cNvPr id="263" name="Shape 263"/>
+          <p:cNvSpPr/>
+          <p:nvPr/>
+        </p:nvSpPr>
+        <p:spPr>
+          <a:xfrm>
+            <a:off x="3886200" y="8686800"/>
+            <a:ext cx="2971799" cy="457200"/>
+          </a:xfrm>
+          <a:prstGeom prst="rect">
+            <a:avLst/>
+          </a:prstGeom>
+          <a:noFill/>
+          <a:ln>
+            <a:noFill/>
+          </a:ln>
+        </p:spPr>
+        <p:txBody>
+          <a:bodyPr lIns="91425" tIns="45700" rIns="91425" bIns="45700" anchor="b" anchorCtr="0">
+            <a:spAutoFit/>
+          </a:bodyPr>
+          <a:lstStyle/>
+          <a:p>
+            <a:pPr marL="0" marR="0" lvl="0" indent="0" algn="r" rtl="0">
+              <a:buSzPct val="25000"/>
+              <a:buFont typeface="Arial"/>
+              <a:buNone/>
+            </a:pPr>
+            <a:r>
+              <a:rPr sz="1200" b="0" i="0" u="none" strike="noStrike" cap="none" baseline="0"/>
+              <a:t>*</a:t>
+            </a:r>
+          </a:p>
+        </p:txBody>
+      </p:sp>
+      <p:sp>
+        <p:nvSpPr>
+          <p:cNvPr id="264" name="Shape 264"/>
+          <p:cNvSpPr>
+            <a:spLocks noGrp="1" noRot="1" noChangeAspect="1"/>
+          </p:cNvSpPr>
+          <p:nvPr>
+            <p:ph type="sldImg" idx="2"/>
+          </p:nvPr>
+        </p:nvSpPr>
+        <p:spPr>
+          <a:xfrm>
+            <a:off x="1143000" y="685800"/>
+            <a:ext cx="4572000" cy="3429000"/>
+          </a:xfrm>
+          <a:custGeom>
+            <a:avLst/>
+            <a:gdLst/>
+            <a:ahLst/>
+            <a:cxnLst/>
+            <a:rect l="0" t="0" r="0" b="0"/>
+            <a:pathLst>
+              <a:path w="120000" h="120000" extrusionOk="0">
+                <a:moveTo>
+                  <a:pt x="0" y="0"/>
+                </a:moveTo>
+                <a:lnTo>
+                  <a:pt x="120000" y="0"/>
+                </a:lnTo>
+                <a:lnTo>
+                  <a:pt x="120000" y="120000"/>
+                </a:lnTo>
+                <a:lnTo>
+                  <a:pt x="0" y="120000"/>
+                </a:lnTo>
+                <a:close/>
+              </a:path>
+            </a:pathLst>
+          </a:custGeom>
+          <a:noFill/>
+          <a:ln>
+            <a:noFill/>
+          </a:ln>
+        </p:spPr>
+      </p:sp>
+      <p:sp>
+        <p:nvSpPr>
+          <p:cNvPr id="265" name="Shape 265"/>
+          <p:cNvSpPr>
+            <a:spLocks noGrp="1"/>
+          </p:cNvSpPr>
+          <p:nvPr>
+            <p:ph type="body" idx="1"/>
+          </p:nvPr>
+        </p:nvSpPr>
+        <p:spPr>
+          <a:xfrm>
+            <a:off x="914400" y="4343400"/>
+            <a:ext cx="5029199" cy="4114800"/>
+          </a:xfrm>
+          <a:prstGeom prst="rect">
+            <a:avLst/>
+          </a:prstGeom>
+          <a:noFill/>
+          <a:ln>
+            <a:noFill/>
+          </a:ln>
+        </p:spPr>
+        <p:txBody>
+          <a:bodyPr lIns="91425" tIns="45700" rIns="91425" bIns="45700" anchor="t" anchorCtr="0">
+            <a:spAutoFit/>
+          </a:bodyPr>
+          <a:lstStyle/>
+          <a:p>
+            <a:pPr marL="0" marR="0" lvl="0" indent="0" algn="l" rtl="0">
+              <a:buSzPct val="25000"/>
+              <a:buFont typeface="Arial"/>
+              <a:buNone/>
+            </a:pPr>
+            <a:r>
+              <a:rPr lang="nb-NO" sz="1800" b="0" i="0" u="none" strike="noStrike" cap="none" baseline="0" dirty="0" smtClean="0"/>
+              <a:t>Eksempler: RavenDB, CouchDB, MongoDB</a:t>
+            </a:r>
+          </a:p>
+          <a:p>
+            <a:pPr marL="0" marR="0" lvl="0" indent="0" algn="l" rtl="0">
+              <a:buSzPct val="25000"/>
+              <a:buFont typeface="Arial"/>
+              <a:buNone/>
+            </a:pPr>
+            <a:endParaRPr lang="nb-NO" sz="1800" b="0" i="0" u="none" strike="noStrike" cap="none" baseline="0" dirty="0" smtClean="0"/>
+          </a:p>
+          <a:p>
+            <a:pPr marL="0" marR="0" lvl="0" indent="0" algn="l" rtl="0">
+              <a:buSzPct val="25000"/>
+              <a:buFont typeface="Arial" charset="0"/>
+              <a:buChar char="•"/>
+            </a:pPr>
+            <a:r>
+              <a:rPr lang="nb-NO" sz="1800" b="0" i="0" u="none" strike="noStrike" cap="none" baseline="0" dirty="0" smtClean="0"/>
+              <a:t> RavenDB - Dokument som datamodell. Documents are ACID, indexing is BASE. MVCC </a:t>
+            </a:r>
+          </a:p>
+          <a:p>
+            <a:pPr marL="0" marR="0" lvl="0" indent="0" algn="l" rtl="0">
+              <a:buSzPct val="25000"/>
+              <a:buFont typeface="Arial" charset="0"/>
+              <a:buChar char="•"/>
+            </a:pPr>
+            <a:r>
+              <a:rPr lang="nb-NO" sz="1800" b="0" i="0" u="none" strike="noStrike" cap="none" baseline="0" dirty="0" smtClean="0"/>
+              <a:t> CouchDB - Dokment som datamodell. Documents and indexes are ACID. MVCC.</a:t>
+            </a:r>
+          </a:p>
+          <a:p>
+            <a:pPr marL="0" marR="0" lvl="0" indent="0" algn="l" rtl="0">
+              <a:buSzPct val="25000"/>
+              <a:buFont typeface="Arial" charset="0"/>
+              <a:buChar char="•"/>
+            </a:pPr>
+            <a:r>
+              <a:rPr lang="nb-NO" sz="1800" b="0" i="0" u="none" strike="noStrike" cap="none" baseline="0" dirty="0" smtClean="0"/>
+              <a:t> MongoDB </a:t>
+            </a:r>
+          </a:p>
+          <a:p>
+            <a:pPr marL="457200" marR="0" lvl="1" indent="0" algn="l" rtl="0">
+              <a:buSzPct val="25000"/>
+              <a:buFont typeface="Arial" charset="0"/>
+              <a:buChar char="•"/>
+            </a:pPr>
+            <a:r>
+              <a:rPr lang="nb-NO" sz="1800" b="0" i="0" u="none" strike="noStrike" cap="none" baseline="0" dirty="0" smtClean="0"/>
+              <a:t>ikke transaksjoner, ikke ACID og ingen fsync(!). </a:t>
+            </a:r>
+            <a:endParaRPr lang="nb-NO" sz="1800" b="0" i="0" u="none" strike="noStrike" cap="none" baseline="0" dirty="0"/>
+          </a:p>
+          <a:p>
+            <a:pPr marL="457200" marR="0" lvl="1" indent="0" algn="l" rtl="0">
+              <a:buSzPct val="25000"/>
+              <a:buFont typeface="Arial" charset="0"/>
+              <a:buChar char="•"/>
+            </a:pPr>
+            <a:r>
+              <a:rPr lang="nb-NO" sz="1800" b="0" i="0" u="none" strike="noStrike" cap="none" baseline="0" dirty="0" smtClean="0"/>
+              <a:t>”vi lover ingenting, men det går jævlig fort”</a:t>
+            </a:r>
+          </a:p>
+        </p:txBody>
+      </p:sp>
+      <p:sp>
+        <p:nvSpPr>
+          <p:cNvPr id="266" name="Shape 266"/>
+          <p:cNvSpPr>
+            <a:spLocks noGrp="1"/>
+          </p:cNvSpPr>
+          <p:nvPr>
+            <p:ph type="sldNum" idx="12"/>
+          </p:nvPr>
+        </p:nvSpPr>
+        <p:spPr>
+          <a:xfrm>
+            <a:off x="3886200" y="8686800"/>
+            <a:ext cx="2971799" cy="457200"/>
+          </a:xfrm>
+          <a:prstGeom prst="rect">
+            <a:avLst/>
+          </a:prstGeom>
+          <a:noFill/>
+          <a:ln>
+            <a:noFill/>
+          </a:ln>
+        </p:spPr>
+        <p:txBody>
+          <a:bodyPr lIns="91425" tIns="45700" rIns="91425" bIns="45700" anchor="b" anchorCtr="0">
+            <a:spAutoFit/>
+          </a:bodyPr>
+          <a:lstStyle/>
+          <a:p>
+            <a:pPr>
+              <a:buNone/>
+            </a:pPr>
+            <a:r>
+              <a:rPr/>
+              <a:t> </a:t>
+            </a:r>
+          </a:p>
+        </p:txBody>
+      </p:sp>
+    </p:spTree>
+  </p:cSld>
+  <p:clrMapOvr>
+    <a:masterClrMapping/>
+  </p:clrMapOvr>
+</p:notes>
+</file>
+
+<file path=ppt/notesSlides/notesSlide18.xml><?xml version="1.0" encoding="utf-8"?>
+<p:notes xmlns:a="http://schemas.openxmlformats.org/drawingml/2006/main" xmlns:r="http://schemas.openxmlformats.org/officeDocument/2006/relationships" xmlns:p="http://schemas.openxmlformats.org/presentationml/2006/main" showMasterSp="0" showMasterPhAnim="0">
+  <p:cSld>
+    <p:spTree>
+      <p:nvGrpSpPr>
+        <p:cNvPr id="1" name="Shape 262"/>
+        <p:cNvGrpSpPr/>
+        <p:nvPr/>
+      </p:nvGrpSpPr>
+      <p:grpSpPr>
+        <a:xfrm>
+          <a:off x="0" y="0"/>
+          <a:ext cx="0" cy="0"/>
+          <a:chOff x="0" y="0"/>
+          <a:chExt cx="0" cy="0"/>
+        </a:xfrm>
+      </p:grpSpPr>
+      <p:sp>
+        <p:nvSpPr>
+          <p:cNvPr id="263" name="Shape 263"/>
+          <p:cNvSpPr/>
+          <p:nvPr/>
+        </p:nvSpPr>
+        <p:spPr>
+          <a:xfrm>
+            <a:off x="3886200" y="8686800"/>
+            <a:ext cx="2971799" cy="457200"/>
+          </a:xfrm>
+          <a:prstGeom prst="rect">
+            <a:avLst/>
+          </a:prstGeom>
+          <a:noFill/>
+          <a:ln>
+            <a:noFill/>
+          </a:ln>
+        </p:spPr>
+        <p:txBody>
+          <a:bodyPr lIns="91425" tIns="45700" rIns="91425" bIns="45700" anchor="b" anchorCtr="0">
+            <a:spAutoFit/>
+          </a:bodyPr>
+          <a:lstStyle/>
+          <a:p>
+            <a:pPr marL="0" marR="0" lvl="0" indent="0" algn="r" rtl="0">
+              <a:buSzPct val="25000"/>
+              <a:buFont typeface="Arial"/>
+              <a:buNone/>
+            </a:pPr>
+            <a:r>
+              <a:rPr sz="1200" b="0" i="0" u="none" strike="noStrike" cap="none" baseline="0"/>
+              <a:t>*</a:t>
+            </a:r>
+          </a:p>
+        </p:txBody>
+      </p:sp>
+      <p:sp>
+        <p:nvSpPr>
+          <p:cNvPr id="264" name="Shape 264"/>
+          <p:cNvSpPr>
+            <a:spLocks noGrp="1" noRot="1" noChangeAspect="1"/>
+          </p:cNvSpPr>
+          <p:nvPr>
+            <p:ph type="sldImg" idx="2"/>
+          </p:nvPr>
+        </p:nvSpPr>
+        <p:spPr>
+          <a:xfrm>
+            <a:off x="1143000" y="685800"/>
+            <a:ext cx="4572000" cy="3429000"/>
+          </a:xfrm>
+          <a:custGeom>
+            <a:avLst/>
+            <a:gdLst/>
+            <a:ahLst/>
+            <a:cxnLst/>
+            <a:rect l="0" t="0" r="0" b="0"/>
+            <a:pathLst>
+              <a:path w="120000" h="120000" extrusionOk="0">
+                <a:moveTo>
+                  <a:pt x="0" y="0"/>
+                </a:moveTo>
+                <a:lnTo>
+                  <a:pt x="120000" y="0"/>
+                </a:lnTo>
+                <a:lnTo>
+                  <a:pt x="120000" y="120000"/>
+                </a:lnTo>
+                <a:lnTo>
+                  <a:pt x="0" y="120000"/>
+                </a:lnTo>
+                <a:close/>
+              </a:path>
+            </a:pathLst>
+          </a:custGeom>
+          <a:noFill/>
+          <a:ln>
+            <a:noFill/>
+          </a:ln>
+        </p:spPr>
+      </p:sp>
+      <p:sp>
+        <p:nvSpPr>
+          <p:cNvPr id="265" name="Shape 265"/>
+          <p:cNvSpPr>
+            <a:spLocks noGrp="1"/>
+          </p:cNvSpPr>
+          <p:nvPr>
+            <p:ph type="body" idx="1"/>
+          </p:nvPr>
+        </p:nvSpPr>
+        <p:spPr>
+          <a:xfrm>
+            <a:off x="914400" y="4343400"/>
+            <a:ext cx="5029199" cy="4114800"/>
+          </a:xfrm>
+          <a:prstGeom prst="rect">
+            <a:avLst/>
+          </a:prstGeom>
+          <a:noFill/>
+          <a:ln>
+            <a:noFill/>
+          </a:ln>
+        </p:spPr>
+        <p:txBody>
+          <a:bodyPr lIns="91425" tIns="45700" rIns="91425" bIns="45700" anchor="t" anchorCtr="0">
+            <a:spAutoFit/>
+          </a:bodyPr>
+          <a:lstStyle/>
+          <a:p>
+            <a:pPr marL="0" marR="0" lvl="0" indent="0" algn="l" rtl="0">
+              <a:buSzPct val="25000"/>
+              <a:buFont typeface="Arial" charset="0"/>
+              <a:buChar char="•"/>
+            </a:pPr>
+            <a:r>
+              <a:rPr lang="nb-NO" sz="1800" b="0" i="0" u="none" strike="noStrike" cap="none" baseline="0" dirty="0" smtClean="0"/>
+              <a:t>Columns i stedet for rader lagres. </a:t>
+            </a:r>
+          </a:p>
+          <a:p>
+            <a:pPr marL="0" marR="0" lvl="0" indent="0" algn="l" rtl="0">
+              <a:buSzPct val="25000"/>
+              <a:buFont typeface="Arial" charset="0"/>
+              <a:buChar char="•"/>
+            </a:pPr>
+            <a:r>
+              <a:rPr lang="nb-NO" sz="1800" b="0" i="0" u="none" strike="noStrike" cap="none" baseline="0" dirty="0" smtClean="0"/>
+              <a:t>B-tree(Variant) : Løvnoder er kolonner, ikke rader</a:t>
+            </a:r>
+          </a:p>
+          <a:p>
+            <a:pPr marL="0" marR="0" lvl="0" indent="0" algn="l" rtl="0">
+              <a:buSzPct val="25000"/>
+              <a:buFont typeface="Arial" charset="0"/>
+              <a:buChar char="•"/>
+            </a:pPr>
+            <a:r>
+              <a:rPr lang="nb-NO" sz="1800" b="0" i="0" u="none" strike="noStrike" cap="none" baseline="0" dirty="0" smtClean="0"/>
+              <a:t>Perfekt for aggregat-operasjoner.</a:t>
+            </a:r>
+          </a:p>
+          <a:p>
+            <a:pPr marL="0" marR="0" lvl="0" indent="0" algn="l" rtl="0">
+              <a:buSzPct val="25000"/>
+              <a:buFont typeface="Arial" charset="0"/>
+              <a:buChar char="•"/>
+            </a:pPr>
+            <a:r>
+              <a:rPr lang="nb-NO" sz="1800" b="0" i="0" u="none" strike="noStrike" cap="none" baseline="0" dirty="0" smtClean="0"/>
+              <a:t>Gull når du har rader med mye tomme felter per rad. Ingen overhead på null values.</a:t>
+            </a:r>
+            <a:endParaRPr sz="1800" b="0" i="0" u="none" strike="noStrike" cap="none" baseline="0" dirty="0"/>
+          </a:p>
+        </p:txBody>
+      </p:sp>
+      <p:sp>
+        <p:nvSpPr>
+          <p:cNvPr id="266" name="Shape 266"/>
+          <p:cNvSpPr>
+            <a:spLocks noGrp="1"/>
+          </p:cNvSpPr>
+          <p:nvPr>
+            <p:ph type="sldNum" idx="12"/>
+          </p:nvPr>
+        </p:nvSpPr>
+        <p:spPr>
+          <a:xfrm>
+            <a:off x="3886200" y="8686800"/>
+            <a:ext cx="2971799" cy="457200"/>
+          </a:xfrm>
+          <a:prstGeom prst="rect">
+            <a:avLst/>
+          </a:prstGeom>
+          <a:noFill/>
+          <a:ln>
+            <a:noFill/>
+          </a:ln>
+        </p:spPr>
+        <p:txBody>
+          <a:bodyPr lIns="91425" tIns="45700" rIns="91425" bIns="45700" anchor="b" anchorCtr="0">
+            <a:spAutoFit/>
+          </a:bodyPr>
+          <a:lstStyle/>
+          <a:p>
+            <a:pPr>
+              <a:buNone/>
+            </a:pPr>
+            <a:r>
+              <a:rPr/>
+              <a:t> </a:t>
+            </a:r>
+          </a:p>
+        </p:txBody>
+      </p:sp>
+    </p:spTree>
+  </p:cSld>
+  <p:clrMapOvr>
+    <a:masterClrMapping/>
+  </p:clrMapOvr>
+</p:notes>
+</file>
+
+<file path=ppt/notesSlides/notesSlide19.xml><?xml version="1.0" encoding="utf-8"?>
+<p:notes xmlns:a="http://schemas.openxmlformats.org/drawingml/2006/main" xmlns:r="http://schemas.openxmlformats.org/officeDocument/2006/relationships" xmlns:p="http://schemas.openxmlformats.org/presentationml/2006/main" showMasterSp="0" showMasterPhAnim="0">
+  <p:cSld>
+    <p:spTree>
+      <p:nvGrpSpPr>
+        <p:cNvPr id="1" name="Shape 262"/>
+        <p:cNvGrpSpPr/>
+        <p:nvPr/>
+      </p:nvGrpSpPr>
+      <p:grpSpPr>
+        <a:xfrm>
+          <a:off x="0" y="0"/>
+          <a:ext cx="0" cy="0"/>
+          <a:chOff x="0" y="0"/>
+          <a:chExt cx="0" cy="0"/>
+        </a:xfrm>
+      </p:grpSpPr>
+      <p:sp>
+        <p:nvSpPr>
+          <p:cNvPr id="263" name="Shape 263"/>
+          <p:cNvSpPr/>
+          <p:nvPr/>
+        </p:nvSpPr>
+        <p:spPr>
+          <a:xfrm>
+            <a:off x="3886200" y="8686800"/>
+            <a:ext cx="2971799" cy="457200"/>
+          </a:xfrm>
+          <a:prstGeom prst="rect">
+            <a:avLst/>
+          </a:prstGeom>
+          <a:noFill/>
+          <a:ln>
+            <a:noFill/>
+          </a:ln>
+        </p:spPr>
+        <p:txBody>
+          <a:bodyPr lIns="91425" tIns="45700" rIns="91425" bIns="45700" anchor="b" anchorCtr="0">
+            <a:spAutoFit/>
+          </a:bodyPr>
+          <a:lstStyle/>
+          <a:p>
+            <a:pPr marL="0" marR="0" lvl="0" indent="0" algn="r" rtl="0">
+              <a:buSzPct val="25000"/>
+              <a:buFont typeface="Arial"/>
+              <a:buNone/>
+            </a:pPr>
+            <a:r>
+              <a:rPr sz="1200" b="0" i="0" u="none" strike="noStrike" cap="none" baseline="0"/>
+              <a:t>*</a:t>
+            </a:r>
+          </a:p>
+        </p:txBody>
+      </p:sp>
+      <p:sp>
+        <p:nvSpPr>
+          <p:cNvPr id="264" name="Shape 264"/>
+          <p:cNvSpPr>
+            <a:spLocks noGrp="1" noRot="1" noChangeAspect="1"/>
+          </p:cNvSpPr>
+          <p:nvPr>
+            <p:ph type="sldImg" idx="2"/>
+          </p:nvPr>
+        </p:nvSpPr>
+        <p:spPr>
+          <a:xfrm>
+            <a:off x="1143000" y="685800"/>
+            <a:ext cx="4572000" cy="3429000"/>
+          </a:xfrm>
+          <a:custGeom>
+            <a:avLst/>
+            <a:gdLst/>
+            <a:ahLst/>
+            <a:cxnLst/>
+            <a:rect l="0" t="0" r="0" b="0"/>
+            <a:pathLst>
+              <a:path w="120000" h="120000" extrusionOk="0">
+                <a:moveTo>
+                  <a:pt x="0" y="0"/>
+                </a:moveTo>
+                <a:lnTo>
+                  <a:pt x="120000" y="0"/>
+                </a:lnTo>
+                <a:lnTo>
+                  <a:pt x="120000" y="120000"/>
+                </a:lnTo>
+                <a:lnTo>
+                  <a:pt x="0" y="120000"/>
+                </a:lnTo>
+                <a:close/>
+              </a:path>
+            </a:pathLst>
+          </a:custGeom>
+          <a:noFill/>
+          <a:ln>
+            <a:noFill/>
+          </a:ln>
+        </p:spPr>
+      </p:sp>
+      <p:sp>
+        <p:nvSpPr>
+          <p:cNvPr id="265" name="Shape 265"/>
+          <p:cNvSpPr>
+            <a:spLocks noGrp="1"/>
+          </p:cNvSpPr>
+          <p:nvPr>
+            <p:ph type="body" idx="1"/>
+          </p:nvPr>
+        </p:nvSpPr>
+        <p:spPr>
+          <a:xfrm>
+            <a:off x="914400" y="4343400"/>
+            <a:ext cx="5029199" cy="4114800"/>
+          </a:xfrm>
+          <a:prstGeom prst="rect">
+            <a:avLst/>
+          </a:prstGeom>
+          <a:noFill/>
+          <a:ln>
+            <a:noFill/>
+          </a:ln>
+        </p:spPr>
+        <p:txBody>
+          <a:bodyPr lIns="91425" tIns="45700" rIns="91425" bIns="45700" anchor="t" anchorCtr="0">
+            <a:spAutoFit/>
+          </a:bodyPr>
+          <a:lstStyle/>
+          <a:p>
+            <a:pPr marL="0" marR="0" lvl="0" indent="0" algn="l" rtl="0">
+              <a:buSzPct val="25000"/>
+              <a:buFont typeface="Arial" charset="0"/>
+              <a:buChar char="•"/>
+            </a:pPr>
+            <a:r>
+              <a:rPr lang="nb-NO" sz="1800" b="0" i="0" u="none" strike="noStrike" cap="none" baseline="0" dirty="0" smtClean="0"/>
+              <a:t>Columns i stedet for rader lagres. </a:t>
+            </a:r>
+          </a:p>
+          <a:p>
+            <a:pPr marL="0" marR="0" lvl="0" indent="0" algn="l" rtl="0">
+              <a:buSzPct val="25000"/>
+              <a:buFont typeface="Arial" charset="0"/>
+              <a:buChar char="•"/>
+            </a:pPr>
+            <a:r>
+              <a:rPr lang="nb-NO" sz="1800" b="0" i="0" u="none" strike="noStrike" cap="none" baseline="0" dirty="0" smtClean="0"/>
+              <a:t>B-tree(Variant) : Løvnoder er kolonner, ikke rader</a:t>
+            </a:r>
+          </a:p>
+          <a:p>
+            <a:pPr marL="0" marR="0" lvl="0" indent="0" algn="l" rtl="0">
+              <a:buSzPct val="25000"/>
+              <a:buFont typeface="Arial" charset="0"/>
+              <a:buChar char="•"/>
+            </a:pPr>
+            <a:r>
+              <a:rPr lang="nb-NO" sz="1800" b="0" i="0" u="none" strike="noStrike" cap="none" baseline="0" dirty="0" smtClean="0"/>
+              <a:t>Perfekt for aggregat-operasjoner.</a:t>
+            </a:r>
+          </a:p>
+          <a:p>
+            <a:pPr marL="0" marR="0" lvl="0" indent="0" algn="l" rtl="0">
+              <a:buSzPct val="25000"/>
+              <a:buFont typeface="Arial" charset="0"/>
+              <a:buChar char="•"/>
+            </a:pPr>
+            <a:r>
+              <a:rPr lang="nb-NO" sz="1800" b="0" i="0" u="none" strike="noStrike" cap="none" baseline="0" dirty="0" smtClean="0"/>
+              <a:t>Gull når du har rader med mye tomme felter per rad. Ingen overhead på null values.</a:t>
+            </a:r>
+            <a:endParaRPr sz="1800" b="0" i="0" u="none" strike="noStrike" cap="none" baseline="0" dirty="0"/>
+          </a:p>
+        </p:txBody>
+      </p:sp>
+      <p:sp>
+        <p:nvSpPr>
+          <p:cNvPr id="266" name="Shape 266"/>
           <p:cNvSpPr>
             <a:spLocks noGrp="1"/>
           </p:cNvSpPr>
@@ -2496,6 +3367,1372 @@
 </p:notes>
 </file>
 
+<file path=ppt/notesSlides/notesSlide20.xml><?xml version="1.0" encoding="utf-8"?>
+<p:notes xmlns:a="http://schemas.openxmlformats.org/drawingml/2006/main" xmlns:r="http://schemas.openxmlformats.org/officeDocument/2006/relationships" xmlns:p="http://schemas.openxmlformats.org/presentationml/2006/main" showMasterSp="0" showMasterPhAnim="0">
+  <p:cSld>
+    <p:spTree>
+      <p:nvGrpSpPr>
+        <p:cNvPr id="1" name="Shape 262"/>
+        <p:cNvGrpSpPr/>
+        <p:nvPr/>
+      </p:nvGrpSpPr>
+      <p:grpSpPr>
+        <a:xfrm>
+          <a:off x="0" y="0"/>
+          <a:ext cx="0" cy="0"/>
+          <a:chOff x="0" y="0"/>
+          <a:chExt cx="0" cy="0"/>
+        </a:xfrm>
+      </p:grpSpPr>
+      <p:sp>
+        <p:nvSpPr>
+          <p:cNvPr id="263" name="Shape 263"/>
+          <p:cNvSpPr/>
+          <p:nvPr/>
+        </p:nvSpPr>
+        <p:spPr>
+          <a:xfrm>
+            <a:off x="3886200" y="8686800"/>
+            <a:ext cx="2971799" cy="457200"/>
+          </a:xfrm>
+          <a:prstGeom prst="rect">
+            <a:avLst/>
+          </a:prstGeom>
+          <a:noFill/>
+          <a:ln>
+            <a:noFill/>
+          </a:ln>
+        </p:spPr>
+        <p:txBody>
+          <a:bodyPr lIns="91425" tIns="45700" rIns="91425" bIns="45700" anchor="b" anchorCtr="0">
+            <a:spAutoFit/>
+          </a:bodyPr>
+          <a:lstStyle/>
+          <a:p>
+            <a:pPr marL="0" marR="0" lvl="0" indent="0" algn="r" rtl="0">
+              <a:buSzPct val="25000"/>
+              <a:buFont typeface="Arial"/>
+              <a:buNone/>
+            </a:pPr>
+            <a:r>
+              <a:rPr sz="1200" b="0" i="0" u="none" strike="noStrike" cap="none" baseline="0"/>
+              <a:t>*</a:t>
+            </a:r>
+          </a:p>
+        </p:txBody>
+      </p:sp>
+      <p:sp>
+        <p:nvSpPr>
+          <p:cNvPr id="264" name="Shape 264"/>
+          <p:cNvSpPr>
+            <a:spLocks noGrp="1" noRot="1" noChangeAspect="1"/>
+          </p:cNvSpPr>
+          <p:nvPr>
+            <p:ph type="sldImg" idx="2"/>
+          </p:nvPr>
+        </p:nvSpPr>
+        <p:spPr>
+          <a:xfrm>
+            <a:off x="1143000" y="685800"/>
+            <a:ext cx="4572000" cy="3429000"/>
+          </a:xfrm>
+          <a:custGeom>
+            <a:avLst/>
+            <a:gdLst/>
+            <a:ahLst/>
+            <a:cxnLst/>
+            <a:rect l="0" t="0" r="0" b="0"/>
+            <a:pathLst>
+              <a:path w="120000" h="120000" extrusionOk="0">
+                <a:moveTo>
+                  <a:pt x="0" y="0"/>
+                </a:moveTo>
+                <a:lnTo>
+                  <a:pt x="120000" y="0"/>
+                </a:lnTo>
+                <a:lnTo>
+                  <a:pt x="120000" y="120000"/>
+                </a:lnTo>
+                <a:lnTo>
+                  <a:pt x="0" y="120000"/>
+                </a:lnTo>
+                <a:close/>
+              </a:path>
+            </a:pathLst>
+          </a:custGeom>
+          <a:noFill/>
+          <a:ln>
+            <a:noFill/>
+          </a:ln>
+        </p:spPr>
+      </p:sp>
+      <p:sp>
+        <p:nvSpPr>
+          <p:cNvPr id="265" name="Shape 265"/>
+          <p:cNvSpPr>
+            <a:spLocks noGrp="1"/>
+          </p:cNvSpPr>
+          <p:nvPr>
+            <p:ph type="body" idx="1"/>
+          </p:nvPr>
+        </p:nvSpPr>
+        <p:spPr>
+          <a:xfrm>
+            <a:off x="914400" y="4343400"/>
+            <a:ext cx="5029199" cy="4114800"/>
+          </a:xfrm>
+          <a:prstGeom prst="rect">
+            <a:avLst/>
+          </a:prstGeom>
+          <a:noFill/>
+          <a:ln>
+            <a:noFill/>
+          </a:ln>
+        </p:spPr>
+        <p:txBody>
+          <a:bodyPr lIns="91425" tIns="45700" rIns="91425" bIns="45700" anchor="t" anchorCtr="0">
+            <a:spAutoFit/>
+          </a:bodyPr>
+          <a:lstStyle/>
+          <a:p>
+            <a:pPr marL="0" marR="0" lvl="0" indent="0" algn="l" rtl="0">
+              <a:buSzPct val="25000"/>
+              <a:buFont typeface="Arial" charset="0"/>
+              <a:buChar char="•"/>
+            </a:pPr>
+            <a:r>
+              <a:rPr lang="nb-NO" sz="1800" b="0" i="0" u="none" strike="noStrike" cap="none" baseline="0" dirty="0" smtClean="0"/>
+              <a:t>Eksempler: Cassandra, InfiniDB, SQL Server 2012(xVelocity), HBase(ish)</a:t>
+            </a:r>
+          </a:p>
+          <a:p>
+            <a:pPr marL="0" marR="0" lvl="0" indent="0" algn="l" rtl="0">
+              <a:buSzPct val="25000"/>
+              <a:buFont typeface="Arial" charset="0"/>
+              <a:buChar char="•"/>
+            </a:pPr>
+            <a:endParaRPr lang="nb-NO" sz="1800" b="0" i="0" u="none" strike="noStrike" cap="none" baseline="0" dirty="0" smtClean="0"/>
+          </a:p>
+          <a:p>
+            <a:pPr marL="0" marR="0" lvl="0" indent="0" algn="l" rtl="0">
+              <a:buSzPct val="25000"/>
+              <a:buFont typeface="Arial" charset="0"/>
+              <a:buChar char="•"/>
+            </a:pPr>
+            <a:r>
+              <a:rPr lang="nb-NO" sz="1800" b="0" i="0" u="none" strike="noStrike" cap="none" baseline="0" dirty="0" smtClean="0"/>
+              <a:t>SQL Server 2012, xVelocity: in memory columnstore.</a:t>
+            </a:r>
+          </a:p>
+          <a:p>
+            <a:pPr marL="0" marR="0" lvl="0" indent="0" algn="l" rtl="0">
+              <a:buSzPct val="25000"/>
+              <a:buFont typeface="Arial" charset="0"/>
+              <a:buChar char="•"/>
+            </a:pPr>
+            <a:r>
+              <a:rPr lang="nb-NO" sz="1800" b="0" i="0" u="none" strike="noStrike" cap="none" baseline="0" dirty="0" smtClean="0"/>
+              <a:t>Cassandra: skalerer veldig linært, append only for bedre IO</a:t>
+            </a:r>
+          </a:p>
+        </p:txBody>
+      </p:sp>
+      <p:sp>
+        <p:nvSpPr>
+          <p:cNvPr id="266" name="Shape 266"/>
+          <p:cNvSpPr>
+            <a:spLocks noGrp="1"/>
+          </p:cNvSpPr>
+          <p:nvPr>
+            <p:ph type="sldNum" idx="12"/>
+          </p:nvPr>
+        </p:nvSpPr>
+        <p:spPr>
+          <a:xfrm>
+            <a:off x="3886200" y="8686800"/>
+            <a:ext cx="2971799" cy="457200"/>
+          </a:xfrm>
+          <a:prstGeom prst="rect">
+            <a:avLst/>
+          </a:prstGeom>
+          <a:noFill/>
+          <a:ln>
+            <a:noFill/>
+          </a:ln>
+        </p:spPr>
+        <p:txBody>
+          <a:bodyPr lIns="91425" tIns="45700" rIns="91425" bIns="45700" anchor="b" anchorCtr="0">
+            <a:spAutoFit/>
+          </a:bodyPr>
+          <a:lstStyle/>
+          <a:p>
+            <a:pPr>
+              <a:buNone/>
+            </a:pPr>
+            <a:r>
+              <a:rPr/>
+              <a:t> </a:t>
+            </a:r>
+          </a:p>
+        </p:txBody>
+      </p:sp>
+    </p:spTree>
+  </p:cSld>
+  <p:clrMapOvr>
+    <a:masterClrMapping/>
+  </p:clrMapOvr>
+</p:notes>
+</file>
+
+<file path=ppt/notesSlides/notesSlide21.xml><?xml version="1.0" encoding="utf-8"?>
+<p:notes xmlns:a="http://schemas.openxmlformats.org/drawingml/2006/main" xmlns:r="http://schemas.openxmlformats.org/officeDocument/2006/relationships" xmlns:p="http://schemas.openxmlformats.org/presentationml/2006/main" showMasterSp="0" showMasterPhAnim="0">
+  <p:cSld>
+    <p:spTree>
+      <p:nvGrpSpPr>
+        <p:cNvPr id="1" name="Shape 262"/>
+        <p:cNvGrpSpPr/>
+        <p:nvPr/>
+      </p:nvGrpSpPr>
+      <p:grpSpPr>
+        <a:xfrm>
+          <a:off x="0" y="0"/>
+          <a:ext cx="0" cy="0"/>
+          <a:chOff x="0" y="0"/>
+          <a:chExt cx="0" cy="0"/>
+        </a:xfrm>
+      </p:grpSpPr>
+      <p:sp>
+        <p:nvSpPr>
+          <p:cNvPr id="263" name="Shape 263"/>
+          <p:cNvSpPr/>
+          <p:nvPr/>
+        </p:nvSpPr>
+        <p:spPr>
+          <a:xfrm>
+            <a:off x="3886200" y="8686800"/>
+            <a:ext cx="2971799" cy="457200"/>
+          </a:xfrm>
+          <a:prstGeom prst="rect">
+            <a:avLst/>
+          </a:prstGeom>
+          <a:noFill/>
+          <a:ln>
+            <a:noFill/>
+          </a:ln>
+        </p:spPr>
+        <p:txBody>
+          <a:bodyPr lIns="91425" tIns="45700" rIns="91425" bIns="45700" anchor="b" anchorCtr="0">
+            <a:spAutoFit/>
+          </a:bodyPr>
+          <a:lstStyle/>
+          <a:p>
+            <a:pPr marL="0" marR="0" lvl="0" indent="0" algn="r" rtl="0">
+              <a:buSzPct val="25000"/>
+              <a:buFont typeface="Arial"/>
+              <a:buNone/>
+            </a:pPr>
+            <a:r>
+              <a:rPr sz="1200" b="0" i="0" u="none" strike="noStrike" cap="none" baseline="0"/>
+              <a:t>*</a:t>
+            </a:r>
+          </a:p>
+        </p:txBody>
+      </p:sp>
+      <p:sp>
+        <p:nvSpPr>
+          <p:cNvPr id="264" name="Shape 264"/>
+          <p:cNvSpPr>
+            <a:spLocks noGrp="1" noRot="1" noChangeAspect="1"/>
+          </p:cNvSpPr>
+          <p:nvPr>
+            <p:ph type="sldImg" idx="2"/>
+          </p:nvPr>
+        </p:nvSpPr>
+        <p:spPr>
+          <a:xfrm>
+            <a:off x="1143000" y="685800"/>
+            <a:ext cx="4572000" cy="3429000"/>
+          </a:xfrm>
+          <a:custGeom>
+            <a:avLst/>
+            <a:gdLst/>
+            <a:ahLst/>
+            <a:cxnLst/>
+            <a:rect l="0" t="0" r="0" b="0"/>
+            <a:pathLst>
+              <a:path w="120000" h="120000" extrusionOk="0">
+                <a:moveTo>
+                  <a:pt x="0" y="0"/>
+                </a:moveTo>
+                <a:lnTo>
+                  <a:pt x="120000" y="0"/>
+                </a:lnTo>
+                <a:lnTo>
+                  <a:pt x="120000" y="120000"/>
+                </a:lnTo>
+                <a:lnTo>
+                  <a:pt x="0" y="120000"/>
+                </a:lnTo>
+                <a:close/>
+              </a:path>
+            </a:pathLst>
+          </a:custGeom>
+          <a:noFill/>
+          <a:ln>
+            <a:noFill/>
+          </a:ln>
+        </p:spPr>
+      </p:sp>
+      <p:sp>
+        <p:nvSpPr>
+          <p:cNvPr id="265" name="Shape 265"/>
+          <p:cNvSpPr>
+            <a:spLocks noGrp="1"/>
+          </p:cNvSpPr>
+          <p:nvPr>
+            <p:ph type="body" idx="1"/>
+          </p:nvPr>
+        </p:nvSpPr>
+        <p:spPr>
+          <a:xfrm>
+            <a:off x="914400" y="4343400"/>
+            <a:ext cx="5029199" cy="4114800"/>
+          </a:xfrm>
+          <a:prstGeom prst="rect">
+            <a:avLst/>
+          </a:prstGeom>
+          <a:noFill/>
+          <a:ln>
+            <a:noFill/>
+          </a:ln>
+        </p:spPr>
+        <p:txBody>
+          <a:bodyPr lIns="91425" tIns="45700" rIns="91425" bIns="45700" anchor="t" anchorCtr="0">
+            <a:spAutoFit/>
+          </a:bodyPr>
+          <a:lstStyle/>
+          <a:p>
+            <a:pPr marL="0" marR="0" lvl="0" indent="0" algn="l" rtl="0">
+              <a:buSzPct val="25000"/>
+              <a:buFont typeface="Arial" charset="0"/>
+              <a:buChar char="•"/>
+            </a:pPr>
+            <a:r>
+              <a:rPr lang="nb-NO" sz="1800" b="0" i="0" u="none" strike="noStrike" cap="none" baseline="0" dirty="0" smtClean="0"/>
+              <a:t>Datamodell: Noder og kanter.</a:t>
+            </a:r>
+          </a:p>
+          <a:p>
+            <a:pPr marL="0" marR="0" lvl="0" indent="0" algn="l" rtl="0">
+              <a:buSzPct val="25000"/>
+              <a:buFont typeface="Arial" charset="0"/>
+              <a:buChar char="•"/>
+            </a:pPr>
+            <a:endParaRPr lang="nb-NO" sz="1800" b="0" i="0" u="none" strike="noStrike" cap="none" baseline="0" dirty="0" smtClean="0"/>
+          </a:p>
+          <a:p>
+            <a:pPr marL="0" marR="0" lvl="0" indent="0" algn="l" rtl="0">
+              <a:buSzPct val="25000"/>
+              <a:buFont typeface="Arial" charset="0"/>
+              <a:buChar char="•"/>
+            </a:pPr>
+            <a:r>
+              <a:rPr lang="nb-NO" sz="1800" b="0" i="0" u="none" strike="noStrike" cap="none" baseline="0" dirty="0" smtClean="0"/>
+              <a:t>Hvor mange kjenner jeg som har X?</a:t>
+            </a:r>
+          </a:p>
+          <a:p>
+            <a:pPr marL="0" marR="0" lvl="0" indent="0" algn="l" rtl="0">
+              <a:buSzPct val="25000"/>
+              <a:buFont typeface="Arial" charset="0"/>
+              <a:buChar char="•"/>
+            </a:pPr>
+            <a:r>
+              <a:rPr lang="nb-NO" sz="1800" b="0" i="0" u="none" strike="noStrike" cap="none" baseline="0" dirty="0" smtClean="0"/>
+              <a:t>Hvor mange venners venner har jeg?</a:t>
+            </a:r>
+          </a:p>
+          <a:p>
+            <a:pPr marL="0" marR="0" lvl="0" indent="0" algn="l" rtl="0">
+              <a:buSzPct val="25000"/>
+              <a:buFont typeface="Arial" charset="0"/>
+              <a:buChar char="•"/>
+            </a:pPr>
+            <a:r>
+              <a:rPr lang="nb-NO" sz="1800" b="0" i="0" u="none" strike="noStrike" cap="none" baseline="0" dirty="0" smtClean="0"/>
+              <a:t>Hvem har flest venner?</a:t>
+            </a:r>
+          </a:p>
+        </p:txBody>
+      </p:sp>
+      <p:sp>
+        <p:nvSpPr>
+          <p:cNvPr id="266" name="Shape 266"/>
+          <p:cNvSpPr>
+            <a:spLocks noGrp="1"/>
+          </p:cNvSpPr>
+          <p:nvPr>
+            <p:ph type="sldNum" idx="12"/>
+          </p:nvPr>
+        </p:nvSpPr>
+        <p:spPr>
+          <a:xfrm>
+            <a:off x="3886200" y="8686800"/>
+            <a:ext cx="2971799" cy="457200"/>
+          </a:xfrm>
+          <a:prstGeom prst="rect">
+            <a:avLst/>
+          </a:prstGeom>
+          <a:noFill/>
+          <a:ln>
+            <a:noFill/>
+          </a:ln>
+        </p:spPr>
+        <p:txBody>
+          <a:bodyPr lIns="91425" tIns="45700" rIns="91425" bIns="45700" anchor="b" anchorCtr="0">
+            <a:spAutoFit/>
+          </a:bodyPr>
+          <a:lstStyle/>
+          <a:p>
+            <a:pPr>
+              <a:buNone/>
+            </a:pPr>
+            <a:r>
+              <a:rPr/>
+              <a:t> </a:t>
+            </a:r>
+          </a:p>
+        </p:txBody>
+      </p:sp>
+    </p:spTree>
+  </p:cSld>
+  <p:clrMapOvr>
+    <a:masterClrMapping/>
+  </p:clrMapOvr>
+</p:notes>
+</file>
+
+<file path=ppt/notesSlides/notesSlide22.xml><?xml version="1.0" encoding="utf-8"?>
+<p:notes xmlns:a="http://schemas.openxmlformats.org/drawingml/2006/main" xmlns:r="http://schemas.openxmlformats.org/officeDocument/2006/relationships" xmlns:p="http://schemas.openxmlformats.org/presentationml/2006/main" showMasterSp="0" showMasterPhAnim="0">
+  <p:cSld>
+    <p:spTree>
+      <p:nvGrpSpPr>
+        <p:cNvPr id="1" name="Shape 262"/>
+        <p:cNvGrpSpPr/>
+        <p:nvPr/>
+      </p:nvGrpSpPr>
+      <p:grpSpPr>
+        <a:xfrm>
+          <a:off x="0" y="0"/>
+          <a:ext cx="0" cy="0"/>
+          <a:chOff x="0" y="0"/>
+          <a:chExt cx="0" cy="0"/>
+        </a:xfrm>
+      </p:grpSpPr>
+      <p:sp>
+        <p:nvSpPr>
+          <p:cNvPr id="263" name="Shape 263"/>
+          <p:cNvSpPr/>
+          <p:nvPr/>
+        </p:nvSpPr>
+        <p:spPr>
+          <a:xfrm>
+            <a:off x="3886200" y="8686800"/>
+            <a:ext cx="2971799" cy="457200"/>
+          </a:xfrm>
+          <a:prstGeom prst="rect">
+            <a:avLst/>
+          </a:prstGeom>
+          <a:noFill/>
+          <a:ln>
+            <a:noFill/>
+          </a:ln>
+        </p:spPr>
+        <p:txBody>
+          <a:bodyPr lIns="91425" tIns="45700" rIns="91425" bIns="45700" anchor="b" anchorCtr="0">
+            <a:spAutoFit/>
+          </a:bodyPr>
+          <a:lstStyle/>
+          <a:p>
+            <a:pPr marL="0" marR="0" lvl="0" indent="0" algn="r" rtl="0">
+              <a:buSzPct val="25000"/>
+              <a:buFont typeface="Arial"/>
+              <a:buNone/>
+            </a:pPr>
+            <a:r>
+              <a:rPr sz="1200" b="0" i="0" u="none" strike="noStrike" cap="none" baseline="0"/>
+              <a:t>*</a:t>
+            </a:r>
+          </a:p>
+        </p:txBody>
+      </p:sp>
+      <p:sp>
+        <p:nvSpPr>
+          <p:cNvPr id="264" name="Shape 264"/>
+          <p:cNvSpPr>
+            <a:spLocks noGrp="1" noRot="1" noChangeAspect="1"/>
+          </p:cNvSpPr>
+          <p:nvPr>
+            <p:ph type="sldImg" idx="2"/>
+          </p:nvPr>
+        </p:nvSpPr>
+        <p:spPr>
+          <a:xfrm>
+            <a:off x="1143000" y="685800"/>
+            <a:ext cx="4572000" cy="3429000"/>
+          </a:xfrm>
+          <a:custGeom>
+            <a:avLst/>
+            <a:gdLst/>
+            <a:ahLst/>
+            <a:cxnLst/>
+            <a:rect l="0" t="0" r="0" b="0"/>
+            <a:pathLst>
+              <a:path w="120000" h="120000" extrusionOk="0">
+                <a:moveTo>
+                  <a:pt x="0" y="0"/>
+                </a:moveTo>
+                <a:lnTo>
+                  <a:pt x="120000" y="0"/>
+                </a:lnTo>
+                <a:lnTo>
+                  <a:pt x="120000" y="120000"/>
+                </a:lnTo>
+                <a:lnTo>
+                  <a:pt x="0" y="120000"/>
+                </a:lnTo>
+                <a:close/>
+              </a:path>
+            </a:pathLst>
+          </a:custGeom>
+          <a:noFill/>
+          <a:ln>
+            <a:noFill/>
+          </a:ln>
+        </p:spPr>
+      </p:sp>
+      <p:sp>
+        <p:nvSpPr>
+          <p:cNvPr id="265" name="Shape 265"/>
+          <p:cNvSpPr>
+            <a:spLocks noGrp="1"/>
+          </p:cNvSpPr>
+          <p:nvPr>
+            <p:ph type="body" idx="1"/>
+          </p:nvPr>
+        </p:nvSpPr>
+        <p:spPr>
+          <a:xfrm>
+            <a:off x="914400" y="4343400"/>
+            <a:ext cx="5029199" cy="4114800"/>
+          </a:xfrm>
+          <a:prstGeom prst="rect">
+            <a:avLst/>
+          </a:prstGeom>
+          <a:noFill/>
+          <a:ln>
+            <a:noFill/>
+          </a:ln>
+        </p:spPr>
+        <p:txBody>
+          <a:bodyPr lIns="91425" tIns="45700" rIns="91425" bIns="45700" anchor="t" anchorCtr="0">
+            <a:spAutoFit/>
+          </a:bodyPr>
+          <a:lstStyle/>
+          <a:p>
+            <a:pPr marL="0" marR="0" lvl="0" indent="0" algn="l" rtl="0">
+              <a:buSzPct val="25000"/>
+              <a:buFont typeface="Arial" charset="0"/>
+              <a:buChar char="•"/>
+            </a:pPr>
+            <a:r>
+              <a:rPr lang="nb-NO" sz="1800" b="0" i="0" u="none" strike="noStrike" cap="none" baseline="0" dirty="0" smtClean="0"/>
+              <a:t>Eksempler: Neo4J, HyperGraphDB, OrientDB</a:t>
+            </a:r>
+          </a:p>
+          <a:p>
+            <a:pPr marL="0" marR="0" lvl="0" indent="0" algn="l" rtl="0">
+              <a:buSzPct val="25000"/>
+              <a:buFont typeface="Arial" charset="0"/>
+              <a:buChar char="•"/>
+            </a:pPr>
+            <a:endParaRPr lang="nb-NO" sz="1800" b="0" i="0" u="none" strike="noStrike" cap="none" baseline="0" dirty="0" smtClean="0"/>
+          </a:p>
+          <a:p>
+            <a:pPr marL="0" marR="0" lvl="0" indent="0" algn="l" rtl="0">
+              <a:buSzPct val="25000"/>
+              <a:buFont typeface="Arial" charset="0"/>
+              <a:buChar char="•"/>
+            </a:pPr>
+            <a:r>
+              <a:rPr lang="nb-NO" sz="1800" b="0" i="0" u="none" strike="noStrike" cap="none" baseline="0" dirty="0" smtClean="0"/>
+              <a:t>Neo4J: ACID, men scale out issues. </a:t>
+            </a:r>
+          </a:p>
+          <a:p>
+            <a:pPr marL="0" marR="0" lvl="0" indent="0" algn="l" rtl="0">
+              <a:buSzPct val="25000"/>
+              <a:buFont typeface="Arial" charset="0"/>
+              <a:buChar char="•"/>
+            </a:pPr>
+            <a:r>
+              <a:rPr lang="nb-NO" sz="1800" b="0" i="0" u="none" strike="noStrike" cap="none" baseline="0" dirty="0" smtClean="0"/>
+              <a:t>OrientDB: full ACID, SQL-støtte(!), schema/ikke-schema</a:t>
+            </a:r>
+          </a:p>
+          <a:p>
+            <a:pPr marL="0" marR="0" lvl="0" indent="0" algn="l" rtl="0">
+              <a:buSzPct val="25000"/>
+              <a:buFont typeface="Arial" charset="0"/>
+              <a:buChar char="•"/>
+            </a:pPr>
+            <a:endParaRPr lang="nb-NO" sz="1800" b="0" i="0" u="none" strike="noStrike" cap="none" baseline="0" dirty="0" smtClean="0"/>
+          </a:p>
+          <a:p>
+            <a:pPr marL="0" marR="0" lvl="0" indent="0" algn="l" rtl="0">
+              <a:buSzPct val="25000"/>
+              <a:buFont typeface="Arial" charset="0"/>
+              <a:buChar char="•"/>
+            </a:pPr>
+            <a:r>
+              <a:rPr lang="nb-NO" sz="1800" b="0" i="0" u="none" strike="noStrike" cap="none" baseline="0" dirty="0" smtClean="0"/>
+              <a:t>Utfordring: Hvordan sharder du en graf?</a:t>
+            </a:r>
+          </a:p>
+          <a:p>
+            <a:pPr marL="457200" marR="0" lvl="1" indent="0" algn="l" rtl="0">
+              <a:buSzPct val="25000"/>
+              <a:buFont typeface="Arial" charset="0"/>
+              <a:buChar char="•"/>
+            </a:pPr>
+            <a:r>
+              <a:rPr lang="nb-NO" sz="1800" b="0" i="0" u="none" strike="noStrike" cap="none" baseline="0" dirty="0" smtClean="0"/>
+              <a:t>I motsetning til key/value og dokument så henger data sammen.</a:t>
+            </a:r>
+          </a:p>
+          <a:p>
+            <a:pPr marL="0" marR="0" lvl="0" indent="0" algn="l" rtl="0">
+              <a:buSzPct val="25000"/>
+              <a:buFont typeface="Arial" charset="0"/>
+              <a:buChar char="•"/>
+            </a:pPr>
+            <a:endParaRPr lang="nb-NO" sz="1800" b="0" i="0" u="none" strike="noStrike" cap="none" baseline="0" dirty="0" smtClean="0"/>
+          </a:p>
+        </p:txBody>
+      </p:sp>
+      <p:sp>
+        <p:nvSpPr>
+          <p:cNvPr id="266" name="Shape 266"/>
+          <p:cNvSpPr>
+            <a:spLocks noGrp="1"/>
+          </p:cNvSpPr>
+          <p:nvPr>
+            <p:ph type="sldNum" idx="12"/>
+          </p:nvPr>
+        </p:nvSpPr>
+        <p:spPr>
+          <a:xfrm>
+            <a:off x="3886200" y="8686800"/>
+            <a:ext cx="2971799" cy="457200"/>
+          </a:xfrm>
+          <a:prstGeom prst="rect">
+            <a:avLst/>
+          </a:prstGeom>
+          <a:noFill/>
+          <a:ln>
+            <a:noFill/>
+          </a:ln>
+        </p:spPr>
+        <p:txBody>
+          <a:bodyPr lIns="91425" tIns="45700" rIns="91425" bIns="45700" anchor="b" anchorCtr="0">
+            <a:spAutoFit/>
+          </a:bodyPr>
+          <a:lstStyle/>
+          <a:p>
+            <a:pPr>
+              <a:buNone/>
+            </a:pPr>
+            <a:r>
+              <a:rPr/>
+              <a:t> </a:t>
+            </a:r>
+          </a:p>
+        </p:txBody>
+      </p:sp>
+    </p:spTree>
+  </p:cSld>
+  <p:clrMapOvr>
+    <a:masterClrMapping/>
+  </p:clrMapOvr>
+</p:notes>
+</file>
+
+<file path=ppt/notesSlides/notesSlide23.xml><?xml version="1.0" encoding="utf-8"?>
+<p:notes xmlns:a="http://schemas.openxmlformats.org/drawingml/2006/main" xmlns:r="http://schemas.openxmlformats.org/officeDocument/2006/relationships" xmlns:p="http://schemas.openxmlformats.org/presentationml/2006/main" showMasterSp="0" showMasterPhAnim="0">
+  <p:cSld>
+    <p:spTree>
+      <p:nvGrpSpPr>
+        <p:cNvPr id="1" name="Shape 262"/>
+        <p:cNvGrpSpPr/>
+        <p:nvPr/>
+      </p:nvGrpSpPr>
+      <p:grpSpPr>
+        <a:xfrm>
+          <a:off x="0" y="0"/>
+          <a:ext cx="0" cy="0"/>
+          <a:chOff x="0" y="0"/>
+          <a:chExt cx="0" cy="0"/>
+        </a:xfrm>
+      </p:grpSpPr>
+      <p:sp>
+        <p:nvSpPr>
+          <p:cNvPr id="263" name="Shape 263"/>
+          <p:cNvSpPr/>
+          <p:nvPr/>
+        </p:nvSpPr>
+        <p:spPr>
+          <a:xfrm>
+            <a:off x="3886200" y="8686800"/>
+            <a:ext cx="2971799" cy="457200"/>
+          </a:xfrm>
+          <a:prstGeom prst="rect">
+            <a:avLst/>
+          </a:prstGeom>
+          <a:noFill/>
+          <a:ln>
+            <a:noFill/>
+          </a:ln>
+        </p:spPr>
+        <p:txBody>
+          <a:bodyPr lIns="91425" tIns="45700" rIns="91425" bIns="45700" anchor="b" anchorCtr="0">
+            <a:spAutoFit/>
+          </a:bodyPr>
+          <a:lstStyle/>
+          <a:p>
+            <a:pPr marL="0" marR="0" lvl="0" indent="0" algn="r" rtl="0">
+              <a:buSzPct val="25000"/>
+              <a:buFont typeface="Arial"/>
+              <a:buNone/>
+            </a:pPr>
+            <a:r>
+              <a:rPr sz="1200" b="0" i="0" u="none" strike="noStrike" cap="none" baseline="0"/>
+              <a:t>*</a:t>
+            </a:r>
+          </a:p>
+        </p:txBody>
+      </p:sp>
+      <p:sp>
+        <p:nvSpPr>
+          <p:cNvPr id="264" name="Shape 264"/>
+          <p:cNvSpPr>
+            <a:spLocks noGrp="1" noRot="1" noChangeAspect="1"/>
+          </p:cNvSpPr>
+          <p:nvPr>
+            <p:ph type="sldImg" idx="2"/>
+          </p:nvPr>
+        </p:nvSpPr>
+        <p:spPr>
+          <a:xfrm>
+            <a:off x="1143000" y="685800"/>
+            <a:ext cx="4572000" cy="3429000"/>
+          </a:xfrm>
+          <a:custGeom>
+            <a:avLst/>
+            <a:gdLst/>
+            <a:ahLst/>
+            <a:cxnLst/>
+            <a:rect l="0" t="0" r="0" b="0"/>
+            <a:pathLst>
+              <a:path w="120000" h="120000" extrusionOk="0">
+                <a:moveTo>
+                  <a:pt x="0" y="0"/>
+                </a:moveTo>
+                <a:lnTo>
+                  <a:pt x="120000" y="0"/>
+                </a:lnTo>
+                <a:lnTo>
+                  <a:pt x="120000" y="120000"/>
+                </a:lnTo>
+                <a:lnTo>
+                  <a:pt x="0" y="120000"/>
+                </a:lnTo>
+                <a:close/>
+              </a:path>
+            </a:pathLst>
+          </a:custGeom>
+          <a:noFill/>
+          <a:ln>
+            <a:noFill/>
+          </a:ln>
+        </p:spPr>
+      </p:sp>
+      <p:sp>
+        <p:nvSpPr>
+          <p:cNvPr id="265" name="Shape 265"/>
+          <p:cNvSpPr>
+            <a:spLocks noGrp="1"/>
+          </p:cNvSpPr>
+          <p:nvPr>
+            <p:ph type="body" idx="1"/>
+          </p:nvPr>
+        </p:nvSpPr>
+        <p:spPr>
+          <a:xfrm>
+            <a:off x="914400" y="4343400"/>
+            <a:ext cx="5029199" cy="4114800"/>
+          </a:xfrm>
+          <a:prstGeom prst="rect">
+            <a:avLst/>
+          </a:prstGeom>
+          <a:noFill/>
+          <a:ln>
+            <a:noFill/>
+          </a:ln>
+        </p:spPr>
+        <p:txBody>
+          <a:bodyPr lIns="91425" tIns="45700" rIns="91425" bIns="45700" anchor="t" anchorCtr="0">
+            <a:spAutoFit/>
+          </a:bodyPr>
+          <a:lstStyle/>
+          <a:p>
+            <a:pPr marL="0" marR="0" lvl="0" indent="0" algn="l" rtl="0">
+              <a:buSzPct val="25000"/>
+              <a:buFont typeface="Arial"/>
+              <a:buNone/>
+            </a:pPr>
+            <a:r>
+              <a:rPr lang="nb-NO" sz="1800" b="0" i="0" u="none" strike="noStrike" cap="none" baseline="0" dirty="0" smtClean="0"/>
+              <a:t>Dynamo kjører Amazon sin shopping cart.</a:t>
+            </a:r>
+          </a:p>
+          <a:p>
+            <a:pPr marL="0" marR="0" lvl="0" indent="0" algn="l" rtl="0">
+              <a:buSzPct val="25000"/>
+              <a:buFont typeface="Arial"/>
+              <a:buNone/>
+            </a:pPr>
+            <a:endParaRPr lang="nb-NO" sz="1800" b="0" i="0" u="none" strike="noStrike" cap="none" baseline="0" dirty="0" smtClean="0"/>
+          </a:p>
+          <a:p>
+            <a:pPr marL="0" marR="0" lvl="0" indent="0" algn="l" rtl="0">
+              <a:buSzPct val="25000"/>
+              <a:buFont typeface="Arial"/>
+              <a:buNone/>
+            </a:pPr>
+            <a:r>
+              <a:rPr lang="nb-NO" sz="1800" b="0" i="0" u="none" strike="noStrike" cap="none" baseline="0" dirty="0" smtClean="0"/>
+              <a:t>Documents: perfekt match til aggregate roots.</a:t>
+            </a:r>
+            <a:endParaRPr sz="1800" b="0" i="0" u="none" strike="noStrike" cap="none" baseline="0" dirty="0"/>
+          </a:p>
+        </p:txBody>
+      </p:sp>
+      <p:sp>
+        <p:nvSpPr>
+          <p:cNvPr id="266" name="Shape 266"/>
+          <p:cNvSpPr>
+            <a:spLocks noGrp="1"/>
+          </p:cNvSpPr>
+          <p:nvPr>
+            <p:ph type="sldNum" idx="12"/>
+          </p:nvPr>
+        </p:nvSpPr>
+        <p:spPr>
+          <a:xfrm>
+            <a:off x="3886200" y="8686800"/>
+            <a:ext cx="2971799" cy="457200"/>
+          </a:xfrm>
+          <a:prstGeom prst="rect">
+            <a:avLst/>
+          </a:prstGeom>
+          <a:noFill/>
+          <a:ln>
+            <a:noFill/>
+          </a:ln>
+        </p:spPr>
+        <p:txBody>
+          <a:bodyPr lIns="91425" tIns="45700" rIns="91425" bIns="45700" anchor="b" anchorCtr="0">
+            <a:spAutoFit/>
+          </a:bodyPr>
+          <a:lstStyle/>
+          <a:p>
+            <a:pPr>
+              <a:buNone/>
+            </a:pPr>
+            <a:r>
+              <a:rPr/>
+              <a:t> </a:t>
+            </a:r>
+          </a:p>
+        </p:txBody>
+      </p:sp>
+    </p:spTree>
+  </p:cSld>
+  <p:clrMapOvr>
+    <a:masterClrMapping/>
+  </p:clrMapOvr>
+</p:notes>
+</file>
+
+<file path=ppt/notesSlides/notesSlide24.xml><?xml version="1.0" encoding="utf-8"?>
+<p:notes xmlns:a="http://schemas.openxmlformats.org/drawingml/2006/main" xmlns:r="http://schemas.openxmlformats.org/officeDocument/2006/relationships" xmlns:p="http://schemas.openxmlformats.org/presentationml/2006/main" showMasterSp="0" showMasterPhAnim="0">
+  <p:cSld>
+    <p:spTree>
+      <p:nvGrpSpPr>
+        <p:cNvPr id="1" name="Shape 262"/>
+        <p:cNvGrpSpPr/>
+        <p:nvPr/>
+      </p:nvGrpSpPr>
+      <p:grpSpPr>
+        <a:xfrm>
+          <a:off x="0" y="0"/>
+          <a:ext cx="0" cy="0"/>
+          <a:chOff x="0" y="0"/>
+          <a:chExt cx="0" cy="0"/>
+        </a:xfrm>
+      </p:grpSpPr>
+      <p:sp>
+        <p:nvSpPr>
+          <p:cNvPr id="263" name="Shape 263"/>
+          <p:cNvSpPr/>
+          <p:nvPr/>
+        </p:nvSpPr>
+        <p:spPr>
+          <a:xfrm>
+            <a:off x="3886200" y="8686800"/>
+            <a:ext cx="2971799" cy="457200"/>
+          </a:xfrm>
+          <a:prstGeom prst="rect">
+            <a:avLst/>
+          </a:prstGeom>
+          <a:noFill/>
+          <a:ln>
+            <a:noFill/>
+          </a:ln>
+        </p:spPr>
+        <p:txBody>
+          <a:bodyPr lIns="91425" tIns="45700" rIns="91425" bIns="45700" anchor="b" anchorCtr="0">
+            <a:spAutoFit/>
+          </a:bodyPr>
+          <a:lstStyle/>
+          <a:p>
+            <a:pPr marL="0" marR="0" lvl="0" indent="0" algn="r" rtl="0">
+              <a:buSzPct val="25000"/>
+              <a:buFont typeface="Arial"/>
+              <a:buNone/>
+            </a:pPr>
+            <a:r>
+              <a:rPr sz="1200" b="0" i="0" u="none" strike="noStrike" cap="none" baseline="0"/>
+              <a:t>*</a:t>
+            </a:r>
+          </a:p>
+        </p:txBody>
+      </p:sp>
+      <p:sp>
+        <p:nvSpPr>
+          <p:cNvPr id="264" name="Shape 264"/>
+          <p:cNvSpPr>
+            <a:spLocks noGrp="1" noRot="1" noChangeAspect="1"/>
+          </p:cNvSpPr>
+          <p:nvPr>
+            <p:ph type="sldImg" idx="2"/>
+          </p:nvPr>
+        </p:nvSpPr>
+        <p:spPr>
+          <a:xfrm>
+            <a:off x="1143000" y="685800"/>
+            <a:ext cx="4572000" cy="3429000"/>
+          </a:xfrm>
+          <a:custGeom>
+            <a:avLst/>
+            <a:gdLst/>
+            <a:ahLst/>
+            <a:cxnLst/>
+            <a:rect l="0" t="0" r="0" b="0"/>
+            <a:pathLst>
+              <a:path w="120000" h="120000" extrusionOk="0">
+                <a:moveTo>
+                  <a:pt x="0" y="0"/>
+                </a:moveTo>
+                <a:lnTo>
+                  <a:pt x="120000" y="0"/>
+                </a:lnTo>
+                <a:lnTo>
+                  <a:pt x="120000" y="120000"/>
+                </a:lnTo>
+                <a:lnTo>
+                  <a:pt x="0" y="120000"/>
+                </a:lnTo>
+                <a:close/>
+              </a:path>
+            </a:pathLst>
+          </a:custGeom>
+          <a:noFill/>
+          <a:ln>
+            <a:noFill/>
+          </a:ln>
+        </p:spPr>
+      </p:sp>
+      <p:sp>
+        <p:nvSpPr>
+          <p:cNvPr id="265" name="Shape 265"/>
+          <p:cNvSpPr>
+            <a:spLocks noGrp="1"/>
+          </p:cNvSpPr>
+          <p:nvPr>
+            <p:ph type="body" idx="1"/>
+          </p:nvPr>
+        </p:nvSpPr>
+        <p:spPr>
+          <a:xfrm>
+            <a:off x="914400" y="4343400"/>
+            <a:ext cx="5029199" cy="4114800"/>
+          </a:xfrm>
+          <a:prstGeom prst="rect">
+            <a:avLst/>
+          </a:prstGeom>
+          <a:noFill/>
+          <a:ln>
+            <a:noFill/>
+          </a:ln>
+        </p:spPr>
+        <p:txBody>
+          <a:bodyPr lIns="91425" tIns="45700" rIns="91425" bIns="45700" anchor="t" anchorCtr="0">
+            <a:spAutoFit/>
+          </a:bodyPr>
+          <a:lstStyle/>
+          <a:p>
+            <a:pPr marL="0" marR="0" lvl="0" indent="0" algn="l" rtl="0">
+              <a:buSzPct val="25000"/>
+              <a:buFont typeface="Arial" charset="0"/>
+              <a:buChar char="•"/>
+            </a:pPr>
+            <a:r>
+              <a:rPr lang="nb-NO" sz="1800" b="0" i="0" u="none" strike="noStrike" cap="none" baseline="0" dirty="0" smtClean="0"/>
+              <a:t>Ikke overdriv, ekstremvarianter er sjelden riktig.</a:t>
+            </a:r>
+          </a:p>
+          <a:p>
+            <a:pPr marL="0" marR="0" lvl="0" indent="0" algn="l" rtl="0">
+              <a:buSzPct val="25000"/>
+              <a:buFont typeface="Arial" charset="0"/>
+              <a:buChar char="•"/>
+            </a:pPr>
+            <a:r>
+              <a:rPr lang="nb-NO" sz="1800" b="0" i="0" u="none" strike="noStrike" cap="none" baseline="0" dirty="0" smtClean="0"/>
+              <a:t>Se på behovet FØR du velger løsning</a:t>
+            </a:r>
+          </a:p>
+          <a:p>
+            <a:pPr marL="0" marR="0" lvl="0" indent="0" algn="l" rtl="0">
+              <a:buSzPct val="25000"/>
+              <a:buFont typeface="Arial" charset="0"/>
+              <a:buChar char="•"/>
+            </a:pPr>
+            <a:r>
+              <a:rPr lang="nb-NO" sz="1800" b="0" i="0" u="none" strike="noStrike" cap="none" baseline="0" dirty="0" smtClean="0"/>
+              <a:t>Det trenger ikke være EN </a:t>
+            </a:r>
+            <a:r>
+              <a:rPr lang="nb-NO" sz="1800" b="0" i="0" u="none" strike="noStrike" cap="none" baseline="0" dirty="0" smtClean="0"/>
+              <a:t>teknologi</a:t>
+            </a:r>
+            <a:r>
+              <a:rPr lang="nb-NO" sz="1800" b="0" i="0" u="none" strike="noStrike" cap="none" baseline="0" dirty="0" smtClean="0"/>
+              <a:t>.</a:t>
+            </a:r>
+          </a:p>
+          <a:p>
+            <a:pPr marL="0" marR="0" lvl="0" indent="0" algn="l" rtl="0">
+              <a:buSzPct val="25000"/>
+              <a:buFont typeface="Arial" charset="0"/>
+              <a:buChar char="•"/>
+            </a:pPr>
+            <a:endParaRPr lang="nb-NO" sz="1800" b="0" i="0" u="none" strike="noStrike" cap="none" baseline="0" dirty="0" smtClean="0"/>
+          </a:p>
+          <a:p>
+            <a:pPr marL="0" marR="0" lvl="0" indent="0" algn="l" rtl="0">
+              <a:buSzPct val="25000"/>
+              <a:buFont typeface="Arial"/>
+              <a:buNone/>
+            </a:pPr>
+            <a:endParaRPr lang="nb-NO" sz="1800" b="0" i="0" u="none" strike="noStrike" cap="none" baseline="0" dirty="0" smtClean="0"/>
+          </a:p>
+          <a:p>
+            <a:pPr marL="0" marR="0" lvl="0" indent="0" algn="l" rtl="0">
+              <a:buSzPct val="25000"/>
+              <a:buFont typeface="Arial"/>
+              <a:buNone/>
+            </a:pPr>
+            <a:endParaRPr sz="1800" b="0" i="0" u="none" strike="noStrike" cap="none" baseline="0" dirty="0"/>
+          </a:p>
+        </p:txBody>
+      </p:sp>
+      <p:sp>
+        <p:nvSpPr>
+          <p:cNvPr id="266" name="Shape 266"/>
+          <p:cNvSpPr>
+            <a:spLocks noGrp="1"/>
+          </p:cNvSpPr>
+          <p:nvPr>
+            <p:ph type="sldNum" idx="12"/>
+          </p:nvPr>
+        </p:nvSpPr>
+        <p:spPr>
+          <a:xfrm>
+            <a:off x="3886200" y="8686800"/>
+            <a:ext cx="2971799" cy="457200"/>
+          </a:xfrm>
+          <a:prstGeom prst="rect">
+            <a:avLst/>
+          </a:prstGeom>
+          <a:noFill/>
+          <a:ln>
+            <a:noFill/>
+          </a:ln>
+        </p:spPr>
+        <p:txBody>
+          <a:bodyPr lIns="91425" tIns="45700" rIns="91425" bIns="45700" anchor="b" anchorCtr="0">
+            <a:spAutoFit/>
+          </a:bodyPr>
+          <a:lstStyle/>
+          <a:p>
+            <a:pPr>
+              <a:buNone/>
+            </a:pPr>
+            <a:r>
+              <a:rPr/>
+              <a:t> </a:t>
+            </a:r>
+          </a:p>
+        </p:txBody>
+      </p:sp>
+    </p:spTree>
+  </p:cSld>
+  <p:clrMapOvr>
+    <a:masterClrMapping/>
+  </p:clrMapOvr>
+</p:notes>
+</file>
+
+<file path=ppt/notesSlides/notesSlide25.xml><?xml version="1.0" encoding="utf-8"?>
+<p:notes xmlns:a="http://schemas.openxmlformats.org/drawingml/2006/main" xmlns:r="http://schemas.openxmlformats.org/officeDocument/2006/relationships" xmlns:p="http://schemas.openxmlformats.org/presentationml/2006/main" showMasterSp="0" showMasterPhAnim="0">
+  <p:cSld>
+    <p:spTree>
+      <p:nvGrpSpPr>
+        <p:cNvPr id="1" name="Shape 262"/>
+        <p:cNvGrpSpPr/>
+        <p:nvPr/>
+      </p:nvGrpSpPr>
+      <p:grpSpPr>
+        <a:xfrm>
+          <a:off x="0" y="0"/>
+          <a:ext cx="0" cy="0"/>
+          <a:chOff x="0" y="0"/>
+          <a:chExt cx="0" cy="0"/>
+        </a:xfrm>
+      </p:grpSpPr>
+      <p:sp>
+        <p:nvSpPr>
+          <p:cNvPr id="263" name="Shape 263"/>
+          <p:cNvSpPr/>
+          <p:nvPr/>
+        </p:nvSpPr>
+        <p:spPr>
+          <a:xfrm>
+            <a:off x="3886200" y="8686800"/>
+            <a:ext cx="2971799" cy="457200"/>
+          </a:xfrm>
+          <a:prstGeom prst="rect">
+            <a:avLst/>
+          </a:prstGeom>
+          <a:noFill/>
+          <a:ln>
+            <a:noFill/>
+          </a:ln>
+        </p:spPr>
+        <p:txBody>
+          <a:bodyPr lIns="91425" tIns="45700" rIns="91425" bIns="45700" anchor="b" anchorCtr="0">
+            <a:spAutoFit/>
+          </a:bodyPr>
+          <a:lstStyle/>
+          <a:p>
+            <a:pPr marL="0" marR="0" lvl="0" indent="0" algn="r" rtl="0">
+              <a:buSzPct val="25000"/>
+              <a:buFont typeface="Arial"/>
+              <a:buNone/>
+            </a:pPr>
+            <a:r>
+              <a:rPr sz="1200" b="0" i="0" u="none" strike="noStrike" cap="none" baseline="0"/>
+              <a:t>*</a:t>
+            </a:r>
+          </a:p>
+        </p:txBody>
+      </p:sp>
+      <p:sp>
+        <p:nvSpPr>
+          <p:cNvPr id="264" name="Shape 264"/>
+          <p:cNvSpPr>
+            <a:spLocks noGrp="1" noRot="1" noChangeAspect="1"/>
+          </p:cNvSpPr>
+          <p:nvPr>
+            <p:ph type="sldImg" idx="2"/>
+          </p:nvPr>
+        </p:nvSpPr>
+        <p:spPr>
+          <a:xfrm>
+            <a:off x="1143000" y="685800"/>
+            <a:ext cx="4572000" cy="3429000"/>
+          </a:xfrm>
+          <a:custGeom>
+            <a:avLst/>
+            <a:gdLst/>
+            <a:ahLst/>
+            <a:cxnLst/>
+            <a:rect l="0" t="0" r="0" b="0"/>
+            <a:pathLst>
+              <a:path w="120000" h="120000" extrusionOk="0">
+                <a:moveTo>
+                  <a:pt x="0" y="0"/>
+                </a:moveTo>
+                <a:lnTo>
+                  <a:pt x="120000" y="0"/>
+                </a:lnTo>
+                <a:lnTo>
+                  <a:pt x="120000" y="120000"/>
+                </a:lnTo>
+                <a:lnTo>
+                  <a:pt x="0" y="120000"/>
+                </a:lnTo>
+                <a:close/>
+              </a:path>
+            </a:pathLst>
+          </a:custGeom>
+          <a:noFill/>
+          <a:ln>
+            <a:noFill/>
+          </a:ln>
+        </p:spPr>
+      </p:sp>
+      <p:sp>
+        <p:nvSpPr>
+          <p:cNvPr id="265" name="Shape 265"/>
+          <p:cNvSpPr>
+            <a:spLocks noGrp="1"/>
+          </p:cNvSpPr>
+          <p:nvPr>
+            <p:ph type="body" idx="1"/>
+          </p:nvPr>
+        </p:nvSpPr>
+        <p:spPr>
+          <a:xfrm>
+            <a:off x="914400" y="4343400"/>
+            <a:ext cx="5029199" cy="4114800"/>
+          </a:xfrm>
+          <a:prstGeom prst="rect">
+            <a:avLst/>
+          </a:prstGeom>
+          <a:noFill/>
+          <a:ln>
+            <a:noFill/>
+          </a:ln>
+        </p:spPr>
+        <p:txBody>
+          <a:bodyPr lIns="91425" tIns="45700" rIns="91425" bIns="45700" anchor="t" anchorCtr="0">
+            <a:spAutoFit/>
+          </a:bodyPr>
+          <a:lstStyle/>
+          <a:p>
+            <a:pPr marL="0" marR="0" lvl="0" indent="0" algn="l" rtl="0">
+              <a:buSzPct val="25000"/>
+              <a:buFont typeface="Arial" charset="0"/>
+              <a:buChar char="•"/>
+            </a:pPr>
+            <a:r>
+              <a:rPr lang="nb-NO" sz="1800" b="0" i="0" u="none" strike="noStrike" cap="none" baseline="0" dirty="0" smtClean="0"/>
+              <a:t> Vel så viktig som hvilken teknologi du bruker er hvilken arkitektur du bruker </a:t>
+            </a:r>
+          </a:p>
+          <a:p>
+            <a:pPr marL="0" marR="0" lvl="0" indent="0" algn="l" rtl="0">
+              <a:buSzPct val="25000"/>
+              <a:buFont typeface="Arial" charset="0"/>
+              <a:buChar char="•"/>
+            </a:pPr>
+            <a:r>
+              <a:rPr lang="nb-NO" sz="1800" b="0" i="0" u="none" strike="noStrike" cap="none" baseline="0" dirty="0" smtClean="0"/>
+              <a:t> Marius </a:t>
+            </a:r>
+            <a:r>
+              <a:rPr lang="nb-NO" sz="1800" b="0" i="0" u="none" strike="noStrike" cap="none" baseline="0" dirty="0" smtClean="0"/>
+              <a:t>skal snakke litt om og vise oss hva slags arkitektur som funker polyglot persistence</a:t>
+            </a:r>
+          </a:p>
+          <a:p>
+            <a:pPr marL="0" marR="0" lvl="0" indent="0" algn="l" rtl="0">
+              <a:buSzPct val="25000"/>
+              <a:buFont typeface="Arial"/>
+              <a:buNone/>
+            </a:pPr>
+            <a:endParaRPr lang="nb-NO" sz="1800" b="0" i="0" u="none" strike="noStrike" cap="none" baseline="0" dirty="0" smtClean="0"/>
+          </a:p>
+          <a:p>
+            <a:pPr marL="0" marR="0" lvl="0" indent="0" algn="l" rtl="0">
+              <a:buSzPct val="25000"/>
+              <a:buFont typeface="Arial"/>
+              <a:buNone/>
+            </a:pPr>
+            <a:endParaRPr sz="1800" b="0" i="0" u="none" strike="noStrike" cap="none" baseline="0" dirty="0"/>
+          </a:p>
+        </p:txBody>
+      </p:sp>
+      <p:sp>
+        <p:nvSpPr>
+          <p:cNvPr id="266" name="Shape 266"/>
+          <p:cNvSpPr>
+            <a:spLocks noGrp="1"/>
+          </p:cNvSpPr>
+          <p:nvPr>
+            <p:ph type="sldNum" idx="12"/>
+          </p:nvPr>
+        </p:nvSpPr>
+        <p:spPr>
+          <a:xfrm>
+            <a:off x="3886200" y="8686800"/>
+            <a:ext cx="2971799" cy="457200"/>
+          </a:xfrm>
+          <a:prstGeom prst="rect">
+            <a:avLst/>
+          </a:prstGeom>
+          <a:noFill/>
+          <a:ln>
+            <a:noFill/>
+          </a:ln>
+        </p:spPr>
+        <p:txBody>
+          <a:bodyPr lIns="91425" tIns="45700" rIns="91425" bIns="45700" anchor="b" anchorCtr="0">
+            <a:spAutoFit/>
+          </a:bodyPr>
+          <a:lstStyle/>
+          <a:p>
+            <a:pPr>
+              <a:buNone/>
+            </a:pPr>
+            <a:r>
+              <a:rPr/>
+              <a:t> </a:t>
+            </a:r>
+          </a:p>
+        </p:txBody>
+      </p:sp>
+    </p:spTree>
+  </p:cSld>
+  <p:clrMapOvr>
+    <a:masterClrMapping/>
+  </p:clrMapOvr>
+</p:notes>
+</file>
+
 <file path=ppt/notesSlides/notesSlide3.xml><?xml version="1.0" encoding="utf-8"?>
 <p:notes xmlns:a="http://schemas.openxmlformats.org/drawingml/2006/main" xmlns:r="http://schemas.openxmlformats.org/officeDocument/2006/relationships" xmlns:p="http://schemas.openxmlformats.org/presentationml/2006/main" showMasterSp="0" showMasterPhAnim="0">
   <p:cSld>
@@ -2626,12 +4863,23 @@
           <a:p>
             <a:pPr marL="0" marR="0" lvl="0" indent="0" algn="l" rtl="0">
               <a:buSzPct val="25000"/>
-              <a:buFont typeface="Arial"/>
-              <a:buNone/>
+              <a:buFontTx/>
+              <a:buChar char="-"/>
             </a:pPr>
             <a:r>
               <a:rPr lang="nb-NO" sz="1800" b="0" i="0" u="none" strike="noStrike" cap="none" baseline="0" dirty="0" smtClean="0"/>
-              <a:t>- Database thaw (Fowler)</a:t>
+              <a:t>Database thaw (Fowler)</a:t>
+            </a:r>
+          </a:p>
+          <a:p>
+            <a:pPr marL="0" marR="0" lvl="0" indent="0" algn="l" rtl="0">
+              <a:buSzPct val="25000"/>
+              <a:buFontTx/>
+              <a:buChar char="-"/>
+            </a:pPr>
+            <a:r>
+              <a:rPr lang="en-US" sz="1800" b="0" i="0" u="none" strike="noStrike" cap="none" baseline="0" dirty="0" smtClean="0"/>
+              <a:t>I'm confident to say that if you starting a new strategic enterprise application you should no longer be assuming that your persistence should be relational. The relational option might be the right one - but you should seriously look at other alternatives.</a:t>
             </a:r>
             <a:endParaRPr sz="1800" b="0" i="0" u="none" strike="noStrike" cap="none" baseline="0" dirty="0"/>
           </a:p>
@@ -3106,6 +5354,26 @@
               <a:t>Du vil møte andre databaser : NOSQL  - Not Only SQL</a:t>
             </a:r>
           </a:p>
+          <a:p>
+            <a:pPr marL="0" marR="0" lvl="0" indent="0" algn="l" rtl="0">
+              <a:buSzPct val="25000"/>
+              <a:buFontTx/>
+              <a:buChar char="-"/>
+            </a:pPr>
+            <a:endParaRPr lang="nb-NO" sz="1800" b="0" i="0" u="none" strike="noStrike" cap="none" baseline="0" dirty="0" smtClean="0"/>
+          </a:p>
+          <a:p>
+            <a:pPr marL="0" marR="0" lvl="0" indent="0" algn="l" rtl="0">
+              <a:buSzPct val="25000"/>
+              <a:buFontTx/>
+              <a:buChar char="-"/>
+            </a:pPr>
+            <a:r>
+              <a:rPr lang="en-US" sz="1800" b="0" i="0" u="none" strike="noStrike" cap="none" baseline="0" dirty="0" smtClean="0"/>
+              <a:t>“This won't be a fast revolution, but I do believe the next decade will see the database thaw progress rapidly.”</a:t>
+            </a:r>
+            <a:endParaRPr lang="nb-NO" sz="1800" b="0" i="0" u="none" strike="noStrike" cap="none" baseline="0" dirty="0" smtClean="0"/>
+          </a:p>
         </p:txBody>
       </p:sp>
       <p:sp>
@@ -3518,17 +5786,6 @@
             </a:pPr>
             <a:endParaRPr lang="nb-NO" sz="1800" b="0" i="0" u="none" strike="noStrike" cap="none" baseline="0" dirty="0" smtClean="0"/>
           </a:p>
-          <a:p>
-            <a:pPr marL="0" marR="0" lvl="0" indent="0" algn="l" rtl="0">
-              <a:buSzPct val="25000"/>
-              <a:buFontTx/>
-              <a:buNone/>
-            </a:pPr>
-            <a:r>
-              <a:rPr lang="nb-NO" sz="1800" b="0" i="0" u="none" strike="noStrike" cap="none" baseline="0" dirty="0" smtClean="0"/>
-              <a:t>- CAP - P er gitt horisontal skalering, ingen vil gi opp A. Da må du relaxe C.</a:t>
-            </a:r>
-          </a:p>
         </p:txBody>
       </p:sp>
       <p:sp>
@@ -3713,71 +5970,8 @@
             </a:pPr>
             <a:r>
               <a:rPr lang="nb-NO" sz="1800" b="0" i="0" u="none" strike="noStrike" cap="none" baseline="0" dirty="0" smtClean="0"/>
-              <a:t>RDBMS = ACID</a:t>
+              <a:t>- CAP - P er i gitt horisontal skalering, ingen vil gi opp A. Da må du relaxe C.</a:t>
             </a:r>
-          </a:p>
-          <a:p>
-            <a:pPr marL="0" marR="0" lvl="0" indent="0" algn="l" rtl="0">
-              <a:buSzPct val="25000"/>
-              <a:buFontTx/>
-              <a:buNone/>
-            </a:pPr>
-            <a:r>
-              <a:rPr lang="nb-NO" sz="1800" b="0" i="0" u="none" strike="noStrike" cap="none" baseline="0" dirty="0" smtClean="0"/>
-              <a:t>- ACID - Atomcity, Consistency, Isolation, Durability</a:t>
-            </a:r>
-          </a:p>
-          <a:p>
-            <a:pPr marL="0" marR="0" lvl="0" indent="0" algn="l" rtl="0">
-              <a:buSzPct val="25000"/>
-              <a:buFontTx/>
-              <a:buNone/>
-            </a:pPr>
-            <a:r>
-              <a:rPr lang="nb-NO" sz="1800" b="0" i="0" u="none" strike="noStrike" cap="none" baseline="0" dirty="0" smtClean="0"/>
-              <a:t>	- Atomicity - atomisk. Alt eller ingenting.</a:t>
-            </a:r>
-          </a:p>
-          <a:p>
-            <a:pPr marL="0" marR="0" lvl="0" indent="0" algn="l" rtl="0">
-              <a:buSzPct val="25000"/>
-              <a:buFontTx/>
-              <a:buNone/>
-            </a:pPr>
-            <a:r>
-              <a:rPr lang="nb-NO" sz="1800" b="0" i="0" u="none" strike="noStrike" cap="none" baseline="0" dirty="0" smtClean="0"/>
-              <a:t>	- Consistency - Innenfor en transaksjon er alt konsistent, som ved start av transaksjonen. Valid =&gt; valid</a:t>
-            </a:r>
-          </a:p>
-          <a:p>
-            <a:pPr marL="0" marR="0" lvl="0" indent="0" algn="l" rtl="0">
-              <a:buSzPct val="25000"/>
-              <a:buFontTx/>
-              <a:buNone/>
-            </a:pPr>
-            <a:r>
-              <a:rPr lang="nb-NO" sz="1800" b="0" i="0" u="none" strike="noStrike" cap="none" baseline="0" dirty="0" smtClean="0"/>
-              <a:t>	- Isolation - Hver transaksjon lever i sin egen verden. Påvirker ikke hverandre før commit.</a:t>
-            </a:r>
-          </a:p>
-          <a:p>
-            <a:pPr marL="0" marR="0" lvl="0" indent="0" algn="l" rtl="0">
-              <a:buSzPct val="25000"/>
-              <a:buFontTx/>
-              <a:buNone/>
-            </a:pPr>
-            <a:r>
-              <a:rPr lang="nb-NO" sz="1800" b="0" i="0" u="none" strike="noStrike" cap="none" baseline="0" dirty="0" smtClean="0"/>
-              <a:t>	- Durability - Er det committet, er det commitet.</a:t>
-            </a:r>
-          </a:p>
-          <a:p>
-            <a:pPr marL="0" marR="0" lvl="0" indent="0" algn="l" rtl="0">
-              <a:buSzPct val="25000"/>
-              <a:buFontTx/>
-              <a:buNone/>
-            </a:pPr>
-            <a:endParaRPr lang="nb-NO" sz="1800" b="0" i="0" u="none" strike="noStrike" cap="none" baseline="0" dirty="0" smtClean="0"/>
           </a:p>
         </p:txBody>
       </p:sp>
@@ -3959,13 +6153,12 @@
             <a:pPr marL="0" marR="0" lvl="0" indent="0" algn="l" rtl="0">
               <a:buSzPct val="25000"/>
               <a:buFontTx/>
-              <a:buChar char="-"/>
+              <a:buNone/>
             </a:pPr>
             <a:r>
-              <a:rPr lang="en-US" sz="1800" b="0" i="0" u="none" strike="noStrike" cap="none" baseline="0" dirty="0" smtClean="0"/>
-              <a:t>- BASE - Basically Available, Soft state, Eventual consistency (BASE),</a:t>
+              <a:rPr lang="nb-NO" sz="1800" b="0" i="0" u="none" strike="noStrike" cap="none" baseline="0" dirty="0" smtClean="0"/>
+              <a:t>I praksis ender du opp med AP, du relaxer C.</a:t>
             </a:r>
-            <a:endParaRPr lang="nb-NO" sz="1800" b="0" i="0" u="none" strike="noStrike" cap="none" baseline="0" dirty="0" smtClean="0"/>
           </a:p>
         </p:txBody>
       </p:sp>
@@ -14425,7 +16618,7 @@
         <p:spPr>
           <a:xfrm>
             <a:off x="431800" y="6134100"/>
-            <a:ext cx="1904999" cy="457200"/>
+            <a:ext cx="1904999" cy="246181"/>
           </a:xfrm>
           <a:prstGeom prst="rect">
             <a:avLst/>
@@ -14450,7 +16643,7 @@
               <a:buNone/>
             </a:pPr>
             <a:r>
-              <a:rPr sz="1000" b="0" i="1" u="none" strike="noStrike" cap="none" baseline="0">
+              <a:rPr lang="nb-NO" sz="1000" b="0" i="1" u="none" strike="noStrike" cap="none" baseline="0" dirty="0" smtClean="0">
                 <a:solidFill>
                   <a:srgbClr val="96281B"/>
                 </a:solidFill>
@@ -14459,8 +16652,17 @@
                 <a:cs typeface="Georgia"/>
                 <a:sym typeface="Georgia"/>
               </a:rPr>
-              <a:t>13. april / Fagfredag</a:t>
+              <a:t>10. oktoberl / Åpen fagkveld</a:t>
             </a:r>
+            <a:endParaRPr sz="1000" b="0" i="1" u="none" strike="noStrike" cap="none" baseline="0" dirty="0">
+              <a:solidFill>
+                <a:srgbClr val="96281B"/>
+              </a:solidFill>
+              <a:latin typeface="Georgia"/>
+              <a:ea typeface="Georgia"/>
+              <a:cs typeface="Georgia"/>
+              <a:sym typeface="Georgia"/>
+            </a:endParaRPr>
           </a:p>
         </p:txBody>
       </p:sp>
@@ -14477,7 +16679,7 @@
         <p:spPr>
           <a:xfrm>
             <a:off x="431800" y="898525"/>
-            <a:ext cx="8277224" cy="553957"/>
+            <a:ext cx="2700040" cy="553957"/>
           </a:xfrm>
           <a:prstGeom prst="rect">
             <a:avLst/>
@@ -14488,7 +16690,7 @@
           </a:ln>
         </p:spPr>
         <p:txBody>
-          <a:bodyPr lIns="91425" tIns="45700" rIns="91425" bIns="45700" anchor="t" anchorCtr="0">
+          <a:bodyPr wrap="square" lIns="91425" tIns="45700" rIns="91425" bIns="45700" anchor="t" anchorCtr="0">
             <a:spAutoFit/>
           </a:bodyPr>
           <a:lstStyle/>
@@ -14508,8 +16710,16 @@
               <a:buNone/>
             </a:pPr>
             <a:r>
-              <a:rPr lang="nb-NO" sz="3000" dirty="0" smtClean="0"/>
-              <a:t>ACID on the Node, BASE on the cluster</a:t>
+              <a:rPr lang="nb-NO" sz="3000" b="1" i="0" u="none" strike="noStrike" cap="small" baseline="0" dirty="0" smtClean="0">
+                <a:solidFill>
+                  <a:srgbClr val="96281B"/>
+                </a:solidFill>
+                <a:latin typeface="Trebuchet MS"/>
+                <a:ea typeface="Trebuchet MS"/>
+                <a:cs typeface="Trebuchet MS"/>
+                <a:sym typeface="Trebuchet MS"/>
+              </a:rPr>
+              <a:t>CAP / ACID</a:t>
             </a:r>
             <a:endParaRPr sz="3000" b="1" i="0" u="none" strike="noStrike" cap="small" baseline="0" dirty="0">
               <a:solidFill>
@@ -14525,7 +16735,7 @@
       </p:sp>
       <p:sp>
         <p:nvSpPr>
-          <p:cNvPr id="260" name="Shape 260"/>
+          <p:cNvPr id="6" name="Text Placeholder 5"/>
           <p:cNvSpPr>
             <a:spLocks noGrp="1"/>
           </p:cNvSpPr>
@@ -14533,56 +16743,18 @@
             <p:ph type="body" idx="1"/>
           </p:nvPr>
         </p:nvSpPr>
-        <p:spPr>
-          <a:xfrm>
-            <a:off x="431800" y="1546225"/>
-            <a:ext cx="8277224" cy="1315704"/>
-          </a:xfrm>
-          <a:prstGeom prst="rect">
-            <a:avLst/>
-          </a:prstGeom>
-          <a:noFill/>
-          <a:ln>
-            <a:noFill/>
-          </a:ln>
-        </p:spPr>
+        <p:spPr/>
         <p:txBody>
-          <a:bodyPr lIns="91425" tIns="45700" rIns="91425" bIns="45700" anchor="t" anchorCtr="0">
-            <a:spAutoFit/>
-          </a:bodyPr>
+          <a:bodyPr/>
           <a:lstStyle/>
           <a:p>
-            <a:pPr>
-              <a:buSzPct val="100694"/>
-              <a:buFont typeface="Arial"/>
-              <a:buChar char="•"/>
-            </a:pPr>
-            <a:endParaRPr lang="nb-NO" sz="2800" dirty="0" smtClean="0"/>
-          </a:p>
-          <a:p>
-            <a:pPr lvl="1">
-              <a:buSzPct val="100694"/>
-              <a:buFont typeface="Arial"/>
-              <a:buChar char="•"/>
-            </a:pPr>
-            <a:endParaRPr sz="2400" b="0" i="0" u="none" strike="noStrike" cap="none" baseline="0" dirty="0">
-              <a:solidFill>
-                <a:schemeClr val="dk1"/>
-              </a:solidFill>
-              <a:latin typeface="Georgia"/>
-              <a:ea typeface="Georgia"/>
-              <a:cs typeface="Georgia"/>
-              <a:sym typeface="Georgia"/>
-            </a:endParaRPr>
-          </a:p>
-          <a:p>
-            <a:endParaRPr dirty="0"/>
+            <a:endParaRPr lang="nb-NO" dirty="0"/>
           </a:p>
         </p:txBody>
       </p:sp>
       <p:pic>
         <p:nvPicPr>
-          <p:cNvPr id="6" name="Picture 2" descr="http://www.chemistryexplained.com/photos/acid-base-chemistry-3284.jpg"/>
+          <p:cNvPr id="49156" name="Picture 4" descr="CAP.png"/>
           <p:cNvPicPr>
             <a:picLocks noChangeAspect="1" noChangeArrowheads="1"/>
           </p:cNvPicPr>
@@ -14597,8 +16769,8 @@
         </p:blipFill>
         <p:spPr bwMode="auto">
           <a:xfrm>
-            <a:off x="1619672" y="1567079"/>
-            <a:ext cx="5530216" cy="3950153"/>
+            <a:off x="1763688" y="620688"/>
+            <a:ext cx="5184576" cy="4687721"/>
           </a:xfrm>
           <a:prstGeom prst="rect">
             <a:avLst/>
@@ -14606,6 +16778,327 @@
           <a:noFill/>
         </p:spPr>
       </p:pic>
+      <p:sp>
+        <p:nvSpPr>
+          <p:cNvPr id="11" name="TextBox 10"/>
+          <p:cNvSpPr txBox="1"/>
+          <p:nvPr/>
+        </p:nvSpPr>
+        <p:spPr>
+          <a:xfrm>
+            <a:off x="3779912" y="5661248"/>
+            <a:ext cx="1222840" cy="461665"/>
+          </a:xfrm>
+          <a:prstGeom prst="rect">
+            <a:avLst/>
+          </a:prstGeom>
+          <a:noFill/>
+        </p:spPr>
+        <p:txBody>
+          <a:bodyPr wrap="square" rtlCol="0">
+            <a:spAutoFit/>
+          </a:bodyPr>
+          <a:lstStyle/>
+          <a:p>
+            <a:r>
+              <a:rPr lang="nb-NO" sz="2400" dirty="0" smtClean="0"/>
+              <a:t>ACID</a:t>
+            </a:r>
+            <a:endParaRPr lang="nb-NO" sz="2400" dirty="0"/>
+          </a:p>
+        </p:txBody>
+      </p:sp>
+      <p:cxnSp>
+        <p:nvCxnSpPr>
+          <p:cNvPr id="10" name="Straight Arrow Connector 9"/>
+          <p:cNvCxnSpPr/>
+          <p:nvPr/>
+        </p:nvCxnSpPr>
+        <p:spPr>
+          <a:xfrm flipV="1">
+            <a:off x="4283968" y="5013176"/>
+            <a:ext cx="0" cy="648072"/>
+          </a:xfrm>
+          <a:prstGeom prst="straightConnector1">
+            <a:avLst/>
+          </a:prstGeom>
+          <a:ln>
+            <a:tailEnd type="arrow"/>
+          </a:ln>
+        </p:spPr>
+        <p:style>
+          <a:lnRef idx="2">
+            <a:schemeClr val="dk1"/>
+          </a:lnRef>
+          <a:fillRef idx="0">
+            <a:schemeClr val="dk1"/>
+          </a:fillRef>
+          <a:effectRef idx="1">
+            <a:schemeClr val="dk1"/>
+          </a:effectRef>
+          <a:fontRef idx="minor">
+            <a:schemeClr val="tx1"/>
+          </a:fontRef>
+        </p:style>
+      </p:cxnSp>
+      <p:sp>
+        <p:nvSpPr>
+          <p:cNvPr id="8" name="Shape 259"/>
+          <p:cNvSpPr txBox="1">
+            <a:spLocks/>
+          </p:cNvSpPr>
+          <p:nvPr/>
+        </p:nvSpPr>
+        <p:spPr>
+          <a:xfrm>
+            <a:off x="6156176" y="343709"/>
+            <a:ext cx="2734923" cy="1938952"/>
+          </a:xfrm>
+          <a:prstGeom prst="rect">
+            <a:avLst/>
+          </a:prstGeom>
+          <a:noFill/>
+          <a:ln>
+            <a:noFill/>
+          </a:ln>
+        </p:spPr>
+        <p:txBody>
+          <a:bodyPr wrap="square" lIns="91425" tIns="45700" rIns="91425" bIns="45700" anchor="t" anchorCtr="0">
+            <a:spAutoFit/>
+          </a:bodyPr>
+          <a:lstStyle>
+            <a:defPPr marR="0" algn="l" rtl="0">
+              <a:lnSpc>
+                <a:spcPct val="100000"/>
+              </a:lnSpc>
+              <a:spcBef>
+                <a:spcPts val="0"/>
+              </a:spcBef>
+              <a:spcAft>
+                <a:spcPts val="0"/>
+              </a:spcAft>
+            </a:defPPr>
+            <a:lvl1pPr marL="0" marR="0" indent="0" algn="l" rtl="0">
+              <a:lnSpc>
+                <a:spcPct val="100000"/>
+              </a:lnSpc>
+              <a:spcBef>
+                <a:spcPts val="0"/>
+              </a:spcBef>
+              <a:spcAft>
+                <a:spcPts val="0"/>
+              </a:spcAft>
+              <a:buNone/>
+              <a:defRPr sz="4000" b="1" i="0" u="none" strike="noStrike" cap="small" baseline="0">
+                <a:solidFill>
+                  <a:srgbClr val="96281B"/>
+                </a:solidFill>
+                <a:latin typeface="Trebuchet MS"/>
+                <a:ea typeface="Trebuchet MS"/>
+                <a:cs typeface="Trebuchet MS"/>
+                <a:sym typeface="Trebuchet MS"/>
+              </a:defRPr>
+            </a:lvl1pPr>
+            <a:lvl2pPr marL="0" marR="0" indent="0" algn="l" rtl="0">
+              <a:lnSpc>
+                <a:spcPct val="100000"/>
+              </a:lnSpc>
+              <a:spcBef>
+                <a:spcPts val="0"/>
+              </a:spcBef>
+              <a:spcAft>
+                <a:spcPts val="0"/>
+              </a:spcAft>
+              <a:buNone/>
+              <a:defRPr sz="3000" b="1" i="0" u="none" strike="noStrike" cap="none" baseline="0">
+                <a:solidFill>
+                  <a:srgbClr val="96281B"/>
+                </a:solidFill>
+                <a:latin typeface="Trebuchet MS"/>
+                <a:ea typeface="Trebuchet MS"/>
+                <a:cs typeface="Trebuchet MS"/>
+                <a:sym typeface="Trebuchet MS"/>
+              </a:defRPr>
+            </a:lvl2pPr>
+            <a:lvl3pPr marL="0" marR="0" indent="0" algn="l" rtl="0">
+              <a:spcBef>
+                <a:spcPts val="0"/>
+              </a:spcBef>
+              <a:spcAft>
+                <a:spcPts val="0"/>
+              </a:spcAft>
+              <a:defRPr sz="3000" b="1" i="0" u="none" strike="noStrike" cap="none" baseline="0">
+                <a:solidFill>
+                  <a:srgbClr val="96281B"/>
+                </a:solidFill>
+                <a:latin typeface="Trebuchet MS"/>
+                <a:ea typeface="Trebuchet MS"/>
+                <a:cs typeface="Trebuchet MS"/>
+                <a:sym typeface="Trebuchet MS"/>
+              </a:defRPr>
+            </a:lvl3pPr>
+            <a:lvl4pPr marL="0" marR="0" indent="0" algn="l" rtl="0">
+              <a:spcBef>
+                <a:spcPts val="0"/>
+              </a:spcBef>
+              <a:spcAft>
+                <a:spcPts val="0"/>
+              </a:spcAft>
+              <a:defRPr sz="3000" b="1" i="0" u="none" strike="noStrike" cap="none" baseline="0">
+                <a:solidFill>
+                  <a:srgbClr val="96281B"/>
+                </a:solidFill>
+                <a:latin typeface="Trebuchet MS"/>
+                <a:ea typeface="Trebuchet MS"/>
+                <a:cs typeface="Trebuchet MS"/>
+                <a:sym typeface="Trebuchet MS"/>
+              </a:defRPr>
+            </a:lvl4pPr>
+            <a:lvl5pPr marL="0" marR="0" indent="0" algn="l" rtl="0">
+              <a:spcBef>
+                <a:spcPts val="0"/>
+              </a:spcBef>
+              <a:spcAft>
+                <a:spcPts val="0"/>
+              </a:spcAft>
+              <a:defRPr sz="3000" b="1" i="0" u="none" strike="noStrike" cap="none" baseline="0">
+                <a:solidFill>
+                  <a:srgbClr val="96281B"/>
+                </a:solidFill>
+                <a:latin typeface="Trebuchet MS"/>
+                <a:ea typeface="Trebuchet MS"/>
+                <a:cs typeface="Trebuchet MS"/>
+                <a:sym typeface="Trebuchet MS"/>
+              </a:defRPr>
+            </a:lvl5pPr>
+            <a:lvl6pPr marL="457200" marR="0" indent="0" algn="l" rtl="0">
+              <a:spcBef>
+                <a:spcPts val="0"/>
+              </a:spcBef>
+              <a:spcAft>
+                <a:spcPts val="0"/>
+              </a:spcAft>
+              <a:defRPr sz="3000" b="1" i="0" u="none" strike="noStrike" cap="none" baseline="0">
+                <a:solidFill>
+                  <a:srgbClr val="96281B"/>
+                </a:solidFill>
+                <a:latin typeface="Trebuchet MS"/>
+                <a:ea typeface="Trebuchet MS"/>
+                <a:cs typeface="Trebuchet MS"/>
+                <a:sym typeface="Trebuchet MS"/>
+              </a:defRPr>
+            </a:lvl6pPr>
+            <a:lvl7pPr marL="914400" marR="0" indent="0" algn="l" rtl="0">
+              <a:spcBef>
+                <a:spcPts val="0"/>
+              </a:spcBef>
+              <a:spcAft>
+                <a:spcPts val="0"/>
+              </a:spcAft>
+              <a:defRPr sz="3000" b="1" i="0" u="none" strike="noStrike" cap="none" baseline="0">
+                <a:solidFill>
+                  <a:srgbClr val="96281B"/>
+                </a:solidFill>
+                <a:latin typeface="Trebuchet MS"/>
+                <a:ea typeface="Trebuchet MS"/>
+                <a:cs typeface="Trebuchet MS"/>
+                <a:sym typeface="Trebuchet MS"/>
+              </a:defRPr>
+            </a:lvl7pPr>
+            <a:lvl8pPr marL="1371600" marR="0" indent="0" algn="l" rtl="0">
+              <a:spcBef>
+                <a:spcPts val="0"/>
+              </a:spcBef>
+              <a:spcAft>
+                <a:spcPts val="0"/>
+              </a:spcAft>
+              <a:defRPr sz="3000" b="1" i="0" u="none" strike="noStrike" cap="none" baseline="0">
+                <a:solidFill>
+                  <a:srgbClr val="96281B"/>
+                </a:solidFill>
+                <a:latin typeface="Trebuchet MS"/>
+                <a:ea typeface="Trebuchet MS"/>
+                <a:cs typeface="Trebuchet MS"/>
+                <a:sym typeface="Trebuchet MS"/>
+              </a:defRPr>
+            </a:lvl8pPr>
+            <a:lvl9pPr marL="1828800" marR="0" indent="0" algn="l" rtl="0">
+              <a:spcBef>
+                <a:spcPts val="0"/>
+              </a:spcBef>
+              <a:spcAft>
+                <a:spcPts val="0"/>
+              </a:spcAft>
+              <a:defRPr sz="3000" b="1" i="0" u="none" strike="noStrike" cap="none" baseline="0">
+                <a:solidFill>
+                  <a:srgbClr val="96281B"/>
+                </a:solidFill>
+                <a:latin typeface="Trebuchet MS"/>
+                <a:ea typeface="Trebuchet MS"/>
+                <a:cs typeface="Trebuchet MS"/>
+                <a:sym typeface="Trebuchet MS"/>
+              </a:defRPr>
+            </a:lvl9pPr>
+          </a:lstStyle>
+          <a:p>
+            <a:pPr>
+              <a:buClr>
+                <a:srgbClr val="96281B"/>
+              </a:buClr>
+              <a:buSzPct val="25000"/>
+              <a:buFont typeface="Trebuchet MS"/>
+              <a:buNone/>
+            </a:pPr>
+            <a:r>
+              <a:rPr lang="nb-NO" sz="3000" dirty="0" smtClean="0"/>
+              <a:t>Atomicity</a:t>
+            </a:r>
+          </a:p>
+          <a:p>
+            <a:pPr>
+              <a:buClr>
+                <a:srgbClr val="96281B"/>
+              </a:buClr>
+              <a:buSzPct val="25000"/>
+              <a:buFont typeface="Trebuchet MS"/>
+              <a:buNone/>
+            </a:pPr>
+            <a:r>
+              <a:rPr lang="nb-NO" sz="3000" dirty="0" smtClean="0"/>
+              <a:t>Consistency</a:t>
+            </a:r>
+          </a:p>
+          <a:p>
+            <a:pPr>
+              <a:buClr>
+                <a:srgbClr val="96281B"/>
+              </a:buClr>
+              <a:buSzPct val="25000"/>
+              <a:buFont typeface="Trebuchet MS"/>
+              <a:buNone/>
+            </a:pPr>
+            <a:r>
+              <a:rPr lang="nb-NO" sz="3000" dirty="0" smtClean="0"/>
+              <a:t>Isolation</a:t>
+            </a:r>
+          </a:p>
+          <a:p>
+            <a:pPr>
+              <a:buClr>
+                <a:srgbClr val="96281B"/>
+              </a:buClr>
+              <a:buSzPct val="25000"/>
+              <a:buFont typeface="Trebuchet MS"/>
+              <a:buNone/>
+            </a:pPr>
+            <a:r>
+              <a:rPr lang="nb-NO" sz="3000" dirty="0" smtClean="0"/>
+              <a:t>Durability</a:t>
+            </a:r>
+            <a:endParaRPr lang="nb-NO" sz="3000" dirty="0"/>
+          </a:p>
+        </p:txBody>
+      </p:sp>
     </p:spTree>
   </p:cSld>
   <p:clrMapOvr>
@@ -14614,6 +17107,13 @@
   <p:transition spd="slow">
     <p:cut/>
   </p:transition>
+  <p:timing>
+    <p:tnLst>
+      <p:par>
+        <p:cTn id="1" dur="indefinite" restart="never" nodeType="tmRoot"/>
+      </p:par>
+    </p:tnLst>
+  </p:timing>
 </p:sld>
 </file>
 
@@ -14643,7 +17143,7 @@
         <p:spPr>
           <a:xfrm>
             <a:off x="431800" y="6134100"/>
-            <a:ext cx="1904999" cy="457200"/>
+            <a:ext cx="1904999" cy="246181"/>
           </a:xfrm>
           <a:prstGeom prst="rect">
             <a:avLst/>
@@ -14668,7 +17168,7 @@
               <a:buNone/>
             </a:pPr>
             <a:r>
-              <a:rPr sz="1000" b="0" i="1" u="none" strike="noStrike" cap="none" baseline="0">
+              <a:rPr lang="nb-NO" sz="1000" b="0" i="1" u="none" strike="noStrike" cap="none" baseline="0" dirty="0" smtClean="0">
                 <a:solidFill>
                   <a:srgbClr val="96281B"/>
                 </a:solidFill>
@@ -14677,8 +17177,17 @@
                 <a:cs typeface="Georgia"/>
                 <a:sym typeface="Georgia"/>
               </a:rPr>
-              <a:t>13. april / Fagfredag</a:t>
+              <a:t>10. oktoberl / Åpen fagkveld</a:t>
             </a:r>
+            <a:endParaRPr sz="1000" b="0" i="1" u="none" strike="noStrike" cap="none" baseline="0" dirty="0">
+              <a:solidFill>
+                <a:srgbClr val="96281B"/>
+              </a:solidFill>
+              <a:latin typeface="Georgia"/>
+              <a:ea typeface="Georgia"/>
+              <a:cs typeface="Georgia"/>
+              <a:sym typeface="Georgia"/>
+            </a:endParaRPr>
           </a:p>
         </p:txBody>
       </p:sp>
@@ -14695,7 +17204,7 @@
         <p:spPr>
           <a:xfrm>
             <a:off x="431800" y="898525"/>
-            <a:ext cx="8277224" cy="553957"/>
+            <a:ext cx="2267992" cy="553957"/>
           </a:xfrm>
           <a:prstGeom prst="rect">
             <a:avLst/>
@@ -14706,7 +17215,7 @@
           </a:ln>
         </p:spPr>
         <p:txBody>
-          <a:bodyPr lIns="91425" tIns="45700" rIns="91425" bIns="45700" anchor="t" anchorCtr="0">
+          <a:bodyPr wrap="square" lIns="91425" tIns="45700" rIns="91425" bIns="45700" anchor="t" anchorCtr="0">
             <a:spAutoFit/>
           </a:bodyPr>
           <a:lstStyle/>
@@ -14726,8 +17235,16 @@
               <a:buNone/>
             </a:pPr>
             <a:r>
-              <a:rPr lang="nb-NO" sz="3000" dirty="0" smtClean="0"/>
-              <a:t>Key/Value</a:t>
+              <a:rPr lang="nb-NO" sz="3000" b="1" i="0" u="none" strike="noStrike" cap="small" baseline="0" dirty="0" smtClean="0">
+                <a:solidFill>
+                  <a:srgbClr val="96281B"/>
+                </a:solidFill>
+                <a:latin typeface="Trebuchet MS"/>
+                <a:ea typeface="Trebuchet MS"/>
+                <a:cs typeface="Trebuchet MS"/>
+                <a:sym typeface="Trebuchet MS"/>
+              </a:rPr>
+              <a:t>CAP / BASE</a:t>
             </a:r>
             <a:endParaRPr sz="3000" b="1" i="0" u="none" strike="noStrike" cap="small" baseline="0" dirty="0">
               <a:solidFill>
@@ -14743,7 +17260,7 @@
       </p:sp>
       <p:sp>
         <p:nvSpPr>
-          <p:cNvPr id="260" name="Shape 260"/>
+          <p:cNvPr id="6" name="Text Placeholder 5"/>
           <p:cNvSpPr>
             <a:spLocks noGrp="1"/>
           </p:cNvSpPr>
@@ -14751,56 +17268,18 @@
             <p:ph type="body" idx="1"/>
           </p:nvPr>
         </p:nvSpPr>
-        <p:spPr>
-          <a:xfrm>
-            <a:off x="431800" y="1546225"/>
-            <a:ext cx="8277224" cy="1315704"/>
-          </a:xfrm>
-          <a:prstGeom prst="rect">
-            <a:avLst/>
-          </a:prstGeom>
-          <a:noFill/>
-          <a:ln>
-            <a:noFill/>
-          </a:ln>
-        </p:spPr>
+        <p:spPr/>
         <p:txBody>
-          <a:bodyPr lIns="91425" tIns="45700" rIns="91425" bIns="45700" anchor="t" anchorCtr="0">
-            <a:spAutoFit/>
-          </a:bodyPr>
+          <a:bodyPr/>
           <a:lstStyle/>
           <a:p>
-            <a:pPr>
-              <a:buSzPct val="100694"/>
-              <a:buFont typeface="Arial"/>
-              <a:buChar char="•"/>
-            </a:pPr>
-            <a:endParaRPr lang="nb-NO" sz="2800" dirty="0" smtClean="0"/>
-          </a:p>
-          <a:p>
-            <a:pPr lvl="1">
-              <a:buSzPct val="100694"/>
-              <a:buFont typeface="Arial"/>
-              <a:buChar char="•"/>
-            </a:pPr>
-            <a:endParaRPr sz="2400" b="0" i="0" u="none" strike="noStrike" cap="none" baseline="0" dirty="0">
-              <a:solidFill>
-                <a:schemeClr val="dk1"/>
-              </a:solidFill>
-              <a:latin typeface="Georgia"/>
-              <a:ea typeface="Georgia"/>
-              <a:cs typeface="Georgia"/>
-              <a:sym typeface="Georgia"/>
-            </a:endParaRPr>
-          </a:p>
-          <a:p>
-            <a:endParaRPr dirty="0"/>
+            <a:endParaRPr lang="nb-NO" dirty="0"/>
           </a:p>
         </p:txBody>
       </p:sp>
       <p:pic>
         <p:nvPicPr>
-          <p:cNvPr id="57348" name="Picture 4" descr="http://mbed.org/media/uploads/shintamainjp/_scaled_keyvalue.png"/>
+          <p:cNvPr id="49156" name="Picture 4" descr="CAP.png"/>
           <p:cNvPicPr>
             <a:picLocks noChangeAspect="1" noChangeArrowheads="1"/>
           </p:cNvPicPr>
@@ -14815,8 +17294,8 @@
         </p:blipFill>
         <p:spPr bwMode="auto">
           <a:xfrm>
-            <a:off x="1403648" y="1916832"/>
-            <a:ext cx="5894605" cy="3168352"/>
+            <a:off x="1763688" y="620688"/>
+            <a:ext cx="5184576" cy="4687721"/>
           </a:xfrm>
           <a:prstGeom prst="rect">
             <a:avLst/>
@@ -14824,6 +17303,390 @@
           <a:noFill/>
         </p:spPr>
       </p:pic>
+      <p:sp>
+        <p:nvSpPr>
+          <p:cNvPr id="8" name="TextBox 7"/>
+          <p:cNvSpPr txBox="1"/>
+          <p:nvPr/>
+        </p:nvSpPr>
+        <p:spPr>
+          <a:xfrm rot="1682408">
+            <a:off x="1224365" y="1601095"/>
+            <a:ext cx="1222840" cy="461665"/>
+          </a:xfrm>
+          <a:prstGeom prst="rect">
+            <a:avLst/>
+          </a:prstGeom>
+          <a:noFill/>
+        </p:spPr>
+        <p:txBody>
+          <a:bodyPr wrap="square" rtlCol="0">
+            <a:spAutoFit/>
+          </a:bodyPr>
+          <a:lstStyle/>
+          <a:p>
+            <a:r>
+              <a:rPr lang="nb-NO" sz="2400" dirty="0" smtClean="0"/>
+              <a:t>BASE</a:t>
+            </a:r>
+            <a:endParaRPr lang="nb-NO" sz="2400" dirty="0"/>
+          </a:p>
+        </p:txBody>
+      </p:sp>
+      <p:sp>
+        <p:nvSpPr>
+          <p:cNvPr id="11" name="TextBox 10"/>
+          <p:cNvSpPr txBox="1"/>
+          <p:nvPr/>
+        </p:nvSpPr>
+        <p:spPr>
+          <a:xfrm>
+            <a:off x="3779912" y="5661248"/>
+            <a:ext cx="1222840" cy="461665"/>
+          </a:xfrm>
+          <a:prstGeom prst="rect">
+            <a:avLst/>
+          </a:prstGeom>
+          <a:noFill/>
+        </p:spPr>
+        <p:txBody>
+          <a:bodyPr wrap="square" rtlCol="0">
+            <a:spAutoFit/>
+          </a:bodyPr>
+          <a:lstStyle/>
+          <a:p>
+            <a:r>
+              <a:rPr lang="nb-NO" sz="2400" dirty="0" smtClean="0"/>
+              <a:t>ACID</a:t>
+            </a:r>
+            <a:endParaRPr lang="nb-NO" sz="2400" dirty="0"/>
+          </a:p>
+        </p:txBody>
+      </p:sp>
+      <p:cxnSp>
+        <p:nvCxnSpPr>
+          <p:cNvPr id="12" name="Straight Arrow Connector 11"/>
+          <p:cNvCxnSpPr/>
+          <p:nvPr/>
+        </p:nvCxnSpPr>
+        <p:spPr>
+          <a:xfrm>
+            <a:off x="2195736" y="1988840"/>
+            <a:ext cx="504056" cy="288032"/>
+          </a:xfrm>
+          <a:prstGeom prst="straightConnector1">
+            <a:avLst/>
+          </a:prstGeom>
+          <a:ln>
+            <a:tailEnd type="arrow"/>
+          </a:ln>
+        </p:spPr>
+        <p:style>
+          <a:lnRef idx="2">
+            <a:schemeClr val="dk1"/>
+          </a:lnRef>
+          <a:fillRef idx="0">
+            <a:schemeClr val="dk1"/>
+          </a:fillRef>
+          <a:effectRef idx="1">
+            <a:schemeClr val="dk1"/>
+          </a:effectRef>
+          <a:fontRef idx="minor">
+            <a:schemeClr val="tx1"/>
+          </a:fontRef>
+        </p:style>
+      </p:cxnSp>
+      <p:cxnSp>
+        <p:nvCxnSpPr>
+          <p:cNvPr id="16" name="Straight Arrow Connector 15"/>
+          <p:cNvCxnSpPr/>
+          <p:nvPr/>
+        </p:nvCxnSpPr>
+        <p:spPr>
+          <a:xfrm flipV="1">
+            <a:off x="4283968" y="5013176"/>
+            <a:ext cx="0" cy="648072"/>
+          </a:xfrm>
+          <a:prstGeom prst="straightConnector1">
+            <a:avLst/>
+          </a:prstGeom>
+          <a:ln>
+            <a:tailEnd type="arrow"/>
+          </a:ln>
+        </p:spPr>
+        <p:style>
+          <a:lnRef idx="2">
+            <a:schemeClr val="dk1"/>
+          </a:lnRef>
+          <a:fillRef idx="0">
+            <a:schemeClr val="dk1"/>
+          </a:fillRef>
+          <a:effectRef idx="1">
+            <a:schemeClr val="dk1"/>
+          </a:effectRef>
+          <a:fontRef idx="minor">
+            <a:schemeClr val="tx1"/>
+          </a:fontRef>
+        </p:style>
+      </p:cxnSp>
+      <p:sp>
+        <p:nvSpPr>
+          <p:cNvPr id="10" name="Shape 259"/>
+          <p:cNvSpPr txBox="1">
+            <a:spLocks/>
+          </p:cNvSpPr>
+          <p:nvPr/>
+        </p:nvSpPr>
+        <p:spPr>
+          <a:xfrm>
+            <a:off x="5724128" y="46227"/>
+            <a:ext cx="3563888" cy="1815841"/>
+          </a:xfrm>
+          <a:prstGeom prst="rect">
+            <a:avLst/>
+          </a:prstGeom>
+          <a:noFill/>
+          <a:ln>
+            <a:noFill/>
+          </a:ln>
+        </p:spPr>
+        <p:txBody>
+          <a:bodyPr wrap="square" lIns="91425" tIns="45700" rIns="91425" bIns="45700" anchor="t" anchorCtr="0">
+            <a:spAutoFit/>
+          </a:bodyPr>
+          <a:lstStyle>
+            <a:defPPr marR="0" algn="l" rtl="0">
+              <a:lnSpc>
+                <a:spcPct val="100000"/>
+              </a:lnSpc>
+              <a:spcBef>
+                <a:spcPts val="0"/>
+              </a:spcBef>
+              <a:spcAft>
+                <a:spcPts val="0"/>
+              </a:spcAft>
+            </a:defPPr>
+            <a:lvl1pPr marL="0" marR="0" indent="0" algn="l" rtl="0">
+              <a:lnSpc>
+                <a:spcPct val="100000"/>
+              </a:lnSpc>
+              <a:spcBef>
+                <a:spcPts val="0"/>
+              </a:spcBef>
+              <a:spcAft>
+                <a:spcPts val="0"/>
+              </a:spcAft>
+              <a:buNone/>
+              <a:defRPr sz="4000" b="1" i="0" u="none" strike="noStrike" cap="small" baseline="0">
+                <a:solidFill>
+                  <a:srgbClr val="96281B"/>
+                </a:solidFill>
+                <a:latin typeface="Trebuchet MS"/>
+                <a:ea typeface="Trebuchet MS"/>
+                <a:cs typeface="Trebuchet MS"/>
+                <a:sym typeface="Trebuchet MS"/>
+              </a:defRPr>
+            </a:lvl1pPr>
+            <a:lvl2pPr marL="0" marR="0" indent="0" algn="l" rtl="0">
+              <a:lnSpc>
+                <a:spcPct val="100000"/>
+              </a:lnSpc>
+              <a:spcBef>
+                <a:spcPts val="0"/>
+              </a:spcBef>
+              <a:spcAft>
+                <a:spcPts val="0"/>
+              </a:spcAft>
+              <a:buNone/>
+              <a:defRPr sz="3000" b="1" i="0" u="none" strike="noStrike" cap="none" baseline="0">
+                <a:solidFill>
+                  <a:srgbClr val="96281B"/>
+                </a:solidFill>
+                <a:latin typeface="Trebuchet MS"/>
+                <a:ea typeface="Trebuchet MS"/>
+                <a:cs typeface="Trebuchet MS"/>
+                <a:sym typeface="Trebuchet MS"/>
+              </a:defRPr>
+            </a:lvl2pPr>
+            <a:lvl3pPr marL="0" marR="0" indent="0" algn="l" rtl="0">
+              <a:spcBef>
+                <a:spcPts val="0"/>
+              </a:spcBef>
+              <a:spcAft>
+                <a:spcPts val="0"/>
+              </a:spcAft>
+              <a:defRPr sz="3000" b="1" i="0" u="none" strike="noStrike" cap="none" baseline="0">
+                <a:solidFill>
+                  <a:srgbClr val="96281B"/>
+                </a:solidFill>
+                <a:latin typeface="Trebuchet MS"/>
+                <a:ea typeface="Trebuchet MS"/>
+                <a:cs typeface="Trebuchet MS"/>
+                <a:sym typeface="Trebuchet MS"/>
+              </a:defRPr>
+            </a:lvl3pPr>
+            <a:lvl4pPr marL="0" marR="0" indent="0" algn="l" rtl="0">
+              <a:spcBef>
+                <a:spcPts val="0"/>
+              </a:spcBef>
+              <a:spcAft>
+                <a:spcPts val="0"/>
+              </a:spcAft>
+              <a:defRPr sz="3000" b="1" i="0" u="none" strike="noStrike" cap="none" baseline="0">
+                <a:solidFill>
+                  <a:srgbClr val="96281B"/>
+                </a:solidFill>
+                <a:latin typeface="Trebuchet MS"/>
+                <a:ea typeface="Trebuchet MS"/>
+                <a:cs typeface="Trebuchet MS"/>
+                <a:sym typeface="Trebuchet MS"/>
+              </a:defRPr>
+            </a:lvl4pPr>
+            <a:lvl5pPr marL="0" marR="0" indent="0" algn="l" rtl="0">
+              <a:spcBef>
+                <a:spcPts val="0"/>
+              </a:spcBef>
+              <a:spcAft>
+                <a:spcPts val="0"/>
+              </a:spcAft>
+              <a:defRPr sz="3000" b="1" i="0" u="none" strike="noStrike" cap="none" baseline="0">
+                <a:solidFill>
+                  <a:srgbClr val="96281B"/>
+                </a:solidFill>
+                <a:latin typeface="Trebuchet MS"/>
+                <a:ea typeface="Trebuchet MS"/>
+                <a:cs typeface="Trebuchet MS"/>
+                <a:sym typeface="Trebuchet MS"/>
+              </a:defRPr>
+            </a:lvl5pPr>
+            <a:lvl6pPr marL="457200" marR="0" indent="0" algn="l" rtl="0">
+              <a:spcBef>
+                <a:spcPts val="0"/>
+              </a:spcBef>
+              <a:spcAft>
+                <a:spcPts val="0"/>
+              </a:spcAft>
+              <a:defRPr sz="3000" b="1" i="0" u="none" strike="noStrike" cap="none" baseline="0">
+                <a:solidFill>
+                  <a:srgbClr val="96281B"/>
+                </a:solidFill>
+                <a:latin typeface="Trebuchet MS"/>
+                <a:ea typeface="Trebuchet MS"/>
+                <a:cs typeface="Trebuchet MS"/>
+                <a:sym typeface="Trebuchet MS"/>
+              </a:defRPr>
+            </a:lvl6pPr>
+            <a:lvl7pPr marL="914400" marR="0" indent="0" algn="l" rtl="0">
+              <a:spcBef>
+                <a:spcPts val="0"/>
+              </a:spcBef>
+              <a:spcAft>
+                <a:spcPts val="0"/>
+              </a:spcAft>
+              <a:defRPr sz="3000" b="1" i="0" u="none" strike="noStrike" cap="none" baseline="0">
+                <a:solidFill>
+                  <a:srgbClr val="96281B"/>
+                </a:solidFill>
+                <a:latin typeface="Trebuchet MS"/>
+                <a:ea typeface="Trebuchet MS"/>
+                <a:cs typeface="Trebuchet MS"/>
+                <a:sym typeface="Trebuchet MS"/>
+              </a:defRPr>
+            </a:lvl7pPr>
+            <a:lvl8pPr marL="1371600" marR="0" indent="0" algn="l" rtl="0">
+              <a:spcBef>
+                <a:spcPts val="0"/>
+              </a:spcBef>
+              <a:spcAft>
+                <a:spcPts val="0"/>
+              </a:spcAft>
+              <a:defRPr sz="3000" b="1" i="0" u="none" strike="noStrike" cap="none" baseline="0">
+                <a:solidFill>
+                  <a:srgbClr val="96281B"/>
+                </a:solidFill>
+                <a:latin typeface="Trebuchet MS"/>
+                <a:ea typeface="Trebuchet MS"/>
+                <a:cs typeface="Trebuchet MS"/>
+                <a:sym typeface="Trebuchet MS"/>
+              </a:defRPr>
+            </a:lvl8pPr>
+            <a:lvl9pPr marL="1828800" marR="0" indent="0" algn="l" rtl="0">
+              <a:spcBef>
+                <a:spcPts val="0"/>
+              </a:spcBef>
+              <a:spcAft>
+                <a:spcPts val="0"/>
+              </a:spcAft>
+              <a:defRPr sz="3000" b="1" i="0" u="none" strike="noStrike" cap="none" baseline="0">
+                <a:solidFill>
+                  <a:srgbClr val="96281B"/>
+                </a:solidFill>
+                <a:latin typeface="Trebuchet MS"/>
+                <a:ea typeface="Trebuchet MS"/>
+                <a:cs typeface="Trebuchet MS"/>
+                <a:sym typeface="Trebuchet MS"/>
+              </a:defRPr>
+            </a:lvl9pPr>
+          </a:lstStyle>
+          <a:p>
+            <a:pPr>
+              <a:buClr>
+                <a:srgbClr val="96281B"/>
+              </a:buClr>
+              <a:buSzPct val="25000"/>
+              <a:buFont typeface="Trebuchet MS"/>
+              <a:buNone/>
+            </a:pPr>
+            <a:r>
+              <a:rPr lang="nb-NO" sz="2800" dirty="0" smtClean="0"/>
+              <a:t>Basically </a:t>
+            </a:r>
+          </a:p>
+          <a:p>
+            <a:pPr>
+              <a:buClr>
+                <a:srgbClr val="96281B"/>
+              </a:buClr>
+              <a:buSzPct val="25000"/>
+              <a:buFont typeface="Trebuchet MS"/>
+              <a:buNone/>
+            </a:pPr>
+            <a:r>
+              <a:rPr lang="nb-NO" sz="2800" dirty="0" smtClean="0"/>
+              <a:t>Available</a:t>
+            </a:r>
+          </a:p>
+          <a:p>
+            <a:pPr>
+              <a:buClr>
+                <a:srgbClr val="96281B"/>
+              </a:buClr>
+              <a:buSzPct val="25000"/>
+              <a:buFont typeface="Trebuchet MS"/>
+              <a:buNone/>
+            </a:pPr>
+            <a:r>
+              <a:rPr lang="nb-NO" sz="2800" dirty="0" smtClean="0"/>
+              <a:t>Soft state</a:t>
+            </a:r>
+          </a:p>
+          <a:p>
+            <a:pPr>
+              <a:buClr>
+                <a:srgbClr val="96281B"/>
+              </a:buClr>
+              <a:buSzPct val="25000"/>
+              <a:buFont typeface="Trebuchet MS"/>
+              <a:buNone/>
+            </a:pPr>
+            <a:r>
+              <a:rPr lang="nb-NO" sz="2800" dirty="0" smtClean="0"/>
+              <a:t>Eventual consistent</a:t>
+            </a:r>
+            <a:endParaRPr lang="nb-NO" sz="2800" dirty="0"/>
+          </a:p>
+        </p:txBody>
+      </p:sp>
     </p:spTree>
   </p:cSld>
   <p:clrMapOvr>
@@ -14832,6 +17695,13 @@
   <p:transition spd="slow">
     <p:cut/>
   </p:transition>
+  <p:timing>
+    <p:tnLst>
+      <p:par>
+        <p:cTn id="1" dur="indefinite" restart="never" nodeType="tmRoot"/>
+      </p:par>
+    </p:tnLst>
+  </p:timing>
 </p:sld>
 </file>
 
@@ -14861,7 +17731,7 @@
         <p:spPr>
           <a:xfrm>
             <a:off x="431800" y="6134100"/>
-            <a:ext cx="1904999" cy="457200"/>
+            <a:ext cx="1904999" cy="246181"/>
           </a:xfrm>
           <a:prstGeom prst="rect">
             <a:avLst/>
@@ -14886,7 +17756,7 @@
               <a:buNone/>
             </a:pPr>
             <a:r>
-              <a:rPr sz="1000" b="0" i="1" u="none" strike="noStrike" cap="none" baseline="0">
+              <a:rPr lang="nb-NO" sz="1000" b="0" i="1" u="none" strike="noStrike" cap="none" baseline="0" dirty="0" smtClean="0">
                 <a:solidFill>
                   <a:srgbClr val="96281B"/>
                 </a:solidFill>
@@ -14895,8 +17765,17 @@
                 <a:cs typeface="Georgia"/>
                 <a:sym typeface="Georgia"/>
               </a:rPr>
-              <a:t>13. april / Fagfredag</a:t>
+              <a:t>10. oktoberl / Åpen fagkveld</a:t>
             </a:r>
+            <a:endParaRPr sz="1000" b="0" i="1" u="none" strike="noStrike" cap="none" baseline="0" dirty="0">
+              <a:solidFill>
+                <a:srgbClr val="96281B"/>
+              </a:solidFill>
+              <a:latin typeface="Georgia"/>
+              <a:ea typeface="Georgia"/>
+              <a:cs typeface="Georgia"/>
+              <a:sym typeface="Georgia"/>
+            </a:endParaRPr>
           </a:p>
         </p:txBody>
       </p:sp>
@@ -14929,15 +17808,23 @@
           </a:bodyPr>
           <a:lstStyle/>
           <a:p>
-            <a:pPr lvl="0">
+            <a:pPr marL="0" marR="0" lvl="0" indent="0" algn="l" rtl="0">
+              <a:spcBef>
+                <a:spcPts val="0"/>
+              </a:spcBef>
+              <a:spcAft>
+                <a:spcPts val="0"/>
+              </a:spcAft>
               <a:buClr>
                 <a:srgbClr val="96281B"/>
               </a:buClr>
               <a:buSzPct val="25000"/>
+              <a:buFont typeface="Trebuchet MS"/>
+              <a:buNone/>
             </a:pPr>
             <a:r>
               <a:rPr lang="nb-NO" sz="3000" dirty="0" smtClean="0"/>
-              <a:t>Columnstore</a:t>
+              <a:t>ACID on the Node, BASE on the cluster</a:t>
             </a:r>
             <a:endParaRPr sz="3000" b="1" i="0" u="none" strike="noStrike" cap="small" baseline="0" dirty="0">
               <a:solidFill>
@@ -15010,7 +17897,7 @@
       </p:sp>
       <p:pic>
         <p:nvPicPr>
-          <p:cNvPr id="55298" name="Picture 2" descr="http://www.labhut.com/media/catalog/product/cache/1/image/700x500/9df78eab33525d08d6e5fb8d27136e95/c/o/colstor60_1_3.jpg"/>
+          <p:cNvPr id="6" name="Picture 2" descr="http://www.chemistryexplained.com/photos/acid-base-chemistry-3284.jpg"/>
           <p:cNvPicPr>
             <a:picLocks noChangeAspect="1" noChangeArrowheads="1"/>
           </p:cNvPicPr>
@@ -15025,8 +17912,8 @@
         </p:blipFill>
         <p:spPr bwMode="auto">
           <a:xfrm>
-            <a:off x="1115616" y="1412776"/>
-            <a:ext cx="6595492" cy="4474468"/>
+            <a:off x="1619672" y="1567079"/>
+            <a:ext cx="5530216" cy="3950153"/>
           </a:xfrm>
           <a:prstGeom prst="rect">
             <a:avLst/>
@@ -15042,6 +17929,13 @@
   <p:transition spd="slow">
     <p:cut/>
   </p:transition>
+  <p:timing>
+    <p:tnLst>
+      <p:par>
+        <p:cTn id="1" dur="indefinite" restart="never" nodeType="tmRoot"/>
+      </p:par>
+    </p:tnLst>
+  </p:timing>
 </p:sld>
 </file>
 
@@ -15050,7 +17944,7 @@
   <p:cSld>
     <p:spTree>
       <p:nvGrpSpPr>
-        <p:cNvPr id="1" name="Shape 257"/>
+        <p:cNvPr id="1" name="Shape 116"/>
         <p:cNvGrpSpPr/>
         <p:nvPr/>
       </p:nvGrpSpPr>
@@ -15064,14 +17958,14 @@
       </p:grpSpPr>
       <p:sp>
         <p:nvSpPr>
-          <p:cNvPr id="258" name="Shape 258"/>
+          <p:cNvPr id="117" name="Shape 117"/>
           <p:cNvSpPr/>
           <p:nvPr/>
         </p:nvSpPr>
         <p:spPr>
           <a:xfrm>
             <a:off x="431800" y="6134100"/>
-            <a:ext cx="1904999" cy="457200"/>
+            <a:ext cx="1904999" cy="246181"/>
           </a:xfrm>
           <a:prstGeom prst="rect">
             <a:avLst/>
@@ -15096,7 +17990,7 @@
               <a:buNone/>
             </a:pPr>
             <a:r>
-              <a:rPr sz="1000" b="0" i="1" u="none" strike="noStrike" cap="none" baseline="0">
+              <a:rPr lang="nb-NO" sz="1000" b="0" i="1" u="none" strike="noStrike" cap="none" baseline="0" dirty="0" smtClean="0">
                 <a:solidFill>
                   <a:srgbClr val="96281B"/>
                 </a:solidFill>
@@ -15105,14 +17999,23 @@
                 <a:cs typeface="Georgia"/>
                 <a:sym typeface="Georgia"/>
               </a:rPr>
-              <a:t>13. april / Fagfredag</a:t>
+              <a:t>10. oktoberl / Åpen fagkveld</a:t>
             </a:r>
+            <a:endParaRPr sz="1000" b="0" i="1" u="none" strike="noStrike" cap="none" baseline="0" dirty="0">
+              <a:solidFill>
+                <a:srgbClr val="96281B"/>
+              </a:solidFill>
+              <a:latin typeface="Georgia"/>
+              <a:ea typeface="Georgia"/>
+              <a:cs typeface="Georgia"/>
+              <a:sym typeface="Georgia"/>
+            </a:endParaRPr>
           </a:p>
         </p:txBody>
       </p:sp>
       <p:sp>
         <p:nvSpPr>
-          <p:cNvPr id="259" name="Shape 259"/>
+          <p:cNvPr id="118" name="Shape 118"/>
           <p:cNvSpPr>
             <a:spLocks noGrp="1"/>
           </p:cNvSpPr>
@@ -15139,23 +18042,15 @@
           </a:bodyPr>
           <a:lstStyle/>
           <a:p>
-            <a:pPr marL="0" marR="0" lvl="0" indent="0" algn="l" rtl="0">
-              <a:spcBef>
-                <a:spcPts val="0"/>
-              </a:spcBef>
-              <a:spcAft>
-                <a:spcPts val="0"/>
-              </a:spcAft>
+            <a:pPr lvl="0">
               <a:buClr>
                 <a:srgbClr val="96281B"/>
               </a:buClr>
               <a:buSzPct val="25000"/>
-              <a:buFont typeface="Trebuchet MS"/>
-              <a:buNone/>
             </a:pPr>
             <a:r>
               <a:rPr lang="nb-NO" sz="3000" dirty="0" smtClean="0"/>
-              <a:t>Document</a:t>
+              <a:t>RDBMS			vs 			NOSQL</a:t>
             </a:r>
             <a:endParaRPr sz="3000" b="1" i="0" u="none" strike="noStrike" cap="small" baseline="0" dirty="0">
               <a:solidFill>
@@ -15171,7 +18066,7 @@
       </p:sp>
       <p:sp>
         <p:nvSpPr>
-          <p:cNvPr id="260" name="Shape 260"/>
+          <p:cNvPr id="119" name="Shape 119"/>
           <p:cNvSpPr>
             <a:spLocks noGrp="1"/>
           </p:cNvSpPr>
@@ -15182,7 +18077,7 @@
         <p:spPr>
           <a:xfrm>
             <a:off x="431800" y="1546225"/>
-            <a:ext cx="8277224" cy="1315704"/>
+            <a:ext cx="2916064" cy="3775352"/>
           </a:xfrm>
           <a:prstGeom prst="rect">
             <a:avLst/>
@@ -15193,28 +18088,184 @@
           </a:ln>
         </p:spPr>
         <p:txBody>
-          <a:bodyPr lIns="91425" tIns="45700" rIns="91425" bIns="45700" anchor="t" anchorCtr="0">
+          <a:bodyPr wrap="square" lIns="91425" tIns="45700" rIns="91425" bIns="45700" anchor="t" anchorCtr="0">
             <a:spAutoFit/>
           </a:bodyPr>
           <a:lstStyle/>
           <a:p>
-            <a:pPr>
+            <a:pPr lvl="0">
               <a:buSzPct val="100694"/>
               <a:buFont typeface="Arial"/>
               <a:buChar char="•"/>
             </a:pPr>
-            <a:endParaRPr lang="nb-NO" sz="2800" dirty="0" smtClean="0"/>
-          </a:p>
-          <a:p>
-            <a:pPr lvl="1">
+            <a:r>
+              <a:rPr lang="nb-NO" sz="2400" dirty="0" smtClean="0"/>
+              <a:t> En maskin</a:t>
+            </a:r>
+          </a:p>
+          <a:p>
+            <a:pPr lvl="0">
               <a:buSzPct val="100694"/>
               <a:buFont typeface="Arial"/>
               <a:buChar char="•"/>
             </a:pPr>
-            <a:endParaRPr sz="2400" b="0" i="0" u="none" strike="noStrike" cap="none" baseline="0" dirty="0">
+            <a:r>
+              <a:rPr lang="nb-NO" sz="2400" dirty="0" smtClean="0"/>
+              <a:t> CA</a:t>
+            </a:r>
+          </a:p>
+          <a:p>
+            <a:pPr lvl="0">
+              <a:buSzPct val="100694"/>
+              <a:buFont typeface="Arial"/>
+              <a:buChar char="•"/>
+            </a:pPr>
+            <a:r>
+              <a:rPr lang="nb-NO" sz="2400" dirty="0" smtClean="0"/>
+              <a:t> Skalerer vertikalt</a:t>
+            </a:r>
+          </a:p>
+          <a:p>
+            <a:pPr lvl="0">
+              <a:buSzPct val="100694"/>
+              <a:buFont typeface="Arial"/>
+              <a:buChar char="•"/>
+            </a:pPr>
+            <a:r>
+              <a:rPr lang="nb-NO" sz="2400" dirty="0" smtClean="0"/>
+              <a:t> SQL</a:t>
+            </a:r>
+          </a:p>
+          <a:p>
+            <a:pPr lvl="0">
+              <a:buSzPct val="100694"/>
+              <a:buFont typeface="Arial"/>
+              <a:buChar char="•"/>
+            </a:pPr>
+            <a:r>
+              <a:rPr lang="nb-NO" sz="2400" dirty="0" smtClean="0"/>
+              <a:t> ACID</a:t>
+            </a:r>
+          </a:p>
+          <a:p>
+            <a:pPr lvl="0">
+              <a:buSzPct val="100694"/>
+              <a:buFont typeface="Arial"/>
+              <a:buChar char="•"/>
+            </a:pPr>
+            <a:r>
+              <a:rPr lang="nb-NO" sz="2400" dirty="0" smtClean="0"/>
+              <a:t> Indexer</a:t>
+            </a:r>
+          </a:p>
+          <a:p>
+            <a:pPr lvl="0">
+              <a:buSzPct val="100694"/>
+              <a:buFont typeface="Arial"/>
+              <a:buChar char="•"/>
+            </a:pPr>
+            <a:endParaRPr lang="nb-NO" sz="2200" dirty="0" smtClean="0"/>
+          </a:p>
+          <a:p>
+            <a:endParaRPr dirty="0"/>
+          </a:p>
+          <a:p>
+            <a:endParaRPr dirty="0"/>
+          </a:p>
+        </p:txBody>
+      </p:sp>
+      <p:sp>
+        <p:nvSpPr>
+          <p:cNvPr id="5" name="Shape 119"/>
+          <p:cNvSpPr txBox="1">
+            <a:spLocks/>
+          </p:cNvSpPr>
+          <p:nvPr/>
+        </p:nvSpPr>
+        <p:spPr>
+          <a:xfrm>
+            <a:off x="5508104" y="1484784"/>
+            <a:ext cx="3204096" cy="3775352"/>
+          </a:xfrm>
+          <a:prstGeom prst="rect">
+            <a:avLst/>
+          </a:prstGeom>
+          <a:noFill/>
+          <a:ln>
+            <a:noFill/>
+          </a:ln>
+        </p:spPr>
+        <p:txBody>
+          <a:bodyPr wrap="square" lIns="91425" tIns="45700" rIns="91425" bIns="45700" anchor="t" anchorCtr="0">
+            <a:spAutoFit/>
+          </a:bodyPr>
+          <a:lstStyle/>
+          <a:p>
+            <a:pPr marL="0" marR="0" lvl="0" indent="0" algn="l" defTabSz="914400" rtl="0" eaLnBrk="1" fontAlgn="auto" latinLnBrk="0" hangingPunct="1">
+              <a:lnSpc>
+                <a:spcPct val="100000"/>
+              </a:lnSpc>
+              <a:spcBef>
+                <a:spcPts val="480"/>
+              </a:spcBef>
+              <a:spcAft>
+                <a:spcPts val="0"/>
+              </a:spcAft>
+              <a:buClr>
+                <a:srgbClr val="96281B"/>
+              </a:buClr>
+              <a:buSzPct val="100694"/>
+              <a:buFont typeface="Arial"/>
+              <a:buChar char="•"/>
+              <a:tabLst/>
+              <a:defRPr/>
+            </a:pPr>
+            <a:r>
+              <a:rPr kumimoji="0" lang="nb-NO" sz="2400" b="0" i="0" u="none" strike="noStrike" kern="0" cap="none" spc="0" normalizeH="0" baseline="0" noProof="0" dirty="0" smtClean="0">
+                <a:ln>
+                  <a:noFill/>
+                </a:ln>
+                <a:solidFill>
+                  <a:schemeClr val="dk1"/>
+                </a:solidFill>
+                <a:effectLst/>
+                <a:uLnTx/>
+                <a:uFillTx/>
+                <a:latin typeface="Georgia"/>
+                <a:ea typeface="Georgia"/>
+                <a:cs typeface="Georgia"/>
+                <a:sym typeface="Georgia"/>
+              </a:rPr>
+              <a:t> Mange</a:t>
+            </a:r>
+            <a:r>
+              <a:rPr kumimoji="0" lang="nb-NO" sz="2400" b="0" i="0" u="none" strike="noStrike" kern="0" cap="none" spc="0" normalizeH="0" noProof="0" dirty="0" smtClean="0">
+                <a:ln>
+                  <a:noFill/>
+                </a:ln>
+                <a:solidFill>
+                  <a:schemeClr val="dk1"/>
+                </a:solidFill>
+                <a:effectLst/>
+                <a:uLnTx/>
+                <a:uFillTx/>
+                <a:latin typeface="Georgia"/>
+                <a:ea typeface="Georgia"/>
+                <a:cs typeface="Georgia"/>
+                <a:sym typeface="Georgia"/>
+              </a:rPr>
+              <a:t> maskiner</a:t>
+            </a:r>
+            <a:endParaRPr kumimoji="0" lang="nb-NO" sz="2400" b="0" i="0" u="none" strike="noStrike" kern="0" cap="none" spc="0" normalizeH="0" baseline="0" noProof="0" dirty="0" smtClean="0">
+              <a:ln>
+                <a:noFill/>
+              </a:ln>
               <a:solidFill>
                 <a:schemeClr val="dk1"/>
               </a:solidFill>
+              <a:effectLst/>
+              <a:uLnTx/>
+              <a:uFillTx/>
               <a:latin typeface="Georgia"/>
               <a:ea typeface="Georgia"/>
               <a:cs typeface="Georgia"/>
@@ -15222,36 +18273,412 @@
             </a:endParaRPr>
           </a:p>
           <a:p>
-            <a:endParaRPr dirty="0"/>
+            <a:pPr marL="0" marR="0" lvl="0" indent="0" algn="l" defTabSz="914400" rtl="0" eaLnBrk="1" fontAlgn="auto" latinLnBrk="0" hangingPunct="1">
+              <a:lnSpc>
+                <a:spcPct val="100000"/>
+              </a:lnSpc>
+              <a:spcBef>
+                <a:spcPts val="480"/>
+              </a:spcBef>
+              <a:spcAft>
+                <a:spcPts val="0"/>
+              </a:spcAft>
+              <a:buClr>
+                <a:srgbClr val="96281B"/>
+              </a:buClr>
+              <a:buSzPct val="100694"/>
+              <a:buFont typeface="Arial"/>
+              <a:buChar char="•"/>
+              <a:tabLst/>
+              <a:defRPr/>
+            </a:pPr>
+            <a:r>
+              <a:rPr kumimoji="0" lang="nb-NO" sz="2400" b="0" i="0" u="none" strike="noStrike" kern="0" cap="none" spc="0" normalizeH="0" baseline="0" noProof="0" dirty="0" smtClean="0">
+                <a:ln>
+                  <a:noFill/>
+                </a:ln>
+                <a:solidFill>
+                  <a:schemeClr val="dk1"/>
+                </a:solidFill>
+                <a:effectLst/>
+                <a:uLnTx/>
+                <a:uFillTx/>
+                <a:latin typeface="Georgia"/>
+                <a:ea typeface="Georgia"/>
+                <a:cs typeface="Georgia"/>
+                <a:sym typeface="Georgia"/>
+              </a:rPr>
+              <a:t> </a:t>
+            </a:r>
+            <a:r>
+              <a:rPr kumimoji="0" lang="nb-NO" sz="2400" b="1" i="0" u="none" strike="noStrike" kern="0" cap="none" spc="0" normalizeH="0" baseline="0" noProof="0" dirty="0" smtClean="0">
+                <a:ln>
+                  <a:noFill/>
+                </a:ln>
+                <a:solidFill>
+                  <a:schemeClr val="dk1"/>
+                </a:solidFill>
+                <a:effectLst/>
+                <a:uLnTx/>
+                <a:uFillTx/>
+                <a:latin typeface="Georgia"/>
+                <a:ea typeface="Georgia"/>
+                <a:cs typeface="Georgia"/>
+                <a:sym typeface="Georgia"/>
+              </a:rPr>
+              <a:t>AP</a:t>
+            </a:r>
+            <a:r>
+              <a:rPr kumimoji="0" lang="nb-NO" sz="2400" b="0" i="0" u="none" strike="noStrike" kern="0" cap="none" spc="0" normalizeH="0" baseline="0" noProof="0" dirty="0" smtClean="0">
+                <a:ln>
+                  <a:noFill/>
+                </a:ln>
+                <a:solidFill>
+                  <a:schemeClr val="dk1"/>
+                </a:solidFill>
+                <a:effectLst/>
+                <a:uLnTx/>
+                <a:uFillTx/>
+                <a:latin typeface="Georgia"/>
+                <a:ea typeface="Georgia"/>
+                <a:cs typeface="Georgia"/>
+                <a:sym typeface="Georgia"/>
+              </a:rPr>
+              <a:t>/CA/CP</a:t>
+            </a:r>
+          </a:p>
+          <a:p>
+            <a:pPr marL="0" marR="0" lvl="0" indent="0" algn="l" defTabSz="914400" rtl="0" eaLnBrk="1" fontAlgn="auto" latinLnBrk="0" hangingPunct="1">
+              <a:lnSpc>
+                <a:spcPct val="100000"/>
+              </a:lnSpc>
+              <a:spcBef>
+                <a:spcPts val="480"/>
+              </a:spcBef>
+              <a:spcAft>
+                <a:spcPts val="0"/>
+              </a:spcAft>
+              <a:buClr>
+                <a:srgbClr val="96281B"/>
+              </a:buClr>
+              <a:buSzPct val="100694"/>
+              <a:buFont typeface="Arial"/>
+              <a:buChar char="•"/>
+              <a:tabLst/>
+              <a:defRPr/>
+            </a:pPr>
+            <a:r>
+              <a:rPr kumimoji="0" lang="nb-NO" sz="2400" b="0" i="0" u="none" strike="noStrike" kern="0" cap="none" spc="0" normalizeH="0" baseline="0" noProof="0" dirty="0" smtClean="0">
+                <a:ln>
+                  <a:noFill/>
+                </a:ln>
+                <a:solidFill>
+                  <a:schemeClr val="dk1"/>
+                </a:solidFill>
+                <a:effectLst/>
+                <a:uLnTx/>
+                <a:uFillTx/>
+                <a:latin typeface="Georgia"/>
+                <a:ea typeface="Georgia"/>
+                <a:cs typeface="Georgia"/>
+                <a:sym typeface="Georgia"/>
+              </a:rPr>
+              <a:t> Skalerer Horisontalt</a:t>
+            </a:r>
+          </a:p>
+          <a:p>
+            <a:pPr marL="0" marR="0" lvl="0" indent="0" algn="l" defTabSz="914400" rtl="0" eaLnBrk="1" fontAlgn="auto" latinLnBrk="0" hangingPunct="1">
+              <a:lnSpc>
+                <a:spcPct val="100000"/>
+              </a:lnSpc>
+              <a:spcBef>
+                <a:spcPts val="480"/>
+              </a:spcBef>
+              <a:spcAft>
+                <a:spcPts val="0"/>
+              </a:spcAft>
+              <a:buClr>
+                <a:srgbClr val="96281B"/>
+              </a:buClr>
+              <a:buSzPct val="100694"/>
+              <a:buFont typeface="Arial"/>
+              <a:buChar char="•"/>
+              <a:tabLst/>
+              <a:defRPr/>
+            </a:pPr>
+            <a:r>
+              <a:rPr kumimoji="0" lang="nb-NO" sz="2400" b="0" i="0" u="none" strike="noStrike" kern="0" cap="none" spc="0" normalizeH="0" baseline="0" noProof="0" dirty="0" smtClean="0">
+                <a:ln>
+                  <a:noFill/>
+                </a:ln>
+                <a:solidFill>
+                  <a:schemeClr val="dk1"/>
+                </a:solidFill>
+                <a:effectLst/>
+                <a:uLnTx/>
+                <a:uFillTx/>
+                <a:latin typeface="Georgia"/>
+                <a:ea typeface="Georgia"/>
+                <a:cs typeface="Georgia"/>
+                <a:sym typeface="Georgia"/>
+              </a:rPr>
+              <a:t> Custom</a:t>
+            </a:r>
+            <a:r>
+              <a:rPr kumimoji="0" lang="nb-NO" sz="2400" b="0" i="0" u="none" strike="noStrike" kern="0" cap="none" spc="0" normalizeH="0" noProof="0" dirty="0" smtClean="0">
+                <a:ln>
+                  <a:noFill/>
+                </a:ln>
+                <a:solidFill>
+                  <a:schemeClr val="dk1"/>
+                </a:solidFill>
+                <a:effectLst/>
+                <a:uLnTx/>
+                <a:uFillTx/>
+                <a:latin typeface="Georgia"/>
+                <a:ea typeface="Georgia"/>
+                <a:cs typeface="Georgia"/>
+                <a:sym typeface="Georgia"/>
+              </a:rPr>
+              <a:t> API</a:t>
+            </a:r>
+            <a:endParaRPr kumimoji="0" lang="nb-NO" sz="2400" b="0" i="0" u="none" strike="noStrike" kern="0" cap="none" spc="0" normalizeH="0" baseline="0" noProof="0" dirty="0" smtClean="0">
+              <a:ln>
+                <a:noFill/>
+              </a:ln>
+              <a:solidFill>
+                <a:schemeClr val="dk1"/>
+              </a:solidFill>
+              <a:effectLst/>
+              <a:uLnTx/>
+              <a:uFillTx/>
+              <a:latin typeface="Georgia"/>
+              <a:ea typeface="Georgia"/>
+              <a:cs typeface="Georgia"/>
+              <a:sym typeface="Georgia"/>
+            </a:endParaRPr>
+          </a:p>
+          <a:p>
+            <a:pPr marL="0" marR="0" lvl="0" indent="0" algn="l" defTabSz="914400" rtl="0" eaLnBrk="1" fontAlgn="auto" latinLnBrk="0" hangingPunct="1">
+              <a:lnSpc>
+                <a:spcPct val="100000"/>
+              </a:lnSpc>
+              <a:spcBef>
+                <a:spcPts val="480"/>
+              </a:spcBef>
+              <a:spcAft>
+                <a:spcPts val="0"/>
+              </a:spcAft>
+              <a:buClr>
+                <a:srgbClr val="96281B"/>
+              </a:buClr>
+              <a:buSzPct val="100694"/>
+              <a:buFont typeface="Arial"/>
+              <a:buChar char="•"/>
+              <a:tabLst/>
+              <a:defRPr/>
+            </a:pPr>
+            <a:r>
+              <a:rPr kumimoji="0" lang="nb-NO" sz="2400" b="0" i="0" u="none" strike="noStrike" kern="0" cap="none" spc="0" normalizeH="0" baseline="0" noProof="0" dirty="0" smtClean="0">
+                <a:ln>
+                  <a:noFill/>
+                </a:ln>
+                <a:solidFill>
+                  <a:schemeClr val="dk1"/>
+                </a:solidFill>
+                <a:effectLst/>
+                <a:uLnTx/>
+                <a:uFillTx/>
+                <a:latin typeface="Georgia"/>
+                <a:ea typeface="Georgia"/>
+                <a:cs typeface="Georgia"/>
+                <a:sym typeface="Georgia"/>
+              </a:rPr>
+              <a:t> ”ACID” og BASE</a:t>
+            </a:r>
+          </a:p>
+          <a:p>
+            <a:pPr marL="0" marR="0" lvl="0" indent="0" algn="l" defTabSz="914400" rtl="0" eaLnBrk="1" fontAlgn="auto" latinLnBrk="0" hangingPunct="1">
+              <a:lnSpc>
+                <a:spcPct val="100000"/>
+              </a:lnSpc>
+              <a:spcBef>
+                <a:spcPts val="480"/>
+              </a:spcBef>
+              <a:spcAft>
+                <a:spcPts val="0"/>
+              </a:spcAft>
+              <a:buClr>
+                <a:srgbClr val="96281B"/>
+              </a:buClr>
+              <a:buSzPct val="100694"/>
+              <a:buFont typeface="Arial"/>
+              <a:buChar char="•"/>
+              <a:tabLst/>
+              <a:defRPr/>
+            </a:pPr>
+            <a:r>
+              <a:rPr kumimoji="0" lang="nb-NO" sz="2400" b="0" i="0" u="none" strike="noStrike" kern="0" cap="none" spc="0" normalizeH="0" baseline="0" noProof="0" dirty="0" smtClean="0">
+                <a:ln>
+                  <a:noFill/>
+                </a:ln>
+                <a:solidFill>
+                  <a:schemeClr val="dk1"/>
+                </a:solidFill>
+                <a:effectLst/>
+                <a:uLnTx/>
+                <a:uFillTx/>
+                <a:latin typeface="Georgia"/>
+                <a:ea typeface="Georgia"/>
+                <a:cs typeface="Georgia"/>
+                <a:sym typeface="Georgia"/>
+              </a:rPr>
+              <a:t> Keys/key</a:t>
+            </a:r>
+            <a:r>
+              <a:rPr kumimoji="0" lang="nb-NO" sz="2400" b="0" i="0" u="none" strike="noStrike" kern="0" cap="none" spc="0" normalizeH="0" noProof="0" dirty="0" smtClean="0">
+                <a:ln>
+                  <a:noFill/>
+                </a:ln>
+                <a:solidFill>
+                  <a:schemeClr val="dk1"/>
+                </a:solidFill>
+                <a:effectLst/>
+                <a:uLnTx/>
+                <a:uFillTx/>
+                <a:latin typeface="Georgia"/>
+                <a:ea typeface="Georgia"/>
+                <a:cs typeface="Georgia"/>
+                <a:sym typeface="Georgia"/>
+              </a:rPr>
+              <a:t> ranges</a:t>
+            </a:r>
+            <a:endParaRPr kumimoji="0" lang="nb-NO" sz="2400" b="0" i="0" u="none" strike="noStrike" kern="0" cap="none" spc="0" normalizeH="0" baseline="0" noProof="0" dirty="0" smtClean="0">
+              <a:ln>
+                <a:noFill/>
+              </a:ln>
+              <a:solidFill>
+                <a:schemeClr val="dk1"/>
+              </a:solidFill>
+              <a:effectLst/>
+              <a:uLnTx/>
+              <a:uFillTx/>
+              <a:latin typeface="Georgia"/>
+              <a:ea typeface="Georgia"/>
+              <a:cs typeface="Georgia"/>
+              <a:sym typeface="Georgia"/>
+            </a:endParaRPr>
+          </a:p>
+          <a:p>
+            <a:pPr marL="0" marR="0" lvl="0" indent="0" algn="l" defTabSz="914400" rtl="0" eaLnBrk="1" fontAlgn="auto" latinLnBrk="0" hangingPunct="1">
+              <a:lnSpc>
+                <a:spcPct val="100000"/>
+              </a:lnSpc>
+              <a:spcBef>
+                <a:spcPts val="480"/>
+              </a:spcBef>
+              <a:spcAft>
+                <a:spcPts val="0"/>
+              </a:spcAft>
+              <a:buClr>
+                <a:srgbClr val="96281B"/>
+              </a:buClr>
+              <a:buSzPct val="100694"/>
+              <a:buFont typeface="Arial"/>
+              <a:buChar char="•"/>
+              <a:tabLst/>
+              <a:defRPr/>
+            </a:pPr>
+            <a:endParaRPr kumimoji="0" lang="nb-NO" sz="2200" b="0" i="0" u="none" strike="noStrike" kern="0" cap="none" spc="0" normalizeH="0" baseline="0" noProof="0" dirty="0" smtClean="0">
+              <a:ln>
+                <a:noFill/>
+              </a:ln>
+              <a:solidFill>
+                <a:schemeClr val="dk1"/>
+              </a:solidFill>
+              <a:effectLst/>
+              <a:uLnTx/>
+              <a:uFillTx/>
+              <a:latin typeface="Georgia"/>
+              <a:ea typeface="Georgia"/>
+              <a:cs typeface="Georgia"/>
+              <a:sym typeface="Georgia"/>
+            </a:endParaRPr>
+          </a:p>
+          <a:p>
+            <a:pPr marL="0" marR="0" lvl="0" indent="0" algn="l" defTabSz="914400" rtl="0" eaLnBrk="1" fontAlgn="auto" latinLnBrk="0" hangingPunct="1">
+              <a:lnSpc>
+                <a:spcPct val="100000"/>
+              </a:lnSpc>
+              <a:spcBef>
+                <a:spcPts val="480"/>
+              </a:spcBef>
+              <a:spcAft>
+                <a:spcPts val="0"/>
+              </a:spcAft>
+              <a:buClr>
+                <a:srgbClr val="96281B"/>
+              </a:buClr>
+              <a:buSzTx/>
+              <a:buFont typeface="Georgia"/>
+              <a:buNone/>
+              <a:tabLst/>
+              <a:defRPr/>
+            </a:pPr>
+            <a:endParaRPr kumimoji="0" lang="nb-NO" sz="2000" b="0" i="0" u="none" strike="noStrike" kern="0" cap="none" spc="0" normalizeH="0" baseline="0" noProof="0" dirty="0" smtClean="0">
+              <a:ln>
+                <a:noFill/>
+              </a:ln>
+              <a:solidFill>
+                <a:schemeClr val="dk1"/>
+              </a:solidFill>
+              <a:effectLst/>
+              <a:uLnTx/>
+              <a:uFillTx/>
+              <a:latin typeface="Georgia"/>
+              <a:ea typeface="Georgia"/>
+              <a:cs typeface="Georgia"/>
+              <a:sym typeface="Georgia"/>
+            </a:endParaRPr>
+          </a:p>
+          <a:p>
+            <a:pPr marL="0" marR="0" lvl="0" indent="0" algn="l" defTabSz="914400" rtl="0" eaLnBrk="1" fontAlgn="auto" latinLnBrk="0" hangingPunct="1">
+              <a:lnSpc>
+                <a:spcPct val="100000"/>
+              </a:lnSpc>
+              <a:spcBef>
+                <a:spcPts val="480"/>
+              </a:spcBef>
+              <a:spcAft>
+                <a:spcPts val="0"/>
+              </a:spcAft>
+              <a:buClr>
+                <a:srgbClr val="96281B"/>
+              </a:buClr>
+              <a:buSzTx/>
+              <a:buFont typeface="Georgia"/>
+              <a:buNone/>
+              <a:tabLst/>
+              <a:defRPr/>
+            </a:pPr>
+            <a:endParaRPr kumimoji="0" lang="nb-NO" sz="2000" b="0" i="0" u="none" strike="noStrike" kern="0" cap="none" spc="0" normalizeH="0" baseline="0" noProof="0" dirty="0">
+              <a:ln>
+                <a:noFill/>
+              </a:ln>
+              <a:solidFill>
+                <a:schemeClr val="dk1"/>
+              </a:solidFill>
+              <a:effectLst/>
+              <a:uLnTx/>
+              <a:uFillTx/>
+              <a:latin typeface="Georgia"/>
+              <a:ea typeface="Georgia"/>
+              <a:cs typeface="Georgia"/>
+              <a:sym typeface="Georgia"/>
+            </a:endParaRPr>
           </a:p>
         </p:txBody>
       </p:sp>
-      <p:pic>
-        <p:nvPicPr>
-          <p:cNvPr id="51202" name="Picture 2" descr="https://www.oajustice.org/assets/OH/OH/userimages/iStock_000004581445Small.jpg"/>
-          <p:cNvPicPr>
-            <a:picLocks noChangeAspect="1" noChangeArrowheads="1"/>
-          </p:cNvPicPr>
-          <p:nvPr/>
-        </p:nvPicPr>
-        <p:blipFill>
-          <a:blip r:embed="rId3"/>
-          <a:srcRect/>
-          <a:stretch>
-            <a:fillRect/>
-          </a:stretch>
-        </p:blipFill>
-        <p:spPr bwMode="auto">
-          <a:xfrm>
-            <a:off x="2195736" y="1196752"/>
-            <a:ext cx="4320480" cy="5048425"/>
-          </a:xfrm>
-          <a:prstGeom prst="rect">
-            <a:avLst/>
-          </a:prstGeom>
-          <a:noFill/>
-        </p:spPr>
-      </p:pic>
     </p:spTree>
   </p:cSld>
   <p:clrMapOvr>
@@ -15260,6 +18687,13 @@
   <p:transition spd="slow">
     <p:cut/>
   </p:transition>
+  <p:timing>
+    <p:tnLst>
+      <p:par>
+        <p:cTn id="1" dur="indefinite" restart="never" nodeType="tmRoot"/>
+      </p:par>
+    </p:tnLst>
+  </p:timing>
 </p:sld>
 </file>
 
@@ -15289,7 +18723,7 @@
         <p:spPr>
           <a:xfrm>
             <a:off x="431800" y="6134100"/>
-            <a:ext cx="1904999" cy="457200"/>
+            <a:ext cx="1904999" cy="246181"/>
           </a:xfrm>
           <a:prstGeom prst="rect">
             <a:avLst/>
@@ -15314,7 +18748,7 @@
               <a:buNone/>
             </a:pPr>
             <a:r>
-              <a:rPr sz="1000" b="0" i="1" u="none" strike="noStrike" cap="none" baseline="0">
+              <a:rPr lang="nb-NO" sz="1000" b="0" i="1" u="none" strike="noStrike" cap="none" baseline="0" dirty="0" smtClean="0">
                 <a:solidFill>
                   <a:srgbClr val="96281B"/>
                 </a:solidFill>
@@ -15323,8 +18757,17 @@
                 <a:cs typeface="Georgia"/>
                 <a:sym typeface="Georgia"/>
               </a:rPr>
-              <a:t>13. april / Fagfredag</a:t>
+              <a:t>10. oktoberl / Åpen fagkveld</a:t>
             </a:r>
+            <a:endParaRPr sz="1000" b="0" i="1" u="none" strike="noStrike" cap="none" baseline="0" dirty="0">
+              <a:solidFill>
+                <a:srgbClr val="96281B"/>
+              </a:solidFill>
+              <a:latin typeface="Georgia"/>
+              <a:ea typeface="Georgia"/>
+              <a:cs typeface="Georgia"/>
+              <a:sym typeface="Georgia"/>
+            </a:endParaRPr>
           </a:p>
         </p:txBody>
       </p:sp>
@@ -15373,7 +18816,7 @@
             </a:pPr>
             <a:r>
               <a:rPr lang="nb-NO" sz="3000" dirty="0" smtClean="0"/>
-              <a:t>Graph</a:t>
+              <a:t>Key/Value</a:t>
             </a:r>
             <a:endParaRPr sz="3000" b="1" i="0" u="none" strike="noStrike" cap="small" baseline="0" dirty="0">
               <a:solidFill>
@@ -15446,7 +18889,7 @@
       </p:sp>
       <p:pic>
         <p:nvPicPr>
-          <p:cNvPr id="53250" name="Picture 2" descr="http://graemethickins.typepad.com/.a/6a00d8341c4f1053ef0134827fe044970c-800wi"/>
+          <p:cNvPr id="57348" name="Picture 4" descr="http://mbed.org/media/uploads/shintamainjp/_scaled_keyvalue.png"/>
           <p:cNvPicPr>
             <a:picLocks noChangeAspect="1" noChangeArrowheads="1"/>
           </p:cNvPicPr>
@@ -15461,8 +18904,8 @@
         </p:blipFill>
         <p:spPr bwMode="auto">
           <a:xfrm>
-            <a:off x="1619672" y="1052736"/>
-            <a:ext cx="5400600" cy="4932550"/>
+            <a:off x="1403648" y="1916832"/>
+            <a:ext cx="5894605" cy="3168352"/>
           </a:xfrm>
           <a:prstGeom prst="rect">
             <a:avLst/>
@@ -15478,6 +18921,13 @@
   <p:transition spd="slow">
     <p:cut/>
   </p:transition>
+  <p:timing>
+    <p:tnLst>
+      <p:par>
+        <p:cTn id="1" dur="indefinite" restart="never" nodeType="tmRoot"/>
+      </p:par>
+    </p:tnLst>
+  </p:timing>
 </p:sld>
 </file>
 
@@ -15486,7 +18936,7 @@
   <p:cSld>
     <p:spTree>
       <p:nvGrpSpPr>
-        <p:cNvPr id="1" name="Shape 116"/>
+        <p:cNvPr id="1" name="Shape 257"/>
         <p:cNvGrpSpPr/>
         <p:nvPr/>
       </p:nvGrpSpPr>
@@ -15500,14 +18950,14 @@
       </p:grpSpPr>
       <p:sp>
         <p:nvSpPr>
-          <p:cNvPr id="117" name="Shape 117"/>
+          <p:cNvPr id="258" name="Shape 258"/>
           <p:cNvSpPr/>
           <p:nvPr/>
         </p:nvSpPr>
         <p:spPr>
           <a:xfrm>
             <a:off x="431800" y="6134100"/>
-            <a:ext cx="1904999" cy="457200"/>
+            <a:ext cx="1904999" cy="246181"/>
           </a:xfrm>
           <a:prstGeom prst="rect">
             <a:avLst/>
@@ -15532,7 +18982,7 @@
               <a:buNone/>
             </a:pPr>
             <a:r>
-              <a:rPr sz="1000" b="0" i="1" u="none" strike="noStrike" cap="none" baseline="0">
+              <a:rPr lang="nb-NO" sz="1000" b="0" i="1" u="none" strike="noStrike" cap="none" baseline="0" dirty="0" smtClean="0">
                 <a:solidFill>
                   <a:srgbClr val="96281B"/>
                 </a:solidFill>
@@ -15541,14 +18991,23 @@
                 <a:cs typeface="Georgia"/>
                 <a:sym typeface="Georgia"/>
               </a:rPr>
-              <a:t>13. april / Fagfredag</a:t>
+              <a:t>10. oktoberl / Åpen fagkveld</a:t>
             </a:r>
+            <a:endParaRPr sz="1000" b="0" i="1" u="none" strike="noStrike" cap="none" baseline="0" dirty="0">
+              <a:solidFill>
+                <a:srgbClr val="96281B"/>
+              </a:solidFill>
+              <a:latin typeface="Georgia"/>
+              <a:ea typeface="Georgia"/>
+              <a:cs typeface="Georgia"/>
+              <a:sym typeface="Georgia"/>
+            </a:endParaRPr>
           </a:p>
         </p:txBody>
       </p:sp>
       <p:sp>
         <p:nvSpPr>
-          <p:cNvPr id="118" name="Shape 118"/>
+          <p:cNvPr id="259" name="Shape 259"/>
           <p:cNvSpPr>
             <a:spLocks noGrp="1"/>
           </p:cNvSpPr>
@@ -15575,19 +19034,23 @@
           </a:bodyPr>
           <a:lstStyle/>
           <a:p>
-            <a:pPr lvl="0">
+            <a:pPr marL="0" marR="0" lvl="0" indent="0" algn="l" rtl="0">
+              <a:spcBef>
+                <a:spcPts val="0"/>
+              </a:spcBef>
+              <a:spcAft>
+                <a:spcPts val="0"/>
+              </a:spcAft>
               <a:buClr>
                 <a:srgbClr val="96281B"/>
               </a:buClr>
               <a:buSzPct val="25000"/>
+              <a:buFont typeface="Trebuchet MS"/>
+              <a:buNone/>
             </a:pPr>
             <a:r>
               <a:rPr lang="nb-NO" sz="3000" dirty="0" smtClean="0"/>
-              <a:t>RDBMS</a:t>
-            </a:r>
-            <a:r>
-              <a:rPr lang="nb-NO" sz="3000" dirty="0" smtClean="0"/>
-              <a:t>			vs 			NOSQL</a:t>
+              <a:t>Key/Value</a:t>
             </a:r>
             <a:endParaRPr sz="3000" b="1" i="0" u="none" strike="noStrike" cap="small" baseline="0" dirty="0">
               <a:solidFill>
@@ -15603,7 +19066,7 @@
       </p:sp>
       <p:sp>
         <p:nvSpPr>
-          <p:cNvPr id="119" name="Shape 119"/>
+          <p:cNvPr id="260" name="Shape 260"/>
           <p:cNvSpPr>
             <a:spLocks noGrp="1"/>
           </p:cNvSpPr>
@@ -15614,7 +19077,7 @@
         <p:spPr>
           <a:xfrm>
             <a:off x="431800" y="1546225"/>
-            <a:ext cx="2916064" cy="3775352"/>
+            <a:ext cx="8277224" cy="1315704"/>
           </a:xfrm>
           <a:prstGeom prst="rect">
             <a:avLst/>
@@ -15625,121 +19088,168 @@
           </a:ln>
         </p:spPr>
         <p:txBody>
-          <a:bodyPr wrap="square" lIns="91425" tIns="45700" rIns="91425" bIns="45700" anchor="t" anchorCtr="0">
+          <a:bodyPr lIns="91425" tIns="45700" rIns="91425" bIns="45700" anchor="t" anchorCtr="0">
             <a:spAutoFit/>
           </a:bodyPr>
           <a:lstStyle/>
           <a:p>
-            <a:pPr lvl="0">
+            <a:pPr>
               <a:buSzPct val="100694"/>
               <a:buFont typeface="Arial"/>
               <a:buChar char="•"/>
             </a:pPr>
-            <a:r>
-              <a:rPr lang="nb-NO" sz="2400" dirty="0" smtClean="0"/>
-              <a:t> </a:t>
-            </a:r>
-            <a:r>
-              <a:rPr lang="nb-NO" sz="2400" dirty="0" smtClean="0"/>
-              <a:t>En maskin</a:t>
-            </a:r>
-          </a:p>
-          <a:p>
-            <a:pPr lvl="0">
+            <a:endParaRPr lang="nb-NO" sz="2800" dirty="0" smtClean="0"/>
+          </a:p>
+          <a:p>
+            <a:pPr lvl="1">
               <a:buSzPct val="100694"/>
               <a:buFont typeface="Arial"/>
               <a:buChar char="•"/>
             </a:pPr>
-            <a:r>
-              <a:rPr lang="nb-NO" sz="2400" dirty="0" smtClean="0"/>
-              <a:t> </a:t>
-            </a:r>
-            <a:r>
-              <a:rPr lang="nb-NO" sz="2400" dirty="0" smtClean="0"/>
-              <a:t>CA</a:t>
-            </a:r>
-          </a:p>
-          <a:p>
-            <a:pPr lvl="0">
-              <a:buSzPct val="100694"/>
-              <a:buFont typeface="Arial"/>
-              <a:buChar char="•"/>
-            </a:pPr>
-            <a:r>
-              <a:rPr lang="nb-NO" sz="2400" dirty="0" smtClean="0"/>
-              <a:t> Skalerer vertikalt</a:t>
-            </a:r>
-          </a:p>
-          <a:p>
-            <a:pPr lvl="0">
-              <a:buSzPct val="100694"/>
-              <a:buFont typeface="Arial"/>
-              <a:buChar char="•"/>
-            </a:pPr>
-            <a:r>
-              <a:rPr lang="nb-NO" sz="2400" dirty="0" smtClean="0"/>
-              <a:t> SQL</a:t>
-            </a:r>
-          </a:p>
-          <a:p>
-            <a:pPr lvl="0">
-              <a:buSzPct val="100694"/>
-              <a:buFont typeface="Arial"/>
-              <a:buChar char="•"/>
-            </a:pPr>
-            <a:r>
-              <a:rPr lang="nb-NO" sz="2400" dirty="0" smtClean="0"/>
-              <a:t> </a:t>
-            </a:r>
-            <a:r>
-              <a:rPr lang="nb-NO" sz="2400" dirty="0" smtClean="0"/>
-              <a:t>ACID</a:t>
-            </a:r>
-          </a:p>
-          <a:p>
-            <a:pPr lvl="0">
-              <a:buSzPct val="100694"/>
-              <a:buFont typeface="Arial"/>
-              <a:buChar char="•"/>
-            </a:pPr>
-            <a:r>
-              <a:rPr lang="nb-NO" sz="2400" dirty="0" smtClean="0"/>
-              <a:t> </a:t>
-            </a:r>
-            <a:r>
-              <a:rPr lang="nb-NO" sz="2400" dirty="0" smtClean="0"/>
-              <a:t>Indexer</a:t>
-            </a:r>
-            <a:endParaRPr lang="nb-NO" sz="2400" dirty="0" smtClean="0"/>
-          </a:p>
-          <a:p>
-            <a:pPr lvl="0">
-              <a:buSzPct val="100694"/>
-              <a:buFont typeface="Arial"/>
-              <a:buChar char="•"/>
-            </a:pPr>
-            <a:endParaRPr lang="nb-NO" sz="2200" dirty="0" smtClean="0"/>
-          </a:p>
-          <a:p>
-            <a:endParaRPr dirty="0"/>
+            <a:endParaRPr sz="2400" b="0" i="0" u="none" strike="noStrike" cap="none" baseline="0" dirty="0">
+              <a:solidFill>
+                <a:schemeClr val="dk1"/>
+              </a:solidFill>
+              <a:latin typeface="Georgia"/>
+              <a:ea typeface="Georgia"/>
+              <a:cs typeface="Georgia"/>
+              <a:sym typeface="Georgia"/>
+            </a:endParaRPr>
           </a:p>
           <a:p>
             <a:endParaRPr dirty="0"/>
           </a:p>
         </p:txBody>
       </p:sp>
+      <p:pic>
+        <p:nvPicPr>
+          <p:cNvPr id="2050" name="Picture 2" descr="http://developer.rackspace.com/images/2013-04-29-speed-up-with-redis/redis_logo.png"/>
+          <p:cNvPicPr>
+            <a:picLocks noChangeAspect="1" noChangeArrowheads="1"/>
+          </p:cNvPicPr>
+          <p:nvPr/>
+        </p:nvPicPr>
+        <p:blipFill>
+          <a:blip r:embed="rId3"/>
+          <a:srcRect/>
+          <a:stretch>
+            <a:fillRect/>
+          </a:stretch>
+        </p:blipFill>
+        <p:spPr bwMode="auto">
+          <a:xfrm>
+            <a:off x="539552" y="1844824"/>
+            <a:ext cx="2933700" cy="2476501"/>
+          </a:xfrm>
+          <a:prstGeom prst="rect">
+            <a:avLst/>
+          </a:prstGeom>
+          <a:noFill/>
+        </p:spPr>
+      </p:pic>
+      <p:pic>
+        <p:nvPicPr>
+          <p:cNvPr id="2052" name="Picture 4" descr="http://blog.trifork.com/wp-content/uploads/2013/06/Riak_product_logo.png"/>
+          <p:cNvPicPr>
+            <a:picLocks noChangeAspect="1" noChangeArrowheads="1"/>
+          </p:cNvPicPr>
+          <p:nvPr/>
+        </p:nvPicPr>
+        <p:blipFill>
+          <a:blip r:embed="rId4"/>
+          <a:srcRect/>
+          <a:stretch>
+            <a:fillRect/>
+          </a:stretch>
+        </p:blipFill>
+        <p:spPr bwMode="auto">
+          <a:xfrm>
+            <a:off x="3995936" y="764704"/>
+            <a:ext cx="3810000" cy="1447801"/>
+          </a:xfrm>
+          <a:prstGeom prst="rect">
+            <a:avLst/>
+          </a:prstGeom>
+          <a:noFill/>
+        </p:spPr>
+      </p:pic>
+      <p:pic>
+        <p:nvPicPr>
+          <p:cNvPr id="2053" name="Picture 5"/>
+          <p:cNvPicPr>
+            <a:picLocks noChangeAspect="1" noChangeArrowheads="1"/>
+          </p:cNvPicPr>
+          <p:nvPr/>
+        </p:nvPicPr>
+        <p:blipFill>
+          <a:blip r:embed="rId5"/>
+          <a:srcRect/>
+          <a:stretch>
+            <a:fillRect/>
+          </a:stretch>
+        </p:blipFill>
+        <p:spPr bwMode="auto">
+          <a:xfrm>
+            <a:off x="3347864" y="4005064"/>
+            <a:ext cx="4714480" cy="1650677"/>
+          </a:xfrm>
+          <a:prstGeom prst="rect">
+            <a:avLst/>
+          </a:prstGeom>
+          <a:noFill/>
+          <a:ln w="9525">
+            <a:noFill/>
+            <a:miter lim="800000"/>
+            <a:headEnd/>
+            <a:tailEnd/>
+          </a:ln>
+        </p:spPr>
+      </p:pic>
+    </p:spTree>
+  </p:cSld>
+  <p:clrMapOvr>
+    <a:masterClrMapping/>
+  </p:clrMapOvr>
+  <p:transition spd="slow">
+    <p:cut/>
+  </p:transition>
+  <p:timing>
+    <p:tnLst>
+      <p:par>
+        <p:cTn id="1" dur="indefinite" restart="never" nodeType="tmRoot"/>
+      </p:par>
+    </p:tnLst>
+  </p:timing>
+</p:sld>
+</file>
+
+<file path=ppt/slides/slide16.xml><?xml version="1.0" encoding="utf-8"?>
+<p:sld xmlns:a="http://schemas.openxmlformats.org/drawingml/2006/main" xmlns:r="http://schemas.openxmlformats.org/officeDocument/2006/relationships" xmlns:p="http://schemas.openxmlformats.org/presentationml/2006/main">
+  <p:cSld>
+    <p:spTree>
+      <p:nvGrpSpPr>
+        <p:cNvPr id="1" name="Shape 257"/>
+        <p:cNvGrpSpPr/>
+        <p:nvPr/>
+      </p:nvGrpSpPr>
+      <p:grpSpPr>
+        <a:xfrm>
+          <a:off x="0" y="0"/>
+          <a:ext cx="0" cy="0"/>
+          <a:chOff x="0" y="0"/>
+          <a:chExt cx="0" cy="0"/>
+        </a:xfrm>
+      </p:grpSpPr>
       <p:sp>
         <p:nvSpPr>
-          <p:cNvPr id="5" name="Shape 119"/>
-          <p:cNvSpPr txBox="1">
-            <a:spLocks/>
-          </p:cNvSpPr>
+          <p:cNvPr id="258" name="Shape 258"/>
+          <p:cNvSpPr/>
           <p:nvPr/>
         </p:nvSpPr>
         <p:spPr>
           <a:xfrm>
-            <a:off x="5508104" y="1484784"/>
-            <a:ext cx="3204096" cy="3775352"/>
+            <a:off x="431800" y="6134100"/>
+            <a:ext cx="1904999" cy="246181"/>
           </a:xfrm>
           <a:prstGeom prst="rect">
             <a:avLst/>
@@ -15750,89 +19260,309 @@
           </a:ln>
         </p:spPr>
         <p:txBody>
-          <a:bodyPr wrap="square" lIns="91425" tIns="45700" rIns="91425" bIns="45700" anchor="t" anchorCtr="0">
+          <a:bodyPr lIns="91425" tIns="45700" rIns="91425" bIns="45700" anchor="t" anchorCtr="0">
             <a:spAutoFit/>
           </a:bodyPr>
           <a:lstStyle/>
           <a:p>
-            <a:pPr marL="0" marR="0" lvl="0" indent="0" algn="l" defTabSz="914400" rtl="0" eaLnBrk="1" fontAlgn="auto" latinLnBrk="0" hangingPunct="1">
-              <a:lnSpc>
-                <a:spcPct val="100000"/>
-              </a:lnSpc>
-              <a:spcBef>
-                <a:spcPts val="480"/>
-              </a:spcBef>
-              <a:spcAft>
-                <a:spcPts val="0"/>
-              </a:spcAft>
+            <a:pPr marL="0" marR="0" lvl="0" indent="0" algn="l" rtl="0">
               <a:buClr>
-                <a:srgbClr val="96281B"/>
+                <a:schemeClr val="dk1"/>
               </a:buClr>
-              <a:buSzPct val="100694"/>
-              <a:buFont typeface="Arial"/>
-              <a:buChar char="•"/>
-              <a:tabLst/>
-              <a:defRPr/>
+              <a:buSzPct val="25000"/>
+              <a:buFont typeface="Georgia"/>
+              <a:buNone/>
             </a:pPr>
             <a:r>
-              <a:rPr kumimoji="0" lang="nb-NO" sz="2400" b="0" i="0" u="none" strike="noStrike" kern="0" cap="none" spc="0" normalizeH="0" baseline="0" noProof="0" dirty="0" smtClean="0">
-                <a:ln>
-                  <a:noFill/>
-                </a:ln>
-                <a:solidFill>
-                  <a:schemeClr val="dk1"/>
-                </a:solidFill>
-                <a:effectLst/>
-                <a:uLnTx/>
-                <a:uFillTx/>
+              <a:rPr lang="nb-NO" sz="1000" b="0" i="1" u="none" strike="noStrike" cap="none" baseline="0" dirty="0" smtClean="0">
+                <a:solidFill>
+                  <a:srgbClr val="96281B"/>
+                </a:solidFill>
                 <a:latin typeface="Georgia"/>
                 <a:ea typeface="Georgia"/>
                 <a:cs typeface="Georgia"/>
                 <a:sym typeface="Georgia"/>
               </a:rPr>
-              <a:t> Mange</a:t>
+              <a:t>10. oktoberl / Åpen fagkveld</a:t>
             </a:r>
+            <a:endParaRPr sz="1000" b="0" i="1" u="none" strike="noStrike" cap="none" baseline="0" dirty="0">
+              <a:solidFill>
+                <a:srgbClr val="96281B"/>
+              </a:solidFill>
+              <a:latin typeface="Georgia"/>
+              <a:ea typeface="Georgia"/>
+              <a:cs typeface="Georgia"/>
+              <a:sym typeface="Georgia"/>
+            </a:endParaRPr>
+          </a:p>
+        </p:txBody>
+      </p:sp>
+      <p:sp>
+        <p:nvSpPr>
+          <p:cNvPr id="259" name="Shape 259"/>
+          <p:cNvSpPr>
+            <a:spLocks noGrp="1"/>
+          </p:cNvSpPr>
+          <p:nvPr>
+            <p:ph type="title"/>
+          </p:nvPr>
+        </p:nvSpPr>
+        <p:spPr>
+          <a:xfrm>
+            <a:off x="431800" y="898525"/>
+            <a:ext cx="8277224" cy="553957"/>
+          </a:xfrm>
+          <a:prstGeom prst="rect">
+            <a:avLst/>
+          </a:prstGeom>
+          <a:noFill/>
+          <a:ln>
+            <a:noFill/>
+          </a:ln>
+        </p:spPr>
+        <p:txBody>
+          <a:bodyPr lIns="91425" tIns="45700" rIns="91425" bIns="45700" anchor="t" anchorCtr="0">
+            <a:spAutoFit/>
+          </a:bodyPr>
+          <a:lstStyle/>
+          <a:p>
+            <a:pPr marL="0" marR="0" lvl="0" indent="0" algn="l" rtl="0">
+              <a:spcBef>
+                <a:spcPts val="0"/>
+              </a:spcBef>
+              <a:spcAft>
+                <a:spcPts val="0"/>
+              </a:spcAft>
+              <a:buClr>
+                <a:srgbClr val="96281B"/>
+              </a:buClr>
+              <a:buSzPct val="25000"/>
+              <a:buFont typeface="Trebuchet MS"/>
+              <a:buNone/>
+            </a:pPr>
             <a:r>
-              <a:rPr kumimoji="0" lang="nb-NO" sz="2400" b="0" i="0" u="none" strike="noStrike" kern="0" cap="none" spc="0" normalizeH="0" noProof="0" dirty="0" smtClean="0">
-                <a:ln>
-                  <a:noFill/>
-                </a:ln>
-                <a:solidFill>
-                  <a:schemeClr val="dk1"/>
-                </a:solidFill>
-                <a:effectLst/>
-                <a:uLnTx/>
-                <a:uFillTx/>
+              <a:rPr lang="nb-NO" sz="3000" dirty="0" smtClean="0"/>
+              <a:t>Document</a:t>
+            </a:r>
+            <a:endParaRPr sz="3000" b="1" i="0" u="none" strike="noStrike" cap="small" baseline="0" dirty="0">
+              <a:solidFill>
+                <a:srgbClr val="96281B"/>
+              </a:solidFill>
+              <a:latin typeface="Trebuchet MS"/>
+              <a:ea typeface="Trebuchet MS"/>
+              <a:cs typeface="Trebuchet MS"/>
+              <a:sym typeface="Trebuchet MS"/>
+            </a:endParaRPr>
+          </a:p>
+        </p:txBody>
+      </p:sp>
+      <p:sp>
+        <p:nvSpPr>
+          <p:cNvPr id="260" name="Shape 260"/>
+          <p:cNvSpPr>
+            <a:spLocks noGrp="1"/>
+          </p:cNvSpPr>
+          <p:nvPr>
+            <p:ph type="body" idx="1"/>
+          </p:nvPr>
+        </p:nvSpPr>
+        <p:spPr>
+          <a:xfrm>
+            <a:off x="431800" y="1546225"/>
+            <a:ext cx="8277224" cy="1315704"/>
+          </a:xfrm>
+          <a:prstGeom prst="rect">
+            <a:avLst/>
+          </a:prstGeom>
+          <a:noFill/>
+          <a:ln>
+            <a:noFill/>
+          </a:ln>
+        </p:spPr>
+        <p:txBody>
+          <a:bodyPr lIns="91425" tIns="45700" rIns="91425" bIns="45700" anchor="t" anchorCtr="0">
+            <a:spAutoFit/>
+          </a:bodyPr>
+          <a:lstStyle/>
+          <a:p>
+            <a:pPr>
+              <a:buSzPct val="100694"/>
+              <a:buFont typeface="Arial"/>
+              <a:buChar char="•"/>
+            </a:pPr>
+            <a:endParaRPr lang="nb-NO" sz="2800" dirty="0" smtClean="0"/>
+          </a:p>
+          <a:p>
+            <a:pPr lvl="1">
+              <a:buSzPct val="100694"/>
+              <a:buFont typeface="Arial"/>
+              <a:buChar char="•"/>
+            </a:pPr>
+            <a:endParaRPr sz="2400" b="0" i="0" u="none" strike="noStrike" cap="none" baseline="0" dirty="0">
+              <a:solidFill>
+                <a:schemeClr val="dk1"/>
+              </a:solidFill>
+              <a:latin typeface="Georgia"/>
+              <a:ea typeface="Georgia"/>
+              <a:cs typeface="Georgia"/>
+              <a:sym typeface="Georgia"/>
+            </a:endParaRPr>
+          </a:p>
+          <a:p>
+            <a:endParaRPr dirty="0"/>
+          </a:p>
+        </p:txBody>
+      </p:sp>
+      <p:pic>
+        <p:nvPicPr>
+          <p:cNvPr id="51202" name="Picture 2" descr="https://www.oajustice.org/assets/OH/OH/userimages/iStock_000004581445Small.jpg"/>
+          <p:cNvPicPr>
+            <a:picLocks noChangeAspect="1" noChangeArrowheads="1"/>
+          </p:cNvPicPr>
+          <p:nvPr/>
+        </p:nvPicPr>
+        <p:blipFill>
+          <a:blip r:embed="rId3"/>
+          <a:srcRect/>
+          <a:stretch>
+            <a:fillRect/>
+          </a:stretch>
+        </p:blipFill>
+        <p:spPr bwMode="auto">
+          <a:xfrm>
+            <a:off x="2195736" y="1196752"/>
+            <a:ext cx="4320480" cy="5048425"/>
+          </a:xfrm>
+          <a:prstGeom prst="rect">
+            <a:avLst/>
+          </a:prstGeom>
+          <a:noFill/>
+        </p:spPr>
+      </p:pic>
+    </p:spTree>
+  </p:cSld>
+  <p:clrMapOvr>
+    <a:masterClrMapping/>
+  </p:clrMapOvr>
+  <p:transition spd="slow">
+    <p:cut/>
+  </p:transition>
+  <p:timing>
+    <p:tnLst>
+      <p:par>
+        <p:cTn id="1" dur="indefinite" restart="never" nodeType="tmRoot"/>
+      </p:par>
+    </p:tnLst>
+  </p:timing>
+</p:sld>
+</file>
+
+<file path=ppt/slides/slide17.xml><?xml version="1.0" encoding="utf-8"?>
+<p:sld xmlns:a="http://schemas.openxmlformats.org/drawingml/2006/main" xmlns:r="http://schemas.openxmlformats.org/officeDocument/2006/relationships" xmlns:p="http://schemas.openxmlformats.org/presentationml/2006/main">
+  <p:cSld>
+    <p:spTree>
+      <p:nvGrpSpPr>
+        <p:cNvPr id="1" name="Shape 257"/>
+        <p:cNvGrpSpPr/>
+        <p:nvPr/>
+      </p:nvGrpSpPr>
+      <p:grpSpPr>
+        <a:xfrm>
+          <a:off x="0" y="0"/>
+          <a:ext cx="0" cy="0"/>
+          <a:chOff x="0" y="0"/>
+          <a:chExt cx="0" cy="0"/>
+        </a:xfrm>
+      </p:grpSpPr>
+      <p:sp>
+        <p:nvSpPr>
+          <p:cNvPr id="258" name="Shape 258"/>
+          <p:cNvSpPr/>
+          <p:nvPr/>
+        </p:nvSpPr>
+        <p:spPr>
+          <a:xfrm>
+            <a:off x="431800" y="6134100"/>
+            <a:ext cx="1904999" cy="246181"/>
+          </a:xfrm>
+          <a:prstGeom prst="rect">
+            <a:avLst/>
+          </a:prstGeom>
+          <a:noFill/>
+          <a:ln>
+            <a:noFill/>
+          </a:ln>
+        </p:spPr>
+        <p:txBody>
+          <a:bodyPr lIns="91425" tIns="45700" rIns="91425" bIns="45700" anchor="t" anchorCtr="0">
+            <a:spAutoFit/>
+          </a:bodyPr>
+          <a:lstStyle/>
+          <a:p>
+            <a:pPr marL="0" marR="0" lvl="0" indent="0" algn="l" rtl="0">
+              <a:buClr>
+                <a:schemeClr val="dk1"/>
+              </a:buClr>
+              <a:buSzPct val="25000"/>
+              <a:buFont typeface="Georgia"/>
+              <a:buNone/>
+            </a:pPr>
+            <a:r>
+              <a:rPr lang="nb-NO" sz="1000" b="0" i="1" u="none" strike="noStrike" cap="none" baseline="0" dirty="0" smtClean="0">
+                <a:solidFill>
+                  <a:srgbClr val="96281B"/>
+                </a:solidFill>
                 <a:latin typeface="Georgia"/>
                 <a:ea typeface="Georgia"/>
                 <a:cs typeface="Georgia"/>
                 <a:sym typeface="Georgia"/>
               </a:rPr>
-              <a:t> maskiner</a:t>
+              <a:t>10. oktoberl / Åpen fagkveld</a:t>
             </a:r>
-            <a:endParaRPr kumimoji="0" lang="nb-NO" sz="2400" b="0" i="0" u="none" strike="noStrike" kern="0" cap="none" spc="0" normalizeH="0" baseline="0" noProof="0" dirty="0" smtClean="0">
-              <a:ln>
-                <a:noFill/>
-              </a:ln>
+            <a:endParaRPr sz="1000" b="0" i="1" u="none" strike="noStrike" cap="none" baseline="0" dirty="0">
               <a:solidFill>
-                <a:schemeClr val="dk1"/>
+                <a:srgbClr val="96281B"/>
               </a:solidFill>
-              <a:effectLst/>
-              <a:uLnTx/>
-              <a:uFillTx/>
               <a:latin typeface="Georgia"/>
               <a:ea typeface="Georgia"/>
               <a:cs typeface="Georgia"/>
               <a:sym typeface="Georgia"/>
             </a:endParaRPr>
           </a:p>
-          <a:p>
-            <a:pPr marL="0" marR="0" lvl="0" indent="0" algn="l" defTabSz="914400" rtl="0" eaLnBrk="1" fontAlgn="auto" latinLnBrk="0" hangingPunct="1">
-              <a:lnSpc>
-                <a:spcPct val="100000"/>
-              </a:lnSpc>
-              <a:spcBef>
-                <a:spcPts val="480"/>
+        </p:txBody>
+      </p:sp>
+      <p:sp>
+        <p:nvSpPr>
+          <p:cNvPr id="259" name="Shape 259"/>
+          <p:cNvSpPr>
+            <a:spLocks noGrp="1"/>
+          </p:cNvSpPr>
+          <p:nvPr>
+            <p:ph type="title"/>
+          </p:nvPr>
+        </p:nvSpPr>
+        <p:spPr>
+          <a:xfrm>
+            <a:off x="431800" y="898525"/>
+            <a:ext cx="8277224" cy="553957"/>
+          </a:xfrm>
+          <a:prstGeom prst="rect">
+            <a:avLst/>
+          </a:prstGeom>
+          <a:noFill/>
+          <a:ln>
+            <a:noFill/>
+          </a:ln>
+        </p:spPr>
+        <p:txBody>
+          <a:bodyPr lIns="91425" tIns="45700" rIns="91425" bIns="45700" anchor="t" anchorCtr="0">
+            <a:spAutoFit/>
+          </a:bodyPr>
+          <a:lstStyle/>
+          <a:p>
+            <a:pPr marL="0" marR="0" lvl="0" indent="0" algn="l" rtl="0">
+              <a:spcBef>
+                <a:spcPts val="0"/>
               </a:spcBef>
               <a:spcAft>
                 <a:spcPts val="0"/>
@@ -15840,283 +19570,576 @@
               <a:buClr>
                 <a:srgbClr val="96281B"/>
               </a:buClr>
+              <a:buSzPct val="25000"/>
+              <a:buFont typeface="Trebuchet MS"/>
+              <a:buNone/>
+            </a:pPr>
+            <a:r>
+              <a:rPr lang="nb-NO" sz="3000" dirty="0" smtClean="0"/>
+              <a:t>Document</a:t>
+            </a:r>
+            <a:endParaRPr sz="3000" b="1" i="0" u="none" strike="noStrike" cap="small" baseline="0" dirty="0">
+              <a:solidFill>
+                <a:srgbClr val="96281B"/>
+              </a:solidFill>
+              <a:latin typeface="Trebuchet MS"/>
+              <a:ea typeface="Trebuchet MS"/>
+              <a:cs typeface="Trebuchet MS"/>
+              <a:sym typeface="Trebuchet MS"/>
+            </a:endParaRPr>
+          </a:p>
+        </p:txBody>
+      </p:sp>
+      <p:sp>
+        <p:nvSpPr>
+          <p:cNvPr id="260" name="Shape 260"/>
+          <p:cNvSpPr>
+            <a:spLocks noGrp="1"/>
+          </p:cNvSpPr>
+          <p:nvPr>
+            <p:ph type="body" idx="1"/>
+          </p:nvPr>
+        </p:nvSpPr>
+        <p:spPr>
+          <a:xfrm>
+            <a:off x="431800" y="1546225"/>
+            <a:ext cx="8277224" cy="1315704"/>
+          </a:xfrm>
+          <a:prstGeom prst="rect">
+            <a:avLst/>
+          </a:prstGeom>
+          <a:noFill/>
+          <a:ln>
+            <a:noFill/>
+          </a:ln>
+        </p:spPr>
+        <p:txBody>
+          <a:bodyPr lIns="91425" tIns="45700" rIns="91425" bIns="45700" anchor="t" anchorCtr="0">
+            <a:spAutoFit/>
+          </a:bodyPr>
+          <a:lstStyle/>
+          <a:p>
+            <a:pPr>
               <a:buSzPct val="100694"/>
               <a:buFont typeface="Arial"/>
               <a:buChar char="•"/>
-              <a:tabLst/>
-              <a:defRPr/>
+            </a:pPr>
+            <a:endParaRPr lang="nb-NO" sz="2800" dirty="0" smtClean="0"/>
+          </a:p>
+          <a:p>
+            <a:pPr lvl="1">
+              <a:buSzPct val="100694"/>
+              <a:buFont typeface="Arial"/>
+              <a:buChar char="•"/>
+            </a:pPr>
+            <a:endParaRPr sz="2400" b="0" i="0" u="none" strike="noStrike" cap="none" baseline="0" dirty="0">
+              <a:solidFill>
+                <a:schemeClr val="dk1"/>
+              </a:solidFill>
+              <a:latin typeface="Georgia"/>
+              <a:ea typeface="Georgia"/>
+              <a:cs typeface="Georgia"/>
+              <a:sym typeface="Georgia"/>
+            </a:endParaRPr>
+          </a:p>
+          <a:p>
+            <a:endParaRPr dirty="0"/>
+          </a:p>
+        </p:txBody>
+      </p:sp>
+      <p:pic>
+        <p:nvPicPr>
+          <p:cNvPr id="62466" name="Picture 2" descr="http://static.projectbfs.com.s3.amazonaws.com/defaults/images/topics/ravendb.jpg"/>
+          <p:cNvPicPr>
+            <a:picLocks noChangeAspect="1" noChangeArrowheads="1"/>
+          </p:cNvPicPr>
+          <p:nvPr/>
+        </p:nvPicPr>
+        <p:blipFill>
+          <a:blip r:embed="rId3"/>
+          <a:srcRect/>
+          <a:stretch>
+            <a:fillRect/>
+          </a:stretch>
+        </p:blipFill>
+        <p:spPr bwMode="auto">
+          <a:xfrm>
+            <a:off x="4067944" y="0"/>
+            <a:ext cx="4738127" cy="3384377"/>
+          </a:xfrm>
+          <a:prstGeom prst="rect">
+            <a:avLst/>
+          </a:prstGeom>
+          <a:noFill/>
+        </p:spPr>
+      </p:pic>
+      <p:pic>
+        <p:nvPicPr>
+          <p:cNvPr id="62468" name="Picture 4" descr="http://www.linux-mag.com/s/i/topics/couchdb.jpg"/>
+          <p:cNvPicPr>
+            <a:picLocks noChangeAspect="1" noChangeArrowheads="1"/>
+          </p:cNvPicPr>
+          <p:nvPr/>
+        </p:nvPicPr>
+        <p:blipFill>
+          <a:blip r:embed="rId4"/>
+          <a:srcRect/>
+          <a:stretch>
+            <a:fillRect/>
+          </a:stretch>
+        </p:blipFill>
+        <p:spPr bwMode="auto">
+          <a:xfrm>
+            <a:off x="395536" y="1556792"/>
+            <a:ext cx="3600400" cy="3600400"/>
+          </a:xfrm>
+          <a:prstGeom prst="rect">
+            <a:avLst/>
+          </a:prstGeom>
+          <a:noFill/>
+        </p:spPr>
+      </p:pic>
+      <p:pic>
+        <p:nvPicPr>
+          <p:cNvPr id="62470" name="Picture 6" descr="http://www.networkworld.com/community/files/imce/img_blogs/mongodb.png"/>
+          <p:cNvPicPr>
+            <a:picLocks noChangeAspect="1" noChangeArrowheads="1"/>
+          </p:cNvPicPr>
+          <p:nvPr/>
+        </p:nvPicPr>
+        <p:blipFill>
+          <a:blip r:embed="rId5"/>
+          <a:srcRect/>
+          <a:stretch>
+            <a:fillRect/>
+          </a:stretch>
+        </p:blipFill>
+        <p:spPr bwMode="auto">
+          <a:xfrm>
+            <a:off x="4211960" y="3068960"/>
+            <a:ext cx="3960440" cy="2741843"/>
+          </a:xfrm>
+          <a:prstGeom prst="rect">
+            <a:avLst/>
+          </a:prstGeom>
+          <a:noFill/>
+        </p:spPr>
+      </p:pic>
+    </p:spTree>
+  </p:cSld>
+  <p:clrMapOvr>
+    <a:masterClrMapping/>
+  </p:clrMapOvr>
+  <p:transition spd="slow">
+    <p:cut/>
+  </p:transition>
+  <p:timing>
+    <p:tnLst>
+      <p:par>
+        <p:cTn id="1" dur="indefinite" restart="never" nodeType="tmRoot"/>
+      </p:par>
+    </p:tnLst>
+  </p:timing>
+</p:sld>
+</file>
+
+<file path=ppt/slides/slide18.xml><?xml version="1.0" encoding="utf-8"?>
+<p:sld xmlns:a="http://schemas.openxmlformats.org/drawingml/2006/main" xmlns:r="http://schemas.openxmlformats.org/officeDocument/2006/relationships" xmlns:p="http://schemas.openxmlformats.org/presentationml/2006/main">
+  <p:cSld>
+    <p:spTree>
+      <p:nvGrpSpPr>
+        <p:cNvPr id="1" name="Shape 257"/>
+        <p:cNvGrpSpPr/>
+        <p:nvPr/>
+      </p:nvGrpSpPr>
+      <p:grpSpPr>
+        <a:xfrm>
+          <a:off x="0" y="0"/>
+          <a:ext cx="0" cy="0"/>
+          <a:chOff x="0" y="0"/>
+          <a:chExt cx="0" cy="0"/>
+        </a:xfrm>
+      </p:grpSpPr>
+      <p:sp>
+        <p:nvSpPr>
+          <p:cNvPr id="258" name="Shape 258"/>
+          <p:cNvSpPr/>
+          <p:nvPr/>
+        </p:nvSpPr>
+        <p:spPr>
+          <a:xfrm>
+            <a:off x="431800" y="6134100"/>
+            <a:ext cx="1904999" cy="246181"/>
+          </a:xfrm>
+          <a:prstGeom prst="rect">
+            <a:avLst/>
+          </a:prstGeom>
+          <a:noFill/>
+          <a:ln>
+            <a:noFill/>
+          </a:ln>
+        </p:spPr>
+        <p:txBody>
+          <a:bodyPr lIns="91425" tIns="45700" rIns="91425" bIns="45700" anchor="t" anchorCtr="0">
+            <a:spAutoFit/>
+          </a:bodyPr>
+          <a:lstStyle/>
+          <a:p>
+            <a:pPr marL="0" marR="0" lvl="0" indent="0" algn="l" rtl="0">
+              <a:buClr>
+                <a:schemeClr val="dk1"/>
+              </a:buClr>
+              <a:buSzPct val="25000"/>
+              <a:buFont typeface="Georgia"/>
+              <a:buNone/>
             </a:pPr>
             <a:r>
-              <a:rPr kumimoji="0" lang="nb-NO" sz="2400" b="0" i="0" u="none" strike="noStrike" kern="0" cap="none" spc="0" normalizeH="0" baseline="0" noProof="0" dirty="0" smtClean="0">
-                <a:ln>
-                  <a:noFill/>
-                </a:ln>
-                <a:solidFill>
-                  <a:schemeClr val="dk1"/>
-                </a:solidFill>
-                <a:effectLst/>
-                <a:uLnTx/>
-                <a:uFillTx/>
+              <a:rPr lang="nb-NO" sz="1000" b="0" i="1" u="none" strike="noStrike" cap="none" baseline="0" dirty="0" smtClean="0">
+                <a:solidFill>
+                  <a:srgbClr val="96281B"/>
+                </a:solidFill>
                 <a:latin typeface="Georgia"/>
                 <a:ea typeface="Georgia"/>
                 <a:cs typeface="Georgia"/>
                 <a:sym typeface="Georgia"/>
               </a:rPr>
-              <a:t> </a:t>
+              <a:t>10. oktoberl / Åpen fagkveld</a:t>
             </a:r>
+            <a:endParaRPr sz="1000" b="0" i="1" u="none" strike="noStrike" cap="none" baseline="0" dirty="0">
+              <a:solidFill>
+                <a:srgbClr val="96281B"/>
+              </a:solidFill>
+              <a:latin typeface="Georgia"/>
+              <a:ea typeface="Georgia"/>
+              <a:cs typeface="Georgia"/>
+              <a:sym typeface="Georgia"/>
+            </a:endParaRPr>
+          </a:p>
+        </p:txBody>
+      </p:sp>
+      <p:sp>
+        <p:nvSpPr>
+          <p:cNvPr id="259" name="Shape 259"/>
+          <p:cNvSpPr>
+            <a:spLocks noGrp="1"/>
+          </p:cNvSpPr>
+          <p:nvPr>
+            <p:ph type="title"/>
+          </p:nvPr>
+        </p:nvSpPr>
+        <p:spPr>
+          <a:xfrm>
+            <a:off x="431800" y="898525"/>
+            <a:ext cx="8277224" cy="553957"/>
+          </a:xfrm>
+          <a:prstGeom prst="rect">
+            <a:avLst/>
+          </a:prstGeom>
+          <a:noFill/>
+          <a:ln>
+            <a:noFill/>
+          </a:ln>
+        </p:spPr>
+        <p:txBody>
+          <a:bodyPr lIns="91425" tIns="45700" rIns="91425" bIns="45700" anchor="t" anchorCtr="0">
+            <a:spAutoFit/>
+          </a:bodyPr>
+          <a:lstStyle/>
+          <a:p>
+            <a:pPr lvl="0">
+              <a:buClr>
+                <a:srgbClr val="96281B"/>
+              </a:buClr>
+              <a:buSzPct val="25000"/>
+            </a:pPr>
             <a:r>
-              <a:rPr kumimoji="0" lang="nb-NO" sz="2400" b="1" i="0" u="none" strike="noStrike" kern="0" cap="none" spc="0" normalizeH="0" baseline="0" noProof="0" dirty="0" smtClean="0">
-                <a:ln>
-                  <a:noFill/>
-                </a:ln>
-                <a:solidFill>
-                  <a:schemeClr val="dk1"/>
-                </a:solidFill>
-                <a:effectLst/>
-                <a:uLnTx/>
-                <a:uFillTx/>
+              <a:rPr lang="nb-NO" sz="3000" dirty="0" smtClean="0"/>
+              <a:t>Columnstore</a:t>
+            </a:r>
+            <a:endParaRPr sz="3000" b="1" i="0" u="none" strike="noStrike" cap="small" baseline="0" dirty="0">
+              <a:solidFill>
+                <a:srgbClr val="96281B"/>
+              </a:solidFill>
+              <a:latin typeface="Trebuchet MS"/>
+              <a:ea typeface="Trebuchet MS"/>
+              <a:cs typeface="Trebuchet MS"/>
+              <a:sym typeface="Trebuchet MS"/>
+            </a:endParaRPr>
+          </a:p>
+        </p:txBody>
+      </p:sp>
+      <p:sp>
+        <p:nvSpPr>
+          <p:cNvPr id="260" name="Shape 260"/>
+          <p:cNvSpPr>
+            <a:spLocks noGrp="1"/>
+          </p:cNvSpPr>
+          <p:nvPr>
+            <p:ph type="body" idx="1"/>
+          </p:nvPr>
+        </p:nvSpPr>
+        <p:spPr>
+          <a:xfrm>
+            <a:off x="431800" y="1546225"/>
+            <a:ext cx="8277224" cy="1315704"/>
+          </a:xfrm>
+          <a:prstGeom prst="rect">
+            <a:avLst/>
+          </a:prstGeom>
+          <a:noFill/>
+          <a:ln>
+            <a:noFill/>
+          </a:ln>
+        </p:spPr>
+        <p:txBody>
+          <a:bodyPr lIns="91425" tIns="45700" rIns="91425" bIns="45700" anchor="t" anchorCtr="0">
+            <a:spAutoFit/>
+          </a:bodyPr>
+          <a:lstStyle/>
+          <a:p>
+            <a:pPr>
+              <a:buSzPct val="100694"/>
+              <a:buFont typeface="Arial"/>
+              <a:buChar char="•"/>
+            </a:pPr>
+            <a:endParaRPr lang="nb-NO" sz="2800" dirty="0" smtClean="0"/>
+          </a:p>
+          <a:p>
+            <a:pPr lvl="1">
+              <a:buSzPct val="100694"/>
+              <a:buFont typeface="Arial"/>
+              <a:buChar char="•"/>
+            </a:pPr>
+            <a:endParaRPr sz="2400" b="0" i="0" u="none" strike="noStrike" cap="none" baseline="0" dirty="0">
+              <a:solidFill>
+                <a:schemeClr val="dk1"/>
+              </a:solidFill>
+              <a:latin typeface="Georgia"/>
+              <a:ea typeface="Georgia"/>
+              <a:cs typeface="Georgia"/>
+              <a:sym typeface="Georgia"/>
+            </a:endParaRPr>
+          </a:p>
+          <a:p>
+            <a:endParaRPr dirty="0"/>
+          </a:p>
+        </p:txBody>
+      </p:sp>
+      <p:pic>
+        <p:nvPicPr>
+          <p:cNvPr id="55298" name="Picture 2" descr="http://www.labhut.com/media/catalog/product/cache/1/image/700x500/9df78eab33525d08d6e5fb8d27136e95/c/o/colstor60_1_3.jpg"/>
+          <p:cNvPicPr>
+            <a:picLocks noChangeAspect="1" noChangeArrowheads="1"/>
+          </p:cNvPicPr>
+          <p:nvPr/>
+        </p:nvPicPr>
+        <p:blipFill>
+          <a:blip r:embed="rId3"/>
+          <a:srcRect/>
+          <a:stretch>
+            <a:fillRect/>
+          </a:stretch>
+        </p:blipFill>
+        <p:spPr bwMode="auto">
+          <a:xfrm>
+            <a:off x="1115616" y="1412776"/>
+            <a:ext cx="6595492" cy="4474468"/>
+          </a:xfrm>
+          <a:prstGeom prst="rect">
+            <a:avLst/>
+          </a:prstGeom>
+          <a:noFill/>
+        </p:spPr>
+      </p:pic>
+    </p:spTree>
+  </p:cSld>
+  <p:clrMapOvr>
+    <a:masterClrMapping/>
+  </p:clrMapOvr>
+  <p:transition spd="slow">
+    <p:cut/>
+  </p:transition>
+  <p:timing>
+    <p:tnLst>
+      <p:par>
+        <p:cTn id="1" dur="indefinite" restart="never" nodeType="tmRoot"/>
+      </p:par>
+    </p:tnLst>
+  </p:timing>
+</p:sld>
+</file>
+
+<file path=ppt/slides/slide19.xml><?xml version="1.0" encoding="utf-8"?>
+<p:sld xmlns:a="http://schemas.openxmlformats.org/drawingml/2006/main" xmlns:r="http://schemas.openxmlformats.org/officeDocument/2006/relationships" xmlns:p="http://schemas.openxmlformats.org/presentationml/2006/main">
+  <p:cSld>
+    <p:spTree>
+      <p:nvGrpSpPr>
+        <p:cNvPr id="1" name="Shape 257"/>
+        <p:cNvGrpSpPr/>
+        <p:nvPr/>
+      </p:nvGrpSpPr>
+      <p:grpSpPr>
+        <a:xfrm>
+          <a:off x="0" y="0"/>
+          <a:ext cx="0" cy="0"/>
+          <a:chOff x="0" y="0"/>
+          <a:chExt cx="0" cy="0"/>
+        </a:xfrm>
+      </p:grpSpPr>
+      <p:sp>
+        <p:nvSpPr>
+          <p:cNvPr id="258" name="Shape 258"/>
+          <p:cNvSpPr/>
+          <p:nvPr/>
+        </p:nvSpPr>
+        <p:spPr>
+          <a:xfrm>
+            <a:off x="431800" y="6134100"/>
+            <a:ext cx="1904999" cy="246181"/>
+          </a:xfrm>
+          <a:prstGeom prst="rect">
+            <a:avLst/>
+          </a:prstGeom>
+          <a:noFill/>
+          <a:ln>
+            <a:noFill/>
+          </a:ln>
+        </p:spPr>
+        <p:txBody>
+          <a:bodyPr lIns="91425" tIns="45700" rIns="91425" bIns="45700" anchor="t" anchorCtr="0">
+            <a:spAutoFit/>
+          </a:bodyPr>
+          <a:lstStyle/>
+          <a:p>
+            <a:pPr marL="0" marR="0" lvl="0" indent="0" algn="l" rtl="0">
+              <a:buClr>
+                <a:schemeClr val="dk1"/>
+              </a:buClr>
+              <a:buSzPct val="25000"/>
+              <a:buFont typeface="Georgia"/>
+              <a:buNone/>
+            </a:pPr>
+            <a:r>
+              <a:rPr lang="nb-NO" sz="1000" b="0" i="1" u="none" strike="noStrike" cap="none" baseline="0" dirty="0" smtClean="0">
+                <a:solidFill>
+                  <a:srgbClr val="96281B"/>
+                </a:solidFill>
                 <a:latin typeface="Georgia"/>
                 <a:ea typeface="Georgia"/>
                 <a:cs typeface="Georgia"/>
                 <a:sym typeface="Georgia"/>
               </a:rPr>
-              <a:t>AP</a:t>
+              <a:t>10. oktoberl / Åpen fagkveld</a:t>
             </a:r>
-            <a:r>
-              <a:rPr kumimoji="0" lang="nb-NO" sz="2400" b="0" i="0" u="none" strike="noStrike" kern="0" cap="none" spc="0" normalizeH="0" baseline="0" noProof="0" dirty="0" smtClean="0">
-                <a:ln>
-                  <a:noFill/>
-                </a:ln>
-                <a:solidFill>
-                  <a:schemeClr val="dk1"/>
-                </a:solidFill>
-                <a:effectLst/>
-                <a:uLnTx/>
-                <a:uFillTx/>
-                <a:latin typeface="Georgia"/>
-                <a:ea typeface="Georgia"/>
-                <a:cs typeface="Georgia"/>
-                <a:sym typeface="Georgia"/>
-              </a:rPr>
-              <a:t>/CA/CP</a:t>
-            </a:r>
-          </a:p>
-          <a:p>
-            <a:pPr marL="0" marR="0" lvl="0" indent="0" algn="l" defTabSz="914400" rtl="0" eaLnBrk="1" fontAlgn="auto" latinLnBrk="0" hangingPunct="1">
-              <a:lnSpc>
-                <a:spcPct val="100000"/>
-              </a:lnSpc>
-              <a:spcBef>
-                <a:spcPts val="480"/>
-              </a:spcBef>
-              <a:spcAft>
-                <a:spcPts val="0"/>
-              </a:spcAft>
-              <a:buClr>
+            <a:endParaRPr sz="1000" b="0" i="1" u="none" strike="noStrike" cap="none" baseline="0" dirty="0">
+              <a:solidFill>
                 <a:srgbClr val="96281B"/>
-              </a:buClr>
-              <a:buSzPct val="100694"/>
-              <a:buFont typeface="Arial"/>
-              <a:buChar char="•"/>
-              <a:tabLst/>
-              <a:defRPr/>
-            </a:pPr>
-            <a:r>
-              <a:rPr kumimoji="0" lang="nb-NO" sz="2400" b="0" i="0" u="none" strike="noStrike" kern="0" cap="none" spc="0" normalizeH="0" baseline="0" noProof="0" dirty="0" smtClean="0">
-                <a:ln>
-                  <a:noFill/>
-                </a:ln>
-                <a:solidFill>
-                  <a:schemeClr val="dk1"/>
-                </a:solidFill>
-                <a:effectLst/>
-                <a:uLnTx/>
-                <a:uFillTx/>
-                <a:latin typeface="Georgia"/>
-                <a:ea typeface="Georgia"/>
-                <a:cs typeface="Georgia"/>
-                <a:sym typeface="Georgia"/>
-              </a:rPr>
-              <a:t> Skalerer Horisontalt</a:t>
-            </a:r>
-          </a:p>
-          <a:p>
-            <a:pPr marL="0" marR="0" lvl="0" indent="0" algn="l" defTabSz="914400" rtl="0" eaLnBrk="1" fontAlgn="auto" latinLnBrk="0" hangingPunct="1">
-              <a:lnSpc>
-                <a:spcPct val="100000"/>
-              </a:lnSpc>
-              <a:spcBef>
-                <a:spcPts val="480"/>
-              </a:spcBef>
-              <a:spcAft>
-                <a:spcPts val="0"/>
-              </a:spcAft>
-              <a:buClr>
-                <a:srgbClr val="96281B"/>
-              </a:buClr>
-              <a:buSzPct val="100694"/>
-              <a:buFont typeface="Arial"/>
-              <a:buChar char="•"/>
-              <a:tabLst/>
-              <a:defRPr/>
-            </a:pPr>
-            <a:r>
-              <a:rPr kumimoji="0" lang="nb-NO" sz="2400" b="0" i="0" u="none" strike="noStrike" kern="0" cap="none" spc="0" normalizeH="0" baseline="0" noProof="0" dirty="0" smtClean="0">
-                <a:ln>
-                  <a:noFill/>
-                </a:ln>
-                <a:solidFill>
-                  <a:schemeClr val="dk1"/>
-                </a:solidFill>
-                <a:effectLst/>
-                <a:uLnTx/>
-                <a:uFillTx/>
-                <a:latin typeface="Georgia"/>
-                <a:ea typeface="Georgia"/>
-                <a:cs typeface="Georgia"/>
-                <a:sym typeface="Georgia"/>
-              </a:rPr>
-              <a:t> Custom</a:t>
-            </a:r>
-            <a:r>
-              <a:rPr kumimoji="0" lang="nb-NO" sz="2400" b="0" i="0" u="none" strike="noStrike" kern="0" cap="none" spc="0" normalizeH="0" noProof="0" dirty="0" smtClean="0">
-                <a:ln>
-                  <a:noFill/>
-                </a:ln>
-                <a:solidFill>
-                  <a:schemeClr val="dk1"/>
-                </a:solidFill>
-                <a:effectLst/>
-                <a:uLnTx/>
-                <a:uFillTx/>
-                <a:latin typeface="Georgia"/>
-                <a:ea typeface="Georgia"/>
-                <a:cs typeface="Georgia"/>
-                <a:sym typeface="Georgia"/>
-              </a:rPr>
-              <a:t> API</a:t>
-            </a:r>
-            <a:endParaRPr kumimoji="0" lang="nb-NO" sz="2400" b="0" i="0" u="none" strike="noStrike" kern="0" cap="none" spc="0" normalizeH="0" baseline="0" noProof="0" dirty="0" smtClean="0">
-              <a:ln>
-                <a:noFill/>
-              </a:ln>
-              <a:solidFill>
-                <a:schemeClr val="dk1"/>
               </a:solidFill>
-              <a:effectLst/>
-              <a:uLnTx/>
-              <a:uFillTx/>
               <a:latin typeface="Georgia"/>
               <a:ea typeface="Georgia"/>
               <a:cs typeface="Georgia"/>
               <a:sym typeface="Georgia"/>
             </a:endParaRPr>
           </a:p>
-          <a:p>
-            <a:pPr marL="0" marR="0" lvl="0" indent="0" algn="l" defTabSz="914400" rtl="0" eaLnBrk="1" fontAlgn="auto" latinLnBrk="0" hangingPunct="1">
-              <a:lnSpc>
-                <a:spcPct val="100000"/>
-              </a:lnSpc>
-              <a:spcBef>
-                <a:spcPts val="480"/>
-              </a:spcBef>
-              <a:spcAft>
-                <a:spcPts val="0"/>
-              </a:spcAft>
+        </p:txBody>
+      </p:sp>
+      <p:sp>
+        <p:nvSpPr>
+          <p:cNvPr id="259" name="Shape 259"/>
+          <p:cNvSpPr>
+            <a:spLocks noGrp="1"/>
+          </p:cNvSpPr>
+          <p:nvPr>
+            <p:ph type="title"/>
+          </p:nvPr>
+        </p:nvSpPr>
+        <p:spPr>
+          <a:xfrm>
+            <a:off x="431800" y="898525"/>
+            <a:ext cx="8277224" cy="553957"/>
+          </a:xfrm>
+          <a:prstGeom prst="rect">
+            <a:avLst/>
+          </a:prstGeom>
+          <a:noFill/>
+          <a:ln>
+            <a:noFill/>
+          </a:ln>
+        </p:spPr>
+        <p:txBody>
+          <a:bodyPr lIns="91425" tIns="45700" rIns="91425" bIns="45700" anchor="t" anchorCtr="0">
+            <a:spAutoFit/>
+          </a:bodyPr>
+          <a:lstStyle/>
+          <a:p>
+            <a:pPr lvl="0">
               <a:buClr>
                 <a:srgbClr val="96281B"/>
               </a:buClr>
+              <a:buSzPct val="25000"/>
+            </a:pPr>
+            <a:r>
+              <a:rPr lang="nb-NO" sz="3000" dirty="0" smtClean="0"/>
+              <a:t>Columnstore</a:t>
+            </a:r>
+            <a:endParaRPr sz="3000" b="1" i="0" u="none" strike="noStrike" cap="small" baseline="0" dirty="0">
+              <a:solidFill>
+                <a:srgbClr val="96281B"/>
+              </a:solidFill>
+              <a:latin typeface="Trebuchet MS"/>
+              <a:ea typeface="Trebuchet MS"/>
+              <a:cs typeface="Trebuchet MS"/>
+              <a:sym typeface="Trebuchet MS"/>
+            </a:endParaRPr>
+          </a:p>
+        </p:txBody>
+      </p:sp>
+      <p:sp>
+        <p:nvSpPr>
+          <p:cNvPr id="260" name="Shape 260"/>
+          <p:cNvSpPr>
+            <a:spLocks noGrp="1"/>
+          </p:cNvSpPr>
+          <p:nvPr>
+            <p:ph type="body" idx="1"/>
+          </p:nvPr>
+        </p:nvSpPr>
+        <p:spPr>
+          <a:xfrm>
+            <a:off x="431800" y="1546225"/>
+            <a:ext cx="8277224" cy="1315704"/>
+          </a:xfrm>
+          <a:prstGeom prst="rect">
+            <a:avLst/>
+          </a:prstGeom>
+          <a:noFill/>
+          <a:ln>
+            <a:noFill/>
+          </a:ln>
+        </p:spPr>
+        <p:txBody>
+          <a:bodyPr lIns="91425" tIns="45700" rIns="91425" bIns="45700" anchor="t" anchorCtr="0">
+            <a:spAutoFit/>
+          </a:bodyPr>
+          <a:lstStyle/>
+          <a:p>
+            <a:pPr>
               <a:buSzPct val="100694"/>
               <a:buFont typeface="Arial"/>
               <a:buChar char="•"/>
-              <a:tabLst/>
-              <a:defRPr/>
-            </a:pPr>
-            <a:r>
-              <a:rPr kumimoji="0" lang="nb-NO" sz="2400" b="0" i="0" u="none" strike="noStrike" kern="0" cap="none" spc="0" normalizeH="0" baseline="0" noProof="0" dirty="0" smtClean="0">
-                <a:ln>
-                  <a:noFill/>
-                </a:ln>
-                <a:solidFill>
-                  <a:schemeClr val="dk1"/>
-                </a:solidFill>
-                <a:effectLst/>
-                <a:uLnTx/>
-                <a:uFillTx/>
-                <a:latin typeface="Georgia"/>
-                <a:ea typeface="Georgia"/>
-                <a:cs typeface="Georgia"/>
-                <a:sym typeface="Georgia"/>
-              </a:rPr>
-              <a:t> ”ACID” og BASE</a:t>
-            </a:r>
-          </a:p>
-          <a:p>
-            <a:pPr marL="0" marR="0" lvl="0" indent="0" algn="l" defTabSz="914400" rtl="0" eaLnBrk="1" fontAlgn="auto" latinLnBrk="0" hangingPunct="1">
-              <a:lnSpc>
-                <a:spcPct val="100000"/>
-              </a:lnSpc>
-              <a:spcBef>
-                <a:spcPts val="480"/>
-              </a:spcBef>
-              <a:spcAft>
-                <a:spcPts val="0"/>
-              </a:spcAft>
-              <a:buClr>
-                <a:srgbClr val="96281B"/>
-              </a:buClr>
+            </a:pPr>
+            <a:endParaRPr lang="nb-NO" sz="2800" dirty="0" smtClean="0"/>
+          </a:p>
+          <a:p>
+            <a:pPr lvl="1">
               <a:buSzPct val="100694"/>
               <a:buFont typeface="Arial"/>
               <a:buChar char="•"/>
-              <a:tabLst/>
-              <a:defRPr/>
-            </a:pPr>
-            <a:r>
-              <a:rPr kumimoji="0" lang="nb-NO" sz="2400" b="0" i="0" u="none" strike="noStrike" kern="0" cap="none" spc="0" normalizeH="0" baseline="0" noProof="0" dirty="0" smtClean="0">
-                <a:ln>
-                  <a:noFill/>
-                </a:ln>
-                <a:solidFill>
-                  <a:schemeClr val="dk1"/>
-                </a:solidFill>
-                <a:effectLst/>
-                <a:uLnTx/>
-                <a:uFillTx/>
-                <a:latin typeface="Georgia"/>
-                <a:ea typeface="Georgia"/>
-                <a:cs typeface="Georgia"/>
-                <a:sym typeface="Georgia"/>
-              </a:rPr>
-              <a:t> Keys/key</a:t>
-            </a:r>
-            <a:r>
-              <a:rPr kumimoji="0" lang="nb-NO" sz="2400" b="0" i="0" u="none" strike="noStrike" kern="0" cap="none" spc="0" normalizeH="0" noProof="0" dirty="0" smtClean="0">
-                <a:ln>
-                  <a:noFill/>
-                </a:ln>
-                <a:solidFill>
-                  <a:schemeClr val="dk1"/>
-                </a:solidFill>
-                <a:effectLst/>
-                <a:uLnTx/>
-                <a:uFillTx/>
-                <a:latin typeface="Georgia"/>
-                <a:ea typeface="Georgia"/>
-                <a:cs typeface="Georgia"/>
-                <a:sym typeface="Georgia"/>
-              </a:rPr>
-              <a:t> ranges</a:t>
-            </a:r>
-            <a:endParaRPr kumimoji="0" lang="nb-NO" sz="2400" b="0" i="0" u="none" strike="noStrike" kern="0" cap="none" spc="0" normalizeH="0" baseline="0" noProof="0" dirty="0" smtClean="0">
-              <a:ln>
-                <a:noFill/>
-              </a:ln>
+            </a:pPr>
+            <a:endParaRPr sz="2400" b="0" i="0" u="none" strike="noStrike" cap="none" baseline="0" dirty="0">
               <a:solidFill>
                 <a:schemeClr val="dk1"/>
               </a:solidFill>
-              <a:effectLst/>
-              <a:uLnTx/>
-              <a:uFillTx/>
               <a:latin typeface="Georgia"/>
               <a:ea typeface="Georgia"/>
               <a:cs typeface="Georgia"/>
@@ -16124,116 +20147,57 @@
             </a:endParaRPr>
           </a:p>
           <a:p>
-            <a:pPr marL="0" marR="0" lvl="0" indent="0" algn="l" defTabSz="914400" rtl="0" eaLnBrk="1" fontAlgn="auto" latinLnBrk="0" hangingPunct="1">
-              <a:lnSpc>
-                <a:spcPct val="100000"/>
-              </a:lnSpc>
-              <a:spcBef>
-                <a:spcPts val="480"/>
-              </a:spcBef>
-              <a:spcAft>
-                <a:spcPts val="0"/>
-              </a:spcAft>
-              <a:buClr>
-                <a:srgbClr val="96281B"/>
-              </a:buClr>
-              <a:buSzPct val="100694"/>
-              <a:buFont typeface="Arial"/>
-              <a:buChar char="•"/>
-              <a:tabLst/>
-              <a:defRPr/>
-            </a:pPr>
-            <a:endParaRPr kumimoji="0" lang="nb-NO" sz="2200" b="0" i="0" u="none" strike="noStrike" kern="0" cap="none" spc="0" normalizeH="0" baseline="0" noProof="0" dirty="0" smtClean="0">
-              <a:ln>
-                <a:noFill/>
-              </a:ln>
-              <a:solidFill>
-                <a:schemeClr val="dk1"/>
-              </a:solidFill>
-              <a:effectLst/>
-              <a:uLnTx/>
-              <a:uFillTx/>
-              <a:latin typeface="Georgia"/>
-              <a:ea typeface="Georgia"/>
-              <a:cs typeface="Georgia"/>
-              <a:sym typeface="Georgia"/>
-            </a:endParaRPr>
-          </a:p>
-          <a:p>
-            <a:pPr marL="0" marR="0" lvl="0" indent="0" algn="l" defTabSz="914400" rtl="0" eaLnBrk="1" fontAlgn="auto" latinLnBrk="0" hangingPunct="1">
-              <a:lnSpc>
-                <a:spcPct val="100000"/>
-              </a:lnSpc>
-              <a:spcBef>
-                <a:spcPts val="480"/>
-              </a:spcBef>
-              <a:spcAft>
-                <a:spcPts val="0"/>
-              </a:spcAft>
-              <a:buClr>
-                <a:srgbClr val="96281B"/>
-              </a:buClr>
-              <a:buSzTx/>
-              <a:buFont typeface="Georgia"/>
-              <a:buNone/>
-              <a:tabLst/>
-              <a:defRPr/>
-            </a:pPr>
-            <a:endParaRPr kumimoji="0" lang="nb-NO" sz="2000" b="0" i="0" u="none" strike="noStrike" kern="0" cap="none" spc="0" normalizeH="0" baseline="0" noProof="0" dirty="0" smtClean="0">
-              <a:ln>
-                <a:noFill/>
-              </a:ln>
-              <a:solidFill>
-                <a:schemeClr val="dk1"/>
-              </a:solidFill>
-              <a:effectLst/>
-              <a:uLnTx/>
-              <a:uFillTx/>
-              <a:latin typeface="Georgia"/>
-              <a:ea typeface="Georgia"/>
-              <a:cs typeface="Georgia"/>
-              <a:sym typeface="Georgia"/>
-            </a:endParaRPr>
-          </a:p>
-          <a:p>
-            <a:pPr marL="0" marR="0" lvl="0" indent="0" algn="l" defTabSz="914400" rtl="0" eaLnBrk="1" fontAlgn="auto" latinLnBrk="0" hangingPunct="1">
-              <a:lnSpc>
-                <a:spcPct val="100000"/>
-              </a:lnSpc>
-              <a:spcBef>
-                <a:spcPts val="480"/>
-              </a:spcBef>
-              <a:spcAft>
-                <a:spcPts val="0"/>
-              </a:spcAft>
-              <a:buClr>
-                <a:srgbClr val="96281B"/>
-              </a:buClr>
-              <a:buSzTx/>
-              <a:buFont typeface="Georgia"/>
-              <a:buNone/>
-              <a:tabLst/>
-              <a:defRPr/>
-            </a:pPr>
-            <a:endParaRPr kumimoji="0" lang="nb-NO" sz="2000" b="0" i="0" u="none" strike="noStrike" kern="0" cap="none" spc="0" normalizeH="0" baseline="0" noProof="0" dirty="0">
-              <a:ln>
-                <a:noFill/>
-              </a:ln>
-              <a:solidFill>
-                <a:schemeClr val="dk1"/>
-              </a:solidFill>
-              <a:effectLst/>
-              <a:uLnTx/>
-              <a:uFillTx/>
-              <a:latin typeface="Georgia"/>
-              <a:ea typeface="Georgia"/>
-              <a:cs typeface="Georgia"/>
-              <a:sym typeface="Georgia"/>
-            </a:endParaRPr>
+            <a:endParaRPr dirty="0"/>
           </a:p>
         </p:txBody>
       </p:sp>
+      <p:pic>
+        <p:nvPicPr>
+          <p:cNvPr id="1028" name="Picture 4" descr="http://1.bp.blogspot.com/_j6mB7TMmJJY/TK1npAatLqI/AAAAAAAAAd4/TscPInSeUoo/s1600/p1.png"/>
+          <p:cNvPicPr>
+            <a:picLocks noChangeAspect="1" noChangeArrowheads="1"/>
+          </p:cNvPicPr>
+          <p:nvPr/>
+        </p:nvPicPr>
+        <p:blipFill>
+          <a:blip r:embed="rId3">
+            <a:extLst>
+              <a:ext uri="{28A0092B-C50C-407E-A947-70E740481C1C}">
+                <a14:useLocalDpi xmlns:a14="http://schemas.microsoft.com/office/drawing/2010/main" val="0"/>
+              </a:ext>
+            </a:extLst>
+          </a:blip>
+          <a:srcRect/>
+          <a:stretch>
+            <a:fillRect/>
+          </a:stretch>
+        </p:blipFill>
+        <p:spPr bwMode="auto">
+          <a:xfrm>
+            <a:off x="611560" y="1196752"/>
+            <a:ext cx="7578519" cy="4519452"/>
+          </a:xfrm>
+          <a:prstGeom prst="rect">
+            <a:avLst/>
+          </a:prstGeom>
+          <a:noFill/>
+          <a:extLst>
+            <a:ext uri="{909E8E84-426E-40DD-AFC4-6F175D3DCCD1}">
+              <a14:hiddenFill xmlns:a14="http://schemas.microsoft.com/office/drawing/2010/main">
+                <a:solidFill>
+                  <a:srgbClr val="FFFFFF"/>
+                </a:solidFill>
+              </a14:hiddenFill>
+            </a:ext>
+          </a:extLst>
+        </p:spPr>
+      </p:pic>
     </p:spTree>
+    <p:extLst>
+      <p:ext uri="{BB962C8B-B14F-4D97-AF65-F5344CB8AC3E}">
+        <p14:creationId xmlns:p14="http://schemas.microsoft.com/office/powerpoint/2010/main" val="4240631869"/>
+      </p:ext>
+    </p:extLst>
   </p:cSld>
   <p:clrMapOvr>
     <a:masterClrMapping/>
@@ -16277,7 +20241,7 @@
         <p:spPr>
           <a:xfrm>
             <a:off x="431800" y="6134100"/>
-            <a:ext cx="1904999" cy="457200"/>
+            <a:ext cx="1904999" cy="246181"/>
           </a:xfrm>
           <a:prstGeom prst="rect">
             <a:avLst/>
@@ -16302,7 +20266,7 @@
               <a:buNone/>
             </a:pPr>
             <a:r>
-              <a:rPr sz="1000" b="0" i="1" u="none" strike="noStrike" cap="none" baseline="0" dirty="0">
+              <a:rPr lang="nb-NO" sz="1000" b="0" i="1" u="none" strike="noStrike" cap="none" baseline="0" dirty="0" smtClean="0">
                 <a:solidFill>
                   <a:srgbClr val="96281B"/>
                 </a:solidFill>
@@ -16311,43 +20275,7 @@
                 <a:cs typeface="Georgia"/>
                 <a:sym typeface="Georgia"/>
               </a:rPr>
-              <a:t>13. </a:t>
-            </a:r>
-            <a:r>
-              <a:rPr sz="1000" b="0" i="1" u="none" strike="noStrike" cap="none" baseline="0" dirty="0" err="1">
-                <a:solidFill>
-                  <a:srgbClr val="96281B"/>
-                </a:solidFill>
-                <a:latin typeface="Georgia"/>
-                <a:ea typeface="Georgia"/>
-                <a:cs typeface="Georgia"/>
-                <a:sym typeface="Georgia"/>
-              </a:rPr>
-              <a:t>april</a:t>
-            </a:r>
-            <a:r>
-              <a:rPr sz="1000" b="0" i="1" u="none" strike="noStrike" cap="none" baseline="0" dirty="0">
-                <a:solidFill>
-                  <a:srgbClr val="96281B"/>
-                </a:solidFill>
-                <a:latin typeface="Georgia"/>
-                <a:ea typeface="Georgia"/>
-                <a:cs typeface="Georgia"/>
-                <a:sym typeface="Georgia"/>
-              </a:rPr>
-              <a:t> / </a:t>
-            </a:r>
-            <a:r>
-              <a:rPr sz="1000" b="0" i="1" u="none" strike="noStrike" cap="none" baseline="0" dirty="0" err="1">
-                <a:solidFill>
-                  <a:srgbClr val="96281B"/>
-                </a:solidFill>
-                <a:latin typeface="Georgia"/>
-                <a:ea typeface="Georgia"/>
-                <a:cs typeface="Georgia"/>
-                <a:sym typeface="Georgia"/>
-              </a:rPr>
-              <a:t>Fagfredag</a:t>
+              <a:t>10. oktoberl / Åpen fagkveld</a:t>
             </a:r>
             <a:endParaRPr sz="1000" b="0" i="1" u="none" strike="noStrike" cap="none" baseline="0" dirty="0">
               <a:solidFill>
@@ -16467,6 +20395,1562 @@
           <a:xfrm>
             <a:off x="2483768" y="1727296"/>
             <a:ext cx="3960440" cy="4446055"/>
+          </a:xfrm>
+          <a:prstGeom prst="rect">
+            <a:avLst/>
+          </a:prstGeom>
+          <a:noFill/>
+        </p:spPr>
+      </p:pic>
+    </p:spTree>
+  </p:cSld>
+  <p:clrMapOvr>
+    <a:masterClrMapping/>
+  </p:clrMapOvr>
+  <p:transition spd="slow">
+    <p:cut/>
+  </p:transition>
+  <p:timing>
+    <p:tnLst>
+      <p:par>
+        <p:cTn id="1" dur="indefinite" restart="never" nodeType="tmRoot"/>
+      </p:par>
+    </p:tnLst>
+  </p:timing>
+</p:sld>
+</file>
+
+<file path=ppt/slides/slide20.xml><?xml version="1.0" encoding="utf-8"?>
+<p:sld xmlns:a="http://schemas.openxmlformats.org/drawingml/2006/main" xmlns:r="http://schemas.openxmlformats.org/officeDocument/2006/relationships" xmlns:p="http://schemas.openxmlformats.org/presentationml/2006/main">
+  <p:cSld>
+    <p:spTree>
+      <p:nvGrpSpPr>
+        <p:cNvPr id="1" name="Shape 257"/>
+        <p:cNvGrpSpPr/>
+        <p:nvPr/>
+      </p:nvGrpSpPr>
+      <p:grpSpPr>
+        <a:xfrm>
+          <a:off x="0" y="0"/>
+          <a:ext cx="0" cy="0"/>
+          <a:chOff x="0" y="0"/>
+          <a:chExt cx="0" cy="0"/>
+        </a:xfrm>
+      </p:grpSpPr>
+      <p:sp>
+        <p:nvSpPr>
+          <p:cNvPr id="258" name="Shape 258"/>
+          <p:cNvSpPr/>
+          <p:nvPr/>
+        </p:nvSpPr>
+        <p:spPr>
+          <a:xfrm>
+            <a:off x="431800" y="6134100"/>
+            <a:ext cx="1904999" cy="246181"/>
+          </a:xfrm>
+          <a:prstGeom prst="rect">
+            <a:avLst/>
+          </a:prstGeom>
+          <a:noFill/>
+          <a:ln>
+            <a:noFill/>
+          </a:ln>
+        </p:spPr>
+        <p:txBody>
+          <a:bodyPr lIns="91425" tIns="45700" rIns="91425" bIns="45700" anchor="t" anchorCtr="0">
+            <a:spAutoFit/>
+          </a:bodyPr>
+          <a:lstStyle/>
+          <a:p>
+            <a:pPr marL="0" marR="0" lvl="0" indent="0" algn="l" rtl="0">
+              <a:buClr>
+                <a:schemeClr val="dk1"/>
+              </a:buClr>
+              <a:buSzPct val="25000"/>
+              <a:buFont typeface="Georgia"/>
+              <a:buNone/>
+            </a:pPr>
+            <a:r>
+              <a:rPr lang="nb-NO" sz="1000" b="0" i="1" u="none" strike="noStrike" cap="none" baseline="0" dirty="0" smtClean="0">
+                <a:solidFill>
+                  <a:srgbClr val="96281B"/>
+                </a:solidFill>
+                <a:latin typeface="Georgia"/>
+                <a:ea typeface="Georgia"/>
+                <a:cs typeface="Georgia"/>
+                <a:sym typeface="Georgia"/>
+              </a:rPr>
+              <a:t>10. oktoberl / Åpen fagkveld</a:t>
+            </a:r>
+            <a:endParaRPr sz="1000" b="0" i="1" u="none" strike="noStrike" cap="none" baseline="0" dirty="0">
+              <a:solidFill>
+                <a:srgbClr val="96281B"/>
+              </a:solidFill>
+              <a:latin typeface="Georgia"/>
+              <a:ea typeface="Georgia"/>
+              <a:cs typeface="Georgia"/>
+              <a:sym typeface="Georgia"/>
+            </a:endParaRPr>
+          </a:p>
+        </p:txBody>
+      </p:sp>
+      <p:sp>
+        <p:nvSpPr>
+          <p:cNvPr id="259" name="Shape 259"/>
+          <p:cNvSpPr>
+            <a:spLocks noGrp="1"/>
+          </p:cNvSpPr>
+          <p:nvPr>
+            <p:ph type="title"/>
+          </p:nvPr>
+        </p:nvSpPr>
+        <p:spPr>
+          <a:xfrm>
+            <a:off x="431800" y="898525"/>
+            <a:ext cx="8277224" cy="553957"/>
+          </a:xfrm>
+          <a:prstGeom prst="rect">
+            <a:avLst/>
+          </a:prstGeom>
+          <a:noFill/>
+          <a:ln>
+            <a:noFill/>
+          </a:ln>
+        </p:spPr>
+        <p:txBody>
+          <a:bodyPr lIns="91425" tIns="45700" rIns="91425" bIns="45700" anchor="t" anchorCtr="0">
+            <a:spAutoFit/>
+          </a:bodyPr>
+          <a:lstStyle/>
+          <a:p>
+            <a:pPr lvl="0">
+              <a:buClr>
+                <a:srgbClr val="96281B"/>
+              </a:buClr>
+              <a:buSzPct val="25000"/>
+            </a:pPr>
+            <a:r>
+              <a:rPr lang="nb-NO" sz="3000" dirty="0" smtClean="0"/>
+              <a:t>Columnstore</a:t>
+            </a:r>
+            <a:endParaRPr sz="3000" b="1" i="0" u="none" strike="noStrike" cap="small" baseline="0" dirty="0">
+              <a:solidFill>
+                <a:srgbClr val="96281B"/>
+              </a:solidFill>
+              <a:latin typeface="Trebuchet MS"/>
+              <a:ea typeface="Trebuchet MS"/>
+              <a:cs typeface="Trebuchet MS"/>
+              <a:sym typeface="Trebuchet MS"/>
+            </a:endParaRPr>
+          </a:p>
+        </p:txBody>
+      </p:sp>
+      <p:sp>
+        <p:nvSpPr>
+          <p:cNvPr id="260" name="Shape 260"/>
+          <p:cNvSpPr>
+            <a:spLocks noGrp="1"/>
+          </p:cNvSpPr>
+          <p:nvPr>
+            <p:ph type="body" idx="1"/>
+          </p:nvPr>
+        </p:nvSpPr>
+        <p:spPr>
+          <a:xfrm>
+            <a:off x="431800" y="1546225"/>
+            <a:ext cx="8277224" cy="1315704"/>
+          </a:xfrm>
+          <a:prstGeom prst="rect">
+            <a:avLst/>
+          </a:prstGeom>
+          <a:noFill/>
+          <a:ln>
+            <a:noFill/>
+          </a:ln>
+        </p:spPr>
+        <p:txBody>
+          <a:bodyPr lIns="91425" tIns="45700" rIns="91425" bIns="45700" anchor="t" anchorCtr="0">
+            <a:spAutoFit/>
+          </a:bodyPr>
+          <a:lstStyle/>
+          <a:p>
+            <a:pPr>
+              <a:buSzPct val="100694"/>
+              <a:buFont typeface="Arial"/>
+              <a:buChar char="•"/>
+            </a:pPr>
+            <a:endParaRPr lang="nb-NO" sz="2800" dirty="0" smtClean="0"/>
+          </a:p>
+          <a:p>
+            <a:pPr lvl="1">
+              <a:buSzPct val="100694"/>
+              <a:buFont typeface="Arial"/>
+              <a:buChar char="•"/>
+            </a:pPr>
+            <a:endParaRPr sz="2400" b="0" i="0" u="none" strike="noStrike" cap="none" baseline="0" dirty="0">
+              <a:solidFill>
+                <a:schemeClr val="dk1"/>
+              </a:solidFill>
+              <a:latin typeface="Georgia"/>
+              <a:ea typeface="Georgia"/>
+              <a:cs typeface="Georgia"/>
+              <a:sym typeface="Georgia"/>
+            </a:endParaRPr>
+          </a:p>
+          <a:p>
+            <a:endParaRPr dirty="0"/>
+          </a:p>
+        </p:txBody>
+      </p:sp>
+      <p:pic>
+        <p:nvPicPr>
+          <p:cNvPr id="64514" name="Picture 2" descr="http://upload.wikimedia.org/wikipedia/commons/thumb/5/5e/Cassandra_logo.svg/279px-Cassandra_logo.svg.png"/>
+          <p:cNvPicPr>
+            <a:picLocks noChangeAspect="1" noChangeArrowheads="1"/>
+          </p:cNvPicPr>
+          <p:nvPr/>
+        </p:nvPicPr>
+        <p:blipFill>
+          <a:blip r:embed="rId3"/>
+          <a:srcRect/>
+          <a:stretch>
+            <a:fillRect/>
+          </a:stretch>
+        </p:blipFill>
+        <p:spPr bwMode="auto">
+          <a:xfrm>
+            <a:off x="611560" y="1700808"/>
+            <a:ext cx="3008161" cy="2016224"/>
+          </a:xfrm>
+          <a:prstGeom prst="rect">
+            <a:avLst/>
+          </a:prstGeom>
+          <a:noFill/>
+        </p:spPr>
+      </p:pic>
+      <p:pic>
+        <p:nvPicPr>
+          <p:cNvPr id="64516" name="Picture 4" descr="https://si0.twimg.com/profile_images/563838120/InfiniDB-TM_square.JPG"/>
+          <p:cNvPicPr>
+            <a:picLocks noChangeAspect="1" noChangeArrowheads="1"/>
+          </p:cNvPicPr>
+          <p:nvPr/>
+        </p:nvPicPr>
+        <p:blipFill>
+          <a:blip r:embed="rId4"/>
+          <a:srcRect/>
+          <a:stretch>
+            <a:fillRect/>
+          </a:stretch>
+        </p:blipFill>
+        <p:spPr bwMode="auto">
+          <a:xfrm>
+            <a:off x="5148064" y="404664"/>
+            <a:ext cx="2476500" cy="2476501"/>
+          </a:xfrm>
+          <a:prstGeom prst="rect">
+            <a:avLst/>
+          </a:prstGeom>
+          <a:noFill/>
+        </p:spPr>
+      </p:pic>
+      <p:pic>
+        <p:nvPicPr>
+          <p:cNvPr id="64518" name="Picture 6" descr="http://www.softwareone.com/en-uk/Events/Events/Documents/SQL12_Logo.jpg"/>
+          <p:cNvPicPr>
+            <a:picLocks noChangeAspect="1" noChangeArrowheads="1"/>
+          </p:cNvPicPr>
+          <p:nvPr/>
+        </p:nvPicPr>
+        <p:blipFill>
+          <a:blip r:embed="rId5"/>
+          <a:srcRect/>
+          <a:stretch>
+            <a:fillRect/>
+          </a:stretch>
+        </p:blipFill>
+        <p:spPr bwMode="auto">
+          <a:xfrm>
+            <a:off x="4139952" y="2348880"/>
+            <a:ext cx="4029075" cy="2771776"/>
+          </a:xfrm>
+          <a:prstGeom prst="rect">
+            <a:avLst/>
+          </a:prstGeom>
+          <a:noFill/>
+        </p:spPr>
+      </p:pic>
+      <p:pic>
+        <p:nvPicPr>
+          <p:cNvPr id="64519" name="Picture 7"/>
+          <p:cNvPicPr>
+            <a:picLocks noChangeAspect="1" noChangeArrowheads="1"/>
+          </p:cNvPicPr>
+          <p:nvPr/>
+        </p:nvPicPr>
+        <p:blipFill>
+          <a:blip r:embed="rId6"/>
+          <a:srcRect/>
+          <a:stretch>
+            <a:fillRect/>
+          </a:stretch>
+        </p:blipFill>
+        <p:spPr bwMode="auto">
+          <a:xfrm>
+            <a:off x="827584" y="4005064"/>
+            <a:ext cx="2808312" cy="1907820"/>
+          </a:xfrm>
+          <a:prstGeom prst="rect">
+            <a:avLst/>
+          </a:prstGeom>
+          <a:noFill/>
+          <a:ln w="9525">
+            <a:noFill/>
+            <a:miter lim="800000"/>
+            <a:headEnd/>
+            <a:tailEnd/>
+          </a:ln>
+        </p:spPr>
+      </p:pic>
+    </p:spTree>
+  </p:cSld>
+  <p:clrMapOvr>
+    <a:masterClrMapping/>
+  </p:clrMapOvr>
+  <p:transition spd="slow">
+    <p:cut/>
+  </p:transition>
+  <p:timing>
+    <p:tnLst>
+      <p:par>
+        <p:cTn id="1" dur="indefinite" restart="never" nodeType="tmRoot"/>
+      </p:par>
+    </p:tnLst>
+  </p:timing>
+</p:sld>
+</file>
+
+<file path=ppt/slides/slide21.xml><?xml version="1.0" encoding="utf-8"?>
+<p:sld xmlns:a="http://schemas.openxmlformats.org/drawingml/2006/main" xmlns:r="http://schemas.openxmlformats.org/officeDocument/2006/relationships" xmlns:p="http://schemas.openxmlformats.org/presentationml/2006/main">
+  <p:cSld>
+    <p:spTree>
+      <p:nvGrpSpPr>
+        <p:cNvPr id="1" name="Shape 257"/>
+        <p:cNvGrpSpPr/>
+        <p:nvPr/>
+      </p:nvGrpSpPr>
+      <p:grpSpPr>
+        <a:xfrm>
+          <a:off x="0" y="0"/>
+          <a:ext cx="0" cy="0"/>
+          <a:chOff x="0" y="0"/>
+          <a:chExt cx="0" cy="0"/>
+        </a:xfrm>
+      </p:grpSpPr>
+      <p:sp>
+        <p:nvSpPr>
+          <p:cNvPr id="258" name="Shape 258"/>
+          <p:cNvSpPr/>
+          <p:nvPr/>
+        </p:nvSpPr>
+        <p:spPr>
+          <a:xfrm>
+            <a:off x="431800" y="6134100"/>
+            <a:ext cx="1904999" cy="246181"/>
+          </a:xfrm>
+          <a:prstGeom prst="rect">
+            <a:avLst/>
+          </a:prstGeom>
+          <a:noFill/>
+          <a:ln>
+            <a:noFill/>
+          </a:ln>
+        </p:spPr>
+        <p:txBody>
+          <a:bodyPr lIns="91425" tIns="45700" rIns="91425" bIns="45700" anchor="t" anchorCtr="0">
+            <a:spAutoFit/>
+          </a:bodyPr>
+          <a:lstStyle/>
+          <a:p>
+            <a:pPr marL="0" marR="0" lvl="0" indent="0" algn="l" rtl="0">
+              <a:buClr>
+                <a:schemeClr val="dk1"/>
+              </a:buClr>
+              <a:buSzPct val="25000"/>
+              <a:buFont typeface="Georgia"/>
+              <a:buNone/>
+            </a:pPr>
+            <a:r>
+              <a:rPr lang="nb-NO" sz="1000" b="0" i="1" u="none" strike="noStrike" cap="none" baseline="0" dirty="0" smtClean="0">
+                <a:solidFill>
+                  <a:srgbClr val="96281B"/>
+                </a:solidFill>
+                <a:latin typeface="Georgia"/>
+                <a:ea typeface="Georgia"/>
+                <a:cs typeface="Georgia"/>
+                <a:sym typeface="Georgia"/>
+              </a:rPr>
+              <a:t>10. oktoberl / Åpen fagkveld</a:t>
+            </a:r>
+            <a:endParaRPr sz="1000" b="0" i="1" u="none" strike="noStrike" cap="none" baseline="0" dirty="0">
+              <a:solidFill>
+                <a:srgbClr val="96281B"/>
+              </a:solidFill>
+              <a:latin typeface="Georgia"/>
+              <a:ea typeface="Georgia"/>
+              <a:cs typeface="Georgia"/>
+              <a:sym typeface="Georgia"/>
+            </a:endParaRPr>
+          </a:p>
+        </p:txBody>
+      </p:sp>
+      <p:sp>
+        <p:nvSpPr>
+          <p:cNvPr id="259" name="Shape 259"/>
+          <p:cNvSpPr>
+            <a:spLocks noGrp="1"/>
+          </p:cNvSpPr>
+          <p:nvPr>
+            <p:ph type="title"/>
+          </p:nvPr>
+        </p:nvSpPr>
+        <p:spPr>
+          <a:xfrm>
+            <a:off x="431800" y="898525"/>
+            <a:ext cx="8277224" cy="553957"/>
+          </a:xfrm>
+          <a:prstGeom prst="rect">
+            <a:avLst/>
+          </a:prstGeom>
+          <a:noFill/>
+          <a:ln>
+            <a:noFill/>
+          </a:ln>
+        </p:spPr>
+        <p:txBody>
+          <a:bodyPr lIns="91425" tIns="45700" rIns="91425" bIns="45700" anchor="t" anchorCtr="0">
+            <a:spAutoFit/>
+          </a:bodyPr>
+          <a:lstStyle/>
+          <a:p>
+            <a:pPr marL="0" marR="0" lvl="0" indent="0" algn="l" rtl="0">
+              <a:spcBef>
+                <a:spcPts val="0"/>
+              </a:spcBef>
+              <a:spcAft>
+                <a:spcPts val="0"/>
+              </a:spcAft>
+              <a:buClr>
+                <a:srgbClr val="96281B"/>
+              </a:buClr>
+              <a:buSzPct val="25000"/>
+              <a:buFont typeface="Trebuchet MS"/>
+              <a:buNone/>
+            </a:pPr>
+            <a:r>
+              <a:rPr lang="nb-NO" sz="3000" dirty="0" smtClean="0"/>
+              <a:t>Graph</a:t>
+            </a:r>
+            <a:endParaRPr sz="3000" b="1" i="0" u="none" strike="noStrike" cap="small" baseline="0" dirty="0">
+              <a:solidFill>
+                <a:srgbClr val="96281B"/>
+              </a:solidFill>
+              <a:latin typeface="Trebuchet MS"/>
+              <a:ea typeface="Trebuchet MS"/>
+              <a:cs typeface="Trebuchet MS"/>
+              <a:sym typeface="Trebuchet MS"/>
+            </a:endParaRPr>
+          </a:p>
+        </p:txBody>
+      </p:sp>
+      <p:sp>
+        <p:nvSpPr>
+          <p:cNvPr id="260" name="Shape 260"/>
+          <p:cNvSpPr>
+            <a:spLocks noGrp="1"/>
+          </p:cNvSpPr>
+          <p:nvPr>
+            <p:ph type="body" idx="1"/>
+          </p:nvPr>
+        </p:nvSpPr>
+        <p:spPr>
+          <a:xfrm>
+            <a:off x="431800" y="1546225"/>
+            <a:ext cx="8277224" cy="1315704"/>
+          </a:xfrm>
+          <a:prstGeom prst="rect">
+            <a:avLst/>
+          </a:prstGeom>
+          <a:noFill/>
+          <a:ln>
+            <a:noFill/>
+          </a:ln>
+        </p:spPr>
+        <p:txBody>
+          <a:bodyPr lIns="91425" tIns="45700" rIns="91425" bIns="45700" anchor="t" anchorCtr="0">
+            <a:spAutoFit/>
+          </a:bodyPr>
+          <a:lstStyle/>
+          <a:p>
+            <a:pPr>
+              <a:buSzPct val="100694"/>
+              <a:buFont typeface="Arial"/>
+              <a:buChar char="•"/>
+            </a:pPr>
+            <a:endParaRPr lang="nb-NO" sz="2800" dirty="0" smtClean="0"/>
+          </a:p>
+          <a:p>
+            <a:pPr lvl="1">
+              <a:buSzPct val="100694"/>
+              <a:buFont typeface="Arial"/>
+              <a:buChar char="•"/>
+            </a:pPr>
+            <a:endParaRPr sz="2400" b="0" i="0" u="none" strike="noStrike" cap="none" baseline="0" dirty="0">
+              <a:solidFill>
+                <a:schemeClr val="dk1"/>
+              </a:solidFill>
+              <a:latin typeface="Georgia"/>
+              <a:ea typeface="Georgia"/>
+              <a:cs typeface="Georgia"/>
+              <a:sym typeface="Georgia"/>
+            </a:endParaRPr>
+          </a:p>
+          <a:p>
+            <a:endParaRPr dirty="0"/>
+          </a:p>
+        </p:txBody>
+      </p:sp>
+      <p:pic>
+        <p:nvPicPr>
+          <p:cNvPr id="53250" name="Picture 2" descr="http://graemethickins.typepad.com/.a/6a00d8341c4f1053ef0134827fe044970c-800wi"/>
+          <p:cNvPicPr>
+            <a:picLocks noChangeAspect="1" noChangeArrowheads="1"/>
+          </p:cNvPicPr>
+          <p:nvPr/>
+        </p:nvPicPr>
+        <p:blipFill>
+          <a:blip r:embed="rId3"/>
+          <a:srcRect/>
+          <a:stretch>
+            <a:fillRect/>
+          </a:stretch>
+        </p:blipFill>
+        <p:spPr bwMode="auto">
+          <a:xfrm>
+            <a:off x="1619672" y="1052736"/>
+            <a:ext cx="5400600" cy="4932550"/>
+          </a:xfrm>
+          <a:prstGeom prst="rect">
+            <a:avLst/>
+          </a:prstGeom>
+          <a:noFill/>
+        </p:spPr>
+      </p:pic>
+    </p:spTree>
+  </p:cSld>
+  <p:clrMapOvr>
+    <a:masterClrMapping/>
+  </p:clrMapOvr>
+  <p:transition spd="slow">
+    <p:cut/>
+  </p:transition>
+  <p:timing>
+    <p:tnLst>
+      <p:par>
+        <p:cTn id="1" dur="indefinite" restart="never" nodeType="tmRoot"/>
+      </p:par>
+    </p:tnLst>
+  </p:timing>
+</p:sld>
+</file>
+
+<file path=ppt/slides/slide22.xml><?xml version="1.0" encoding="utf-8"?>
+<p:sld xmlns:a="http://schemas.openxmlformats.org/drawingml/2006/main" xmlns:r="http://schemas.openxmlformats.org/officeDocument/2006/relationships" xmlns:p="http://schemas.openxmlformats.org/presentationml/2006/main">
+  <p:cSld>
+    <p:spTree>
+      <p:nvGrpSpPr>
+        <p:cNvPr id="1" name="Shape 257"/>
+        <p:cNvGrpSpPr/>
+        <p:nvPr/>
+      </p:nvGrpSpPr>
+      <p:grpSpPr>
+        <a:xfrm>
+          <a:off x="0" y="0"/>
+          <a:ext cx="0" cy="0"/>
+          <a:chOff x="0" y="0"/>
+          <a:chExt cx="0" cy="0"/>
+        </a:xfrm>
+      </p:grpSpPr>
+      <p:sp>
+        <p:nvSpPr>
+          <p:cNvPr id="258" name="Shape 258"/>
+          <p:cNvSpPr/>
+          <p:nvPr/>
+        </p:nvSpPr>
+        <p:spPr>
+          <a:xfrm>
+            <a:off x="431800" y="6134100"/>
+            <a:ext cx="1904999" cy="246181"/>
+          </a:xfrm>
+          <a:prstGeom prst="rect">
+            <a:avLst/>
+          </a:prstGeom>
+          <a:noFill/>
+          <a:ln>
+            <a:noFill/>
+          </a:ln>
+        </p:spPr>
+        <p:txBody>
+          <a:bodyPr lIns="91425" tIns="45700" rIns="91425" bIns="45700" anchor="t" anchorCtr="0">
+            <a:spAutoFit/>
+          </a:bodyPr>
+          <a:lstStyle/>
+          <a:p>
+            <a:pPr marL="0" marR="0" lvl="0" indent="0" algn="l" rtl="0">
+              <a:buClr>
+                <a:schemeClr val="dk1"/>
+              </a:buClr>
+              <a:buSzPct val="25000"/>
+              <a:buFont typeface="Georgia"/>
+              <a:buNone/>
+            </a:pPr>
+            <a:r>
+              <a:rPr lang="nb-NO" sz="1000" b="0" i="1" u="none" strike="noStrike" cap="none" baseline="0" dirty="0" smtClean="0">
+                <a:solidFill>
+                  <a:srgbClr val="96281B"/>
+                </a:solidFill>
+                <a:latin typeface="Georgia"/>
+                <a:ea typeface="Georgia"/>
+                <a:cs typeface="Georgia"/>
+                <a:sym typeface="Georgia"/>
+              </a:rPr>
+              <a:t>10. oktoberl / Åpen fagkveld</a:t>
+            </a:r>
+            <a:endParaRPr sz="1000" b="0" i="1" u="none" strike="noStrike" cap="none" baseline="0" dirty="0">
+              <a:solidFill>
+                <a:srgbClr val="96281B"/>
+              </a:solidFill>
+              <a:latin typeface="Georgia"/>
+              <a:ea typeface="Georgia"/>
+              <a:cs typeface="Georgia"/>
+              <a:sym typeface="Georgia"/>
+            </a:endParaRPr>
+          </a:p>
+        </p:txBody>
+      </p:sp>
+      <p:sp>
+        <p:nvSpPr>
+          <p:cNvPr id="259" name="Shape 259"/>
+          <p:cNvSpPr>
+            <a:spLocks noGrp="1"/>
+          </p:cNvSpPr>
+          <p:nvPr>
+            <p:ph type="title"/>
+          </p:nvPr>
+        </p:nvSpPr>
+        <p:spPr>
+          <a:xfrm>
+            <a:off x="431800" y="898525"/>
+            <a:ext cx="8277224" cy="553957"/>
+          </a:xfrm>
+          <a:prstGeom prst="rect">
+            <a:avLst/>
+          </a:prstGeom>
+          <a:noFill/>
+          <a:ln>
+            <a:noFill/>
+          </a:ln>
+        </p:spPr>
+        <p:txBody>
+          <a:bodyPr lIns="91425" tIns="45700" rIns="91425" bIns="45700" anchor="t" anchorCtr="0">
+            <a:spAutoFit/>
+          </a:bodyPr>
+          <a:lstStyle/>
+          <a:p>
+            <a:pPr marL="0" marR="0" lvl="0" indent="0" algn="l" rtl="0">
+              <a:spcBef>
+                <a:spcPts val="0"/>
+              </a:spcBef>
+              <a:spcAft>
+                <a:spcPts val="0"/>
+              </a:spcAft>
+              <a:buClr>
+                <a:srgbClr val="96281B"/>
+              </a:buClr>
+              <a:buSzPct val="25000"/>
+              <a:buFont typeface="Trebuchet MS"/>
+              <a:buNone/>
+            </a:pPr>
+            <a:r>
+              <a:rPr lang="nb-NO" sz="3000" dirty="0" smtClean="0"/>
+              <a:t>Graph</a:t>
+            </a:r>
+            <a:endParaRPr sz="3000" b="1" i="0" u="none" strike="noStrike" cap="small" baseline="0" dirty="0">
+              <a:solidFill>
+                <a:srgbClr val="96281B"/>
+              </a:solidFill>
+              <a:latin typeface="Trebuchet MS"/>
+              <a:ea typeface="Trebuchet MS"/>
+              <a:cs typeface="Trebuchet MS"/>
+              <a:sym typeface="Trebuchet MS"/>
+            </a:endParaRPr>
+          </a:p>
+        </p:txBody>
+      </p:sp>
+      <p:sp>
+        <p:nvSpPr>
+          <p:cNvPr id="260" name="Shape 260"/>
+          <p:cNvSpPr>
+            <a:spLocks noGrp="1"/>
+          </p:cNvSpPr>
+          <p:nvPr>
+            <p:ph type="body" idx="1"/>
+          </p:nvPr>
+        </p:nvSpPr>
+        <p:spPr>
+          <a:xfrm>
+            <a:off x="431800" y="1546225"/>
+            <a:ext cx="8277224" cy="1315704"/>
+          </a:xfrm>
+          <a:prstGeom prst="rect">
+            <a:avLst/>
+          </a:prstGeom>
+          <a:noFill/>
+          <a:ln>
+            <a:noFill/>
+          </a:ln>
+        </p:spPr>
+        <p:txBody>
+          <a:bodyPr lIns="91425" tIns="45700" rIns="91425" bIns="45700" anchor="t" anchorCtr="0">
+            <a:spAutoFit/>
+          </a:bodyPr>
+          <a:lstStyle/>
+          <a:p>
+            <a:pPr>
+              <a:buSzPct val="100694"/>
+              <a:buFont typeface="Arial"/>
+              <a:buChar char="•"/>
+            </a:pPr>
+            <a:endParaRPr lang="nb-NO" sz="2800" dirty="0" smtClean="0"/>
+          </a:p>
+          <a:p>
+            <a:pPr lvl="1">
+              <a:buSzPct val="100694"/>
+              <a:buFont typeface="Arial"/>
+              <a:buChar char="•"/>
+            </a:pPr>
+            <a:endParaRPr sz="2400" b="0" i="0" u="none" strike="noStrike" cap="none" baseline="0" dirty="0">
+              <a:solidFill>
+                <a:schemeClr val="dk1"/>
+              </a:solidFill>
+              <a:latin typeface="Georgia"/>
+              <a:ea typeface="Georgia"/>
+              <a:cs typeface="Georgia"/>
+              <a:sym typeface="Georgia"/>
+            </a:endParaRPr>
+          </a:p>
+          <a:p>
+            <a:endParaRPr dirty="0"/>
+          </a:p>
+        </p:txBody>
+      </p:sp>
+      <p:pic>
+        <p:nvPicPr>
+          <p:cNvPr id="68610" name="Picture 2" descr="http://ebmedia.eventbrite.com/s3-build/images/2059693/46740671327/1/logo.png"/>
+          <p:cNvPicPr>
+            <a:picLocks noChangeAspect="1" noChangeArrowheads="1"/>
+          </p:cNvPicPr>
+          <p:nvPr/>
+        </p:nvPicPr>
+        <p:blipFill>
+          <a:blip r:embed="rId3"/>
+          <a:srcRect/>
+          <a:stretch>
+            <a:fillRect/>
+          </a:stretch>
+        </p:blipFill>
+        <p:spPr bwMode="auto">
+          <a:xfrm>
+            <a:off x="4139952" y="1052736"/>
+            <a:ext cx="4286250" cy="1628776"/>
+          </a:xfrm>
+          <a:prstGeom prst="rect">
+            <a:avLst/>
+          </a:prstGeom>
+          <a:noFill/>
+        </p:spPr>
+      </p:pic>
+      <p:pic>
+        <p:nvPicPr>
+          <p:cNvPr id="68612" name="Picture 4" descr="http://www.hypergraphdb.org/images/hgdblogo-green-bckground2.jpg"/>
+          <p:cNvPicPr>
+            <a:picLocks noChangeAspect="1" noChangeArrowheads="1"/>
+          </p:cNvPicPr>
+          <p:nvPr/>
+        </p:nvPicPr>
+        <p:blipFill>
+          <a:blip r:embed="rId4"/>
+          <a:srcRect/>
+          <a:stretch>
+            <a:fillRect/>
+          </a:stretch>
+        </p:blipFill>
+        <p:spPr bwMode="auto">
+          <a:xfrm>
+            <a:off x="539552" y="2276872"/>
+            <a:ext cx="2771775" cy="1638300"/>
+          </a:xfrm>
+          <a:prstGeom prst="rect">
+            <a:avLst/>
+          </a:prstGeom>
+          <a:noFill/>
+        </p:spPr>
+      </p:pic>
+      <p:pic>
+        <p:nvPicPr>
+          <p:cNvPr id="68614" name="Picture 6" descr="http://upload.wikimedia.org/wikipedia/en/d/dc/OrientdbLogo.png"/>
+          <p:cNvPicPr>
+            <a:picLocks noChangeAspect="1" noChangeArrowheads="1"/>
+          </p:cNvPicPr>
+          <p:nvPr/>
+        </p:nvPicPr>
+        <p:blipFill>
+          <a:blip r:embed="rId5"/>
+          <a:srcRect/>
+          <a:stretch>
+            <a:fillRect/>
+          </a:stretch>
+        </p:blipFill>
+        <p:spPr bwMode="auto">
+          <a:xfrm>
+            <a:off x="3563888" y="3429000"/>
+            <a:ext cx="4838700" cy="2009776"/>
+          </a:xfrm>
+          <a:prstGeom prst="rect">
+            <a:avLst/>
+          </a:prstGeom>
+          <a:noFill/>
+        </p:spPr>
+      </p:pic>
+    </p:spTree>
+  </p:cSld>
+  <p:clrMapOvr>
+    <a:masterClrMapping/>
+  </p:clrMapOvr>
+  <p:transition spd="slow">
+    <p:cut/>
+  </p:transition>
+  <p:timing>
+    <p:tnLst>
+      <p:par>
+        <p:cTn id="1" dur="indefinite" restart="never" nodeType="tmRoot"/>
+      </p:par>
+    </p:tnLst>
+  </p:timing>
+</p:sld>
+</file>
+
+<file path=ppt/slides/slide23.xml><?xml version="1.0" encoding="utf-8"?>
+<p:sld xmlns:a="http://schemas.openxmlformats.org/drawingml/2006/main" xmlns:r="http://schemas.openxmlformats.org/officeDocument/2006/relationships" xmlns:p="http://schemas.openxmlformats.org/presentationml/2006/main">
+  <p:cSld>
+    <p:spTree>
+      <p:nvGrpSpPr>
+        <p:cNvPr id="1" name="Shape 257"/>
+        <p:cNvGrpSpPr/>
+        <p:nvPr/>
+      </p:nvGrpSpPr>
+      <p:grpSpPr>
+        <a:xfrm>
+          <a:off x="0" y="0"/>
+          <a:ext cx="0" cy="0"/>
+          <a:chOff x="0" y="0"/>
+          <a:chExt cx="0" cy="0"/>
+        </a:xfrm>
+      </p:grpSpPr>
+      <p:sp>
+        <p:nvSpPr>
+          <p:cNvPr id="258" name="Shape 258"/>
+          <p:cNvSpPr/>
+          <p:nvPr/>
+        </p:nvSpPr>
+        <p:spPr>
+          <a:xfrm>
+            <a:off x="431800" y="6134100"/>
+            <a:ext cx="1904999" cy="246181"/>
+          </a:xfrm>
+          <a:prstGeom prst="rect">
+            <a:avLst/>
+          </a:prstGeom>
+          <a:noFill/>
+          <a:ln>
+            <a:noFill/>
+          </a:ln>
+        </p:spPr>
+        <p:txBody>
+          <a:bodyPr lIns="91425" tIns="45700" rIns="91425" bIns="45700" anchor="t" anchorCtr="0">
+            <a:spAutoFit/>
+          </a:bodyPr>
+          <a:lstStyle/>
+          <a:p>
+            <a:pPr marL="0" marR="0" lvl="0" indent="0" algn="l" rtl="0">
+              <a:buClr>
+                <a:schemeClr val="dk1"/>
+              </a:buClr>
+              <a:buSzPct val="25000"/>
+              <a:buFont typeface="Georgia"/>
+              <a:buNone/>
+            </a:pPr>
+            <a:r>
+              <a:rPr lang="nb-NO" sz="1000" b="0" i="1" u="none" strike="noStrike" cap="none" baseline="0" dirty="0" smtClean="0">
+                <a:solidFill>
+                  <a:srgbClr val="96281B"/>
+                </a:solidFill>
+                <a:latin typeface="Georgia"/>
+                <a:ea typeface="Georgia"/>
+                <a:cs typeface="Georgia"/>
+                <a:sym typeface="Georgia"/>
+              </a:rPr>
+              <a:t>10. oktoberl / Åpen fagkveld</a:t>
+            </a:r>
+            <a:endParaRPr sz="1000" b="0" i="1" u="none" strike="noStrike" cap="none" baseline="0" dirty="0">
+              <a:solidFill>
+                <a:srgbClr val="96281B"/>
+              </a:solidFill>
+              <a:latin typeface="Georgia"/>
+              <a:ea typeface="Georgia"/>
+              <a:cs typeface="Georgia"/>
+              <a:sym typeface="Georgia"/>
+            </a:endParaRPr>
+          </a:p>
+        </p:txBody>
+      </p:sp>
+      <p:sp>
+        <p:nvSpPr>
+          <p:cNvPr id="259" name="Shape 259"/>
+          <p:cNvSpPr>
+            <a:spLocks noGrp="1"/>
+          </p:cNvSpPr>
+          <p:nvPr>
+            <p:ph type="title"/>
+          </p:nvPr>
+        </p:nvSpPr>
+        <p:spPr>
+          <a:xfrm>
+            <a:off x="431800" y="898525"/>
+            <a:ext cx="8277224" cy="553957"/>
+          </a:xfrm>
+          <a:prstGeom prst="rect">
+            <a:avLst/>
+          </a:prstGeom>
+          <a:noFill/>
+          <a:ln>
+            <a:noFill/>
+          </a:ln>
+        </p:spPr>
+        <p:txBody>
+          <a:bodyPr lIns="91425" tIns="45700" rIns="91425" bIns="45700" anchor="t" anchorCtr="0">
+            <a:spAutoFit/>
+          </a:bodyPr>
+          <a:lstStyle/>
+          <a:p>
+            <a:pPr marL="0" marR="0" lvl="0" indent="0" algn="l" rtl="0">
+              <a:spcBef>
+                <a:spcPts val="0"/>
+              </a:spcBef>
+              <a:spcAft>
+                <a:spcPts val="0"/>
+              </a:spcAft>
+              <a:buClr>
+                <a:srgbClr val="96281B"/>
+              </a:buClr>
+              <a:buSzPct val="25000"/>
+              <a:buFont typeface="Trebuchet MS"/>
+              <a:buNone/>
+            </a:pPr>
+            <a:r>
+              <a:rPr lang="nb-NO" sz="3000" b="1" i="0" u="none" strike="noStrike" cap="small" baseline="0" dirty="0" smtClean="0">
+                <a:solidFill>
+                  <a:srgbClr val="96281B"/>
+                </a:solidFill>
+                <a:latin typeface="Trebuchet MS"/>
+                <a:ea typeface="Trebuchet MS"/>
+                <a:cs typeface="Trebuchet MS"/>
+                <a:sym typeface="Trebuchet MS"/>
+              </a:rPr>
+              <a:t>Eksempler</a:t>
+            </a:r>
+            <a:endParaRPr sz="3000" b="1" i="0" u="none" strike="noStrike" cap="small" baseline="0" dirty="0">
+              <a:solidFill>
+                <a:srgbClr val="96281B"/>
+              </a:solidFill>
+              <a:latin typeface="Trebuchet MS"/>
+              <a:ea typeface="Trebuchet MS"/>
+              <a:cs typeface="Trebuchet MS"/>
+              <a:sym typeface="Trebuchet MS"/>
+            </a:endParaRPr>
+          </a:p>
+        </p:txBody>
+      </p:sp>
+      <p:sp>
+        <p:nvSpPr>
+          <p:cNvPr id="260" name="Shape 260"/>
+          <p:cNvSpPr>
+            <a:spLocks noGrp="1"/>
+          </p:cNvSpPr>
+          <p:nvPr>
+            <p:ph type="body" idx="1"/>
+          </p:nvPr>
+        </p:nvSpPr>
+        <p:spPr>
+          <a:xfrm>
+            <a:off x="431800" y="1546225"/>
+            <a:ext cx="8277224" cy="2998216"/>
+          </a:xfrm>
+          <a:prstGeom prst="rect">
+            <a:avLst/>
+          </a:prstGeom>
+          <a:noFill/>
+          <a:ln>
+            <a:noFill/>
+          </a:ln>
+        </p:spPr>
+        <p:txBody>
+          <a:bodyPr lIns="91425" tIns="45700" rIns="91425" bIns="45700" anchor="t" anchorCtr="0">
+            <a:spAutoFit/>
+          </a:bodyPr>
+          <a:lstStyle/>
+          <a:p>
+            <a:pPr>
+              <a:buSzPct val="100694"/>
+              <a:buFont typeface="Arial"/>
+              <a:buChar char="•"/>
+            </a:pPr>
+            <a:endParaRPr lang="nb-NO" sz="2800" dirty="0" smtClean="0"/>
+          </a:p>
+          <a:p>
+            <a:pPr lvl="1">
+              <a:buSzPct val="100694"/>
+              <a:buFont typeface="Arial"/>
+              <a:buChar char="•"/>
+            </a:pPr>
+            <a:r>
+              <a:rPr lang="nb-NO" sz="2400" dirty="0" smtClean="0"/>
+              <a:t>Key/value : sessions / shopping cart</a:t>
+            </a:r>
+          </a:p>
+          <a:p>
+            <a:pPr lvl="1">
+              <a:buSzPct val="100694"/>
+              <a:buFont typeface="Arial"/>
+              <a:buChar char="•"/>
+            </a:pPr>
+            <a:r>
+              <a:rPr lang="nb-NO" sz="2400" b="0" i="0" u="none" strike="noStrike" cap="none" baseline="0" dirty="0" smtClean="0">
+                <a:solidFill>
+                  <a:schemeClr val="dk1"/>
+                </a:solidFill>
+                <a:latin typeface="Georgia"/>
+                <a:ea typeface="Georgia"/>
+                <a:cs typeface="Georgia"/>
+                <a:sym typeface="Georgia"/>
+              </a:rPr>
+              <a:t>Document: ordrer</a:t>
+            </a:r>
+          </a:p>
+          <a:p>
+            <a:pPr lvl="1">
+              <a:buSzPct val="100694"/>
+              <a:buFont typeface="Arial"/>
+              <a:buChar char="•"/>
+            </a:pPr>
+            <a:r>
+              <a:rPr lang="nb-NO" sz="2400" dirty="0" smtClean="0"/>
+              <a:t>Graph: hvem har kjøpt denne boken før?</a:t>
+            </a:r>
+          </a:p>
+          <a:p>
+            <a:pPr lvl="1">
+              <a:buSzPct val="100694"/>
+              <a:buFont typeface="Arial"/>
+              <a:buChar char="•"/>
+            </a:pPr>
+            <a:r>
+              <a:rPr lang="nb-NO" sz="2400" dirty="0" smtClean="0"/>
+              <a:t>Columnstore: audit log</a:t>
+            </a:r>
+          </a:p>
+          <a:p>
+            <a:pPr lvl="1">
+              <a:buSzPct val="100694"/>
+              <a:buFont typeface="Arial"/>
+              <a:buChar char="•"/>
+            </a:pPr>
+            <a:r>
+              <a:rPr lang="nb-NO" sz="2400" b="0" i="0" u="none" strike="noStrike" cap="none" baseline="0" dirty="0" smtClean="0">
+                <a:solidFill>
+                  <a:schemeClr val="dk1"/>
+                </a:solidFill>
+                <a:latin typeface="Georgia"/>
+                <a:ea typeface="Georgia"/>
+                <a:cs typeface="Georgia"/>
+                <a:sym typeface="Georgia"/>
+              </a:rPr>
+              <a:t>RDBMS:</a:t>
+            </a:r>
+            <a:r>
+              <a:rPr lang="nb-NO" sz="2400" dirty="0" smtClean="0"/>
+              <a:t> </a:t>
+            </a:r>
+            <a:r>
+              <a:rPr lang="nb-NO" sz="2400" b="0" i="0" u="none" strike="noStrike" cap="none" dirty="0" smtClean="0">
+                <a:solidFill>
+                  <a:schemeClr val="dk1"/>
+                </a:solidFill>
+                <a:latin typeface="Georgia"/>
+                <a:ea typeface="Georgia"/>
+                <a:cs typeface="Georgia"/>
+                <a:sym typeface="Georgia"/>
+              </a:rPr>
+              <a:t>reporting/BI</a:t>
+            </a:r>
+            <a:endParaRPr sz="2400" b="0" i="0" u="none" strike="noStrike" cap="none" baseline="0" dirty="0" smtClean="0">
+              <a:solidFill>
+                <a:schemeClr val="dk1"/>
+              </a:solidFill>
+              <a:latin typeface="Georgia"/>
+              <a:ea typeface="Georgia"/>
+              <a:cs typeface="Georgia"/>
+              <a:sym typeface="Georgia"/>
+            </a:endParaRPr>
+          </a:p>
+          <a:p>
+            <a:endParaRPr dirty="0"/>
+          </a:p>
+        </p:txBody>
+      </p:sp>
+    </p:spTree>
+  </p:cSld>
+  <p:clrMapOvr>
+    <a:masterClrMapping/>
+  </p:clrMapOvr>
+  <p:transition spd="slow">
+    <p:cut/>
+  </p:transition>
+  <p:timing>
+    <p:tnLst>
+      <p:par>
+        <p:cTn id="1" dur="indefinite" restart="never" nodeType="tmRoot"/>
+      </p:par>
+    </p:tnLst>
+  </p:timing>
+</p:sld>
+</file>
+
+<file path=ppt/slides/slide24.xml><?xml version="1.0" encoding="utf-8"?>
+<p:sld xmlns:a="http://schemas.openxmlformats.org/drawingml/2006/main" xmlns:r="http://schemas.openxmlformats.org/officeDocument/2006/relationships" xmlns:p="http://schemas.openxmlformats.org/presentationml/2006/main">
+  <p:cSld>
+    <p:spTree>
+      <p:nvGrpSpPr>
+        <p:cNvPr id="1" name="Shape 257"/>
+        <p:cNvGrpSpPr/>
+        <p:nvPr/>
+      </p:nvGrpSpPr>
+      <p:grpSpPr>
+        <a:xfrm>
+          <a:off x="0" y="0"/>
+          <a:ext cx="0" cy="0"/>
+          <a:chOff x="0" y="0"/>
+          <a:chExt cx="0" cy="0"/>
+        </a:xfrm>
+      </p:grpSpPr>
+      <p:sp>
+        <p:nvSpPr>
+          <p:cNvPr id="258" name="Shape 258"/>
+          <p:cNvSpPr/>
+          <p:nvPr/>
+        </p:nvSpPr>
+        <p:spPr>
+          <a:xfrm>
+            <a:off x="431800" y="6134100"/>
+            <a:ext cx="1904999" cy="246181"/>
+          </a:xfrm>
+          <a:prstGeom prst="rect">
+            <a:avLst/>
+          </a:prstGeom>
+          <a:noFill/>
+          <a:ln>
+            <a:noFill/>
+          </a:ln>
+        </p:spPr>
+        <p:txBody>
+          <a:bodyPr lIns="91425" tIns="45700" rIns="91425" bIns="45700" anchor="t" anchorCtr="0">
+            <a:spAutoFit/>
+          </a:bodyPr>
+          <a:lstStyle/>
+          <a:p>
+            <a:pPr marL="0" marR="0" lvl="0" indent="0" algn="l" rtl="0">
+              <a:buClr>
+                <a:schemeClr val="dk1"/>
+              </a:buClr>
+              <a:buSzPct val="25000"/>
+              <a:buFont typeface="Georgia"/>
+              <a:buNone/>
+            </a:pPr>
+            <a:r>
+              <a:rPr lang="nb-NO" sz="1000" b="0" i="1" u="none" strike="noStrike" cap="none" baseline="0" dirty="0" smtClean="0">
+                <a:solidFill>
+                  <a:srgbClr val="96281B"/>
+                </a:solidFill>
+                <a:latin typeface="Georgia"/>
+                <a:ea typeface="Georgia"/>
+                <a:cs typeface="Georgia"/>
+                <a:sym typeface="Georgia"/>
+              </a:rPr>
+              <a:t>10. oktoberl / Åpen fagkveld</a:t>
+            </a:r>
+            <a:endParaRPr sz="1000" b="0" i="1" u="none" strike="noStrike" cap="none" baseline="0" dirty="0">
+              <a:solidFill>
+                <a:srgbClr val="96281B"/>
+              </a:solidFill>
+              <a:latin typeface="Georgia"/>
+              <a:ea typeface="Georgia"/>
+              <a:cs typeface="Georgia"/>
+              <a:sym typeface="Georgia"/>
+            </a:endParaRPr>
+          </a:p>
+        </p:txBody>
+      </p:sp>
+      <p:sp>
+        <p:nvSpPr>
+          <p:cNvPr id="259" name="Shape 259"/>
+          <p:cNvSpPr>
+            <a:spLocks noGrp="1"/>
+          </p:cNvSpPr>
+          <p:nvPr>
+            <p:ph type="title"/>
+          </p:nvPr>
+        </p:nvSpPr>
+        <p:spPr>
+          <a:xfrm>
+            <a:off x="431800" y="898525"/>
+            <a:ext cx="8277224" cy="553957"/>
+          </a:xfrm>
+          <a:prstGeom prst="rect">
+            <a:avLst/>
+          </a:prstGeom>
+          <a:noFill/>
+          <a:ln>
+            <a:noFill/>
+          </a:ln>
+        </p:spPr>
+        <p:txBody>
+          <a:bodyPr lIns="91425" tIns="45700" rIns="91425" bIns="45700" anchor="t" anchorCtr="0">
+            <a:spAutoFit/>
+          </a:bodyPr>
+          <a:lstStyle/>
+          <a:p>
+            <a:pPr marL="0" marR="0" lvl="0" indent="0" algn="l" rtl="0">
+              <a:spcBef>
+                <a:spcPts val="0"/>
+              </a:spcBef>
+              <a:spcAft>
+                <a:spcPts val="0"/>
+              </a:spcAft>
+              <a:buClr>
+                <a:srgbClr val="96281B"/>
+              </a:buClr>
+              <a:buSzPct val="25000"/>
+              <a:buFont typeface="Trebuchet MS"/>
+              <a:buNone/>
+            </a:pPr>
+            <a:r>
+              <a:rPr lang="nb-NO" sz="3000" b="1" i="0" u="none" strike="noStrike" cap="small" baseline="0" dirty="0" smtClean="0">
+                <a:solidFill>
+                  <a:srgbClr val="96281B"/>
+                </a:solidFill>
+                <a:latin typeface="Trebuchet MS"/>
+                <a:ea typeface="Trebuchet MS"/>
+                <a:cs typeface="Trebuchet MS"/>
+                <a:sym typeface="Trebuchet MS"/>
+              </a:rPr>
+              <a:t>Så..</a:t>
+            </a:r>
+            <a:endParaRPr sz="3000" b="1" i="0" u="none" strike="noStrike" cap="small" baseline="0" dirty="0">
+              <a:solidFill>
+                <a:srgbClr val="96281B"/>
+              </a:solidFill>
+              <a:latin typeface="Trebuchet MS"/>
+              <a:ea typeface="Trebuchet MS"/>
+              <a:cs typeface="Trebuchet MS"/>
+              <a:sym typeface="Trebuchet MS"/>
+            </a:endParaRPr>
+          </a:p>
+        </p:txBody>
+      </p:sp>
+      <p:sp>
+        <p:nvSpPr>
+          <p:cNvPr id="260" name="Shape 260"/>
+          <p:cNvSpPr>
+            <a:spLocks noGrp="1"/>
+          </p:cNvSpPr>
+          <p:nvPr>
+            <p:ph type="body" idx="1"/>
+          </p:nvPr>
+        </p:nvSpPr>
+        <p:spPr>
+          <a:xfrm>
+            <a:off x="431800" y="1546225"/>
+            <a:ext cx="8277224" cy="400069"/>
+          </a:xfrm>
+          <a:prstGeom prst="rect">
+            <a:avLst/>
+          </a:prstGeom>
+          <a:noFill/>
+          <a:ln>
+            <a:noFill/>
+          </a:ln>
+        </p:spPr>
+        <p:txBody>
+          <a:bodyPr lIns="91425" tIns="45700" rIns="91425" bIns="45700" anchor="t" anchorCtr="0">
+            <a:spAutoFit/>
+          </a:bodyPr>
+          <a:lstStyle/>
+          <a:p>
+            <a:endParaRPr dirty="0"/>
+          </a:p>
+        </p:txBody>
+      </p:sp>
+      <p:pic>
+        <p:nvPicPr>
+          <p:cNvPr id="69634" name="Picture 2"/>
+          <p:cNvPicPr>
+            <a:picLocks noChangeAspect="1" noChangeArrowheads="1"/>
+          </p:cNvPicPr>
+          <p:nvPr/>
+        </p:nvPicPr>
+        <p:blipFill>
+          <a:blip r:embed="rId3"/>
+          <a:srcRect/>
+          <a:stretch>
+            <a:fillRect/>
+          </a:stretch>
+        </p:blipFill>
+        <p:spPr bwMode="auto">
+          <a:xfrm>
+            <a:off x="1403648" y="1412776"/>
+            <a:ext cx="5640288" cy="4512231"/>
+          </a:xfrm>
+          <a:prstGeom prst="rect">
+            <a:avLst/>
+          </a:prstGeom>
+          <a:noFill/>
+          <a:ln w="9525">
+            <a:noFill/>
+            <a:miter lim="800000"/>
+            <a:headEnd/>
+            <a:tailEnd/>
+          </a:ln>
+        </p:spPr>
+      </p:pic>
+    </p:spTree>
+  </p:cSld>
+  <p:clrMapOvr>
+    <a:masterClrMapping/>
+  </p:clrMapOvr>
+  <p:transition spd="slow">
+    <p:cut/>
+  </p:transition>
+  <p:timing>
+    <p:tnLst>
+      <p:par>
+        <p:cTn id="1" dur="indefinite" restart="never" nodeType="tmRoot"/>
+      </p:par>
+    </p:tnLst>
+  </p:timing>
+</p:sld>
+</file>
+
+<file path=ppt/slides/slide25.xml><?xml version="1.0" encoding="utf-8"?>
+<p:sld xmlns:a="http://schemas.openxmlformats.org/drawingml/2006/main" xmlns:r="http://schemas.openxmlformats.org/officeDocument/2006/relationships" xmlns:p="http://schemas.openxmlformats.org/presentationml/2006/main">
+  <p:cSld>
+    <p:spTree>
+      <p:nvGrpSpPr>
+        <p:cNvPr id="1" name="Shape 257"/>
+        <p:cNvGrpSpPr/>
+        <p:nvPr/>
+      </p:nvGrpSpPr>
+      <p:grpSpPr>
+        <a:xfrm>
+          <a:off x="0" y="0"/>
+          <a:ext cx="0" cy="0"/>
+          <a:chOff x="0" y="0"/>
+          <a:chExt cx="0" cy="0"/>
+        </a:xfrm>
+      </p:grpSpPr>
+      <p:sp>
+        <p:nvSpPr>
+          <p:cNvPr id="258" name="Shape 258"/>
+          <p:cNvSpPr/>
+          <p:nvPr/>
+        </p:nvSpPr>
+        <p:spPr>
+          <a:xfrm>
+            <a:off x="431800" y="6134100"/>
+            <a:ext cx="1904999" cy="246181"/>
+          </a:xfrm>
+          <a:prstGeom prst="rect">
+            <a:avLst/>
+          </a:prstGeom>
+          <a:noFill/>
+          <a:ln>
+            <a:noFill/>
+          </a:ln>
+        </p:spPr>
+        <p:txBody>
+          <a:bodyPr lIns="91425" tIns="45700" rIns="91425" bIns="45700" anchor="t" anchorCtr="0">
+            <a:spAutoFit/>
+          </a:bodyPr>
+          <a:lstStyle/>
+          <a:p>
+            <a:pPr marL="0" marR="0" lvl="0" indent="0" algn="l" rtl="0">
+              <a:buClr>
+                <a:schemeClr val="dk1"/>
+              </a:buClr>
+              <a:buSzPct val="25000"/>
+              <a:buFont typeface="Georgia"/>
+              <a:buNone/>
+            </a:pPr>
+            <a:r>
+              <a:rPr lang="nb-NO" sz="1000" b="0" i="1" u="none" strike="noStrike" cap="none" baseline="0" dirty="0" smtClean="0">
+                <a:solidFill>
+                  <a:srgbClr val="96281B"/>
+                </a:solidFill>
+                <a:latin typeface="Georgia"/>
+                <a:ea typeface="Georgia"/>
+                <a:cs typeface="Georgia"/>
+                <a:sym typeface="Georgia"/>
+              </a:rPr>
+              <a:t>10. oktoberl / Åpen fagkveld</a:t>
+            </a:r>
+            <a:endParaRPr sz="1000" b="0" i="1" u="none" strike="noStrike" cap="none" baseline="0" dirty="0">
+              <a:solidFill>
+                <a:srgbClr val="96281B"/>
+              </a:solidFill>
+              <a:latin typeface="Georgia"/>
+              <a:ea typeface="Georgia"/>
+              <a:cs typeface="Georgia"/>
+              <a:sym typeface="Georgia"/>
+            </a:endParaRPr>
+          </a:p>
+        </p:txBody>
+      </p:sp>
+      <p:sp>
+        <p:nvSpPr>
+          <p:cNvPr id="259" name="Shape 259"/>
+          <p:cNvSpPr>
+            <a:spLocks noGrp="1"/>
+          </p:cNvSpPr>
+          <p:nvPr>
+            <p:ph type="title"/>
+          </p:nvPr>
+        </p:nvSpPr>
+        <p:spPr>
+          <a:xfrm>
+            <a:off x="431800" y="898525"/>
+            <a:ext cx="8277224" cy="553957"/>
+          </a:xfrm>
+          <a:prstGeom prst="rect">
+            <a:avLst/>
+          </a:prstGeom>
+          <a:noFill/>
+          <a:ln>
+            <a:noFill/>
+          </a:ln>
+        </p:spPr>
+        <p:txBody>
+          <a:bodyPr lIns="91425" tIns="45700" rIns="91425" bIns="45700" anchor="t" anchorCtr="0">
+            <a:spAutoFit/>
+          </a:bodyPr>
+          <a:lstStyle/>
+          <a:p>
+            <a:pPr marL="0" marR="0" lvl="0" indent="0" algn="l" rtl="0">
+              <a:spcBef>
+                <a:spcPts val="0"/>
+              </a:spcBef>
+              <a:spcAft>
+                <a:spcPts val="0"/>
+              </a:spcAft>
+              <a:buClr>
+                <a:srgbClr val="96281B"/>
+              </a:buClr>
+              <a:buSzPct val="25000"/>
+              <a:buFont typeface="Trebuchet MS"/>
+              <a:buNone/>
+            </a:pPr>
+            <a:endParaRPr sz="3000" b="1" i="0" u="none" strike="noStrike" cap="small" baseline="0" dirty="0">
+              <a:solidFill>
+                <a:srgbClr val="96281B"/>
+              </a:solidFill>
+              <a:latin typeface="Trebuchet MS"/>
+              <a:ea typeface="Trebuchet MS"/>
+              <a:cs typeface="Trebuchet MS"/>
+              <a:sym typeface="Trebuchet MS"/>
+            </a:endParaRPr>
+          </a:p>
+        </p:txBody>
+      </p:sp>
+      <p:sp>
+        <p:nvSpPr>
+          <p:cNvPr id="260" name="Shape 260"/>
+          <p:cNvSpPr>
+            <a:spLocks noGrp="1"/>
+          </p:cNvSpPr>
+          <p:nvPr>
+            <p:ph type="body" idx="1"/>
+          </p:nvPr>
+        </p:nvSpPr>
+        <p:spPr>
+          <a:xfrm>
+            <a:off x="431800" y="1546225"/>
+            <a:ext cx="8277224" cy="400069"/>
+          </a:xfrm>
+          <a:prstGeom prst="rect">
+            <a:avLst/>
+          </a:prstGeom>
+          <a:noFill/>
+          <a:ln>
+            <a:noFill/>
+          </a:ln>
+        </p:spPr>
+        <p:txBody>
+          <a:bodyPr lIns="91425" tIns="45700" rIns="91425" bIns="45700" anchor="t" anchorCtr="0">
+            <a:spAutoFit/>
+          </a:bodyPr>
+          <a:lstStyle/>
+          <a:p>
+            <a:endParaRPr dirty="0"/>
+          </a:p>
+        </p:txBody>
+      </p:sp>
+      <p:pic>
+        <p:nvPicPr>
+          <p:cNvPr id="71682" name="Picture 2" descr="http://showmethecode.es/wp-content/uploads/2012/11/SMTC-transparencia1.png"/>
+          <p:cNvPicPr>
+            <a:picLocks noChangeAspect="1" noChangeArrowheads="1"/>
+          </p:cNvPicPr>
+          <p:nvPr/>
+        </p:nvPicPr>
+        <p:blipFill>
+          <a:blip r:embed="rId3"/>
+          <a:srcRect/>
+          <a:stretch>
+            <a:fillRect/>
+          </a:stretch>
+        </p:blipFill>
+        <p:spPr bwMode="auto">
+          <a:xfrm>
+            <a:off x="755576" y="1988840"/>
+            <a:ext cx="7436892" cy="3024336"/>
           </a:xfrm>
           <a:prstGeom prst="rect">
             <a:avLst/>
@@ -16518,7 +22002,7 @@
         <p:spPr>
           <a:xfrm>
             <a:off x="431800" y="6134100"/>
-            <a:ext cx="1904999" cy="457200"/>
+            <a:ext cx="1904999" cy="246181"/>
           </a:xfrm>
           <a:prstGeom prst="rect">
             <a:avLst/>
@@ -16543,7 +22027,7 @@
               <a:buNone/>
             </a:pPr>
             <a:r>
-              <a:rPr sz="1000" b="0" i="1" u="none" strike="noStrike" cap="none" baseline="0">
+              <a:rPr lang="nb-NO" sz="1000" b="0" i="1" u="none" strike="noStrike" cap="none" baseline="0" dirty="0" smtClean="0">
                 <a:solidFill>
                   <a:srgbClr val="96281B"/>
                 </a:solidFill>
@@ -16552,8 +22036,17 @@
                 <a:cs typeface="Georgia"/>
                 <a:sym typeface="Georgia"/>
               </a:rPr>
-              <a:t>13. april / Fagfredag</a:t>
+              <a:t>10. oktoberl / Åpen fagkveld</a:t>
             </a:r>
+            <a:endParaRPr sz="1000" b="0" i="1" u="none" strike="noStrike" cap="none" baseline="0" dirty="0">
+              <a:solidFill>
+                <a:srgbClr val="96281B"/>
+              </a:solidFill>
+              <a:latin typeface="Georgia"/>
+              <a:ea typeface="Georgia"/>
+              <a:cs typeface="Georgia"/>
+              <a:sym typeface="Georgia"/>
+            </a:endParaRPr>
           </a:p>
         </p:txBody>
       </p:sp>
@@ -16757,7 +22250,7 @@
         <p:spPr>
           <a:xfrm>
             <a:off x="431800" y="6134100"/>
-            <a:ext cx="1904999" cy="457200"/>
+            <a:ext cx="1904999" cy="246181"/>
           </a:xfrm>
           <a:prstGeom prst="rect">
             <a:avLst/>
@@ -16782,7 +22275,7 @@
               <a:buNone/>
             </a:pPr>
             <a:r>
-              <a:rPr sz="1000" b="0" i="1" u="none" strike="noStrike" cap="none" baseline="0">
+              <a:rPr lang="nb-NO" sz="1000" b="0" i="1" u="none" strike="noStrike" cap="none" baseline="0" dirty="0" smtClean="0">
                 <a:solidFill>
                   <a:srgbClr val="96281B"/>
                 </a:solidFill>
@@ -16791,8 +22284,17 @@
                 <a:cs typeface="Georgia"/>
                 <a:sym typeface="Georgia"/>
               </a:rPr>
-              <a:t>13. april / Fagfredag</a:t>
+              <a:t>10. oktoberl / Åpen fagkveld</a:t>
             </a:r>
+            <a:endParaRPr sz="1000" b="0" i="1" u="none" strike="noStrike" cap="none" baseline="0" dirty="0">
+              <a:solidFill>
+                <a:srgbClr val="96281B"/>
+              </a:solidFill>
+              <a:latin typeface="Georgia"/>
+              <a:ea typeface="Georgia"/>
+              <a:cs typeface="Georgia"/>
+              <a:sym typeface="Georgia"/>
+            </a:endParaRPr>
           </a:p>
         </p:txBody>
       </p:sp>
@@ -16849,7 +22351,7 @@
                 <a:cs typeface="Trebuchet MS"/>
                 <a:sym typeface="Trebuchet MS"/>
               </a:rPr>
-              <a:t>Hvorfor nå?</a:t>
+              <a:t>Database THAW</a:t>
             </a:r>
             <a:endParaRPr sz="3000" b="1" i="0" u="none" strike="noStrike" cap="small" baseline="0" dirty="0">
               <a:solidFill>
@@ -17019,7 +22521,7 @@
         <p:spPr>
           <a:xfrm>
             <a:off x="431800" y="6134100"/>
-            <a:ext cx="1904999" cy="457200"/>
+            <a:ext cx="1904999" cy="246181"/>
           </a:xfrm>
           <a:prstGeom prst="rect">
             <a:avLst/>
@@ -17044,7 +22546,7 @@
               <a:buNone/>
             </a:pPr>
             <a:r>
-              <a:rPr sz="1000" b="0" i="1" u="none" strike="noStrike" cap="none" baseline="0">
+              <a:rPr lang="nb-NO" sz="1000" b="0" i="1" u="none" strike="noStrike" cap="none" baseline="0" dirty="0" smtClean="0">
                 <a:solidFill>
                   <a:srgbClr val="96281B"/>
                 </a:solidFill>
@@ -17053,8 +22555,17 @@
                 <a:cs typeface="Georgia"/>
                 <a:sym typeface="Georgia"/>
               </a:rPr>
-              <a:t>13. april / Fagfredag</a:t>
+              <a:t>10. oktoberl / Åpen fagkveld</a:t>
             </a:r>
+            <a:endParaRPr sz="1000" b="0" i="1" u="none" strike="noStrike" cap="none" baseline="0" dirty="0">
+              <a:solidFill>
+                <a:srgbClr val="96281B"/>
+              </a:solidFill>
+              <a:latin typeface="Georgia"/>
+              <a:ea typeface="Georgia"/>
+              <a:cs typeface="Georgia"/>
+              <a:sym typeface="Georgia"/>
+            </a:endParaRPr>
           </a:p>
         </p:txBody>
       </p:sp>
@@ -17202,7 +22713,7 @@
         <p:spPr>
           <a:xfrm>
             <a:off x="431800" y="6134100"/>
-            <a:ext cx="1904999" cy="457200"/>
+            <a:ext cx="1904999" cy="246181"/>
           </a:xfrm>
           <a:prstGeom prst="rect">
             <a:avLst/>
@@ -17227,7 +22738,7 @@
               <a:buNone/>
             </a:pPr>
             <a:r>
-              <a:rPr sz="1000" b="0" i="1" u="none" strike="noStrike" cap="none" baseline="0">
+              <a:rPr lang="nb-NO" sz="1000" b="0" i="1" u="none" strike="noStrike" cap="none" baseline="0" dirty="0" smtClean="0">
                 <a:solidFill>
                   <a:srgbClr val="96281B"/>
                 </a:solidFill>
@@ -17236,8 +22747,17 @@
                 <a:cs typeface="Georgia"/>
                 <a:sym typeface="Georgia"/>
               </a:rPr>
-              <a:t>13. april / Fagfredag</a:t>
+              <a:t>10. oktoberl / Åpen fagkveld</a:t>
             </a:r>
+            <a:endParaRPr sz="1000" b="0" i="1" u="none" strike="noStrike" cap="none" baseline="0" dirty="0">
+              <a:solidFill>
+                <a:srgbClr val="96281B"/>
+              </a:solidFill>
+              <a:latin typeface="Georgia"/>
+              <a:ea typeface="Georgia"/>
+              <a:cs typeface="Georgia"/>
+              <a:sym typeface="Georgia"/>
+            </a:endParaRPr>
           </a:p>
         </p:txBody>
       </p:sp>
@@ -17420,6 +22940,13 @@
   <p:transition spd="slow">
     <p:cut/>
   </p:transition>
+  <p:timing>
+    <p:tnLst>
+      <p:par>
+        <p:cTn id="1" dur="indefinite" restart="never" nodeType="tmRoot"/>
+      </p:par>
+    </p:tnLst>
+  </p:timing>
 </p:sld>
 </file>
 
@@ -17449,7 +22976,7 @@
         <p:spPr>
           <a:xfrm>
             <a:off x="431800" y="6134100"/>
-            <a:ext cx="1904999" cy="457200"/>
+            <a:ext cx="1904999" cy="246181"/>
           </a:xfrm>
           <a:prstGeom prst="rect">
             <a:avLst/>
@@ -17474,7 +23001,7 @@
               <a:buNone/>
             </a:pPr>
             <a:r>
-              <a:rPr sz="1000" b="0" i="1" u="none" strike="noStrike" cap="none" baseline="0">
+              <a:rPr lang="nb-NO" sz="1000" b="0" i="1" u="none" strike="noStrike" cap="none" baseline="0" dirty="0" smtClean="0">
                 <a:solidFill>
                   <a:srgbClr val="96281B"/>
                 </a:solidFill>
@@ -17483,8 +23010,17 @@
                 <a:cs typeface="Georgia"/>
                 <a:sym typeface="Georgia"/>
               </a:rPr>
-              <a:t>13. april / Fagfredag</a:t>
+              <a:t>10. oktoberl / Åpen fagkveld</a:t>
             </a:r>
+            <a:endParaRPr sz="1000" b="0" i="1" u="none" strike="noStrike" cap="none" baseline="0" dirty="0">
+              <a:solidFill>
+                <a:srgbClr val="96281B"/>
+              </a:solidFill>
+              <a:latin typeface="Georgia"/>
+              <a:ea typeface="Georgia"/>
+              <a:cs typeface="Georgia"/>
+              <a:sym typeface="Georgia"/>
+            </a:endParaRPr>
           </a:p>
         </p:txBody>
       </p:sp>
@@ -17644,7 +23180,7 @@
         <p:spPr>
           <a:xfrm>
             <a:off x="431800" y="6134100"/>
-            <a:ext cx="1904999" cy="457200"/>
+            <a:ext cx="1904999" cy="246181"/>
           </a:xfrm>
           <a:prstGeom prst="rect">
             <a:avLst/>
@@ -17669,7 +23205,7 @@
               <a:buNone/>
             </a:pPr>
             <a:r>
-              <a:rPr sz="1000" b="0" i="1" u="none" strike="noStrike" cap="none" baseline="0">
+              <a:rPr lang="nb-NO" sz="1000" b="0" i="1" u="none" strike="noStrike" cap="none" baseline="0" dirty="0" smtClean="0">
                 <a:solidFill>
                   <a:srgbClr val="96281B"/>
                 </a:solidFill>
@@ -17678,8 +23214,17 @@
                 <a:cs typeface="Georgia"/>
                 <a:sym typeface="Georgia"/>
               </a:rPr>
-              <a:t>13. april / Fagfredag</a:t>
+              <a:t>10. oktoberl / Åpen fagkveld</a:t>
             </a:r>
+            <a:endParaRPr sz="1000" b="0" i="1" u="none" strike="noStrike" cap="none" baseline="0" dirty="0">
+              <a:solidFill>
+                <a:srgbClr val="96281B"/>
+              </a:solidFill>
+              <a:latin typeface="Georgia"/>
+              <a:ea typeface="Georgia"/>
+              <a:cs typeface="Georgia"/>
+              <a:sym typeface="Georgia"/>
+            </a:endParaRPr>
           </a:p>
         </p:txBody>
       </p:sp>
@@ -17795,69 +23340,32 @@
           <a:noFill/>
         </p:spPr>
       </p:pic>
-      <p:sp>
-        <p:nvSpPr>
-          <p:cNvPr id="11" name="TextBox 10"/>
-          <p:cNvSpPr txBox="1"/>
+      <p:pic>
+        <p:nvPicPr>
+          <p:cNvPr id="66562" name="Picture 2" descr="http://icons.iconarchive.com/icons/deleket/scrap/256/Lock-icon.png"/>
+          <p:cNvPicPr>
+            <a:picLocks noChangeAspect="1" noChangeArrowheads="1"/>
+          </p:cNvPicPr>
           <p:nvPr/>
-        </p:nvSpPr>
-        <p:spPr>
-          <a:xfrm>
-            <a:off x="3779912" y="5661248"/>
-            <a:ext cx="1222840" cy="461665"/>
-          </a:xfrm>
-          <a:prstGeom prst="rect">
-            <a:avLst/>
-          </a:prstGeom>
-          <a:noFill/>
-        </p:spPr>
-        <p:txBody>
-          <a:bodyPr wrap="square" rtlCol="0">
-            <a:spAutoFit/>
-          </a:bodyPr>
-          <a:lstStyle/>
-          <a:p>
-            <a:r>
-              <a:rPr lang="nb-NO" sz="2400" dirty="0" smtClean="0"/>
-              <a:t>ACID</a:t>
-            </a:r>
-            <a:endParaRPr lang="nb-NO" sz="2400" dirty="0"/>
-          </a:p>
-        </p:txBody>
-      </p:sp>
-      <p:cxnSp>
-        <p:nvCxnSpPr>
-          <p:cNvPr id="10" name="Straight Arrow Connector 9"/>
-          <p:cNvCxnSpPr/>
-          <p:nvPr/>
-        </p:nvCxnSpPr>
-        <p:spPr>
-          <a:xfrm flipV="1">
-            <a:off x="4283968" y="5013176"/>
-            <a:ext cx="0" cy="648072"/>
-          </a:xfrm>
-          <a:prstGeom prst="straightConnector1">
-            <a:avLst/>
-          </a:prstGeom>
-          <a:ln>
-            <a:tailEnd type="arrow"/>
-          </a:ln>
-        </p:spPr>
-        <p:style>
-          <a:lnRef idx="2">
-            <a:schemeClr val="dk1"/>
-          </a:lnRef>
-          <a:fillRef idx="0">
-            <a:schemeClr val="dk1"/>
-          </a:fillRef>
-          <a:effectRef idx="1">
-            <a:schemeClr val="dk1"/>
-          </a:effectRef>
-          <a:fontRef idx="minor">
-            <a:schemeClr val="tx1"/>
-          </a:fontRef>
-        </p:style>
-      </p:cxnSp>
+        </p:nvPicPr>
+        <p:blipFill>
+          <a:blip r:embed="rId4"/>
+          <a:srcRect/>
+          <a:stretch>
+            <a:fillRect/>
+          </a:stretch>
+        </p:blipFill>
+        <p:spPr bwMode="auto">
+          <a:xfrm>
+            <a:off x="5220072" y="332656"/>
+            <a:ext cx="1872208" cy="1872208"/>
+          </a:xfrm>
+          <a:prstGeom prst="rect">
+            <a:avLst/>
+          </a:prstGeom>
+          <a:noFill/>
+        </p:spPr>
+      </p:pic>
     </p:spTree>
   </p:cSld>
   <p:clrMapOvr>
@@ -17902,7 +23410,7 @@
         <p:spPr>
           <a:xfrm>
             <a:off x="431800" y="6134100"/>
-            <a:ext cx="1904999" cy="457200"/>
+            <a:ext cx="1904999" cy="246181"/>
           </a:xfrm>
           <a:prstGeom prst="rect">
             <a:avLst/>
@@ -17927,7 +23435,7 @@
               <a:buNone/>
             </a:pPr>
             <a:r>
-              <a:rPr sz="1000" b="0" i="1" u="none" strike="noStrike" cap="none" baseline="0">
+              <a:rPr lang="nb-NO" sz="1000" b="0" i="1" u="none" strike="noStrike" cap="none" baseline="0" dirty="0" smtClean="0">
                 <a:solidFill>
                   <a:srgbClr val="96281B"/>
                 </a:solidFill>
@@ -17936,8 +23444,17 @@
                 <a:cs typeface="Georgia"/>
                 <a:sym typeface="Georgia"/>
               </a:rPr>
-              <a:t>13. april / Fagfredag</a:t>
+              <a:t>10. oktoberl / Åpen fagkveld</a:t>
             </a:r>
+            <a:endParaRPr sz="1000" b="0" i="1" u="none" strike="noStrike" cap="none" baseline="0" dirty="0">
+              <a:solidFill>
+                <a:srgbClr val="96281B"/>
+              </a:solidFill>
+              <a:latin typeface="Georgia"/>
+              <a:ea typeface="Georgia"/>
+              <a:cs typeface="Georgia"/>
+              <a:sym typeface="Georgia"/>
+            </a:endParaRPr>
           </a:p>
         </p:txBody>
       </p:sp>
@@ -18053,132 +23570,58 @@
           <a:noFill/>
         </p:spPr>
       </p:pic>
-      <p:sp>
-        <p:nvSpPr>
-          <p:cNvPr id="8" name="TextBox 7"/>
-          <p:cNvSpPr txBox="1"/>
+      <p:pic>
+        <p:nvPicPr>
+          <p:cNvPr id="66562" name="Picture 2" descr="http://icons.iconarchive.com/icons/deleket/scrap/256/Lock-icon.png"/>
+          <p:cNvPicPr>
+            <a:picLocks noChangeAspect="1" noChangeArrowheads="1"/>
+          </p:cNvPicPr>
           <p:nvPr/>
-        </p:nvSpPr>
-        <p:spPr>
-          <a:xfrm rot="1682408">
-            <a:off x="1224365" y="1601095"/>
-            <a:ext cx="1222840" cy="461665"/>
-          </a:xfrm>
-          <a:prstGeom prst="rect">
-            <a:avLst/>
-          </a:prstGeom>
-          <a:noFill/>
-        </p:spPr>
-        <p:txBody>
-          <a:bodyPr wrap="square" rtlCol="0">
-            <a:spAutoFit/>
-          </a:bodyPr>
-          <a:lstStyle/>
-          <a:p>
-            <a:r>
-              <a:rPr lang="nb-NO" sz="2400" dirty="0" smtClean="0"/>
-              <a:t>BASE</a:t>
-            </a:r>
-            <a:endParaRPr lang="nb-NO" sz="2400" dirty="0"/>
-          </a:p>
-        </p:txBody>
-      </p:sp>
-      <p:sp>
-        <p:nvSpPr>
-          <p:cNvPr id="11" name="TextBox 10"/>
-          <p:cNvSpPr txBox="1"/>
+        </p:nvPicPr>
+        <p:blipFill>
+          <a:blip r:embed="rId4"/>
+          <a:srcRect/>
+          <a:stretch>
+            <a:fillRect/>
+          </a:stretch>
+        </p:blipFill>
+        <p:spPr bwMode="auto">
+          <a:xfrm>
+            <a:off x="5220072" y="332656"/>
+            <a:ext cx="1872208" cy="1872208"/>
+          </a:xfrm>
+          <a:prstGeom prst="rect">
+            <a:avLst/>
+          </a:prstGeom>
+          <a:noFill/>
+        </p:spPr>
+      </p:pic>
+      <p:pic>
+        <p:nvPicPr>
+          <p:cNvPr id="7" name="Picture 2" descr="http://icons.iconarchive.com/icons/deleket/scrap/256/Lock-icon.png"/>
+          <p:cNvPicPr>
+            <a:picLocks noChangeAspect="1" noChangeArrowheads="1"/>
+          </p:cNvPicPr>
           <p:nvPr/>
-        </p:nvSpPr>
-        <p:spPr>
-          <a:xfrm>
-            <a:off x="3779912" y="5661248"/>
-            <a:ext cx="1222840" cy="461665"/>
-          </a:xfrm>
-          <a:prstGeom prst="rect">
-            <a:avLst/>
-          </a:prstGeom>
-          <a:noFill/>
-        </p:spPr>
-        <p:txBody>
-          <a:bodyPr wrap="square" rtlCol="0">
-            <a:spAutoFit/>
-          </a:bodyPr>
-          <a:lstStyle/>
-          <a:p>
-            <a:r>
-              <a:rPr lang="nb-NO" sz="2400" dirty="0" smtClean="0"/>
-              <a:t>ACID</a:t>
-            </a:r>
-            <a:endParaRPr lang="nb-NO" sz="2400" dirty="0"/>
-          </a:p>
-        </p:txBody>
-      </p:sp>
-      <p:cxnSp>
-        <p:nvCxnSpPr>
-          <p:cNvPr id="12" name="Straight Arrow Connector 11"/>
-          <p:cNvCxnSpPr/>
-          <p:nvPr/>
-        </p:nvCxnSpPr>
-        <p:spPr>
-          <a:xfrm>
-            <a:off x="2195736" y="1988840"/>
-            <a:ext cx="504056" cy="288032"/>
-          </a:xfrm>
-          <a:prstGeom prst="straightConnector1">
-            <a:avLst/>
-          </a:prstGeom>
-          <a:ln>
-            <a:tailEnd type="arrow"/>
-          </a:ln>
-        </p:spPr>
-        <p:style>
-          <a:lnRef idx="2">
-            <a:schemeClr val="dk1"/>
-          </a:lnRef>
-          <a:fillRef idx="0">
-            <a:schemeClr val="dk1"/>
-          </a:fillRef>
-          <a:effectRef idx="1">
-            <a:schemeClr val="dk1"/>
-          </a:effectRef>
-          <a:fontRef idx="minor">
-            <a:schemeClr val="tx1"/>
-          </a:fontRef>
-        </p:style>
-      </p:cxnSp>
-      <p:cxnSp>
-        <p:nvCxnSpPr>
-          <p:cNvPr id="16" name="Straight Arrow Connector 15"/>
-          <p:cNvCxnSpPr/>
-          <p:nvPr/>
-        </p:nvCxnSpPr>
-        <p:spPr>
-          <a:xfrm flipV="1">
-            <a:off x="4283968" y="5013176"/>
-            <a:ext cx="0" cy="648072"/>
-          </a:xfrm>
-          <a:prstGeom prst="straightConnector1">
-            <a:avLst/>
-          </a:prstGeom>
-          <a:ln>
-            <a:tailEnd type="arrow"/>
-          </a:ln>
-        </p:spPr>
-        <p:style>
-          <a:lnRef idx="2">
-            <a:schemeClr val="dk1"/>
-          </a:lnRef>
-          <a:fillRef idx="0">
-            <a:schemeClr val="dk1"/>
-          </a:fillRef>
-          <a:effectRef idx="1">
-            <a:schemeClr val="dk1"/>
-          </a:effectRef>
-          <a:fontRef idx="minor">
-            <a:schemeClr val="tx1"/>
-          </a:fontRef>
-        </p:style>
-      </p:cxnSp>
+        </p:nvPicPr>
+        <p:blipFill>
+          <a:blip r:embed="rId4"/>
+          <a:srcRect/>
+          <a:stretch>
+            <a:fillRect/>
+          </a:stretch>
+        </p:blipFill>
+        <p:spPr bwMode="auto">
+          <a:xfrm>
+            <a:off x="2051720" y="4293096"/>
+            <a:ext cx="1872208" cy="1872208"/>
+          </a:xfrm>
+          <a:prstGeom prst="rect">
+            <a:avLst/>
+          </a:prstGeom>
+          <a:noFill/>
+        </p:spPr>
+      </p:pic>
     </p:spTree>
   </p:cSld>
   <p:clrMapOvr>

--- a/Slides/Polyglot persistence.pptx
+++ b/Slides/Polyglot persistence.pptx
@@ -5,37 +5,38 @@
     <p:sldMasterId id="2147483670" r:id="rId1"/>
     <p:sldMasterId id="2147483671" r:id="rId2"/>
     <p:sldMasterId id="2147483672" r:id="rId3"/>
-    <p:sldMasterId id="2147483673" r:id="rId4"/>
   </p:sldMasterIdLst>
   <p:notesMasterIdLst>
-    <p:notesMasterId r:id="rId30"/>
+    <p:notesMasterId r:id="rId31"/>
   </p:notesMasterIdLst>
   <p:sldIdLst>
-    <p:sldId id="256" r:id="rId5"/>
+    <p:sldId id="256" r:id="rId4"/>
+    <p:sldId id="307" r:id="rId5"/>
     <p:sldId id="277" r:id="rId6"/>
     <p:sldId id="280" r:id="rId7"/>
     <p:sldId id="278" r:id="rId8"/>
     <p:sldId id="281" r:id="rId9"/>
     <p:sldId id="285" r:id="rId10"/>
     <p:sldId id="284" r:id="rId11"/>
-    <p:sldId id="295" r:id="rId12"/>
-    <p:sldId id="302" r:id="rId13"/>
-    <p:sldId id="283" r:id="rId14"/>
+    <p:sldId id="304" r:id="rId12"/>
+    <p:sldId id="295" r:id="rId13"/>
+    <p:sldId id="302" r:id="rId14"/>
     <p:sldId id="282" r:id="rId15"/>
     <p:sldId id="291" r:id="rId16"/>
     <p:sldId id="300" r:id="rId17"/>
-    <p:sldId id="286" r:id="rId18"/>
-    <p:sldId id="292" r:id="rId19"/>
-    <p:sldId id="289" r:id="rId20"/>
-    <p:sldId id="293" r:id="rId21"/>
-    <p:sldId id="287" r:id="rId22"/>
-    <p:sldId id="303" r:id="rId23"/>
-    <p:sldId id="296" r:id="rId24"/>
-    <p:sldId id="288" r:id="rId25"/>
-    <p:sldId id="297" r:id="rId26"/>
-    <p:sldId id="299" r:id="rId27"/>
-    <p:sldId id="298" r:id="rId28"/>
-    <p:sldId id="301" r:id="rId29"/>
+    <p:sldId id="305" r:id="rId18"/>
+    <p:sldId id="286" r:id="rId19"/>
+    <p:sldId id="292" r:id="rId20"/>
+    <p:sldId id="289" r:id="rId21"/>
+    <p:sldId id="293" r:id="rId22"/>
+    <p:sldId id="287" r:id="rId23"/>
+    <p:sldId id="303" r:id="rId24"/>
+    <p:sldId id="296" r:id="rId25"/>
+    <p:sldId id="288" r:id="rId26"/>
+    <p:sldId id="297" r:id="rId27"/>
+    <p:sldId id="299" r:id="rId28"/>
+    <p:sldId id="298" r:id="rId29"/>
+    <p:sldId id="301" r:id="rId30"/>
   </p:sldIdLst>
   <p:sldSz cx="9144000" cy="6858000" type="screen4x3"/>
   <p:notesSz cx="6858000" cy="9144000"/>
@@ -653,7 +654,7 @@
     </p:spTree>
     <p:extLst>
       <p:ext uri="{BB962C8B-B14F-4D97-AF65-F5344CB8AC3E}">
-        <p14:creationId xmlns:p14="http://schemas.microsoft.com/office/powerpoint/2010/main" val="1639988634"/>
+        <p14:creationId xmlns="" xmlns:p14="http://schemas.microsoft.com/office/powerpoint/2010/main" val="1639988634"/>
       </p:ext>
     </p:extLst>
   </p:cSld>
@@ -881,7 +882,7 @@
           </a:bodyPr>
           <a:lstStyle/>
           <a:p>
-            <a:endParaRPr/>
+            <a:endParaRPr dirty="0"/>
           </a:p>
         </p:txBody>
       </p:sp>
@@ -1067,71 +1068,8 @@
             </a:pPr>
             <a:r>
               <a:rPr lang="nb-NO" sz="1800" b="0" i="0" u="none" strike="noStrike" cap="none" baseline="0" dirty="0" smtClean="0"/>
-              <a:t>RDBMS = ACID</a:t>
-            </a:r>
-          </a:p>
-          <a:p>
-            <a:pPr marL="0" marR="0" lvl="0" indent="0" algn="l" rtl="0">
-              <a:buSzPct val="25000"/>
-              <a:buFontTx/>
-              <a:buNone/>
-            </a:pPr>
-            <a:r>
-              <a:rPr lang="nb-NO" sz="1800" b="0" i="0" u="none" strike="noStrike" cap="none" baseline="0" dirty="0" smtClean="0"/>
-              <a:t>- ACID - Atomcity, Consistency, Isolation, Durability</a:t>
-            </a:r>
-          </a:p>
-          <a:p>
-            <a:pPr marL="0" marR="0" lvl="0" indent="0" algn="l" rtl="0">
-              <a:buSzPct val="25000"/>
-              <a:buFontTx/>
-              <a:buNone/>
-            </a:pPr>
-            <a:r>
-              <a:rPr lang="nb-NO" sz="1800" b="0" i="0" u="none" strike="noStrike" cap="none" baseline="0" dirty="0" smtClean="0"/>
-              <a:t>	- Atomicity - atomisk. Alt eller ingenting.</a:t>
-            </a:r>
-          </a:p>
-          <a:p>
-            <a:pPr marL="0" marR="0" lvl="0" indent="0" algn="l" rtl="0">
-              <a:buSzPct val="25000"/>
-              <a:buFontTx/>
-              <a:buNone/>
-            </a:pPr>
-            <a:r>
-              <a:rPr lang="nb-NO" sz="1800" b="0" i="0" u="none" strike="noStrike" cap="none" baseline="0" dirty="0" smtClean="0"/>
-              <a:t>	- Consistency - Innenfor en transaksjon er alt konsistent, som ved start av transaksjonen. Valid =&gt; valid</a:t>
-            </a:r>
-          </a:p>
-          <a:p>
-            <a:pPr marL="0" marR="0" lvl="0" indent="0" algn="l" rtl="0">
-              <a:buSzPct val="25000"/>
-              <a:buFontTx/>
-              <a:buNone/>
-            </a:pPr>
-            <a:r>
-              <a:rPr lang="nb-NO" sz="1800" b="0" i="0" u="none" strike="noStrike" cap="none" baseline="0" dirty="0" smtClean="0"/>
-              <a:t>	- Isolation - Hver transaksjon lever i sin egen verden. Påvirker ikke hverandre før commit.</a:t>
-            </a:r>
-          </a:p>
-          <a:p>
-            <a:pPr marL="0" marR="0" lvl="0" indent="0" algn="l" rtl="0">
-              <a:buSzPct val="25000"/>
-              <a:buFontTx/>
-              <a:buNone/>
-            </a:pPr>
-            <a:r>
-              <a:rPr lang="nb-NO" sz="1800" b="0" i="0" u="none" strike="noStrike" cap="none" baseline="0" dirty="0" smtClean="0"/>
-              <a:t>	- Durability - Er det committet, er det commitet.</a:t>
-            </a:r>
-          </a:p>
-          <a:p>
-            <a:pPr marL="0" marR="0" lvl="0" indent="0" algn="l" rtl="0">
-              <a:buSzPct val="25000"/>
-              <a:buFontTx/>
-              <a:buNone/>
-            </a:pPr>
-            <a:endParaRPr lang="nb-NO" sz="1800" b="0" i="0" u="none" strike="noStrike" cap="none" baseline="0" dirty="0" smtClean="0"/>
+              <a:t>- CAP - P er i gitt horisontal skalering, ingen vil gi opp A. Da må du relaxe C.</a:t>
+            </a:r>
           </a:p>
         </p:txBody>
       </p:sp>
@@ -1313,13 +1251,12 @@
             <a:pPr marL="0" marR="0" lvl="0" indent="0" algn="l" rtl="0">
               <a:buSzPct val="25000"/>
               <a:buFontTx/>
-              <a:buChar char="-"/>
-            </a:pPr>
-            <a:r>
-              <a:rPr lang="en-US" sz="1800" b="0" i="0" u="none" strike="noStrike" cap="none" baseline="0" dirty="0" smtClean="0"/>
-              <a:t>- BASE - Basically Available, Soft state, Eventual consistency (BASE),</a:t>
-            </a:r>
-            <a:endParaRPr lang="nb-NO" sz="1800" b="0" i="0" u="none" strike="noStrike" cap="none" baseline="0" dirty="0" smtClean="0"/>
+              <a:buNone/>
+            </a:pPr>
+            <a:r>
+              <a:rPr lang="nb-NO" sz="1800" b="0" i="0" u="none" strike="noStrike" cap="none" baseline="0" dirty="0" smtClean="0"/>
+              <a:t>I praksis ender du opp med AP, du relaxer C.</a:t>
+            </a:r>
           </a:p>
         </p:txBody>
       </p:sp>
@@ -1500,10 +1437,69 @@
           <a:p>
             <a:pPr marL="0" marR="0" lvl="0" indent="0" algn="l" rtl="0">
               <a:buSzPct val="25000"/>
-              <a:buFont typeface="Arial"/>
-              <a:buNone/>
-            </a:pPr>
-            <a:endParaRPr sz="1800" b="0" i="0" u="none" strike="noStrike" cap="none" baseline="0" dirty="0"/>
+              <a:buFontTx/>
+              <a:buChar char="-"/>
+            </a:pPr>
+            <a:r>
+              <a:rPr lang="en-US" sz="1800" b="0" i="0" u="none" strike="noStrike" cap="none" baseline="0" dirty="0" smtClean="0"/>
+              <a:t>- BASE - Basically Available, Soft state, Eventual consistency (BASE),</a:t>
+            </a:r>
+          </a:p>
+          <a:p>
+            <a:pPr marL="0" marR="0" lvl="0" indent="0" algn="l" rtl="0">
+              <a:buSzPct val="25000"/>
+              <a:buFontTx/>
+              <a:buChar char="-"/>
+            </a:pPr>
+            <a:endParaRPr lang="en-US" sz="1800" b="0" i="0" u="none" strike="noStrike" cap="none" baseline="0" dirty="0" smtClean="0"/>
+          </a:p>
+          <a:p>
+            <a:pPr marL="0" marR="0" lvl="0" indent="0" algn="l" rtl="0">
+              <a:buSzPct val="25000"/>
+              <a:buFontTx/>
+              <a:buNone/>
+            </a:pPr>
+            <a:r>
+              <a:rPr lang="en-US" sz="1800" b="0" i="0" u="none" strike="noStrike" cap="none" baseline="0" dirty="0" err="1" smtClean="0"/>
+              <a:t>Akronymet</a:t>
+            </a:r>
+            <a:r>
+              <a:rPr lang="en-US" sz="1800" b="0" i="0" u="none" strike="noStrike" cap="none" baseline="0" dirty="0" smtClean="0"/>
+              <a:t> </a:t>
+            </a:r>
+            <a:r>
+              <a:rPr lang="en-US" sz="1800" b="0" i="0" u="none" strike="noStrike" cap="none" baseline="0" dirty="0" err="1" smtClean="0"/>
+              <a:t>er</a:t>
+            </a:r>
+            <a:r>
+              <a:rPr lang="en-US" sz="1800" b="0" i="0" u="none" strike="noStrike" cap="none" baseline="0" dirty="0" smtClean="0"/>
+              <a:t> </a:t>
+            </a:r>
+            <a:r>
+              <a:rPr lang="en-US" sz="1800" b="0" i="0" u="none" strike="noStrike" cap="none" baseline="0" dirty="0" err="1" smtClean="0"/>
+              <a:t>litt</a:t>
+            </a:r>
+            <a:r>
+              <a:rPr lang="en-US" sz="1800" b="0" i="0" u="none" strike="noStrike" cap="none" baseline="0" dirty="0" smtClean="0"/>
+              <a:t> “forced” for å </a:t>
+            </a:r>
+            <a:r>
+              <a:rPr lang="en-US" sz="1800" b="0" i="0" u="none" strike="noStrike" cap="none" baseline="0" dirty="0" err="1" smtClean="0"/>
+              <a:t>blir</a:t>
+            </a:r>
+            <a:r>
+              <a:rPr lang="en-US" sz="1800" b="0" i="0" u="none" strike="noStrike" cap="none" baseline="0" dirty="0" smtClean="0"/>
+              <a:t> ACID sin </a:t>
+            </a:r>
+            <a:r>
+              <a:rPr lang="en-US" sz="1800" b="0" i="0" u="none" strike="noStrike" cap="none" baseline="0" dirty="0" err="1" smtClean="0"/>
+              <a:t>motpol</a:t>
+            </a:r>
+            <a:r>
+              <a:rPr lang="en-US" sz="1800" b="0" i="0" u="none" strike="noStrike" cap="none" baseline="0" smtClean="0"/>
+              <a:t>, BASE.</a:t>
+            </a:r>
+            <a:endParaRPr lang="nb-NO" sz="1800" b="0" i="0" u="none" strike="noStrike" cap="none" baseline="0" dirty="0" smtClean="0"/>
           </a:p>
         </p:txBody>
       </p:sp>
@@ -1559,7 +1555,7 @@
   <p:cSld>
     <p:spTree>
       <p:nvGrpSpPr>
-        <p:cNvPr id="1" name="Shape 121"/>
+        <p:cNvPr id="1" name="Shape 262"/>
         <p:cNvGrpSpPr/>
         <p:nvPr/>
       </p:nvGrpSpPr>
@@ -1573,7 +1569,7 @@
       </p:grpSpPr>
       <p:sp>
         <p:nvSpPr>
-          <p:cNvPr id="122" name="Shape 122"/>
+          <p:cNvPr id="263" name="Shape 263"/>
           <p:cNvSpPr/>
           <p:nvPr/>
         </p:nvSpPr>
@@ -1610,7 +1606,7 @@
       </p:sp>
       <p:sp>
         <p:nvSpPr>
-          <p:cNvPr id="123" name="Shape 123"/>
+          <p:cNvPr id="264" name="Shape 264"/>
           <p:cNvSpPr>
             <a:spLocks noGrp="1" noRot="1" noChangeAspect="1"/>
           </p:cNvSpPr>
@@ -1655,7 +1651,7 @@
       </p:sp>
       <p:sp>
         <p:nvSpPr>
-          <p:cNvPr id="124" name="Shape 124"/>
+          <p:cNvPr id="265" name="Shape 265"/>
           <p:cNvSpPr>
             <a:spLocks noGrp="1"/>
           </p:cNvSpPr>
@@ -1687,17 +1683,13 @@
               <a:buFont typeface="Arial"/>
               <a:buNone/>
             </a:pPr>
-            <a:r>
-              <a:rPr lang="en-US" sz="1800" b="0" i="0" u="none" strike="noStrike" cap="none" baseline="0" dirty="0" smtClean="0"/>
-              <a:t>"ACID on the node, BASE on the cluster"</a:t>
-            </a:r>
             <a:endParaRPr sz="1800" b="0" i="0" u="none" strike="noStrike" cap="none" baseline="0" dirty="0"/>
           </a:p>
         </p:txBody>
       </p:sp>
       <p:sp>
         <p:nvSpPr>
-          <p:cNvPr id="125" name="Shape 125"/>
+          <p:cNvPr id="266" name="Shape 266"/>
           <p:cNvSpPr>
             <a:spLocks noGrp="1"/>
           </p:cNvSpPr>
@@ -1747,7 +1739,7 @@
   <p:cSld>
     <p:spTree>
       <p:nvGrpSpPr>
-        <p:cNvPr id="1" name="Shape 262"/>
+        <p:cNvPr id="1" name="Shape 121"/>
         <p:cNvGrpSpPr/>
         <p:nvPr/>
       </p:nvGrpSpPr>
@@ -1761,7 +1753,7 @@
       </p:grpSpPr>
       <p:sp>
         <p:nvSpPr>
-          <p:cNvPr id="263" name="Shape 263"/>
+          <p:cNvPr id="122" name="Shape 122"/>
           <p:cNvSpPr/>
           <p:nvPr/>
         </p:nvSpPr>
@@ -1798,7 +1790,7 @@
       </p:sp>
       <p:sp>
         <p:nvSpPr>
-          <p:cNvPr id="264" name="Shape 264"/>
+          <p:cNvPr id="123" name="Shape 123"/>
           <p:cNvSpPr>
             <a:spLocks noGrp="1" noRot="1" noChangeAspect="1"/>
           </p:cNvSpPr>
@@ -1843,7 +1835,7 @@
       </p:sp>
       <p:sp>
         <p:nvSpPr>
-          <p:cNvPr id="265" name="Shape 265"/>
+          <p:cNvPr id="124" name="Shape 124"/>
           <p:cNvSpPr>
             <a:spLocks noGrp="1"/>
           </p:cNvSpPr>
@@ -1872,52 +1864,20 @@
           <a:p>
             <a:pPr marL="0" marR="0" lvl="0" indent="0" algn="l" rtl="0">
               <a:buSzPct val="25000"/>
-              <a:buFont typeface="Arial" charset="0"/>
-              <a:buChar char="•"/>
-            </a:pPr>
-            <a:r>
-              <a:rPr lang="nb-NO" sz="1800" b="0" i="0" u="none" strike="noStrike" cap="none" baseline="0" dirty="0" smtClean="0"/>
-              <a:t>Key og blob. Slå opp på key.</a:t>
-            </a:r>
-          </a:p>
-          <a:p>
-            <a:pPr marL="0" marR="0" lvl="0" indent="0" algn="l" rtl="0">
-              <a:buSzPct val="25000"/>
-              <a:buFont typeface="Arial" charset="0"/>
-              <a:buChar char="•"/>
-            </a:pPr>
-            <a:r>
-              <a:rPr lang="nb-NO" sz="1800" b="0" i="0" u="none" strike="noStrike" cap="none" baseline="0" dirty="0" smtClean="0"/>
-              <a:t>UTNYTTER: enkel datamodell, går bort fra ACID. Ingen join</a:t>
-            </a:r>
-          </a:p>
-          <a:p>
-            <a:pPr marL="0" marR="0" lvl="0" indent="0" algn="l" rtl="0">
-              <a:buSzPct val="25000"/>
-              <a:buFont typeface="Arial" charset="0"/>
-              <a:buChar char="•"/>
-            </a:pPr>
-            <a:r>
-              <a:rPr lang="nb-NO" sz="1800" b="0" i="0" u="none" strike="noStrike" cap="none" baseline="0" dirty="0" smtClean="0"/>
-              <a:t>BRA TIL: Ren ytelse for en entitet. Få releasjoner.  CRUD</a:t>
-            </a:r>
-          </a:p>
-          <a:p>
-            <a:pPr marL="0" marR="0" lvl="0" indent="0" algn="l" rtl="0">
-              <a:buSzPct val="25000"/>
-              <a:buFont typeface="Arial" charset="0"/>
-              <a:buChar char="•"/>
-            </a:pPr>
-            <a:r>
-              <a:rPr lang="nb-NO" sz="1800" b="0" i="0" u="none" strike="noStrike" cap="none" baseline="0" dirty="0" smtClean="0"/>
-              <a:t>DÅRLIG :  Aggregering.</a:t>
-            </a:r>
+              <a:buFont typeface="Arial"/>
+              <a:buNone/>
+            </a:pPr>
+            <a:r>
+              <a:rPr lang="en-US" sz="1800" b="0" i="0" u="none" strike="noStrike" cap="none" baseline="0" dirty="0" smtClean="0"/>
+              <a:t>"ACID on the node, BASE on the cluster"</a:t>
+            </a:r>
+            <a:endParaRPr sz="1800" b="0" i="0" u="none" strike="noStrike" cap="none" baseline="0" dirty="0"/>
           </a:p>
         </p:txBody>
       </p:sp>
       <p:sp>
         <p:nvSpPr>
-          <p:cNvPr id="266" name="Shape 266"/>
+          <p:cNvPr id="125" name="Shape 125"/>
           <p:cNvSpPr>
             <a:spLocks noGrp="1"/>
           </p:cNvSpPr>
@@ -2090,69 +2050,70 @@
           </a:bodyPr>
           <a:lstStyle/>
           <a:p>
-            <a:pPr marL="0" marR="0" lvl="0" indent="0" algn="l" defTabSz="914400" rtl="0" eaLnBrk="1" fontAlgn="auto" latinLnBrk="0" hangingPunct="1">
-              <a:lnSpc>
-                <a:spcPct val="100000"/>
-              </a:lnSpc>
-              <a:spcBef>
-                <a:spcPts val="0"/>
-              </a:spcBef>
-              <a:spcAft>
-                <a:spcPts val="0"/>
-              </a:spcAft>
-              <a:buClrTx/>
-              <a:buSzPct val="25000"/>
-              <a:buFont typeface="Arial" charset="0"/>
-              <a:buChar char="•"/>
-              <a:tabLst/>
-              <a:defRPr/>
-            </a:pPr>
-            <a:r>
-              <a:rPr lang="nb-NO" sz="1800" b="0" i="0" u="none" strike="noStrike" cap="none" baseline="0" dirty="0" smtClean="0"/>
-              <a:t>Eksempler: Redis, Riak, DynamoDB</a:t>
-            </a:r>
-          </a:p>
-          <a:p>
             <a:pPr marL="0" marR="0" lvl="0" indent="0" algn="l" rtl="0">
               <a:buSzPct val="25000"/>
               <a:buFont typeface="Arial" charset="0"/>
               <a:buChar char="•"/>
             </a:pPr>
-            <a:endParaRPr lang="nb-NO" sz="1800" b="0" i="0" u="none" strike="noStrike" cap="none" baseline="0" dirty="0" smtClean="0"/>
-          </a:p>
-          <a:p>
-            <a:pPr marL="0" marR="0" lvl="0" indent="0" algn="l" rtl="0">
+            <a:r>
+              <a:rPr lang="nb-NO" sz="1800" b="0" i="0" u="none" strike="noStrike" cap="none" baseline="0" dirty="0" smtClean="0"/>
+              <a:t>Hvilke typer har vi?</a:t>
+            </a:r>
+          </a:p>
+          <a:p>
+            <a:pPr marL="457200" marR="0" lvl="1" indent="0" algn="l" rtl="0">
               <a:buSzPct val="25000"/>
               <a:buFont typeface="Arial" charset="0"/>
               <a:buChar char="•"/>
             </a:pPr>
             <a:r>
               <a:rPr lang="nb-NO" sz="1800" b="0" i="0" u="none" strike="noStrike" cap="none" baseline="0" dirty="0" smtClean="0"/>
-              <a:t>Redis: alt i minne.</a:t>
-            </a:r>
-          </a:p>
-          <a:p>
-            <a:pPr marL="0" marR="0" lvl="0" indent="0" algn="l" rtl="0">
+              <a:t>Key/value</a:t>
+            </a:r>
+          </a:p>
+          <a:p>
+            <a:pPr marL="457200" marR="0" lvl="1" indent="0" algn="l" rtl="0">
               <a:buSzPct val="25000"/>
               <a:buFont typeface="Arial" charset="0"/>
               <a:buChar char="•"/>
             </a:pPr>
             <a:r>
               <a:rPr lang="nb-NO" sz="1800" b="0" i="0" u="none" strike="noStrike" cap="none" baseline="0" dirty="0" smtClean="0"/>
-              <a:t>Riak: tre kopier av alle data, optimalisert for oppetid. Eventual consistency </a:t>
-            </a:r>
-          </a:p>
-          <a:p>
-            <a:pPr marL="0" marR="0" lvl="0" indent="0" algn="l" rtl="0">
+              <a:t>Document</a:t>
+            </a:r>
+          </a:p>
+          <a:p>
+            <a:pPr marL="457200" marR="0" lvl="1" indent="0" algn="l" rtl="0">
               <a:buSzPct val="25000"/>
               <a:buFont typeface="Arial" charset="0"/>
               <a:buChar char="•"/>
             </a:pPr>
             <a:r>
               <a:rPr lang="nb-NO" sz="1800" b="0" i="0" u="none" strike="noStrike" cap="none" baseline="0" dirty="0" smtClean="0"/>
-              <a:t>DynamoDB : hostet av Amzon, flere kopier og null schema. Flere datatyper</a:t>
-            </a:r>
-            <a:endParaRPr sz="1800" b="0" i="0" u="none" strike="noStrike" cap="none" baseline="0" dirty="0"/>
+              <a:t>Columnstores</a:t>
+            </a:r>
+          </a:p>
+          <a:p>
+            <a:pPr marL="457200" marR="0" lvl="1" indent="0" algn="l" rtl="0">
+              <a:buSzPct val="25000"/>
+              <a:buFont typeface="Arial" charset="0"/>
+              <a:buChar char="•"/>
+            </a:pPr>
+            <a:r>
+              <a:rPr lang="nb-NO" sz="1800" b="0" i="0" u="none" strike="noStrike" cap="none" baseline="0" dirty="0" smtClean="0"/>
+              <a:t>Graph stores</a:t>
+            </a:r>
+          </a:p>
+          <a:p>
+            <a:pPr marL="457200" marR="0" lvl="1" indent="0" algn="l" rtl="0">
+              <a:buSzPct val="25000"/>
+              <a:buFont typeface="Arial" charset="0"/>
+              <a:buChar char="•"/>
+            </a:pPr>
+            <a:r>
+              <a:rPr lang="nb-NO" sz="1800" b="0" i="0" u="none" strike="noStrike" cap="none" baseline="0" dirty="0" smtClean="0"/>
+              <a:t>(RDBMS)</a:t>
+            </a:r>
           </a:p>
         </p:txBody>
       </p:sp>
@@ -2338,7 +2299,7 @@
             </a:pPr>
             <a:r>
               <a:rPr lang="nb-NO" sz="1800" b="0" i="0" u="none" strike="noStrike" cap="none" baseline="0" dirty="0" smtClean="0"/>
-              <a:t>UTNYTTER: enklere datamodell: Selvstendige dokumenter uten relasjoner</a:t>
+              <a:t>Key og blob. Slå opp på key.</a:t>
             </a:r>
           </a:p>
           <a:p>
@@ -2349,7 +2310,7 @@
             </a:pPr>
             <a:r>
               <a:rPr lang="nb-NO" sz="1800" b="0" i="0" u="none" strike="noStrike" cap="none" baseline="0" dirty="0" smtClean="0"/>
-              <a:t> Likt key/value, men tilbyr ofte flere typer ”values”</a:t>
+              <a:t>UTNYTTER: enkel datamodell, går bort fra ACID. Ingen join</a:t>
             </a:r>
           </a:p>
           <a:p>
@@ -2360,7 +2321,7 @@
             </a:pPr>
             <a:r>
               <a:rPr lang="nb-NO" sz="1800" b="0" i="0" u="none" strike="noStrike" cap="none" baseline="0" dirty="0" smtClean="0"/>
-              <a:t> Ofte mulig å lage eksplisitte indexer på content</a:t>
+              <a:t>BRA TIL: Ren ytelse for en entitet. Få releasjoner.  CRUD</a:t>
             </a:r>
           </a:p>
           <a:p>
@@ -2371,7 +2332,7 @@
             </a:pPr>
             <a:r>
               <a:rPr lang="nb-NO" sz="1800" b="0" i="0" u="none" strike="noStrike" cap="none" baseline="0" dirty="0" smtClean="0"/>
-              <a:t> Queries må kjøres per dokument </a:t>
+              <a:t>DÅRLIG :  Aggregering. Ingen indexer for oppslag på innholdet i value</a:t>
             </a:r>
           </a:p>
           <a:p>
@@ -2382,16 +2343,8 @@
             </a:pPr>
             <a:r>
               <a:rPr lang="nb-NO" sz="1800" b="0" i="0" u="none" strike="noStrike" cap="none" baseline="0" dirty="0" smtClean="0"/>
-              <a:t> Ofte map reduce i parallell.  </a:t>
-            </a:r>
-          </a:p>
-          <a:p>
-            <a:pPr marL="0" marR="0" lvl="0" indent="0" algn="l" rtl="0">
-              <a:buSzPct val="25000"/>
-              <a:buFont typeface="Arial"/>
-              <a:buNone/>
-            </a:pPr>
-            <a:endParaRPr sz="1800" b="0" i="0" u="none" strike="noStrike" cap="none" baseline="0" dirty="0"/>
+              <a:t>Keys: fleksible og range</a:t>
+            </a:r>
           </a:p>
         </p:txBody>
       </p:sp>
@@ -2570,23 +2523,27 @@
           </a:bodyPr>
           <a:lstStyle/>
           <a:p>
-            <a:pPr marL="0" marR="0" lvl="0" indent="0" algn="l" rtl="0">
+            <a:pPr marL="0" marR="0" lvl="0" indent="0" algn="l" defTabSz="914400" rtl="0" eaLnBrk="1" fontAlgn="auto" latinLnBrk="0" hangingPunct="1">
+              <a:lnSpc>
+                <a:spcPct val="100000"/>
+              </a:lnSpc>
+              <a:spcBef>
+                <a:spcPts val="0"/>
+              </a:spcBef>
+              <a:spcAft>
+                <a:spcPts val="0"/>
+              </a:spcAft>
+              <a:buClrTx/>
               <a:buSzPct val="25000"/>
-              <a:buFont typeface="Arial"/>
-              <a:buNone/>
+              <a:buFont typeface="Arial" charset="0"/>
+              <a:buChar char="•"/>
+              <a:tabLst/>
+              <a:defRPr/>
             </a:pPr>
             <a:r>
               <a:rPr lang="nb-NO" sz="1800" b="0" i="0" u="none" strike="noStrike" cap="none" baseline="0" dirty="0" smtClean="0"/>
-              <a:t>Eksempler: RavenDB, CouchDB, MongoDB</a:t>
-            </a:r>
-          </a:p>
-          <a:p>
-            <a:pPr marL="0" marR="0" lvl="0" indent="0" algn="l" rtl="0">
-              <a:buSzPct val="25000"/>
-              <a:buFont typeface="Arial"/>
-              <a:buNone/>
-            </a:pPr>
-            <a:endParaRPr lang="nb-NO" sz="1800" b="0" i="0" u="none" strike="noStrike" cap="none" baseline="0" dirty="0" smtClean="0"/>
+              <a:t>Eksempler: Redis, Riak, DynamoDB</a:t>
+            </a:r>
           </a:p>
           <a:p>
             <a:pPr marL="0" marR="0" lvl="0" indent="0" algn="l" rtl="0">
@@ -2594,10 +2551,7 @@
               <a:buFont typeface="Arial" charset="0"/>
               <a:buChar char="•"/>
             </a:pPr>
-            <a:r>
-              <a:rPr lang="nb-NO" sz="1800" b="0" i="0" u="none" strike="noStrike" cap="none" baseline="0" dirty="0" smtClean="0"/>
-              <a:t> RavenDB - Dokument som datamodell. Documents are ACID, indexing is BASE. MVCC </a:t>
-            </a:r>
+            <a:endParaRPr lang="nb-NO" sz="1800" b="0" i="0" u="none" strike="noStrike" cap="none" baseline="0" dirty="0" smtClean="0"/>
           </a:p>
           <a:p>
             <a:pPr marL="0" marR="0" lvl="0" indent="0" algn="l" rtl="0">
@@ -2607,7 +2561,7 @@
             </a:pPr>
             <a:r>
               <a:rPr lang="nb-NO" sz="1800" b="0" i="0" u="none" strike="noStrike" cap="none" baseline="0" dirty="0" smtClean="0"/>
-              <a:t> CouchDB - Dokment som datamodell. Documents and indexes are ACID. MVCC.</a:t>
+              <a:t>Redis: alt i minne.</a:t>
             </a:r>
           </a:p>
           <a:p>
@@ -2618,31 +2572,20 @@
             </a:pPr>
             <a:r>
               <a:rPr lang="nb-NO" sz="1800" b="0" i="0" u="none" strike="noStrike" cap="none" baseline="0" dirty="0" smtClean="0"/>
-              <a:t> MongoDB </a:t>
-            </a:r>
-          </a:p>
-          <a:p>
-            <a:pPr marL="457200" marR="0" lvl="1" indent="0" algn="l" rtl="0">
+              <a:t>Riak: tre kopier av alle data, optimalisert for oppetid. Eventual consistency </a:t>
+            </a:r>
+          </a:p>
+          <a:p>
+            <a:pPr marL="0" marR="0" lvl="0" indent="0" algn="l" rtl="0">
               <a:buSzPct val="25000"/>
               <a:buFont typeface="Arial" charset="0"/>
               <a:buChar char="•"/>
             </a:pPr>
             <a:r>
               <a:rPr lang="nb-NO" sz="1800" b="0" i="0" u="none" strike="noStrike" cap="none" baseline="0" dirty="0" smtClean="0"/>
-              <a:t>ikke transaksjoner, ikke ACID og ingen fsync(!). </a:t>
-            </a:r>
-            <a:endParaRPr lang="nb-NO" sz="1800" b="0" i="0" u="none" strike="noStrike" cap="none" baseline="0" dirty="0"/>
-          </a:p>
-          <a:p>
-            <a:pPr marL="457200" marR="0" lvl="1" indent="0" algn="l" rtl="0">
-              <a:buSzPct val="25000"/>
-              <a:buFont typeface="Arial" charset="0"/>
-              <a:buChar char="•"/>
-            </a:pPr>
-            <a:r>
-              <a:rPr lang="nb-NO" sz="1800" b="0" i="0" u="none" strike="noStrike" cap="none" baseline="0" dirty="0" smtClean="0"/>
-              <a:t>”vi lover ingenting, men det går jævlig fort”</a:t>
-            </a:r>
+              <a:t>DynamoDB : hostet av Amzon, flere kopier og null schema. Flere datatyper</a:t>
+            </a:r>
+            <a:endParaRPr sz="1800" b="0" i="0" u="none" strike="noStrike" cap="none" baseline="0" dirty="0"/>
           </a:p>
         </p:txBody>
       </p:sp>
@@ -2828,7 +2771,7 @@
             </a:pPr>
             <a:r>
               <a:rPr lang="nb-NO" sz="1800" b="0" i="0" u="none" strike="noStrike" cap="none" baseline="0" dirty="0" smtClean="0"/>
-              <a:t>Columns i stedet for rader lagres. </a:t>
+              <a:t>UTNYTTER: enklere datamodell: Selvstendige dokumenter uten relasjoner</a:t>
             </a:r>
           </a:p>
           <a:p>
@@ -2839,7 +2782,7 @@
             </a:pPr>
             <a:r>
               <a:rPr lang="nb-NO" sz="1800" b="0" i="0" u="none" strike="noStrike" cap="none" baseline="0" dirty="0" smtClean="0"/>
-              <a:t>B-tree(Variant) : Løvnoder er kolonner, ikke rader</a:t>
+              <a:t> Likt key/value, men tilbyr ofte flere typer ”values”</a:t>
             </a:r>
           </a:p>
           <a:p>
@@ -2850,7 +2793,7 @@
             </a:pPr>
             <a:r>
               <a:rPr lang="nb-NO" sz="1800" b="0" i="0" u="none" strike="noStrike" cap="none" baseline="0" dirty="0" smtClean="0"/>
-              <a:t>Perfekt for aggregat-operasjoner.</a:t>
+              <a:t> Ofte mulig å lage eksplisitte indexer på content</a:t>
             </a:r>
           </a:p>
           <a:p>
@@ -2861,8 +2804,37 @@
             </a:pPr>
             <a:r>
               <a:rPr lang="nb-NO" sz="1800" b="0" i="0" u="none" strike="noStrike" cap="none" baseline="0" dirty="0" smtClean="0"/>
-              <a:t>Gull når du har rader med mye tomme felter per rad. Ingen overhead på null values.</a:t>
-            </a:r>
+              <a:t> Queries må kjøres per dokument </a:t>
+            </a:r>
+          </a:p>
+          <a:p>
+            <a:pPr marL="0" marR="0" lvl="0" indent="0" algn="l" rtl="0">
+              <a:buSzPct val="25000"/>
+              <a:buFont typeface="Arial" charset="0"/>
+              <a:buChar char="•"/>
+            </a:pPr>
+            <a:r>
+              <a:rPr lang="nb-NO" sz="1800" b="0" i="0" u="none" strike="noStrike" cap="none" baseline="0" dirty="0" smtClean="0"/>
+              <a:t> Ofte map reduce i parallell.  </a:t>
+            </a:r>
+          </a:p>
+          <a:p>
+            <a:pPr marL="0" marR="0" lvl="0" indent="0" algn="l" rtl="0">
+              <a:buSzPct val="25000"/>
+              <a:buFont typeface="Arial" charset="0"/>
+              <a:buChar char="•"/>
+            </a:pPr>
+            <a:r>
+              <a:rPr lang="nb-NO" sz="1800" b="0" i="0" u="none" strike="noStrike" cap="none" baseline="0" dirty="0" smtClean="0"/>
+              <a:t> Schema: kan/kan ikke.</a:t>
+            </a:r>
+          </a:p>
+          <a:p>
+            <a:pPr marL="0" marR="0" lvl="0" indent="0" algn="l" rtl="0">
+              <a:buSzPct val="25000"/>
+              <a:buFont typeface="Arial"/>
+              <a:buNone/>
+            </a:pPr>
             <a:endParaRPr sz="1800" b="0" i="0" u="none" strike="noStrike" cap="none" baseline="0" dirty="0"/>
           </a:p>
         </p:txBody>
@@ -3044,13 +3016,21 @@
           <a:p>
             <a:pPr marL="0" marR="0" lvl="0" indent="0" algn="l" rtl="0">
               <a:buSzPct val="25000"/>
-              <a:buFont typeface="Arial" charset="0"/>
-              <a:buChar char="•"/>
+              <a:buFont typeface="Arial"/>
+              <a:buNone/>
             </a:pPr>
             <a:r>
               <a:rPr lang="nb-NO" sz="1800" b="0" i="0" u="none" strike="noStrike" cap="none" baseline="0" dirty="0" smtClean="0"/>
-              <a:t>Columns i stedet for rader lagres. </a:t>
-            </a:r>
+              <a:t>Eksempler: RavenDB, CouchDB, MongoDB</a:t>
+            </a:r>
+          </a:p>
+          <a:p>
+            <a:pPr marL="0" marR="0" lvl="0" indent="0" algn="l" rtl="0">
+              <a:buSzPct val="25000"/>
+              <a:buFont typeface="Arial"/>
+              <a:buNone/>
+            </a:pPr>
+            <a:endParaRPr lang="nb-NO" sz="1800" b="0" i="0" u="none" strike="noStrike" cap="none" baseline="0" dirty="0" smtClean="0"/>
           </a:p>
           <a:p>
             <a:pPr marL="0" marR="0" lvl="0" indent="0" algn="l" rtl="0">
@@ -3060,7 +3040,7 @@
             </a:pPr>
             <a:r>
               <a:rPr lang="nb-NO" sz="1800" b="0" i="0" u="none" strike="noStrike" cap="none" baseline="0" dirty="0" smtClean="0"/>
-              <a:t>B-tree(Variant) : Løvnoder er kolonner, ikke rader</a:t>
+              <a:t> RavenDB - Dokument som datamodell. Documents are ACID, indexing is BASE. MVCC </a:t>
             </a:r>
           </a:p>
           <a:p>
@@ -3071,7 +3051,7 @@
             </a:pPr>
             <a:r>
               <a:rPr lang="nb-NO" sz="1800" b="0" i="0" u="none" strike="noStrike" cap="none" baseline="0" dirty="0" smtClean="0"/>
-              <a:t>Perfekt for aggregat-operasjoner.</a:t>
+              <a:t> CouchDB - Dokment som datamodell. Documents and indexes are ACID. MVCC.</a:t>
             </a:r>
           </a:p>
           <a:p>
@@ -3082,9 +3062,31 @@
             </a:pPr>
             <a:r>
               <a:rPr lang="nb-NO" sz="1800" b="0" i="0" u="none" strike="noStrike" cap="none" baseline="0" dirty="0" smtClean="0"/>
-              <a:t>Gull når du har rader med mye tomme felter per rad. Ingen overhead på null values.</a:t>
-            </a:r>
-            <a:endParaRPr sz="1800" b="0" i="0" u="none" strike="noStrike" cap="none" baseline="0" dirty="0"/>
+              <a:t> MongoDB </a:t>
+            </a:r>
+          </a:p>
+          <a:p>
+            <a:pPr marL="457200" marR="0" lvl="1" indent="0" algn="l" rtl="0">
+              <a:buSzPct val="25000"/>
+              <a:buFont typeface="Arial" charset="0"/>
+              <a:buChar char="•"/>
+            </a:pPr>
+            <a:r>
+              <a:rPr lang="nb-NO" sz="1800" b="0" i="0" u="none" strike="noStrike" cap="none" baseline="0" dirty="0" smtClean="0"/>
+              <a:t>ikke transaksjoner, ikke ACID og ingen fsync(!). </a:t>
+            </a:r>
+            <a:endParaRPr lang="nb-NO" sz="1800" b="0" i="0" u="none" strike="noStrike" cap="none" baseline="0" dirty="0"/>
+          </a:p>
+          <a:p>
+            <a:pPr marL="457200" marR="0" lvl="1" indent="0" algn="l" rtl="0">
+              <a:buSzPct val="25000"/>
+              <a:buFont typeface="Arial" charset="0"/>
+              <a:buChar char="•"/>
+            </a:pPr>
+            <a:r>
+              <a:rPr lang="nb-NO" sz="1800" b="0" i="0" u="none" strike="noStrike" cap="none" baseline="0" dirty="0" smtClean="0"/>
+              <a:t>”vi lover ingenting, men det går jævlig fort”</a:t>
+            </a:r>
           </a:p>
         </p:txBody>
       </p:sp>
@@ -3140,7 +3142,7 @@
   <p:cSld>
     <p:spTree>
       <p:nvGrpSpPr>
-        <p:cNvPr id="1" name="Shape 121"/>
+        <p:cNvPr id="1" name="Shape 262"/>
         <p:cNvGrpSpPr/>
         <p:nvPr/>
       </p:nvGrpSpPr>
@@ -3154,7 +3156,7 @@
       </p:grpSpPr>
       <p:sp>
         <p:nvSpPr>
-          <p:cNvPr id="122" name="Shape 122"/>
+          <p:cNvPr id="263" name="Shape 263"/>
           <p:cNvSpPr/>
           <p:nvPr/>
         </p:nvSpPr>
@@ -3191,7 +3193,7 @@
       </p:sp>
       <p:sp>
         <p:nvSpPr>
-          <p:cNvPr id="123" name="Shape 123"/>
+          <p:cNvPr id="264" name="Shape 264"/>
           <p:cNvSpPr>
             <a:spLocks noGrp="1" noRot="1" noChangeAspect="1"/>
           </p:cNvSpPr>
@@ -3236,7 +3238,7 @@
       </p:sp>
       <p:sp>
         <p:nvSpPr>
-          <p:cNvPr id="124" name="Shape 124"/>
+          <p:cNvPr id="265" name="Shape 265"/>
           <p:cNvSpPr>
             <a:spLocks noGrp="1"/>
           </p:cNvSpPr>
@@ -3265,45 +3267,12 @@
           <a:p>
             <a:pPr marL="0" marR="0" lvl="0" indent="0" algn="l" rtl="0">
               <a:buSzPct val="25000"/>
-              <a:buFont typeface="Arial" charset="0"/>
-              <a:buChar char="•"/>
+              <a:buFont typeface="Arial"/>
+              <a:buNone/>
             </a:pPr>
             <a:r>
               <a:rPr lang="nb-NO" sz="1800" b="0" i="0" u="none" strike="noStrike" cap="none" baseline="0" dirty="0" smtClean="0"/>
-              <a:t>Babel fish – Hitchhickers guide to the galaxy.</a:t>
-            </a:r>
-          </a:p>
-          <a:p>
-            <a:pPr marL="457200" marR="0" lvl="1" indent="0" algn="l" rtl="0">
-              <a:buSzPct val="25000"/>
-              <a:buFont typeface="Arial" charset="0"/>
-              <a:buChar char="•"/>
-            </a:pPr>
-            <a:r>
-              <a:rPr lang="nb-NO" sz="1800" b="0" i="0" u="none" strike="noStrike" cap="none" baseline="0" dirty="0" smtClean="0"/>
-              <a:t>Sitter i øret og oversetter.</a:t>
-            </a:r>
-          </a:p>
-          <a:p>
-            <a:pPr marL="0" marR="0" lvl="0" indent="0" algn="l" rtl="0">
-              <a:buSzPct val="25000"/>
-              <a:buFont typeface="Arial" charset="0"/>
-              <a:buChar char="•"/>
-            </a:pPr>
-            <a:r>
-              <a:rPr lang="nb-NO" sz="1800" b="0" i="0" u="none" strike="noStrike" cap="none" baseline="0" dirty="0" smtClean="0"/>
-              <a:t>Polyglot – knowing or using several languages. </a:t>
-            </a:r>
-          </a:p>
-          <a:p>
-            <a:pPr marL="0" marR="0" lvl="0" indent="0" algn="l" rtl="0">
-              <a:buSzPct val="25000"/>
-              <a:buFont typeface="Arial" charset="0"/>
-              <a:buChar char="•"/>
-            </a:pPr>
-            <a:r>
-              <a:rPr lang="nb-NO" sz="1800" b="0" i="0" u="none" strike="noStrike" cap="none" baseline="0" dirty="0" smtClean="0"/>
-              <a:t>Polyglot programming: De fleste er det allerede. C#, SQL, Javascript, CSS, HTML</a:t>
+              <a:t>	</a:t>
             </a:r>
           </a:p>
           <a:p>
@@ -3312,17 +3281,13 @@
               <a:buFont typeface="Arial"/>
               <a:buNone/>
             </a:pPr>
-            <a:r>
-              <a:rPr lang="nb-NO" sz="1800" b="0" i="0" u="none" strike="noStrike" cap="none" baseline="0" dirty="0" smtClean="0"/>
-              <a:t>* Flisespikking – bruke flere persisteringsteknologier.</a:t>
-            </a:r>
             <a:endParaRPr sz="1800" b="0" i="0" u="none" strike="noStrike" cap="none" baseline="0" dirty="0"/>
           </a:p>
         </p:txBody>
       </p:sp>
       <p:sp>
         <p:nvSpPr>
-          <p:cNvPr id="125" name="Shape 125"/>
+          <p:cNvPr id="266" name="Shape 266"/>
           <p:cNvSpPr>
             <a:spLocks noGrp="1"/>
           </p:cNvSpPr>
@@ -3502,37 +3467,7 @@
             </a:pPr>
             <a:r>
               <a:rPr lang="nb-NO" sz="1800" b="0" i="0" u="none" strike="noStrike" cap="none" baseline="0" dirty="0" smtClean="0"/>
-              <a:t>Eksempler: Cassandra, InfiniDB, SQL Server 2012(xVelocity), HBase(ish)</a:t>
-            </a:r>
-          </a:p>
-          <a:p>
-            <a:pPr marL="0" marR="0" lvl="0" indent="0" algn="l" rtl="0">
-              <a:buSzPct val="25000"/>
-              <a:buFont typeface="Arial" charset="0"/>
-              <a:buChar char="•"/>
-            </a:pPr>
-            <a:endParaRPr lang="nb-NO" sz="1800" b="0" i="0" u="none" strike="noStrike" cap="none" baseline="0" dirty="0" smtClean="0"/>
-          </a:p>
-          <a:p>
-            <a:pPr marL="0" marR="0" lvl="0" indent="0" algn="l" rtl="0">
-              <a:buSzPct val="25000"/>
-              <a:buFont typeface="Arial" charset="0"/>
-              <a:buChar char="•"/>
-            </a:pPr>
-            <a:r>
-              <a:rPr lang="nb-NO" sz="1800" b="0" i="0" u="none" strike="noStrike" cap="none" baseline="0" dirty="0" smtClean="0"/>
-              <a:t>SQL Server 2012, xVelocity: in memory columnstore.</a:t>
-            </a:r>
-          </a:p>
-          <a:p>
-            <a:pPr marL="0" marR="0" lvl="0" indent="0" algn="l" rtl="0">
-              <a:buSzPct val="25000"/>
-              <a:buFont typeface="Arial" charset="0"/>
-              <a:buChar char="•"/>
-            </a:pPr>
-            <a:r>
-              <a:rPr lang="nb-NO" sz="1800" b="0" i="0" u="none" strike="noStrike" cap="none" baseline="0" dirty="0" smtClean="0"/>
-              <a:t>Cassandra: skalerer veldig linært, append only for bedre IO</a:t>
+              <a:t>Columns i stedet for rader lagres. </a:t>
             </a:r>
           </a:p>
         </p:txBody>
@@ -3719,7 +3654,7 @@
             </a:pPr>
             <a:r>
               <a:rPr lang="nb-NO" sz="1800" b="0" i="0" u="none" strike="noStrike" cap="none" baseline="0" dirty="0" smtClean="0"/>
-              <a:t>Datamodell: Noder og kanter.</a:t>
+              <a:t>Columns i stedet for rader lagres. </a:t>
             </a:r>
           </a:p>
           <a:p>
@@ -3728,7 +3663,10 @@
               <a:buFont typeface="Arial" charset="0"/>
               <a:buChar char="•"/>
             </a:pPr>
-            <a:endParaRPr lang="nb-NO" sz="1800" b="0" i="0" u="none" strike="noStrike" cap="none" baseline="0" dirty="0" smtClean="0"/>
+            <a:r>
+              <a:rPr lang="nb-NO" sz="1800" b="0" i="0" u="none" strike="noStrike" cap="none" baseline="0" dirty="0" smtClean="0"/>
+              <a:t>B-tree(Variant) : Løvnoder er kolonner, ikke rader</a:t>
+            </a:r>
           </a:p>
           <a:p>
             <a:pPr marL="0" marR="0" lvl="0" indent="0" algn="l" rtl="0">
@@ -3738,7 +3676,7 @@
             </a:pPr>
             <a:r>
               <a:rPr lang="nb-NO" sz="1800" b="0" i="0" u="none" strike="noStrike" cap="none" baseline="0" dirty="0" smtClean="0"/>
-              <a:t>Hvor mange kjenner jeg som har X?</a:t>
+              <a:t>Perfekt for aggregat-operasjoner.</a:t>
             </a:r>
           </a:p>
           <a:p>
@@ -3749,19 +3687,9 @@
             </a:pPr>
             <a:r>
               <a:rPr lang="nb-NO" sz="1800" b="0" i="0" u="none" strike="noStrike" cap="none" baseline="0" dirty="0" smtClean="0"/>
-              <a:t>Hvor mange venners venner har jeg?</a:t>
-            </a:r>
-          </a:p>
-          <a:p>
-            <a:pPr marL="0" marR="0" lvl="0" indent="0" algn="l" rtl="0">
-              <a:buSzPct val="25000"/>
-              <a:buFont typeface="Arial" charset="0"/>
-              <a:buChar char="•"/>
-            </a:pPr>
-            <a:r>
-              <a:rPr lang="nb-NO" sz="1800" b="0" i="0" u="none" strike="noStrike" cap="none" baseline="0" dirty="0" smtClean="0"/>
-              <a:t>Hvem har flest venner?</a:t>
-            </a:r>
+              <a:t>Gull når du har rader med mye tomme felter per rad. Ingen overhead på null values.</a:t>
+            </a:r>
+            <a:endParaRPr sz="1800" b="0" i="0" u="none" strike="noStrike" cap="none" baseline="0" dirty="0"/>
           </a:p>
         </p:txBody>
       </p:sp>
@@ -3947,7 +3875,7 @@
             </a:pPr>
             <a:r>
               <a:rPr lang="nb-NO" sz="1800" b="0" i="0" u="none" strike="noStrike" cap="none" baseline="0" dirty="0" smtClean="0"/>
-              <a:t>Eksempler: Neo4J, HyperGraphDB, OrientDB</a:t>
+              <a:t>Eksempler: Cassandra, InfiniDB, SQL Server 2012(xVelocity), HBase(ish)</a:t>
             </a:r>
           </a:p>
           <a:p>
@@ -3959,6 +3887,29 @@
             <a:endParaRPr lang="nb-NO" sz="1800" b="0" i="0" u="none" strike="noStrike" cap="none" baseline="0" dirty="0" smtClean="0"/>
           </a:p>
           <a:p>
+            <a:pPr marL="0" marR="0" lvl="0" indent="0" algn="l" defTabSz="914400" rtl="0" eaLnBrk="1" fontAlgn="auto" latinLnBrk="0" hangingPunct="1">
+              <a:lnSpc>
+                <a:spcPct val="100000"/>
+              </a:lnSpc>
+              <a:spcBef>
+                <a:spcPts val="0"/>
+              </a:spcBef>
+              <a:spcAft>
+                <a:spcPts val="0"/>
+              </a:spcAft>
+              <a:buClrTx/>
+              <a:buSzPct val="25000"/>
+              <a:buFont typeface="Arial" charset="0"/>
+              <a:buChar char="•"/>
+              <a:tabLst/>
+              <a:defRPr/>
+            </a:pPr>
+            <a:r>
+              <a:rPr lang="nb-NO" sz="1800" b="0" i="0" u="none" strike="noStrike" cap="none" baseline="0" dirty="0" smtClean="0"/>
+              <a:t>Cassandra: skalerer veldig linært, append only for bedre IO</a:t>
+            </a:r>
+          </a:p>
+          <a:p>
             <a:pPr marL="0" marR="0" lvl="0" indent="0" algn="l" rtl="0">
               <a:buSzPct val="25000"/>
               <a:buFont typeface="Arial" charset="0"/>
@@ -3966,57 +3917,8 @@
             </a:pPr>
             <a:r>
               <a:rPr lang="nb-NO" sz="1800" b="0" i="0" u="none" strike="noStrike" cap="none" baseline="0" dirty="0" smtClean="0"/>
-              <a:t>Neo4J: ACID, men scale out issues. </a:t>
-            </a:r>
-          </a:p>
-          <a:p>
-            <a:pPr marL="0" marR="0" lvl="0" indent="0" algn="l" rtl="0">
-              <a:buSzPct val="25000"/>
-              <a:buFont typeface="Arial" charset="0"/>
-              <a:buChar char="•"/>
-            </a:pPr>
-            <a:r>
-              <a:rPr lang="nb-NO" sz="1800" b="0" i="0" u="none" strike="noStrike" cap="none" baseline="0" dirty="0" smtClean="0"/>
-              <a:t>OrientDB: full ACID, SQL-støtte(!), schema/ikke-schema</a:t>
-            </a:r>
-          </a:p>
-          <a:p>
-            <a:pPr marL="0" marR="0" lvl="0" indent="0" algn="l" rtl="0">
-              <a:buSzPct val="25000"/>
-              <a:buFont typeface="Arial" charset="0"/>
-              <a:buChar char="•"/>
-            </a:pPr>
-            <a:endParaRPr lang="nb-NO" sz="1800" b="0" i="0" u="none" strike="noStrike" cap="none" baseline="0" dirty="0" smtClean="0"/>
-          </a:p>
-          <a:p>
-            <a:pPr marL="0" marR="0" lvl="0" indent="0" algn="l" rtl="0">
-              <a:buSzPct val="25000"/>
-              <a:buFont typeface="Arial" charset="0"/>
-              <a:buChar char="•"/>
-            </a:pPr>
-            <a:r>
-              <a:rPr lang="nb-NO" sz="1800" b="0" i="0" u="none" strike="noStrike" cap="none" baseline="0" dirty="0" smtClean="0"/>
-              <a:t>Utfordring: Hvordan sharder du en graf?</a:t>
-            </a:r>
-          </a:p>
-          <a:p>
-            <a:pPr marL="457200" marR="0" lvl="1" indent="0" algn="l" rtl="0">
-              <a:buSzPct val="25000"/>
-              <a:buFont typeface="Arial" charset="0"/>
-              <a:buChar char="•"/>
-            </a:pPr>
-            <a:r>
-              <a:rPr lang="nb-NO" sz="1800" b="0" i="0" u="none" strike="noStrike" cap="none" baseline="0" dirty="0" smtClean="0"/>
-              <a:t>I motsetning til key/value og dokument så henger data sammen.</a:t>
-            </a:r>
-          </a:p>
-          <a:p>
-            <a:pPr marL="0" marR="0" lvl="0" indent="0" algn="l" rtl="0">
-              <a:buSzPct val="25000"/>
-              <a:buFont typeface="Arial" charset="0"/>
-              <a:buChar char="•"/>
-            </a:pPr>
-            <a:endParaRPr lang="nb-NO" sz="1800" b="0" i="0" u="none" strike="noStrike" cap="none" baseline="0" dirty="0" smtClean="0"/>
+              <a:t>SQL Server 2012, xVelocity: in memory columnstore.</a:t>
+            </a:r>
           </a:p>
         </p:txBody>
       </p:sp>
@@ -4197,33 +4099,54 @@
           <a:p>
             <a:pPr marL="0" marR="0" lvl="0" indent="0" algn="l" rtl="0">
               <a:buSzPct val="25000"/>
-              <a:buFont typeface="Arial"/>
-              <a:buNone/>
+              <a:buFont typeface="Arial" charset="0"/>
+              <a:buChar char="•"/>
             </a:pPr>
             <a:r>
               <a:rPr lang="nb-NO" sz="1800" b="0" i="0" u="none" strike="noStrike" cap="none" baseline="0" dirty="0" smtClean="0"/>
-              <a:t>Dynamo kjører Amazon sin shopping cart.</a:t>
+              <a:t>Datamodell: Noder og kanter.</a:t>
             </a:r>
           </a:p>
           <a:p>
             <a:pPr marL="0" marR="0" lvl="0" indent="0" algn="l" rtl="0">
               <a:buSzPct val="25000"/>
-              <a:buFont typeface="Arial"/>
-              <a:buNone/>
+              <a:buFont typeface="Arial" charset="0"/>
+              <a:buChar char="•"/>
             </a:pPr>
             <a:endParaRPr lang="nb-NO" sz="1800" b="0" i="0" u="none" strike="noStrike" cap="none" baseline="0" dirty="0" smtClean="0"/>
           </a:p>
           <a:p>
             <a:pPr marL="0" marR="0" lvl="0" indent="0" algn="l" rtl="0">
               <a:buSzPct val="25000"/>
-              <a:buFont typeface="Arial"/>
-              <a:buNone/>
+              <a:buFont typeface="Arial" charset="0"/>
+              <a:buChar char="•"/>
             </a:pPr>
             <a:r>
               <a:rPr lang="nb-NO" sz="1800" b="0" i="0" u="none" strike="noStrike" cap="none" baseline="0" dirty="0" smtClean="0"/>
-              <a:t>Documents: perfekt match til aggregate roots.</a:t>
-            </a:r>
-            <a:endParaRPr sz="1800" b="0" i="0" u="none" strike="noStrike" cap="none" baseline="0" dirty="0"/>
+              <a:t>Hvor mange kjenner jeg som har X?</a:t>
+            </a:r>
+          </a:p>
+          <a:p>
+            <a:pPr marL="0" marR="0" lvl="0" indent="0" algn="l" rtl="0">
+              <a:buSzPct val="25000"/>
+              <a:buFont typeface="Arial" charset="0"/>
+              <a:buChar char="•"/>
+            </a:pPr>
+            <a:r>
+              <a:rPr lang="nb-NO" sz="1800" b="0" i="0" u="none" strike="noStrike" cap="none" baseline="0" dirty="0" smtClean="0"/>
+              <a:t>Hvor mange venners venner har jeg?</a:t>
+            </a:r>
+          </a:p>
+          <a:p>
+            <a:pPr marL="0" marR="0" lvl="0" indent="0" algn="l" rtl="0">
+              <a:buSzPct val="25000"/>
+              <a:buFont typeface="Arial" charset="0"/>
+              <a:buChar char="•"/>
+            </a:pPr>
+            <a:r>
+              <a:rPr lang="nb-NO" sz="1800" b="0" i="0" u="none" strike="noStrike" cap="none" baseline="0" dirty="0" smtClean="0"/>
+              <a:t>Hvem har flest venner?</a:t>
+            </a:r>
           </a:p>
         </p:txBody>
       </p:sp>
@@ -4409,7 +4332,7 @@
             </a:pPr>
             <a:r>
               <a:rPr lang="nb-NO" sz="1800" b="0" i="0" u="none" strike="noStrike" cap="none" baseline="0" dirty="0" smtClean="0"/>
-              <a:t>Ikke overdriv, ekstremvarianter er sjelden riktig.</a:t>
+              <a:t>Eksempler: Neo4J, HyperGraphDB, OrientDB</a:t>
             </a:r>
           </a:p>
           <a:p>
@@ -4418,10 +4341,7 @@
               <a:buFont typeface="Arial" charset="0"/>
               <a:buChar char="•"/>
             </a:pPr>
-            <a:r>
-              <a:rPr lang="nb-NO" sz="1800" b="0" i="0" u="none" strike="noStrike" cap="none" baseline="0" dirty="0" smtClean="0"/>
-              <a:t>Se på behovet FØR du velger løsning</a:t>
-            </a:r>
+            <a:endParaRPr lang="nb-NO" sz="1800" b="0" i="0" u="none" strike="noStrike" cap="none" baseline="0" dirty="0" smtClean="0"/>
           </a:p>
           <a:p>
             <a:pPr marL="0" marR="0" lvl="0" indent="0" algn="l" rtl="0">
@@ -4431,16 +4351,16 @@
             </a:pPr>
             <a:r>
               <a:rPr lang="nb-NO" sz="1800" b="0" i="0" u="none" strike="noStrike" cap="none" baseline="0" dirty="0" smtClean="0"/>
-              <a:t>Det trenger ikke være EN </a:t>
-            </a:r>
-            <a:r>
-              <a:rPr lang="nb-NO" sz="1800" b="0" i="0" u="none" strike="noStrike" cap="none" baseline="0" dirty="0" smtClean="0"/>
-              <a:t>teknologi</a:t>
-            </a:r>
-            <a:r>
-              <a:rPr lang="nb-NO" sz="1800" b="0" i="0" u="none" strike="noStrike" cap="none" baseline="0" dirty="0" smtClean="0"/>
-              <a:t>.</a:t>
-            </a:r>
+              <a:t>Neo4J: ACID, men scale out issues. </a:t>
+            </a:r>
+          </a:p>
+          <a:p>
+            <a:pPr marL="0" marR="0" lvl="0" indent="0" algn="l" rtl="0">
+              <a:buSzPct val="25000"/>
+              <a:buFont typeface="Arial" charset="0"/>
+              <a:buNone/>
+            </a:pPr>
+            <a:endParaRPr lang="nb-NO" sz="1800" b="0" i="0" u="none" strike="noStrike" cap="none" baseline="0" dirty="0" smtClean="0"/>
           </a:p>
           <a:p>
             <a:pPr marL="0" marR="0" lvl="0" indent="0" algn="l" rtl="0">
@@ -4448,23 +4368,29 @@
               <a:buFont typeface="Arial" charset="0"/>
               <a:buChar char="•"/>
             </a:pPr>
-            <a:endParaRPr lang="nb-NO" sz="1800" b="0" i="0" u="none" strike="noStrike" cap="none" baseline="0" dirty="0" smtClean="0"/>
+            <a:r>
+              <a:rPr lang="nb-NO" sz="1800" b="0" i="0" u="none" strike="noStrike" cap="none" baseline="0" dirty="0" smtClean="0"/>
+              <a:t>Utfordring: Hvordan sharder du en graf?</a:t>
+            </a:r>
+          </a:p>
+          <a:p>
+            <a:pPr marL="457200" marR="0" lvl="1" indent="0" algn="l" rtl="0">
+              <a:buSzPct val="25000"/>
+              <a:buFont typeface="Arial" charset="0"/>
+              <a:buChar char="•"/>
+            </a:pPr>
+            <a:r>
+              <a:rPr lang="nb-NO" sz="1800" b="0" i="0" u="none" strike="noStrike" cap="none" baseline="0" dirty="0" smtClean="0"/>
+              <a:t>I motsetning til key/value og dokument så henger data sammen.</a:t>
+            </a:r>
           </a:p>
           <a:p>
             <a:pPr marL="0" marR="0" lvl="0" indent="0" algn="l" rtl="0">
               <a:buSzPct val="25000"/>
-              <a:buFont typeface="Arial"/>
-              <a:buNone/>
+              <a:buFont typeface="Arial" charset="0"/>
+              <a:buChar char="•"/>
             </a:pPr>
             <a:endParaRPr lang="nb-NO" sz="1800" b="0" i="0" u="none" strike="noStrike" cap="none" baseline="0" dirty="0" smtClean="0"/>
-          </a:p>
-          <a:p>
-            <a:pPr marL="0" marR="0" lvl="0" indent="0" algn="l" rtl="0">
-              <a:buSzPct val="25000"/>
-              <a:buFont typeface="Arial"/>
-              <a:buNone/>
-            </a:pPr>
-            <a:endParaRPr sz="1800" b="0" i="0" u="none" strike="noStrike" cap="none" baseline="0" dirty="0"/>
           </a:p>
         </p:txBody>
       </p:sp>
@@ -4645,43 +4571,13 @@
           <a:p>
             <a:pPr marL="0" marR="0" lvl="0" indent="0" algn="l" rtl="0">
               <a:buSzPct val="25000"/>
-              <a:buFont typeface="Arial" charset="0"/>
-              <a:buChar char="•"/>
+              <a:buFont typeface="Arial"/>
+              <a:buNone/>
             </a:pPr>
             <a:r>
               <a:rPr lang="nb-NO" sz="1800" b="0" i="0" u="none" strike="noStrike" cap="none" baseline="0" dirty="0" smtClean="0"/>
-              <a:t> Vel så viktig som hvilken teknologi du bruker er hvilken arkitektur du bruker </a:t>
-            </a:r>
-          </a:p>
-          <a:p>
-            <a:pPr marL="0" marR="0" lvl="0" indent="0" algn="l" rtl="0">
-              <a:buSzPct val="25000"/>
-              <a:buFont typeface="Arial" charset="0"/>
-              <a:buChar char="•"/>
-            </a:pPr>
-            <a:r>
-              <a:rPr lang="nb-NO" sz="1800" b="0" i="0" u="none" strike="noStrike" cap="none" baseline="0" dirty="0" smtClean="0"/>
-              <a:t> Marius </a:t>
-            </a:r>
-            <a:r>
-              <a:rPr lang="nb-NO" sz="1800" b="0" i="0" u="none" strike="noStrike" cap="none" baseline="0" dirty="0" smtClean="0"/>
-              <a:t>skal snakke litt om og vise oss hva slags arkitektur som funker polyglot persistence</a:t>
-            </a:r>
-          </a:p>
-          <a:p>
-            <a:pPr marL="0" marR="0" lvl="0" indent="0" algn="l" rtl="0">
-              <a:buSzPct val="25000"/>
-              <a:buFont typeface="Arial"/>
-              <a:buNone/>
-            </a:pPr>
-            <a:endParaRPr lang="nb-NO" sz="1800" b="0" i="0" u="none" strike="noStrike" cap="none" baseline="0" dirty="0" smtClean="0"/>
-          </a:p>
-          <a:p>
-            <a:pPr marL="0" marR="0" lvl="0" indent="0" algn="l" rtl="0">
-              <a:buSzPct val="25000"/>
-              <a:buFont typeface="Arial"/>
-              <a:buNone/>
-            </a:pPr>
+              <a:t>Documents: perfekt match til aggregate roots.</a:t>
+            </a:r>
             <a:endParaRPr sz="1800" b="0" i="0" u="none" strike="noStrike" cap="none" baseline="0" dirty="0"/>
           </a:p>
         </p:txBody>
@@ -4733,7 +4629,7 @@
 </p:notes>
 </file>
 
-<file path=ppt/notesSlides/notesSlide3.xml><?xml version="1.0" encoding="utf-8"?>
+<file path=ppt/notesSlides/notesSlide26.xml><?xml version="1.0" encoding="utf-8"?>
 <p:notes xmlns:a="http://schemas.openxmlformats.org/drawingml/2006/main" xmlns:r="http://schemas.openxmlformats.org/officeDocument/2006/relationships" xmlns:p="http://schemas.openxmlformats.org/presentationml/2006/main" showMasterSp="0" showMasterPhAnim="0">
   <p:cSld>
     <p:spTree>
@@ -4863,24 +4759,58 @@
           <a:p>
             <a:pPr marL="0" marR="0" lvl="0" indent="0" algn="l" rtl="0">
               <a:buSzPct val="25000"/>
-              <a:buFontTx/>
-              <a:buChar char="-"/>
+              <a:buFont typeface="Arial" charset="0"/>
+              <a:buChar char="•"/>
             </a:pPr>
             <a:r>
               <a:rPr lang="nb-NO" sz="1800" b="0" i="0" u="none" strike="noStrike" cap="none" baseline="0" dirty="0" smtClean="0"/>
-              <a:t>Database thaw (Fowler)</a:t>
+              <a:t>Ikke overdriv, ekstremvarianter er sjelden riktig.</a:t>
             </a:r>
           </a:p>
           <a:p>
             <a:pPr marL="0" marR="0" lvl="0" indent="0" algn="l" rtl="0">
               <a:buSzPct val="25000"/>
-              <a:buFontTx/>
-              <a:buChar char="-"/>
-            </a:pPr>
-            <a:r>
-              <a:rPr lang="en-US" sz="1800" b="0" i="0" u="none" strike="noStrike" cap="none" baseline="0" dirty="0" smtClean="0"/>
-              <a:t>I'm confident to say that if you starting a new strategic enterprise application you should no longer be assuming that your persistence should be relational. The relational option might be the right one - but you should seriously look at other alternatives.</a:t>
-            </a:r>
+              <a:buFont typeface="Arial" charset="0"/>
+              <a:buChar char="•"/>
+            </a:pPr>
+            <a:r>
+              <a:rPr lang="nb-NO" sz="1800" b="0" i="0" u="none" strike="noStrike" cap="none" baseline="0" dirty="0" smtClean="0"/>
+              <a:t>Se på behovet FØR du velger løsning</a:t>
+            </a:r>
+          </a:p>
+          <a:p>
+            <a:pPr marL="0" marR="0" lvl="0" indent="0" algn="l" rtl="0">
+              <a:buSzPct val="25000"/>
+              <a:buFont typeface="Arial" charset="0"/>
+              <a:buChar char="•"/>
+            </a:pPr>
+            <a:r>
+              <a:rPr lang="nb-NO" sz="1800" b="0" i="0" u="none" strike="noStrike" cap="none" baseline="0" dirty="0" smtClean="0"/>
+              <a:t>Det trenger ikke være EN teknologi.</a:t>
+            </a:r>
+          </a:p>
+          <a:p>
+            <a:pPr marL="0" marR="0" lvl="0" indent="0" algn="l" rtl="0">
+              <a:buSzPct val="25000"/>
+              <a:buFont typeface="Arial" charset="0"/>
+              <a:buChar char="•"/>
+            </a:pPr>
+            <a:endParaRPr lang="nb-NO" sz="1800" b="0" i="0" u="none" strike="noStrike" cap="none" baseline="0" dirty="0" smtClean="0"/>
+          </a:p>
+          <a:p>
+            <a:pPr marL="0" marR="0" lvl="0" indent="0" algn="l" rtl="0">
+              <a:buSzPct val="25000"/>
+              <a:buFont typeface="Arial"/>
+              <a:buNone/>
+            </a:pPr>
+            <a:endParaRPr lang="nb-NO" sz="1800" b="0" i="0" u="none" strike="noStrike" cap="none" baseline="0" dirty="0" smtClean="0"/>
+          </a:p>
+          <a:p>
+            <a:pPr marL="0" marR="0" lvl="0" indent="0" algn="l" rtl="0">
+              <a:buSzPct val="25000"/>
+              <a:buFont typeface="Arial"/>
+              <a:buNone/>
+            </a:pPr>
             <a:endParaRPr sz="1800" b="0" i="0" u="none" strike="noStrike" cap="none" baseline="0" dirty="0"/>
           </a:p>
         </p:txBody>
@@ -4888,6 +4818,452 @@
       <p:sp>
         <p:nvSpPr>
           <p:cNvPr id="266" name="Shape 266"/>
+          <p:cNvSpPr>
+            <a:spLocks noGrp="1"/>
+          </p:cNvSpPr>
+          <p:nvPr>
+            <p:ph type="sldNum" idx="12"/>
+          </p:nvPr>
+        </p:nvSpPr>
+        <p:spPr>
+          <a:xfrm>
+            <a:off x="3886200" y="8686800"/>
+            <a:ext cx="2971799" cy="457200"/>
+          </a:xfrm>
+          <a:prstGeom prst="rect">
+            <a:avLst/>
+          </a:prstGeom>
+          <a:noFill/>
+          <a:ln>
+            <a:noFill/>
+          </a:ln>
+        </p:spPr>
+        <p:txBody>
+          <a:bodyPr lIns="91425" tIns="45700" rIns="91425" bIns="45700" anchor="b" anchorCtr="0">
+            <a:spAutoFit/>
+          </a:bodyPr>
+          <a:lstStyle/>
+          <a:p>
+            <a:pPr>
+              <a:buNone/>
+            </a:pPr>
+            <a:r>
+              <a:rPr/>
+              <a:t> </a:t>
+            </a:r>
+          </a:p>
+        </p:txBody>
+      </p:sp>
+    </p:spTree>
+  </p:cSld>
+  <p:clrMapOvr>
+    <a:masterClrMapping/>
+  </p:clrMapOvr>
+</p:notes>
+</file>
+
+<file path=ppt/notesSlides/notesSlide27.xml><?xml version="1.0" encoding="utf-8"?>
+<p:notes xmlns:a="http://schemas.openxmlformats.org/drawingml/2006/main" xmlns:r="http://schemas.openxmlformats.org/officeDocument/2006/relationships" xmlns:p="http://schemas.openxmlformats.org/presentationml/2006/main" showMasterSp="0" showMasterPhAnim="0">
+  <p:cSld>
+    <p:spTree>
+      <p:nvGrpSpPr>
+        <p:cNvPr id="1" name="Shape 262"/>
+        <p:cNvGrpSpPr/>
+        <p:nvPr/>
+      </p:nvGrpSpPr>
+      <p:grpSpPr>
+        <a:xfrm>
+          <a:off x="0" y="0"/>
+          <a:ext cx="0" cy="0"/>
+          <a:chOff x="0" y="0"/>
+          <a:chExt cx="0" cy="0"/>
+        </a:xfrm>
+      </p:grpSpPr>
+      <p:sp>
+        <p:nvSpPr>
+          <p:cNvPr id="263" name="Shape 263"/>
+          <p:cNvSpPr/>
+          <p:nvPr/>
+        </p:nvSpPr>
+        <p:spPr>
+          <a:xfrm>
+            <a:off x="3886200" y="8686800"/>
+            <a:ext cx="2971799" cy="457200"/>
+          </a:xfrm>
+          <a:prstGeom prst="rect">
+            <a:avLst/>
+          </a:prstGeom>
+          <a:noFill/>
+          <a:ln>
+            <a:noFill/>
+          </a:ln>
+        </p:spPr>
+        <p:txBody>
+          <a:bodyPr lIns="91425" tIns="45700" rIns="91425" bIns="45700" anchor="b" anchorCtr="0">
+            <a:spAutoFit/>
+          </a:bodyPr>
+          <a:lstStyle/>
+          <a:p>
+            <a:pPr marL="0" marR="0" lvl="0" indent="0" algn="r" rtl="0">
+              <a:buSzPct val="25000"/>
+              <a:buFont typeface="Arial"/>
+              <a:buNone/>
+            </a:pPr>
+            <a:r>
+              <a:rPr sz="1200" b="0" i="0" u="none" strike="noStrike" cap="none" baseline="0"/>
+              <a:t>*</a:t>
+            </a:r>
+          </a:p>
+        </p:txBody>
+      </p:sp>
+      <p:sp>
+        <p:nvSpPr>
+          <p:cNvPr id="264" name="Shape 264"/>
+          <p:cNvSpPr>
+            <a:spLocks noGrp="1" noRot="1" noChangeAspect="1"/>
+          </p:cNvSpPr>
+          <p:nvPr>
+            <p:ph type="sldImg" idx="2"/>
+          </p:nvPr>
+        </p:nvSpPr>
+        <p:spPr>
+          <a:xfrm>
+            <a:off x="1143000" y="685800"/>
+            <a:ext cx="4572000" cy="3429000"/>
+          </a:xfrm>
+          <a:custGeom>
+            <a:avLst/>
+            <a:gdLst/>
+            <a:ahLst/>
+            <a:cxnLst/>
+            <a:rect l="0" t="0" r="0" b="0"/>
+            <a:pathLst>
+              <a:path w="120000" h="120000" extrusionOk="0">
+                <a:moveTo>
+                  <a:pt x="0" y="0"/>
+                </a:moveTo>
+                <a:lnTo>
+                  <a:pt x="120000" y="0"/>
+                </a:lnTo>
+                <a:lnTo>
+                  <a:pt x="120000" y="120000"/>
+                </a:lnTo>
+                <a:lnTo>
+                  <a:pt x="0" y="120000"/>
+                </a:lnTo>
+                <a:close/>
+              </a:path>
+            </a:pathLst>
+          </a:custGeom>
+          <a:noFill/>
+          <a:ln>
+            <a:noFill/>
+          </a:ln>
+        </p:spPr>
+      </p:sp>
+      <p:sp>
+        <p:nvSpPr>
+          <p:cNvPr id="265" name="Shape 265"/>
+          <p:cNvSpPr>
+            <a:spLocks noGrp="1"/>
+          </p:cNvSpPr>
+          <p:nvPr>
+            <p:ph type="body" idx="1"/>
+          </p:nvPr>
+        </p:nvSpPr>
+        <p:spPr>
+          <a:xfrm>
+            <a:off x="914400" y="4343400"/>
+            <a:ext cx="5029199" cy="4114800"/>
+          </a:xfrm>
+          <a:prstGeom prst="rect">
+            <a:avLst/>
+          </a:prstGeom>
+          <a:noFill/>
+          <a:ln>
+            <a:noFill/>
+          </a:ln>
+        </p:spPr>
+        <p:txBody>
+          <a:bodyPr lIns="91425" tIns="45700" rIns="91425" bIns="45700" anchor="t" anchorCtr="0">
+            <a:spAutoFit/>
+          </a:bodyPr>
+          <a:lstStyle/>
+          <a:p>
+            <a:pPr marL="0" marR="0" lvl="0" indent="0" algn="l" rtl="0">
+              <a:buSzPct val="25000"/>
+              <a:buFont typeface="Arial" charset="0"/>
+              <a:buChar char="•"/>
+            </a:pPr>
+            <a:r>
+              <a:rPr lang="nb-NO" sz="1800" b="0" i="0" u="none" strike="noStrike" cap="none" baseline="0" dirty="0" smtClean="0"/>
+              <a:t> Vel så viktig som hvilken teknologi du bruker er hvilken arkitektur du bruker </a:t>
+            </a:r>
+          </a:p>
+          <a:p>
+            <a:pPr marL="0" marR="0" lvl="0" indent="0" algn="l" rtl="0">
+              <a:buSzPct val="25000"/>
+              <a:buFont typeface="Arial" charset="0"/>
+              <a:buChar char="•"/>
+            </a:pPr>
+            <a:r>
+              <a:rPr lang="nb-NO" sz="1800" b="0" i="0" u="none" strike="noStrike" cap="none" baseline="0" dirty="0" smtClean="0"/>
+              <a:t> Marius skal snakke litt om hva som funker hvis du skal bruke flere stores i samme system</a:t>
+            </a:r>
+          </a:p>
+          <a:p>
+            <a:pPr marL="0" marR="0" lvl="0" indent="0" algn="l" rtl="0">
+              <a:buSzPct val="25000"/>
+              <a:buFont typeface="Arial"/>
+              <a:buNone/>
+            </a:pPr>
+            <a:endParaRPr lang="nb-NO" sz="1800" b="0" i="0" u="none" strike="noStrike" cap="none" baseline="0" dirty="0" smtClean="0"/>
+          </a:p>
+          <a:p>
+            <a:pPr marL="0" marR="0" lvl="0" indent="0" algn="l" rtl="0">
+              <a:buSzPct val="25000"/>
+              <a:buFont typeface="Arial"/>
+              <a:buNone/>
+            </a:pPr>
+            <a:endParaRPr sz="1800" b="0" i="0" u="none" strike="noStrike" cap="none" baseline="0" dirty="0"/>
+          </a:p>
+        </p:txBody>
+      </p:sp>
+      <p:sp>
+        <p:nvSpPr>
+          <p:cNvPr id="266" name="Shape 266"/>
+          <p:cNvSpPr>
+            <a:spLocks noGrp="1"/>
+          </p:cNvSpPr>
+          <p:nvPr>
+            <p:ph type="sldNum" idx="12"/>
+          </p:nvPr>
+        </p:nvSpPr>
+        <p:spPr>
+          <a:xfrm>
+            <a:off x="3886200" y="8686800"/>
+            <a:ext cx="2971799" cy="457200"/>
+          </a:xfrm>
+          <a:prstGeom prst="rect">
+            <a:avLst/>
+          </a:prstGeom>
+          <a:noFill/>
+          <a:ln>
+            <a:noFill/>
+          </a:ln>
+        </p:spPr>
+        <p:txBody>
+          <a:bodyPr lIns="91425" tIns="45700" rIns="91425" bIns="45700" anchor="b" anchorCtr="0">
+            <a:spAutoFit/>
+          </a:bodyPr>
+          <a:lstStyle/>
+          <a:p>
+            <a:pPr>
+              <a:buNone/>
+            </a:pPr>
+            <a:r>
+              <a:rPr/>
+              <a:t> </a:t>
+            </a:r>
+          </a:p>
+        </p:txBody>
+      </p:sp>
+    </p:spTree>
+  </p:cSld>
+  <p:clrMapOvr>
+    <a:masterClrMapping/>
+  </p:clrMapOvr>
+</p:notes>
+</file>
+
+<file path=ppt/notesSlides/notesSlide3.xml><?xml version="1.0" encoding="utf-8"?>
+<p:notes xmlns:a="http://schemas.openxmlformats.org/drawingml/2006/main" xmlns:r="http://schemas.openxmlformats.org/officeDocument/2006/relationships" xmlns:p="http://schemas.openxmlformats.org/presentationml/2006/main" showMasterSp="0" showMasterPhAnim="0">
+  <p:cSld>
+    <p:spTree>
+      <p:nvGrpSpPr>
+        <p:cNvPr id="1" name="Shape 121"/>
+        <p:cNvGrpSpPr/>
+        <p:nvPr/>
+      </p:nvGrpSpPr>
+      <p:grpSpPr>
+        <a:xfrm>
+          <a:off x="0" y="0"/>
+          <a:ext cx="0" cy="0"/>
+          <a:chOff x="0" y="0"/>
+          <a:chExt cx="0" cy="0"/>
+        </a:xfrm>
+      </p:grpSpPr>
+      <p:sp>
+        <p:nvSpPr>
+          <p:cNvPr id="122" name="Shape 122"/>
+          <p:cNvSpPr/>
+          <p:nvPr/>
+        </p:nvSpPr>
+        <p:spPr>
+          <a:xfrm>
+            <a:off x="3886200" y="8686800"/>
+            <a:ext cx="2971799" cy="457200"/>
+          </a:xfrm>
+          <a:prstGeom prst="rect">
+            <a:avLst/>
+          </a:prstGeom>
+          <a:noFill/>
+          <a:ln>
+            <a:noFill/>
+          </a:ln>
+        </p:spPr>
+        <p:txBody>
+          <a:bodyPr lIns="91425" tIns="45700" rIns="91425" bIns="45700" anchor="b" anchorCtr="0">
+            <a:spAutoFit/>
+          </a:bodyPr>
+          <a:lstStyle/>
+          <a:p>
+            <a:pPr marL="0" marR="0" lvl="0" indent="0" algn="r" rtl="0">
+              <a:buSzPct val="25000"/>
+              <a:buFont typeface="Arial"/>
+              <a:buNone/>
+            </a:pPr>
+            <a:r>
+              <a:rPr sz="1200" b="0" i="0" u="none" strike="noStrike" cap="none" baseline="0"/>
+              <a:t>*</a:t>
+            </a:r>
+          </a:p>
+        </p:txBody>
+      </p:sp>
+      <p:sp>
+        <p:nvSpPr>
+          <p:cNvPr id="123" name="Shape 123"/>
+          <p:cNvSpPr>
+            <a:spLocks noGrp="1" noRot="1" noChangeAspect="1"/>
+          </p:cNvSpPr>
+          <p:nvPr>
+            <p:ph type="sldImg" idx="2"/>
+          </p:nvPr>
+        </p:nvSpPr>
+        <p:spPr>
+          <a:xfrm>
+            <a:off x="1143000" y="685800"/>
+            <a:ext cx="4572000" cy="3429000"/>
+          </a:xfrm>
+          <a:custGeom>
+            <a:avLst/>
+            <a:gdLst/>
+            <a:ahLst/>
+            <a:cxnLst/>
+            <a:rect l="0" t="0" r="0" b="0"/>
+            <a:pathLst>
+              <a:path w="120000" h="120000" extrusionOk="0">
+                <a:moveTo>
+                  <a:pt x="0" y="0"/>
+                </a:moveTo>
+                <a:lnTo>
+                  <a:pt x="120000" y="0"/>
+                </a:lnTo>
+                <a:lnTo>
+                  <a:pt x="120000" y="120000"/>
+                </a:lnTo>
+                <a:lnTo>
+                  <a:pt x="0" y="120000"/>
+                </a:lnTo>
+                <a:close/>
+              </a:path>
+            </a:pathLst>
+          </a:custGeom>
+          <a:noFill/>
+          <a:ln>
+            <a:noFill/>
+          </a:ln>
+        </p:spPr>
+      </p:sp>
+      <p:sp>
+        <p:nvSpPr>
+          <p:cNvPr id="124" name="Shape 124"/>
+          <p:cNvSpPr>
+            <a:spLocks noGrp="1"/>
+          </p:cNvSpPr>
+          <p:nvPr>
+            <p:ph type="body" idx="1"/>
+          </p:nvPr>
+        </p:nvSpPr>
+        <p:spPr>
+          <a:xfrm>
+            <a:off x="914400" y="4343400"/>
+            <a:ext cx="5029199" cy="4114800"/>
+          </a:xfrm>
+          <a:prstGeom prst="rect">
+            <a:avLst/>
+          </a:prstGeom>
+          <a:noFill/>
+          <a:ln>
+            <a:noFill/>
+          </a:ln>
+        </p:spPr>
+        <p:txBody>
+          <a:bodyPr lIns="91425" tIns="45700" rIns="91425" bIns="45700" anchor="t" anchorCtr="0">
+            <a:spAutoFit/>
+          </a:bodyPr>
+          <a:lstStyle/>
+          <a:p>
+            <a:pPr marL="0" marR="0" lvl="0" indent="0" algn="l" rtl="0">
+              <a:buSzPct val="25000"/>
+              <a:buFont typeface="Arial" charset="0"/>
+              <a:buChar char="•"/>
+            </a:pPr>
+            <a:r>
+              <a:rPr lang="nb-NO" sz="1800" b="0" i="0" u="none" strike="noStrike" cap="none" baseline="0" dirty="0" smtClean="0"/>
+              <a:t>Babel fish – Hitchhickers guide to the galaxy.</a:t>
+            </a:r>
+          </a:p>
+          <a:p>
+            <a:pPr marL="457200" marR="0" lvl="1" indent="0" algn="l" rtl="0">
+              <a:buSzPct val="25000"/>
+              <a:buFont typeface="Arial" charset="0"/>
+              <a:buChar char="•"/>
+            </a:pPr>
+            <a:r>
+              <a:rPr lang="nb-NO" sz="1800" b="0" i="0" u="none" strike="noStrike" cap="none" baseline="0" dirty="0" smtClean="0"/>
+              <a:t>Sitter i øret og oversetter.</a:t>
+            </a:r>
+          </a:p>
+          <a:p>
+            <a:pPr marL="0" marR="0" lvl="0" indent="0" algn="l" rtl="0">
+              <a:buSzPct val="25000"/>
+              <a:buFont typeface="Arial" charset="0"/>
+              <a:buChar char="•"/>
+            </a:pPr>
+            <a:r>
+              <a:rPr lang="nb-NO" sz="1800" b="0" i="0" u="none" strike="noStrike" cap="none" baseline="0" dirty="0" smtClean="0"/>
+              <a:t>Polyglot – knowing or using several languages. </a:t>
+            </a:r>
+          </a:p>
+          <a:p>
+            <a:pPr marL="0" marR="0" lvl="0" indent="0" algn="l" rtl="0">
+              <a:buSzPct val="25000"/>
+              <a:buFont typeface="Arial" charset="0"/>
+              <a:buChar char="•"/>
+            </a:pPr>
+            <a:r>
+              <a:rPr lang="nb-NO" sz="1800" b="0" i="0" u="none" strike="noStrike" cap="none" baseline="0" dirty="0" smtClean="0"/>
+              <a:t>Polyglot programming: De fleste er det allerede. C#, SQL, Javascript, CSS, HTML</a:t>
+            </a:r>
+          </a:p>
+          <a:p>
+            <a:pPr marL="0" marR="0" lvl="0" indent="0" algn="l" rtl="0">
+              <a:buSzPct val="25000"/>
+              <a:buFont typeface="Arial"/>
+              <a:buNone/>
+            </a:pPr>
+            <a:r>
+              <a:rPr lang="nb-NO" sz="1800" b="0" i="0" u="none" strike="noStrike" cap="none" baseline="0" dirty="0" smtClean="0"/>
+              <a:t>* Flisespikking – bruke flere persisteringsteknologier.</a:t>
+            </a:r>
+            <a:endParaRPr sz="1800" b="0" i="0" u="none" strike="noStrike" cap="none" baseline="0" dirty="0"/>
+          </a:p>
+        </p:txBody>
+      </p:sp>
+      <p:sp>
+        <p:nvSpPr>
+          <p:cNvPr id="125" name="Shape 125"/>
           <p:cNvSpPr>
             <a:spLocks noGrp="1"/>
           </p:cNvSpPr>
@@ -5062,68 +5438,25 @@
           <a:p>
             <a:pPr marL="0" marR="0" lvl="0" indent="0" algn="l" rtl="0">
               <a:buSzPct val="25000"/>
-              <a:buFont typeface="Arial"/>
-              <a:buNone/>
+              <a:buFontTx/>
+              <a:buChar char="-"/>
             </a:pPr>
             <a:r>
               <a:rPr lang="nb-NO" sz="1800" b="0" i="0" u="none" strike="noStrike" cap="none" baseline="0" dirty="0" smtClean="0"/>
-              <a:t>* Size</a:t>
+              <a:t>Database thaw (Fowler)</a:t>
             </a:r>
           </a:p>
           <a:p>
             <a:pPr marL="0" marR="0" lvl="0" indent="0" algn="l" rtl="0">
               <a:buSzPct val="25000"/>
-              <a:buFont typeface="Arial"/>
-              <a:buNone/>
-            </a:pPr>
-            <a:r>
-              <a:rPr lang="nb-NO" sz="1800" b="0" i="0" u="none" strike="noStrike" cap="none" baseline="0" dirty="0" smtClean="0"/>
-              <a:t>	- Big Data - største maskinen er ikke stor nok. Den er hvertfall jævlig dyr! </a:t>
-            </a:r>
-          </a:p>
-          <a:p>
-            <a:pPr marL="0" marR="0" lvl="0" indent="0" algn="l" rtl="0">
-              <a:buSzPct val="25000"/>
-              <a:buFont typeface="Arial"/>
-              <a:buNone/>
-            </a:pPr>
-            <a:r>
-              <a:rPr lang="nb-NO" sz="1800" b="0" i="0" u="none" strike="noStrike" cap="none" baseline="0" dirty="0" smtClean="0"/>
-              <a:t>	- kombinert med eksplosjon av brukere med behov som ikke kan skaleres vertikalt</a:t>
-            </a:r>
-          </a:p>
-          <a:p>
-            <a:pPr marL="0" marR="0" lvl="0" indent="0" algn="l" rtl="0">
-              <a:buSzPct val="25000"/>
-              <a:buFont typeface="Arial"/>
-              <a:buNone/>
-            </a:pPr>
-            <a:r>
-              <a:rPr lang="nb-NO" sz="1800" b="0" i="0" u="none" strike="noStrike" cap="none" baseline="0" dirty="0" smtClean="0"/>
-              <a:t>	- Store online-tjenester som ikke klarer seg med bare RDBMS</a:t>
-            </a:r>
-          </a:p>
-          <a:p>
-            <a:pPr marL="0" marR="0" lvl="0" indent="0" algn="l" rtl="0">
-              <a:buSzPct val="25000"/>
-              <a:buFont typeface="Arial"/>
-              <a:buNone/>
-            </a:pPr>
-            <a:r>
-              <a:rPr lang="nb-NO" sz="1800" b="0" i="0" u="none" strike="noStrike" cap="none" baseline="0" dirty="0" smtClean="0"/>
-              <a:t>	- Cloud: Skalerer bedre og gir bedre pris</a:t>
-            </a:r>
-          </a:p>
-          <a:p>
-            <a:pPr marL="0" marR="0" lvl="0" indent="0" algn="l" rtl="0">
-              <a:buSzPct val="25000"/>
-              <a:buFont typeface="Arial"/>
-              <a:buNone/>
-            </a:pPr>
-            <a:r>
-              <a:rPr lang="nb-NO" sz="1800" b="0" i="0" u="none" strike="noStrike" cap="none" baseline="0" dirty="0" smtClean="0"/>
-              <a:t>* Nye trender innen integrasjon - RDBMS mister hegemoniet sitt p.g.a. Web service</a:t>
-            </a:r>
+              <a:buFontTx/>
+              <a:buChar char="-"/>
+            </a:pPr>
+            <a:r>
+              <a:rPr lang="en-US" sz="1800" b="0" i="0" u="none" strike="noStrike" cap="none" baseline="0" dirty="0" smtClean="0"/>
+              <a:t>I'm confident to say that if you starting a new strategic enterprise application you should no longer be assuming that your persistence should be relational. The relational option might be the right one - but you should seriously look at other alternatives.</a:t>
+            </a:r>
+            <a:endParaRPr sz="1800" b="0" i="0" u="none" strike="noStrike" cap="none" baseline="0" dirty="0"/>
           </a:p>
         </p:txBody>
       </p:sp>
@@ -5308,71 +5641,75 @@
               <a:buNone/>
             </a:pPr>
             <a:r>
-              <a:rPr lang="nb-NO" sz="1800" b="1" i="0" u="none" strike="noStrike" cap="small" baseline="0" dirty="0" smtClean="0">
-                <a:solidFill>
-                  <a:srgbClr val="96281B"/>
-                </a:solidFill>
-                <a:latin typeface="Trebuchet MS"/>
-                <a:ea typeface="Trebuchet MS"/>
-                <a:cs typeface="Trebuchet MS"/>
-                <a:sym typeface="Trebuchet MS"/>
-              </a:rPr>
-              <a:t>Hva betyr dette for meg?</a:t>
-            </a:r>
-            <a:endParaRPr lang="nb-NO" sz="1800" b="0" i="0" u="none" strike="noStrike" cap="none" baseline="0" dirty="0" smtClean="0"/>
+              <a:rPr lang="nb-NO" sz="1800" b="0" i="0" u="none" strike="noStrike" cap="none" baseline="0" dirty="0" smtClean="0"/>
+              <a:t>* Size</a:t>
+            </a:r>
           </a:p>
           <a:p>
             <a:pPr marL="0" marR="0" lvl="0" indent="0" algn="l" rtl="0">
               <a:buSzPct val="25000"/>
-              <a:buFontTx/>
-              <a:buChar char="-"/>
+              <a:buFont typeface="Arial"/>
+              <a:buNone/>
             </a:pPr>
             <a:r>
               <a:rPr lang="nb-NO" sz="1800" b="0" i="0" u="none" strike="noStrike" cap="none" baseline="0" dirty="0" smtClean="0"/>
-              <a:t>Du må tilby andre baser</a:t>
+              <a:t>	- Big Data - største maskinen er ikke stor nok. Den er hvertfall jævlig dyr! </a:t>
+            </a:r>
+          </a:p>
+          <a:p>
+            <a:pPr marL="0" marR="0" lvl="0" indent="0" algn="l" rtl="0">
+              <a:buSzPct val="25000"/>
+              <a:buFont typeface="Arial"/>
+              <a:buNone/>
+            </a:pPr>
+            <a:r>
+              <a:rPr lang="nb-NO" sz="1800" b="0" i="0" u="none" strike="noStrike" cap="none" baseline="0" dirty="0" smtClean="0"/>
+              <a:t>	- kombinert med eksplosjon av brukere med behov som ikke kan skaleres vertikalt</a:t>
+            </a:r>
+          </a:p>
+          <a:p>
+            <a:pPr marL="0" marR="0" lvl="0" indent="0" algn="l" rtl="0">
+              <a:buSzPct val="25000"/>
+              <a:buFont typeface="Arial"/>
+              <a:buNone/>
+            </a:pPr>
+            <a:r>
+              <a:rPr lang="nb-NO" sz="1800" b="0" i="0" u="none" strike="noStrike" cap="none" baseline="0" dirty="0" smtClean="0"/>
+              <a:t>	- Store online-tjenester som ikke klarer seg med bare RDBMS</a:t>
+            </a:r>
+          </a:p>
+          <a:p>
+            <a:pPr marL="0" marR="0" lvl="0" indent="0" algn="l" rtl="0">
+              <a:buSzPct val="25000"/>
+              <a:buFont typeface="Arial"/>
+              <a:buNone/>
+            </a:pPr>
+            <a:r>
+              <a:rPr lang="nb-NO" sz="1800" b="0" i="0" u="none" strike="noStrike" cap="none" baseline="0" dirty="0" smtClean="0"/>
+              <a:t>	- Cloud: Skalerer bedre og gir bedre pris</a:t>
+            </a:r>
+          </a:p>
+          <a:p>
+            <a:pPr marL="0" marR="0" lvl="0" indent="0" algn="l" rtl="0">
+              <a:buSzPct val="25000"/>
+              <a:buFont typeface="Arial" charset="0"/>
+              <a:buChar char="•"/>
+            </a:pPr>
+            <a:r>
+              <a:rPr lang="nb-NO" sz="1800" b="0" i="0" u="none" strike="noStrike" cap="none" baseline="0" dirty="0" smtClean="0"/>
+              <a:t>Nye trender innen integrasjon - RDBMS mister hegemoniet sitt p.g.a. Web service</a:t>
             </a:r>
           </a:p>
           <a:p>
             <a:pPr marL="457200" marR="0" lvl="1" indent="0" algn="l" rtl="0">
               <a:buSzPct val="25000"/>
-              <a:buFontTx/>
-              <a:buChar char="-"/>
+              <a:buFont typeface="Arial" charset="0"/>
+              <a:buChar char="•"/>
             </a:pPr>
             <a:r>
               <a:rPr lang="nb-NO" sz="1800" b="0" i="0" u="none" strike="noStrike" cap="none" baseline="0" dirty="0" smtClean="0"/>
-              <a:t>Det er ikke lenger godt nok å automatisk velge RDBM, valget må forsvares</a:t>
-            </a:r>
-          </a:p>
-          <a:p>
-            <a:pPr marL="0" marR="0" lvl="0" indent="0" algn="l" rtl="0">
-              <a:buSzPct val="25000"/>
-              <a:buFontTx/>
-              <a:buChar char="-"/>
-            </a:pPr>
-            <a:r>
-              <a:rPr lang="nb-NO" sz="1800" b="0" i="0" u="none" strike="noStrike" cap="none" baseline="0" dirty="0" smtClean="0"/>
-              <a:t>Du vil møte andre databaser : NOSQL  - Not Only SQL</a:t>
-            </a:r>
-          </a:p>
-          <a:p>
-            <a:pPr marL="0" marR="0" lvl="0" indent="0" algn="l" rtl="0">
-              <a:buSzPct val="25000"/>
-              <a:buFontTx/>
-              <a:buChar char="-"/>
-            </a:pPr>
-            <a:endParaRPr lang="nb-NO" sz="1800" b="0" i="0" u="none" strike="noStrike" cap="none" baseline="0" dirty="0" smtClean="0"/>
-          </a:p>
-          <a:p>
-            <a:pPr marL="0" marR="0" lvl="0" indent="0" algn="l" rtl="0">
-              <a:buSzPct val="25000"/>
-              <a:buFontTx/>
-              <a:buChar char="-"/>
-            </a:pPr>
-            <a:r>
-              <a:rPr lang="en-US" sz="1800" b="0" i="0" u="none" strike="noStrike" cap="none" baseline="0" dirty="0" smtClean="0"/>
-              <a:t>“This won't be a fast revolution, but I do believe the next decade will see the database thaw progress rapidly.”</a:t>
-            </a:r>
-            <a:endParaRPr lang="nb-NO" sz="1800" b="0" i="0" u="none" strike="noStrike" cap="none" baseline="0" dirty="0" smtClean="0"/>
+              <a:t>Integration via databaser</a:t>
+            </a:r>
           </a:p>
         </p:txBody>
       </p:sp>
@@ -5557,17 +5894,71 @@
               <a:buNone/>
             </a:pPr>
             <a:r>
-              <a:rPr lang="nb-NO" sz="1800" b="0" i="0" u="none" strike="noStrike" cap="none" baseline="0" dirty="0" smtClean="0"/>
-              <a:t>Hvorfor er NOSQL anderledes?	</a:t>
-            </a:r>
+              <a:rPr lang="nb-NO" sz="1800" b="1" i="0" u="none" strike="noStrike" cap="small" baseline="0" dirty="0" smtClean="0">
+                <a:solidFill>
+                  <a:srgbClr val="96281B"/>
+                </a:solidFill>
+                <a:latin typeface="Trebuchet MS"/>
+                <a:ea typeface="Trebuchet MS"/>
+                <a:cs typeface="Trebuchet MS"/>
+                <a:sym typeface="Trebuchet MS"/>
+              </a:rPr>
+              <a:t>Hva betyr dette for meg?</a:t>
+            </a:r>
+            <a:endParaRPr lang="nb-NO" sz="1800" b="0" i="0" u="none" strike="noStrike" cap="none" baseline="0" dirty="0" smtClean="0"/>
           </a:p>
           <a:p>
             <a:pPr marL="0" marR="0" lvl="0" indent="0" algn="l" rtl="0">
               <a:buSzPct val="25000"/>
-              <a:buFont typeface="Arial"/>
-              <a:buNone/>
-            </a:pPr>
-            <a:endParaRPr sz="1800" b="0" i="0" u="none" strike="noStrike" cap="none" baseline="0" dirty="0"/>
+              <a:buFontTx/>
+              <a:buChar char="-"/>
+            </a:pPr>
+            <a:r>
+              <a:rPr lang="nb-NO" sz="1800" b="0" i="0" u="none" strike="noStrike" cap="none" baseline="0" dirty="0" smtClean="0"/>
+              <a:t>Du må tilby andre baser</a:t>
+            </a:r>
+          </a:p>
+          <a:p>
+            <a:pPr marL="457200" marR="0" lvl="1" indent="0" algn="l" rtl="0">
+              <a:buSzPct val="25000"/>
+              <a:buFontTx/>
+              <a:buChar char="-"/>
+            </a:pPr>
+            <a:r>
+              <a:rPr lang="nb-NO" sz="1800" b="0" i="0" u="none" strike="noStrike" cap="none" baseline="0" dirty="0" smtClean="0"/>
+              <a:t>Det er ikke lenger godt nok å automatisk velge RDBM, valget må forsvares</a:t>
+            </a:r>
+          </a:p>
+          <a:p>
+            <a:pPr marL="0" marR="0" lvl="0" indent="0" algn="l" rtl="0">
+              <a:buSzPct val="25000"/>
+              <a:buFontTx/>
+              <a:buChar char="-"/>
+            </a:pPr>
+            <a:r>
+              <a:rPr lang="nb-NO" sz="1800" b="0" i="0" u="none" strike="noStrike" cap="none" baseline="0" dirty="0" smtClean="0"/>
+              <a:t>Du vil møte andre databaser : NOSQL  - Not Only SQL</a:t>
+            </a:r>
+          </a:p>
+          <a:p>
+            <a:pPr marL="0" marR="0" lvl="0" indent="0" algn="l" rtl="0">
+              <a:buSzPct val="25000"/>
+              <a:buFontTx/>
+              <a:buChar char="-"/>
+            </a:pPr>
+            <a:endParaRPr lang="nb-NO" sz="1800" b="0" i="0" u="none" strike="noStrike" cap="none" baseline="0" dirty="0" smtClean="0"/>
+          </a:p>
+          <a:p>
+            <a:pPr marL="0" marR="0" lvl="0" indent="0" algn="l" rtl="0">
+              <a:buSzPct val="25000"/>
+              <a:buFontTx/>
+              <a:buChar char="-"/>
+            </a:pPr>
+            <a:r>
+              <a:rPr lang="en-US" sz="1800" b="0" i="0" u="none" strike="noStrike" cap="none" baseline="0" dirty="0" smtClean="0"/>
+              <a:t>“This won't be a fast revolution, but I do believe the next decade will see the database thaw progress rapidly.” Fowler</a:t>
+            </a:r>
+            <a:endParaRPr lang="nb-NO" sz="1800" b="0" i="0" u="none" strike="noStrike" cap="none" baseline="0" dirty="0" smtClean="0"/>
           </a:p>
         </p:txBody>
       </p:sp>
@@ -5748,43 +6139,21 @@
           <a:p>
             <a:pPr marL="0" marR="0" lvl="0" indent="0" algn="l" rtl="0">
               <a:buSzPct val="25000"/>
-              <a:buFontTx/>
-              <a:buChar char="-"/>
+              <a:buFont typeface="Arial"/>
+              <a:buNone/>
             </a:pPr>
             <a:r>
               <a:rPr lang="nb-NO" sz="1800" b="0" i="0" u="none" strike="noStrike" cap="none" baseline="0" dirty="0" smtClean="0"/>
-              <a:t>Consistency – alle ser alltid de samme data</a:t>
+              <a:t>Hvorfor er NOSQL anderledes?	</a:t>
             </a:r>
           </a:p>
           <a:p>
             <a:pPr marL="0" marR="0" lvl="0" indent="0" algn="l" rtl="0">
               <a:buSzPct val="25000"/>
-              <a:buFontTx/>
-              <a:buChar char="-"/>
-            </a:pPr>
-            <a:r>
-              <a:rPr lang="nb-NO" sz="1800" b="0" i="0" u="none" strike="noStrike" cap="none" baseline="0" dirty="0" smtClean="0"/>
-              <a:t>Availability – alle kan lese og skrive samtidig</a:t>
-            </a:r>
-          </a:p>
-          <a:p>
-            <a:pPr marL="0" marR="0" lvl="0" indent="0" algn="l" rtl="0">
-              <a:buSzPct val="25000"/>
-              <a:buFontTx/>
-              <a:buChar char="-"/>
-            </a:pPr>
-            <a:r>
-              <a:rPr lang="nb-NO" sz="1800" b="0" i="0" u="none" strike="noStrike" cap="none" baseline="0" dirty="0" smtClean="0"/>
-              <a:t>Partitioning – system funker selv om data er spredt på flere fysiske steder.</a:t>
-            </a:r>
-          </a:p>
-          <a:p>
-            <a:pPr marL="0" marR="0" lvl="0" indent="0" algn="l" rtl="0">
-              <a:buSzPct val="25000"/>
-              <a:buFontTx/>
-              <a:buNone/>
-            </a:pPr>
-            <a:endParaRPr lang="nb-NO" sz="1800" b="0" i="0" u="none" strike="noStrike" cap="none" baseline="0" dirty="0" smtClean="0"/>
+              <a:buFont typeface="Arial"/>
+              <a:buNone/>
+            </a:pPr>
+            <a:endParaRPr sz="1800" b="0" i="0" u="none" strike="noStrike" cap="none" baseline="0" dirty="0"/>
           </a:p>
         </p:txBody>
       </p:sp>
@@ -5966,12 +6335,42 @@
             <a:pPr marL="0" marR="0" lvl="0" indent="0" algn="l" rtl="0">
               <a:buSzPct val="25000"/>
               <a:buFontTx/>
-              <a:buNone/>
+              <a:buChar char="-"/>
             </a:pPr>
             <a:r>
               <a:rPr lang="nb-NO" sz="1800" b="0" i="0" u="none" strike="noStrike" cap="none" baseline="0" dirty="0" smtClean="0"/>
-              <a:t>- CAP - P er i gitt horisontal skalering, ingen vil gi opp A. Da må du relaxe C.</a:t>
-            </a:r>
+              <a:t>Consistency – alle ser alltid de samme data</a:t>
+            </a:r>
+          </a:p>
+          <a:p>
+            <a:pPr marL="0" marR="0" lvl="0" indent="0" algn="l" rtl="0">
+              <a:buSzPct val="25000"/>
+              <a:buFontTx/>
+              <a:buChar char="-"/>
+            </a:pPr>
+            <a:r>
+              <a:rPr lang="nb-NO" sz="1800" b="0" i="0" u="none" strike="noStrike" cap="none" baseline="0" dirty="0" smtClean="0"/>
+              <a:t>Availability – alle kan lese og skrive samtidig</a:t>
+            </a:r>
+          </a:p>
+          <a:p>
+            <a:pPr marL="0" marR="0" lvl="0" indent="0" algn="l" rtl="0">
+              <a:buSzPct val="25000"/>
+              <a:buFontTx/>
+              <a:buChar char="-"/>
+            </a:pPr>
+            <a:r>
+              <a:rPr lang="nb-NO" sz="1800" b="0" i="0" u="none" strike="noStrike" cap="none" baseline="0" dirty="0" smtClean="0"/>
+              <a:t>Partitioning – system funker selv om data er spredt på flere fysiske steder.</a:t>
+            </a:r>
+          </a:p>
+          <a:p>
+            <a:pPr marL="0" marR="0" lvl="0" indent="0" algn="l" rtl="0">
+              <a:buSzPct val="25000"/>
+              <a:buFontTx/>
+              <a:buNone/>
+            </a:pPr>
+            <a:endParaRPr lang="nb-NO" sz="1800" b="0" i="0" u="none" strike="noStrike" cap="none" baseline="0" dirty="0" smtClean="0"/>
           </a:p>
         </p:txBody>
       </p:sp>
@@ -6157,8 +6556,71 @@
             </a:pPr>
             <a:r>
               <a:rPr lang="nb-NO" sz="1800" b="0" i="0" u="none" strike="noStrike" cap="none" baseline="0" dirty="0" smtClean="0"/>
-              <a:t>I praksis ender du opp med AP, du relaxer C.</a:t>
-            </a:r>
+              <a:t>RDBMS = ACID</a:t>
+            </a:r>
+          </a:p>
+          <a:p>
+            <a:pPr marL="0" marR="0" lvl="0" indent="0" algn="l" rtl="0">
+              <a:buSzPct val="25000"/>
+              <a:buFontTx/>
+              <a:buNone/>
+            </a:pPr>
+            <a:r>
+              <a:rPr lang="nb-NO" sz="1800" b="0" i="0" u="none" strike="noStrike" cap="none" baseline="0" dirty="0" smtClean="0"/>
+              <a:t>- ACID - Atomcity, Consistency, Isolation, Durability</a:t>
+            </a:r>
+          </a:p>
+          <a:p>
+            <a:pPr marL="0" marR="0" lvl="0" indent="0" algn="l" rtl="0">
+              <a:buSzPct val="25000"/>
+              <a:buFontTx/>
+              <a:buNone/>
+            </a:pPr>
+            <a:r>
+              <a:rPr lang="nb-NO" sz="1800" b="0" i="0" u="none" strike="noStrike" cap="none" baseline="0" dirty="0" smtClean="0"/>
+              <a:t>	- Atomicity - atomisk. Alt eller ingenting.</a:t>
+            </a:r>
+          </a:p>
+          <a:p>
+            <a:pPr marL="0" marR="0" lvl="0" indent="0" algn="l" rtl="0">
+              <a:buSzPct val="25000"/>
+              <a:buFontTx/>
+              <a:buNone/>
+            </a:pPr>
+            <a:r>
+              <a:rPr lang="nb-NO" sz="1800" b="0" i="0" u="none" strike="noStrike" cap="none" baseline="0" dirty="0" smtClean="0"/>
+              <a:t>	- Consistency - Innenfor en transaksjon er alt konsistent, som ved start av transaksjonen. Valid =&gt; valid</a:t>
+            </a:r>
+          </a:p>
+          <a:p>
+            <a:pPr marL="0" marR="0" lvl="0" indent="0" algn="l" rtl="0">
+              <a:buSzPct val="25000"/>
+              <a:buFontTx/>
+              <a:buNone/>
+            </a:pPr>
+            <a:r>
+              <a:rPr lang="nb-NO" sz="1800" b="0" i="0" u="none" strike="noStrike" cap="none" baseline="0" dirty="0" smtClean="0"/>
+              <a:t>	- Isolation - Hver transaksjon lever i sin egen verden. Påvirker ikke hverandre før commit.</a:t>
+            </a:r>
+          </a:p>
+          <a:p>
+            <a:pPr marL="0" marR="0" lvl="0" indent="0" algn="l" rtl="0">
+              <a:buSzPct val="25000"/>
+              <a:buFontTx/>
+              <a:buNone/>
+            </a:pPr>
+            <a:r>
+              <a:rPr lang="nb-NO" sz="1800" b="0" i="0" u="none" strike="noStrike" cap="none" baseline="0" dirty="0" smtClean="0"/>
+              <a:t>	- Durability - Er det committet, er det commitet.</a:t>
+            </a:r>
+          </a:p>
+          <a:p>
+            <a:pPr marL="0" marR="0" lvl="0" indent="0" algn="l" rtl="0">
+              <a:buSzPct val="25000"/>
+              <a:buFontTx/>
+              <a:buNone/>
+            </a:pPr>
+            <a:endParaRPr lang="nb-NO" sz="1800" b="0" i="0" u="none" strike="noStrike" cap="none" baseline="0" dirty="0" smtClean="0"/>
           </a:p>
         </p:txBody>
       </p:sp>
@@ -10529,182 +10991,6 @@
               <a:defRPr sz="1300" b="0" i="1" u="none" strike="noStrike" cap="none" baseline="0">
                 <a:solidFill>
                   <a:srgbClr val="96281B"/>
-                </a:solidFill>
-                <a:latin typeface="Georgia"/>
-                <a:ea typeface="Georgia"/>
-                <a:cs typeface="Georgia"/>
-                <a:sym typeface="Georgia"/>
-              </a:defRPr>
-            </a:lvl1pPr>
-            <a:lvl2pPr>
-              <a:defRPr/>
-            </a:lvl2pPr>
-            <a:lvl3pPr>
-              <a:defRPr/>
-            </a:lvl3pPr>
-            <a:lvl4pPr>
-              <a:defRPr/>
-            </a:lvl4pPr>
-            <a:lvl5pPr>
-              <a:defRPr/>
-            </a:lvl5pPr>
-            <a:lvl6pPr>
-              <a:defRPr/>
-            </a:lvl6pPr>
-            <a:lvl7pPr>
-              <a:defRPr/>
-            </a:lvl7pPr>
-            <a:lvl8pPr>
-              <a:defRPr/>
-            </a:lvl8pPr>
-            <a:lvl9pPr>
-              <a:defRPr/>
-            </a:lvl9pPr>
-          </a:lstStyle>
-          <a:p>
-            <a:endParaRPr/>
-          </a:p>
-        </p:txBody>
-      </p:sp>
-    </p:spTree>
-  </p:cSld>
-  <p:clrMapOvr>
-    <a:masterClrMapping/>
-  </p:clrMapOvr>
-</p:sldLayout>
-</file>
-
-<file path=ppt/slideLayouts/slideLayout22.xml><?xml version="1.0" encoding="utf-8"?>
-<p:sldLayout xmlns:a="http://schemas.openxmlformats.org/drawingml/2006/main" xmlns:r="http://schemas.openxmlformats.org/officeDocument/2006/relationships" xmlns:p="http://schemas.openxmlformats.org/presentationml/2006/main" matchingName="title" type="title">
-  <p:cSld name="title">
-    <p:spTree>
-      <p:nvGrpSpPr>
-        <p:cNvPr id="1" name="Shape 105"/>
-        <p:cNvGrpSpPr/>
-        <p:nvPr/>
-      </p:nvGrpSpPr>
-      <p:grpSpPr>
-        <a:xfrm>
-          <a:off x="0" y="0"/>
-          <a:ext cx="0" cy="0"/>
-          <a:chOff x="0" y="0"/>
-          <a:chExt cx="0" cy="0"/>
-        </a:xfrm>
-      </p:grpSpPr>
-      <p:sp>
-        <p:nvSpPr>
-          <p:cNvPr id="106" name="Shape 106"/>
-          <p:cNvSpPr>
-            <a:spLocks noGrp="1"/>
-          </p:cNvSpPr>
-          <p:nvPr>
-            <p:ph type="ctrTitle"/>
-          </p:nvPr>
-        </p:nvSpPr>
-        <p:spPr>
-          <a:xfrm>
-            <a:off x="431800" y="2014538"/>
-            <a:ext cx="7772400" cy="1143000"/>
-          </a:xfrm>
-          <a:prstGeom prst="rect">
-            <a:avLst/>
-          </a:prstGeom>
-          <a:noFill/>
-          <a:ln>
-            <a:noFill/>
-          </a:ln>
-        </p:spPr>
-        <p:txBody>
-          <a:bodyPr lIns="91425" tIns="91425" rIns="91425" bIns="91425" anchor="t" anchorCtr="0"/>
-          <a:lstStyle>
-            <a:lvl1pPr marL="0" marR="0" indent="0" algn="l" rtl="0">
-              <a:spcBef>
-                <a:spcPts val="0"/>
-              </a:spcBef>
-              <a:spcAft>
-                <a:spcPts val="0"/>
-              </a:spcAft>
-              <a:defRPr sz="3000" b="1" i="0" u="none" strike="noStrike" cap="none" baseline="0">
-                <a:solidFill>
-                  <a:schemeClr val="lt1"/>
-                </a:solidFill>
-                <a:latin typeface="Trebuchet MS"/>
-                <a:ea typeface="Trebuchet MS"/>
-                <a:cs typeface="Trebuchet MS"/>
-                <a:sym typeface="Trebuchet MS"/>
-              </a:defRPr>
-            </a:lvl1pPr>
-            <a:lvl2pPr>
-              <a:defRPr/>
-            </a:lvl2pPr>
-            <a:lvl3pPr>
-              <a:defRPr/>
-            </a:lvl3pPr>
-            <a:lvl4pPr>
-              <a:defRPr/>
-            </a:lvl4pPr>
-            <a:lvl5pPr>
-              <a:defRPr/>
-            </a:lvl5pPr>
-            <a:lvl6pPr>
-              <a:defRPr/>
-            </a:lvl6pPr>
-            <a:lvl7pPr>
-              <a:defRPr/>
-            </a:lvl7pPr>
-            <a:lvl8pPr>
-              <a:defRPr/>
-            </a:lvl8pPr>
-            <a:lvl9pPr>
-              <a:defRPr/>
-            </a:lvl9pPr>
-          </a:lstStyle>
-          <a:p>
-            <a:endParaRPr/>
-          </a:p>
-        </p:txBody>
-      </p:sp>
-      <p:sp>
-        <p:nvSpPr>
-          <p:cNvPr id="107" name="Shape 107"/>
-          <p:cNvSpPr>
-            <a:spLocks noGrp="1"/>
-          </p:cNvSpPr>
-          <p:nvPr>
-            <p:ph type="subTitle" idx="1"/>
-          </p:nvPr>
-        </p:nvSpPr>
-        <p:spPr>
-          <a:xfrm>
-            <a:off x="431800" y="2744788"/>
-            <a:ext cx="6400799" cy="1117599"/>
-          </a:xfrm>
-          <a:prstGeom prst="rect">
-            <a:avLst/>
-          </a:prstGeom>
-          <a:noFill/>
-          <a:ln>
-            <a:noFill/>
-          </a:ln>
-        </p:spPr>
-        <p:txBody>
-          <a:bodyPr lIns="91425" tIns="91425" rIns="91425" bIns="91425" anchor="t" anchorCtr="0"/>
-          <a:lstStyle>
-            <a:lvl1pPr marL="0" marR="0" indent="0" algn="l" rtl="0">
-              <a:spcBef>
-                <a:spcPts val="260"/>
-              </a:spcBef>
-              <a:spcAft>
-                <a:spcPts val="0"/>
-              </a:spcAft>
-              <a:buClr>
-                <a:srgbClr val="476B1F"/>
-              </a:buClr>
-              <a:buFont typeface="Georgia"/>
-              <a:buNone/>
-              <a:defRPr sz="1300" b="0" i="1" u="none" strike="noStrike" cap="none" baseline="0">
-                <a:solidFill>
-                  <a:schemeClr val="lt1"/>
                 </a:solidFill>
                 <a:latin typeface="Georgia"/>
                 <a:ea typeface="Georgia"/>
@@ -15425,1016 +15711,6 @@
 </p:sldMaster>
 </file>
 
-<file path=ppt/slideMasters/slideMaster4.xml><?xml version="1.0" encoding="utf-8"?>
-<p:sldMaster xmlns:a="http://schemas.openxmlformats.org/drawingml/2006/main" xmlns:r="http://schemas.openxmlformats.org/officeDocument/2006/relationships" xmlns:p="http://schemas.openxmlformats.org/presentationml/2006/main">
-  <p:cSld>
-    <p:bg>
-      <p:bgPr>
-        <a:solidFill>
-          <a:srgbClr val="96281B"/>
-        </a:solidFill>
-        <a:effectLst/>
-      </p:bgPr>
-    </p:bg>
-    <p:spTree>
-      <p:nvGrpSpPr>
-        <p:cNvPr id="1" name="Shape 98"/>
-        <p:cNvGrpSpPr/>
-        <p:nvPr/>
-      </p:nvGrpSpPr>
-      <p:grpSpPr>
-        <a:xfrm>
-          <a:off x="0" y="0"/>
-          <a:ext cx="0" cy="0"/>
-          <a:chOff x="0" y="0"/>
-          <a:chExt cx="0" cy="0"/>
-        </a:xfrm>
-      </p:grpSpPr>
-      <p:cxnSp>
-        <p:nvCxnSpPr>
-          <p:cNvPr id="99" name="Shape 99"/>
-          <p:cNvCxnSpPr/>
-          <p:nvPr/>
-        </p:nvCxnSpPr>
-        <p:spPr>
-          <a:xfrm>
-            <a:off x="431800" y="2644775"/>
-            <a:ext cx="8277224" cy="0"/>
-          </a:xfrm>
-          <a:prstGeom prst="straightConnector1">
-            <a:avLst/>
-          </a:prstGeom>
-          <a:noFill/>
-          <a:ln w="12700" cap="rnd">
-            <a:solidFill>
-              <a:schemeClr val="lt1"/>
-            </a:solidFill>
-            <a:prstDash val="solid"/>
-            <a:miter/>
-            <a:headEnd type="none" w="med" len="med"/>
-            <a:tailEnd type="none" w="med" len="med"/>
-          </a:ln>
-        </p:spPr>
-      </p:cxnSp>
-      <p:cxnSp>
-        <p:nvCxnSpPr>
-          <p:cNvPr id="100" name="Shape 100"/>
-          <p:cNvCxnSpPr/>
-          <p:nvPr/>
-        </p:nvCxnSpPr>
-        <p:spPr>
-          <a:xfrm>
-            <a:off x="431800" y="3309937"/>
-            <a:ext cx="8277224" cy="0"/>
-          </a:xfrm>
-          <a:prstGeom prst="straightConnector1">
-            <a:avLst/>
-          </a:prstGeom>
-          <a:noFill/>
-          <a:ln w="12700" cap="rnd">
-            <a:solidFill>
-              <a:schemeClr val="lt1"/>
-            </a:solidFill>
-            <a:prstDash val="solid"/>
-            <a:miter/>
-            <a:headEnd type="none" w="med" len="med"/>
-            <a:tailEnd type="none" w="med" len="med"/>
-          </a:ln>
-        </p:spPr>
-      </p:cxnSp>
-      <p:cxnSp>
-        <p:nvCxnSpPr>
-          <p:cNvPr id="101" name="Shape 101"/>
-          <p:cNvCxnSpPr/>
-          <p:nvPr/>
-        </p:nvCxnSpPr>
-        <p:spPr>
-          <a:xfrm>
-            <a:off x="431800" y="6405562"/>
-            <a:ext cx="8277224" cy="0"/>
-          </a:xfrm>
-          <a:prstGeom prst="straightConnector1">
-            <a:avLst/>
-          </a:prstGeom>
-          <a:noFill/>
-          <a:ln w="12700" cap="rnd">
-            <a:solidFill>
-              <a:schemeClr val="lt1"/>
-            </a:solidFill>
-            <a:prstDash val="solid"/>
-            <a:miter/>
-            <a:headEnd type="none" w="med" len="med"/>
-            <a:tailEnd type="none" w="med" len="med"/>
-          </a:ln>
-        </p:spPr>
-      </p:cxnSp>
-      <p:sp>
-        <p:nvSpPr>
-          <p:cNvPr id="102" name="Shape 102"/>
-          <p:cNvSpPr/>
-          <p:nvPr/>
-        </p:nvSpPr>
-        <p:spPr>
-          <a:xfrm>
-            <a:off x="7391400" y="6022975"/>
-            <a:ext cx="1357311" cy="241299"/>
-          </a:xfrm>
-          <a:prstGeom prst="rect">
-            <a:avLst/>
-          </a:prstGeom>
-          <a:blipFill>
-            <a:blip r:embed="rId3"/>
-            <a:stretch>
-              <a:fillRect/>
-            </a:stretch>
-          </a:blipFill>
-        </p:spPr>
-      </p:sp>
-      <p:sp>
-        <p:nvSpPr>
-          <p:cNvPr id="103" name="Shape 103"/>
-          <p:cNvSpPr>
-            <a:spLocks noGrp="1"/>
-          </p:cNvSpPr>
-          <p:nvPr>
-            <p:ph type="title"/>
-          </p:nvPr>
-        </p:nvSpPr>
-        <p:spPr>
-          <a:xfrm>
-            <a:off x="431800" y="898525"/>
-            <a:ext cx="8277224" cy="1143000"/>
-          </a:xfrm>
-          <a:prstGeom prst="rect">
-            <a:avLst/>
-          </a:prstGeom>
-          <a:noFill/>
-          <a:ln>
-            <a:noFill/>
-          </a:ln>
-        </p:spPr>
-        <p:txBody>
-          <a:bodyPr lIns="91425" tIns="91425" rIns="91425" bIns="91425" anchor="t" anchorCtr="0"/>
-          <a:lstStyle>
-            <a:lvl1pPr marL="0" marR="0" indent="0" algn="l" rtl="0">
-              <a:spcBef>
-                <a:spcPts val="0"/>
-              </a:spcBef>
-              <a:spcAft>
-                <a:spcPts val="0"/>
-              </a:spcAft>
-              <a:defRPr sz="3000" b="1" i="0" u="none" strike="noStrike" cap="none" baseline="0">
-                <a:solidFill>
-                  <a:srgbClr val="476B1F"/>
-                </a:solidFill>
-                <a:latin typeface="Trebuchet MS"/>
-                <a:ea typeface="Trebuchet MS"/>
-                <a:cs typeface="Trebuchet MS"/>
-                <a:sym typeface="Trebuchet MS"/>
-              </a:defRPr>
-            </a:lvl1pPr>
-            <a:lvl2pPr marL="0" marR="0" indent="0" algn="l" rtl="0">
-              <a:spcBef>
-                <a:spcPts val="0"/>
-              </a:spcBef>
-              <a:spcAft>
-                <a:spcPts val="0"/>
-              </a:spcAft>
-              <a:defRPr sz="3000" b="1" i="0" u="none" strike="noStrike" cap="none" baseline="0">
-                <a:solidFill>
-                  <a:srgbClr val="476B1F"/>
-                </a:solidFill>
-                <a:latin typeface="Trebuchet MS"/>
-                <a:ea typeface="Trebuchet MS"/>
-                <a:cs typeface="Trebuchet MS"/>
-                <a:sym typeface="Trebuchet MS"/>
-              </a:defRPr>
-            </a:lvl2pPr>
-            <a:lvl3pPr marL="0" marR="0" indent="0" algn="l" rtl="0">
-              <a:spcBef>
-                <a:spcPts val="0"/>
-              </a:spcBef>
-              <a:spcAft>
-                <a:spcPts val="0"/>
-              </a:spcAft>
-              <a:defRPr sz="3000" b="1" i="0" u="none" strike="noStrike" cap="none" baseline="0">
-                <a:solidFill>
-                  <a:srgbClr val="476B1F"/>
-                </a:solidFill>
-                <a:latin typeface="Trebuchet MS"/>
-                <a:ea typeface="Trebuchet MS"/>
-                <a:cs typeface="Trebuchet MS"/>
-                <a:sym typeface="Trebuchet MS"/>
-              </a:defRPr>
-            </a:lvl3pPr>
-            <a:lvl4pPr marL="0" marR="0" indent="0" algn="l" rtl="0">
-              <a:spcBef>
-                <a:spcPts val="0"/>
-              </a:spcBef>
-              <a:spcAft>
-                <a:spcPts val="0"/>
-              </a:spcAft>
-              <a:defRPr sz="3000" b="1" i="0" u="none" strike="noStrike" cap="none" baseline="0">
-                <a:solidFill>
-                  <a:srgbClr val="476B1F"/>
-                </a:solidFill>
-                <a:latin typeface="Trebuchet MS"/>
-                <a:ea typeface="Trebuchet MS"/>
-                <a:cs typeface="Trebuchet MS"/>
-                <a:sym typeface="Trebuchet MS"/>
-              </a:defRPr>
-            </a:lvl4pPr>
-            <a:lvl5pPr marL="0" marR="0" indent="0" algn="l" rtl="0">
-              <a:spcBef>
-                <a:spcPts val="0"/>
-              </a:spcBef>
-              <a:spcAft>
-                <a:spcPts val="0"/>
-              </a:spcAft>
-              <a:defRPr sz="3000" b="1" i="0" u="none" strike="noStrike" cap="none" baseline="0">
-                <a:solidFill>
-                  <a:srgbClr val="476B1F"/>
-                </a:solidFill>
-                <a:latin typeface="Trebuchet MS"/>
-                <a:ea typeface="Trebuchet MS"/>
-                <a:cs typeface="Trebuchet MS"/>
-                <a:sym typeface="Trebuchet MS"/>
-              </a:defRPr>
-            </a:lvl5pPr>
-            <a:lvl6pPr marL="457200" marR="0" indent="0" algn="l" rtl="0">
-              <a:spcBef>
-                <a:spcPts val="0"/>
-              </a:spcBef>
-              <a:spcAft>
-                <a:spcPts val="0"/>
-              </a:spcAft>
-              <a:defRPr sz="3000" b="1" i="0" u="none" strike="noStrike" cap="none" baseline="0">
-                <a:solidFill>
-                  <a:srgbClr val="476B1F"/>
-                </a:solidFill>
-                <a:latin typeface="Trebuchet MS"/>
-                <a:ea typeface="Trebuchet MS"/>
-                <a:cs typeface="Trebuchet MS"/>
-                <a:sym typeface="Trebuchet MS"/>
-              </a:defRPr>
-            </a:lvl6pPr>
-            <a:lvl7pPr marL="914400" marR="0" indent="0" algn="l" rtl="0">
-              <a:spcBef>
-                <a:spcPts val="0"/>
-              </a:spcBef>
-              <a:spcAft>
-                <a:spcPts val="0"/>
-              </a:spcAft>
-              <a:defRPr sz="3000" b="1" i="0" u="none" strike="noStrike" cap="none" baseline="0">
-                <a:solidFill>
-                  <a:srgbClr val="476B1F"/>
-                </a:solidFill>
-                <a:latin typeface="Trebuchet MS"/>
-                <a:ea typeface="Trebuchet MS"/>
-                <a:cs typeface="Trebuchet MS"/>
-                <a:sym typeface="Trebuchet MS"/>
-              </a:defRPr>
-            </a:lvl7pPr>
-            <a:lvl8pPr marL="1371600" marR="0" indent="0" algn="l" rtl="0">
-              <a:spcBef>
-                <a:spcPts val="0"/>
-              </a:spcBef>
-              <a:spcAft>
-                <a:spcPts val="0"/>
-              </a:spcAft>
-              <a:defRPr sz="3000" b="1" i="0" u="none" strike="noStrike" cap="none" baseline="0">
-                <a:solidFill>
-                  <a:srgbClr val="476B1F"/>
-                </a:solidFill>
-                <a:latin typeface="Trebuchet MS"/>
-                <a:ea typeface="Trebuchet MS"/>
-                <a:cs typeface="Trebuchet MS"/>
-                <a:sym typeface="Trebuchet MS"/>
-              </a:defRPr>
-            </a:lvl8pPr>
-            <a:lvl9pPr marL="1828800" marR="0" indent="0" algn="l" rtl="0">
-              <a:spcBef>
-                <a:spcPts val="0"/>
-              </a:spcBef>
-              <a:spcAft>
-                <a:spcPts val="0"/>
-              </a:spcAft>
-              <a:defRPr sz="3000" b="1" i="0" u="none" strike="noStrike" cap="none" baseline="0">
-                <a:solidFill>
-                  <a:srgbClr val="476B1F"/>
-                </a:solidFill>
-                <a:latin typeface="Trebuchet MS"/>
-                <a:ea typeface="Trebuchet MS"/>
-                <a:cs typeface="Trebuchet MS"/>
-                <a:sym typeface="Trebuchet MS"/>
-              </a:defRPr>
-            </a:lvl9pPr>
-          </a:lstStyle>
-          <a:p>
-            <a:endParaRPr/>
-          </a:p>
-        </p:txBody>
-      </p:sp>
-      <p:sp>
-        <p:nvSpPr>
-          <p:cNvPr id="104" name="Shape 104"/>
-          <p:cNvSpPr>
-            <a:spLocks noGrp="1"/>
-          </p:cNvSpPr>
-          <p:nvPr>
-            <p:ph type="body" idx="1"/>
-          </p:nvPr>
-        </p:nvSpPr>
-        <p:spPr>
-          <a:xfrm>
-            <a:off x="431800" y="1546225"/>
-            <a:ext cx="8277224" cy="4267199"/>
-          </a:xfrm>
-          <a:prstGeom prst="rect">
-            <a:avLst/>
-          </a:prstGeom>
-          <a:noFill/>
-          <a:ln>
-            <a:noFill/>
-          </a:ln>
-        </p:spPr>
-        <p:txBody>
-          <a:bodyPr lIns="91425" tIns="91425" rIns="91425" bIns="91425" anchor="t" anchorCtr="0"/>
-          <a:lstStyle>
-            <a:lvl1pPr marL="230188" marR="0" indent="-138113" algn="l" rtl="0">
-              <a:spcBef>
-                <a:spcPts val="480"/>
-              </a:spcBef>
-              <a:spcAft>
-                <a:spcPts val="0"/>
-              </a:spcAft>
-              <a:buClr>
-                <a:srgbClr val="476B1F"/>
-              </a:buClr>
-              <a:buFont typeface="Arial"/>
-              <a:buChar char="•"/>
-              <a:defRPr sz="2400" b="0" i="0" u="none" strike="noStrike" cap="none" baseline="0">
-                <a:solidFill>
-                  <a:schemeClr val="dk1"/>
-                </a:solidFill>
-                <a:latin typeface="Georgia"/>
-                <a:ea typeface="Georgia"/>
-                <a:cs typeface="Georgia"/>
-                <a:sym typeface="Georgia"/>
-              </a:defRPr>
-            </a:lvl1pPr>
-            <a:lvl2pPr marL="481013" marR="0" indent="-112712" algn="l" rtl="0">
-              <a:spcBef>
-                <a:spcPts val="400"/>
-              </a:spcBef>
-              <a:spcAft>
-                <a:spcPts val="0"/>
-              </a:spcAft>
-              <a:buClr>
-                <a:schemeClr val="dk1"/>
-              </a:buClr>
-              <a:buFont typeface="Arial"/>
-              <a:buChar char="•"/>
-              <a:defRPr sz="2000" b="0" i="0" u="none" strike="noStrike" cap="none" baseline="0">
-                <a:solidFill>
-                  <a:schemeClr val="dk1"/>
-                </a:solidFill>
-                <a:latin typeface="Georgia"/>
-                <a:ea typeface="Georgia"/>
-                <a:cs typeface="Georgia"/>
-                <a:sym typeface="Georgia"/>
-              </a:defRPr>
-            </a:lvl2pPr>
-            <a:lvl3pPr marL="698500" marR="0" indent="-107950" algn="l" rtl="0">
-              <a:spcBef>
-                <a:spcPts val="360"/>
-              </a:spcBef>
-              <a:spcAft>
-                <a:spcPts val="0"/>
-              </a:spcAft>
-              <a:buClr>
-                <a:schemeClr val="dk1"/>
-              </a:buClr>
-              <a:buFont typeface="Arial"/>
-              <a:buChar char="•"/>
-              <a:defRPr sz="1800" b="0" i="0" u="none" strike="noStrike" cap="none" baseline="0">
-                <a:solidFill>
-                  <a:schemeClr val="dk1"/>
-                </a:solidFill>
-                <a:latin typeface="Georgia"/>
-                <a:ea typeface="Georgia"/>
-                <a:cs typeface="Georgia"/>
-                <a:sym typeface="Georgia"/>
-              </a:defRPr>
-            </a:lvl3pPr>
-            <a:lvl4pPr marL="900113" marR="0" indent="-103187" algn="l" rtl="0">
-              <a:spcBef>
-                <a:spcPts val="320"/>
-              </a:spcBef>
-              <a:spcAft>
-                <a:spcPts val="0"/>
-              </a:spcAft>
-              <a:buClr>
-                <a:schemeClr val="dk1"/>
-              </a:buClr>
-              <a:buFont typeface="Arial"/>
-              <a:buChar char="•"/>
-              <a:defRPr sz="1600" b="0" i="0" u="none" strike="noStrike" cap="none" baseline="0">
-                <a:solidFill>
-                  <a:schemeClr val="dk1"/>
-                </a:solidFill>
-                <a:latin typeface="Georgia"/>
-                <a:ea typeface="Georgia"/>
-                <a:cs typeface="Georgia"/>
-                <a:sym typeface="Georgia"/>
-              </a:defRPr>
-            </a:lvl4pPr>
-            <a:lvl5pPr marL="1095375" marR="0" indent="-88900" algn="l" rtl="0">
-              <a:spcBef>
-                <a:spcPts val="280"/>
-              </a:spcBef>
-              <a:spcAft>
-                <a:spcPts val="0"/>
-              </a:spcAft>
-              <a:buClr>
-                <a:schemeClr val="dk1"/>
-              </a:buClr>
-              <a:buFont typeface="Arial"/>
-              <a:buChar char="•"/>
-              <a:defRPr sz="1400" b="0" i="0" u="none" strike="noStrike" cap="none" baseline="0">
-                <a:solidFill>
-                  <a:schemeClr val="dk1"/>
-                </a:solidFill>
-                <a:latin typeface="Georgia"/>
-                <a:ea typeface="Georgia"/>
-                <a:cs typeface="Georgia"/>
-                <a:sym typeface="Georgia"/>
-              </a:defRPr>
-            </a:lvl5pPr>
-            <a:lvl6pPr marL="1552575" marR="0" indent="-88900" algn="l" rtl="0">
-              <a:spcBef>
-                <a:spcPts val="280"/>
-              </a:spcBef>
-              <a:spcAft>
-                <a:spcPts val="0"/>
-              </a:spcAft>
-              <a:buClr>
-                <a:schemeClr val="dk1"/>
-              </a:buClr>
-              <a:buFont typeface="Arial"/>
-              <a:buChar char="•"/>
-              <a:defRPr sz="1400" b="0" i="0" u="none" strike="noStrike" cap="none" baseline="0">
-                <a:solidFill>
-                  <a:schemeClr val="dk1"/>
-                </a:solidFill>
-                <a:latin typeface="Georgia"/>
-                <a:ea typeface="Georgia"/>
-                <a:cs typeface="Georgia"/>
-                <a:sym typeface="Georgia"/>
-              </a:defRPr>
-            </a:lvl6pPr>
-            <a:lvl7pPr marL="2009775" marR="0" indent="-88900" algn="l" rtl="0">
-              <a:spcBef>
-                <a:spcPts val="280"/>
-              </a:spcBef>
-              <a:spcAft>
-                <a:spcPts val="0"/>
-              </a:spcAft>
-              <a:buClr>
-                <a:schemeClr val="dk1"/>
-              </a:buClr>
-              <a:buFont typeface="Arial"/>
-              <a:buChar char="•"/>
-              <a:defRPr sz="1400" b="0" i="0" u="none" strike="noStrike" cap="none" baseline="0">
-                <a:solidFill>
-                  <a:schemeClr val="dk1"/>
-                </a:solidFill>
-                <a:latin typeface="Georgia"/>
-                <a:ea typeface="Georgia"/>
-                <a:cs typeface="Georgia"/>
-                <a:sym typeface="Georgia"/>
-              </a:defRPr>
-            </a:lvl7pPr>
-            <a:lvl8pPr marL="2466975" marR="0" indent="-88900" algn="l" rtl="0">
-              <a:spcBef>
-                <a:spcPts val="280"/>
-              </a:spcBef>
-              <a:spcAft>
-                <a:spcPts val="0"/>
-              </a:spcAft>
-              <a:buClr>
-                <a:schemeClr val="dk1"/>
-              </a:buClr>
-              <a:buFont typeface="Arial"/>
-              <a:buChar char="•"/>
-              <a:defRPr sz="1400" b="0" i="0" u="none" strike="noStrike" cap="none" baseline="0">
-                <a:solidFill>
-                  <a:schemeClr val="dk1"/>
-                </a:solidFill>
-                <a:latin typeface="Georgia"/>
-                <a:ea typeface="Georgia"/>
-                <a:cs typeface="Georgia"/>
-                <a:sym typeface="Georgia"/>
-              </a:defRPr>
-            </a:lvl8pPr>
-            <a:lvl9pPr marL="2924175" marR="0" indent="-88900" algn="l" rtl="0">
-              <a:spcBef>
-                <a:spcPts val="280"/>
-              </a:spcBef>
-              <a:spcAft>
-                <a:spcPts val="0"/>
-              </a:spcAft>
-              <a:buClr>
-                <a:schemeClr val="dk1"/>
-              </a:buClr>
-              <a:buFont typeface="Arial"/>
-              <a:buChar char="•"/>
-              <a:defRPr sz="1400" b="0" i="0" u="none" strike="noStrike" cap="none" baseline="0">
-                <a:solidFill>
-                  <a:schemeClr val="dk1"/>
-                </a:solidFill>
-                <a:latin typeface="Georgia"/>
-                <a:ea typeface="Georgia"/>
-                <a:cs typeface="Georgia"/>
-                <a:sym typeface="Georgia"/>
-              </a:defRPr>
-            </a:lvl9pPr>
-          </a:lstStyle>
-          <a:p>
-            <a:endParaRPr/>
-          </a:p>
-        </p:txBody>
-      </p:sp>
-    </p:spTree>
-  </p:cSld>
-  <p:clrMap bg1="lt1" tx1="dk1" bg2="dk2" tx2="lt2" accent1="accent1" accent2="accent2" accent3="accent3" accent4="accent4" accent5="accent5" accent6="accent6" hlink="hlink" folHlink="folHlink"/>
-  <p:sldLayoutIdLst>
-    <p:sldLayoutId id="2147483669" r:id="rId1"/>
-  </p:sldLayoutIdLst>
-  <p:txStyles>
-    <p:titleStyle>
-      <a:defPPr marR="0" algn="l" rtl="0">
-        <a:lnSpc>
-          <a:spcPct val="100000"/>
-        </a:lnSpc>
-        <a:spcBef>
-          <a:spcPts val="0"/>
-        </a:spcBef>
-        <a:spcAft>
-          <a:spcPts val="0"/>
-        </a:spcAft>
-      </a:defPPr>
-      <a:lvl1pPr marR="0" algn="l" rtl="0">
-        <a:lnSpc>
-          <a:spcPct val="100000"/>
-        </a:lnSpc>
-        <a:spcBef>
-          <a:spcPts val="0"/>
-        </a:spcBef>
-        <a:spcAft>
-          <a:spcPts val="0"/>
-        </a:spcAft>
-        <a:buNone/>
-        <a:defRPr sz="1400" b="0" i="0" u="none" strike="noStrike" cap="none" baseline="0">
-          <a:solidFill>
-            <a:srgbClr val="000000"/>
-          </a:solidFill>
-          <a:latin typeface="Arial"/>
-          <a:ea typeface="Arial"/>
-          <a:cs typeface="Arial"/>
-          <a:sym typeface="Arial"/>
-        </a:defRPr>
-      </a:lvl1pPr>
-      <a:lvl2pPr marR="0" algn="l" rtl="0">
-        <a:lnSpc>
-          <a:spcPct val="100000"/>
-        </a:lnSpc>
-        <a:spcBef>
-          <a:spcPts val="0"/>
-        </a:spcBef>
-        <a:spcAft>
-          <a:spcPts val="0"/>
-        </a:spcAft>
-        <a:buNone/>
-        <a:defRPr sz="1400" b="0" i="0" u="none" strike="noStrike" cap="none" baseline="0">
-          <a:solidFill>
-            <a:srgbClr val="000000"/>
-          </a:solidFill>
-          <a:latin typeface="Arial"/>
-          <a:ea typeface="Arial"/>
-          <a:cs typeface="Arial"/>
-          <a:sym typeface="Arial"/>
-        </a:defRPr>
-      </a:lvl2pPr>
-    </p:titleStyle>
-    <p:bodyStyle>
-      <a:defPPr marR="0" algn="l" rtl="0">
-        <a:lnSpc>
-          <a:spcPct val="100000"/>
-        </a:lnSpc>
-        <a:spcBef>
-          <a:spcPts val="0"/>
-        </a:spcBef>
-        <a:spcAft>
-          <a:spcPts val="0"/>
-        </a:spcAft>
-      </a:defPPr>
-      <a:lvl1pPr marR="0" algn="l" rtl="0">
-        <a:lnSpc>
-          <a:spcPct val="100000"/>
-        </a:lnSpc>
-        <a:spcBef>
-          <a:spcPts val="0"/>
-        </a:spcBef>
-        <a:spcAft>
-          <a:spcPts val="0"/>
-        </a:spcAft>
-        <a:buNone/>
-        <a:defRPr sz="1400" b="0" i="0" u="none" strike="noStrike" cap="none" baseline="0">
-          <a:solidFill>
-            <a:srgbClr val="000000"/>
-          </a:solidFill>
-          <a:latin typeface="Arial"/>
-          <a:ea typeface="Arial"/>
-          <a:cs typeface="Arial"/>
-          <a:sym typeface="Arial"/>
-        </a:defRPr>
-      </a:lvl1pPr>
-      <a:lvl2pPr marR="0" algn="l" rtl="0">
-        <a:lnSpc>
-          <a:spcPct val="100000"/>
-        </a:lnSpc>
-        <a:spcBef>
-          <a:spcPts val="0"/>
-        </a:spcBef>
-        <a:spcAft>
-          <a:spcPts val="0"/>
-        </a:spcAft>
-        <a:buNone/>
-        <a:defRPr sz="1400" b="0" i="0" u="none" strike="noStrike" cap="none" baseline="0">
-          <a:solidFill>
-            <a:srgbClr val="000000"/>
-          </a:solidFill>
-          <a:latin typeface="Arial"/>
-          <a:ea typeface="Arial"/>
-          <a:cs typeface="Arial"/>
-          <a:sym typeface="Arial"/>
-        </a:defRPr>
-      </a:lvl2pPr>
-      <a:lvl3pPr marR="0" algn="l" rtl="0">
-        <a:lnSpc>
-          <a:spcPct val="100000"/>
-        </a:lnSpc>
-        <a:spcBef>
-          <a:spcPts val="0"/>
-        </a:spcBef>
-        <a:spcAft>
-          <a:spcPts val="0"/>
-        </a:spcAft>
-        <a:buNone/>
-        <a:defRPr sz="1400" b="0" i="0" u="none" strike="noStrike" cap="none" baseline="0">
-          <a:solidFill>
-            <a:srgbClr val="000000"/>
-          </a:solidFill>
-          <a:latin typeface="Arial"/>
-          <a:ea typeface="Arial"/>
-          <a:cs typeface="Arial"/>
-          <a:sym typeface="Arial"/>
-        </a:defRPr>
-      </a:lvl3pPr>
-      <a:lvl4pPr marR="0" algn="l" rtl="0">
-        <a:lnSpc>
-          <a:spcPct val="100000"/>
-        </a:lnSpc>
-        <a:spcBef>
-          <a:spcPts val="0"/>
-        </a:spcBef>
-        <a:spcAft>
-          <a:spcPts val="0"/>
-        </a:spcAft>
-        <a:buNone/>
-        <a:defRPr sz="1400" b="0" i="0" u="none" strike="noStrike" cap="none" baseline="0">
-          <a:solidFill>
-            <a:srgbClr val="000000"/>
-          </a:solidFill>
-          <a:latin typeface="Arial"/>
-          <a:ea typeface="Arial"/>
-          <a:cs typeface="Arial"/>
-          <a:sym typeface="Arial"/>
-        </a:defRPr>
-      </a:lvl4pPr>
-      <a:lvl5pPr marR="0" algn="l" rtl="0">
-        <a:lnSpc>
-          <a:spcPct val="100000"/>
-        </a:lnSpc>
-        <a:spcBef>
-          <a:spcPts val="0"/>
-        </a:spcBef>
-        <a:spcAft>
-          <a:spcPts val="0"/>
-        </a:spcAft>
-        <a:buNone/>
-        <a:defRPr sz="1400" b="0" i="0" u="none" strike="noStrike" cap="none" baseline="0">
-          <a:solidFill>
-            <a:srgbClr val="000000"/>
-          </a:solidFill>
-          <a:latin typeface="Arial"/>
-          <a:ea typeface="Arial"/>
-          <a:cs typeface="Arial"/>
-          <a:sym typeface="Arial"/>
-        </a:defRPr>
-      </a:lvl5pPr>
-      <a:lvl6pPr marR="0" algn="l" rtl="0">
-        <a:lnSpc>
-          <a:spcPct val="100000"/>
-        </a:lnSpc>
-        <a:spcBef>
-          <a:spcPts val="0"/>
-        </a:spcBef>
-        <a:spcAft>
-          <a:spcPts val="0"/>
-        </a:spcAft>
-        <a:buNone/>
-        <a:defRPr sz="1400" b="0" i="0" u="none" strike="noStrike" cap="none" baseline="0">
-          <a:solidFill>
-            <a:srgbClr val="000000"/>
-          </a:solidFill>
-          <a:latin typeface="Arial"/>
-          <a:ea typeface="Arial"/>
-          <a:cs typeface="Arial"/>
-          <a:sym typeface="Arial"/>
-        </a:defRPr>
-      </a:lvl6pPr>
-      <a:lvl7pPr marR="0" algn="l" rtl="0">
-        <a:lnSpc>
-          <a:spcPct val="100000"/>
-        </a:lnSpc>
-        <a:spcBef>
-          <a:spcPts val="0"/>
-        </a:spcBef>
-        <a:spcAft>
-          <a:spcPts val="0"/>
-        </a:spcAft>
-        <a:buNone/>
-        <a:defRPr sz="1400" b="0" i="0" u="none" strike="noStrike" cap="none" baseline="0">
-          <a:solidFill>
-            <a:srgbClr val="000000"/>
-          </a:solidFill>
-          <a:latin typeface="Arial"/>
-          <a:ea typeface="Arial"/>
-          <a:cs typeface="Arial"/>
-          <a:sym typeface="Arial"/>
-        </a:defRPr>
-      </a:lvl7pPr>
-      <a:lvl8pPr marR="0" algn="l" rtl="0">
-        <a:lnSpc>
-          <a:spcPct val="100000"/>
-        </a:lnSpc>
-        <a:spcBef>
-          <a:spcPts val="0"/>
-        </a:spcBef>
-        <a:spcAft>
-          <a:spcPts val="0"/>
-        </a:spcAft>
-        <a:buNone/>
-        <a:defRPr sz="1400" b="0" i="0" u="none" strike="noStrike" cap="none" baseline="0">
-          <a:solidFill>
-            <a:srgbClr val="000000"/>
-          </a:solidFill>
-          <a:latin typeface="Arial"/>
-          <a:ea typeface="Arial"/>
-          <a:cs typeface="Arial"/>
-          <a:sym typeface="Arial"/>
-        </a:defRPr>
-      </a:lvl8pPr>
-      <a:lvl9pPr marR="0" algn="l" rtl="0">
-        <a:lnSpc>
-          <a:spcPct val="100000"/>
-        </a:lnSpc>
-        <a:spcBef>
-          <a:spcPts val="0"/>
-        </a:spcBef>
-        <a:spcAft>
-          <a:spcPts val="0"/>
-        </a:spcAft>
-        <a:buNone/>
-        <a:defRPr sz="1400" b="0" i="0" u="none" strike="noStrike" cap="none" baseline="0">
-          <a:solidFill>
-            <a:srgbClr val="000000"/>
-          </a:solidFill>
-          <a:latin typeface="Arial"/>
-          <a:ea typeface="Arial"/>
-          <a:cs typeface="Arial"/>
-          <a:sym typeface="Arial"/>
-        </a:defRPr>
-      </a:lvl9pPr>
-    </p:bodyStyle>
-    <p:otherStyle>
-      <a:defPPr marR="0" algn="l" rtl="0">
-        <a:lnSpc>
-          <a:spcPct val="100000"/>
-        </a:lnSpc>
-        <a:spcBef>
-          <a:spcPts val="0"/>
-        </a:spcBef>
-        <a:spcAft>
-          <a:spcPts val="0"/>
-        </a:spcAft>
-      </a:defPPr>
-      <a:lvl1pPr marR="0" algn="l" rtl="0">
-        <a:lnSpc>
-          <a:spcPct val="100000"/>
-        </a:lnSpc>
-        <a:spcBef>
-          <a:spcPts val="0"/>
-        </a:spcBef>
-        <a:spcAft>
-          <a:spcPts val="0"/>
-        </a:spcAft>
-        <a:buNone/>
-        <a:defRPr sz="1400" b="0" i="0" u="none" strike="noStrike" cap="none" baseline="0">
-          <a:solidFill>
-            <a:srgbClr val="000000"/>
-          </a:solidFill>
-          <a:latin typeface="Arial"/>
-          <a:ea typeface="Arial"/>
-          <a:cs typeface="Arial"/>
-          <a:sym typeface="Arial"/>
-        </a:defRPr>
-      </a:lvl1pPr>
-      <a:lvl2pPr marR="0" algn="l" rtl="0">
-        <a:lnSpc>
-          <a:spcPct val="100000"/>
-        </a:lnSpc>
-        <a:spcBef>
-          <a:spcPts val="0"/>
-        </a:spcBef>
-        <a:spcAft>
-          <a:spcPts val="0"/>
-        </a:spcAft>
-        <a:buNone/>
-        <a:defRPr sz="1400" b="0" i="0" u="none" strike="noStrike" cap="none" baseline="0">
-          <a:solidFill>
-            <a:srgbClr val="000000"/>
-          </a:solidFill>
-          <a:latin typeface="Arial"/>
-          <a:ea typeface="Arial"/>
-          <a:cs typeface="Arial"/>
-          <a:sym typeface="Arial"/>
-        </a:defRPr>
-      </a:lvl2pPr>
-      <a:lvl3pPr marR="0" algn="l" rtl="0">
-        <a:lnSpc>
-          <a:spcPct val="100000"/>
-        </a:lnSpc>
-        <a:spcBef>
-          <a:spcPts val="0"/>
-        </a:spcBef>
-        <a:spcAft>
-          <a:spcPts val="0"/>
-        </a:spcAft>
-        <a:buNone/>
-        <a:defRPr sz="1400" b="0" i="0" u="none" strike="noStrike" cap="none" baseline="0">
-          <a:solidFill>
-            <a:srgbClr val="000000"/>
-          </a:solidFill>
-          <a:latin typeface="Arial"/>
-          <a:ea typeface="Arial"/>
-          <a:cs typeface="Arial"/>
-          <a:sym typeface="Arial"/>
-        </a:defRPr>
-      </a:lvl3pPr>
-      <a:lvl4pPr marR="0" algn="l" rtl="0">
-        <a:lnSpc>
-          <a:spcPct val="100000"/>
-        </a:lnSpc>
-        <a:spcBef>
-          <a:spcPts val="0"/>
-        </a:spcBef>
-        <a:spcAft>
-          <a:spcPts val="0"/>
-        </a:spcAft>
-        <a:buNone/>
-        <a:defRPr sz="1400" b="0" i="0" u="none" strike="noStrike" cap="none" baseline="0">
-          <a:solidFill>
-            <a:srgbClr val="000000"/>
-          </a:solidFill>
-          <a:latin typeface="Arial"/>
-          <a:ea typeface="Arial"/>
-          <a:cs typeface="Arial"/>
-          <a:sym typeface="Arial"/>
-        </a:defRPr>
-      </a:lvl4pPr>
-      <a:lvl5pPr marR="0" algn="l" rtl="0">
-        <a:lnSpc>
-          <a:spcPct val="100000"/>
-        </a:lnSpc>
-        <a:spcBef>
-          <a:spcPts val="0"/>
-        </a:spcBef>
-        <a:spcAft>
-          <a:spcPts val="0"/>
-        </a:spcAft>
-        <a:buNone/>
-        <a:defRPr sz="1400" b="0" i="0" u="none" strike="noStrike" cap="none" baseline="0">
-          <a:solidFill>
-            <a:srgbClr val="000000"/>
-          </a:solidFill>
-          <a:latin typeface="Arial"/>
-          <a:ea typeface="Arial"/>
-          <a:cs typeface="Arial"/>
-          <a:sym typeface="Arial"/>
-        </a:defRPr>
-      </a:lvl5pPr>
-      <a:lvl6pPr marR="0" algn="l" rtl="0">
-        <a:lnSpc>
-          <a:spcPct val="100000"/>
-        </a:lnSpc>
-        <a:spcBef>
-          <a:spcPts val="0"/>
-        </a:spcBef>
-        <a:spcAft>
-          <a:spcPts val="0"/>
-        </a:spcAft>
-        <a:buNone/>
-        <a:defRPr sz="1400" b="0" i="0" u="none" strike="noStrike" cap="none" baseline="0">
-          <a:solidFill>
-            <a:srgbClr val="000000"/>
-          </a:solidFill>
-          <a:latin typeface="Arial"/>
-          <a:ea typeface="Arial"/>
-          <a:cs typeface="Arial"/>
-          <a:sym typeface="Arial"/>
-        </a:defRPr>
-      </a:lvl6pPr>
-      <a:lvl7pPr marR="0" algn="l" rtl="0">
-        <a:lnSpc>
-          <a:spcPct val="100000"/>
-        </a:lnSpc>
-        <a:spcBef>
-          <a:spcPts val="0"/>
-        </a:spcBef>
-        <a:spcAft>
-          <a:spcPts val="0"/>
-        </a:spcAft>
-        <a:buNone/>
-        <a:defRPr sz="1400" b="0" i="0" u="none" strike="noStrike" cap="none" baseline="0">
-          <a:solidFill>
-            <a:srgbClr val="000000"/>
-          </a:solidFill>
-          <a:latin typeface="Arial"/>
-          <a:ea typeface="Arial"/>
-          <a:cs typeface="Arial"/>
-          <a:sym typeface="Arial"/>
-        </a:defRPr>
-      </a:lvl7pPr>
-      <a:lvl8pPr marR="0" algn="l" rtl="0">
-        <a:lnSpc>
-          <a:spcPct val="100000"/>
-        </a:lnSpc>
-        <a:spcBef>
-          <a:spcPts val="0"/>
-        </a:spcBef>
-        <a:spcAft>
-          <a:spcPts val="0"/>
-        </a:spcAft>
-        <a:buNone/>
-        <a:defRPr sz="1400" b="0" i="0" u="none" strike="noStrike" cap="none" baseline="0">
-          <a:solidFill>
-            <a:srgbClr val="000000"/>
-          </a:solidFill>
-          <a:latin typeface="Arial"/>
-          <a:ea typeface="Arial"/>
-          <a:cs typeface="Arial"/>
-          <a:sym typeface="Arial"/>
-        </a:defRPr>
-      </a:lvl8pPr>
-      <a:lvl9pPr marR="0" algn="l" rtl="0">
-        <a:lnSpc>
-          <a:spcPct val="100000"/>
-        </a:lnSpc>
-        <a:spcBef>
-          <a:spcPts val="0"/>
-        </a:spcBef>
-        <a:spcAft>
-          <a:spcPts val="0"/>
-        </a:spcAft>
-        <a:buNone/>
-        <a:defRPr sz="1400" b="0" i="0" u="none" strike="noStrike" cap="none" baseline="0">
-          <a:solidFill>
-            <a:srgbClr val="000000"/>
-          </a:solidFill>
-          <a:latin typeface="Arial"/>
-          <a:ea typeface="Arial"/>
-          <a:cs typeface="Arial"/>
-          <a:sym typeface="Arial"/>
-        </a:defRPr>
-      </a:lvl9pPr>
-    </p:otherStyle>
-  </p:txStyles>
-</p:sldMaster>
-</file>
-
 <file path=ppt/slides/slide1.xml><?xml version="1.0" encoding="utf-8"?>
 <p:sld xmlns:a="http://schemas.openxmlformats.org/drawingml/2006/main" xmlns:r="http://schemas.openxmlformats.org/officeDocument/2006/relationships" xmlns:p="http://schemas.openxmlformats.org/presentationml/2006/main">
   <p:cSld>
@@ -16481,35 +15757,22 @@
           </a:bodyPr>
           <a:lstStyle/>
           <a:p>
-            <a:pPr marL="0" marR="0" lvl="0" indent="0" algn="l" rtl="0">
-              <a:spcBef>
-                <a:spcPts val="0"/>
-              </a:spcBef>
-              <a:spcAft>
-                <a:spcPts val="0"/>
-              </a:spcAft>
+            <a:pPr lvl="0">
               <a:buClr>
                 <a:schemeClr val="lt1"/>
               </a:buClr>
               <a:buSzPct val="25000"/>
-              <a:buFont typeface="Trebuchet MS"/>
-              <a:buNone/>
-            </a:pPr>
-            <a:r>
-              <a:rPr lang="nb-NO" sz="3000" b="1" i="0" u="none" strike="noStrike" cap="none" baseline="0" dirty="0" smtClean="0">
-                <a:solidFill>
-                  <a:schemeClr val="lt1"/>
-                </a:solidFill>
-                <a:latin typeface="Trebuchet MS"/>
-                <a:ea typeface="Trebuchet MS"/>
-                <a:cs typeface="Trebuchet MS"/>
-                <a:sym typeface="Trebuchet MS"/>
-              </a:rPr>
+            </a:pPr>
+            <a:r>
+              <a:rPr lang="nb-NO" dirty="0" smtClean="0"/>
               <a:t>Polyglot persistence</a:t>
             </a:r>
             <a:endParaRPr sz="3000" b="1" i="0" u="none" strike="noStrike" cap="none" baseline="0" dirty="0">
               <a:solidFill>
-                <a:schemeClr val="lt1"/>
+                <a:schemeClr val="bg2">
+                  <a:lumMod val="50000"/>
+                  <a:lumOff val="50000"/>
+                </a:schemeClr>
               </a:solidFill>
               <a:latin typeface="Trebuchet MS"/>
               <a:ea typeface="Trebuchet MS"/>
@@ -16565,6 +15828,63 @@
             <a:endParaRPr sz="1300" b="0" i="1" u="none" strike="noStrike" cap="none" baseline="0" dirty="0">
               <a:solidFill>
                 <a:schemeClr val="lt1"/>
+              </a:solidFill>
+              <a:latin typeface="Georgia"/>
+              <a:ea typeface="Georgia"/>
+              <a:cs typeface="Georgia"/>
+              <a:sym typeface="Georgia"/>
+            </a:endParaRPr>
+          </a:p>
+        </p:txBody>
+      </p:sp>
+      <p:sp>
+        <p:nvSpPr>
+          <p:cNvPr id="4" name="Shape 117"/>
+          <p:cNvSpPr/>
+          <p:nvPr/>
+        </p:nvSpPr>
+        <p:spPr>
+          <a:xfrm>
+            <a:off x="431800" y="6134100"/>
+            <a:ext cx="1904999" cy="246181"/>
+          </a:xfrm>
+          <a:prstGeom prst="rect">
+            <a:avLst/>
+          </a:prstGeom>
+          <a:noFill/>
+          <a:ln>
+            <a:noFill/>
+          </a:ln>
+        </p:spPr>
+        <p:txBody>
+          <a:bodyPr lIns="91425" tIns="45700" rIns="91425" bIns="45700" anchor="t" anchorCtr="0">
+            <a:spAutoFit/>
+          </a:bodyPr>
+          <a:lstStyle/>
+          <a:p>
+            <a:pPr marL="0" marR="0" lvl="0" indent="0" algn="l" rtl="0">
+              <a:buClr>
+                <a:schemeClr val="dk1"/>
+              </a:buClr>
+              <a:buSzPct val="25000"/>
+              <a:buFont typeface="Georgia"/>
+              <a:buNone/>
+            </a:pPr>
+            <a:r>
+              <a:rPr lang="nb-NO" sz="1000" b="0" i="1" u="none" strike="noStrike" cap="none" baseline="0" dirty="0" smtClean="0">
+                <a:solidFill>
+                  <a:srgbClr val="96281B"/>
+                </a:solidFill>
+                <a:latin typeface="Georgia"/>
+                <a:ea typeface="Georgia"/>
+                <a:cs typeface="Georgia"/>
+                <a:sym typeface="Georgia"/>
+              </a:rPr>
+              <a:t>10. oktober / Åpen fagkveld</a:t>
+            </a:r>
+            <a:endParaRPr sz="1000" b="0" i="1" u="none" strike="noStrike" cap="none" baseline="0" dirty="0">
+              <a:solidFill>
+                <a:srgbClr val="96281B"/>
               </a:solidFill>
               <a:latin typeface="Georgia"/>
               <a:ea typeface="Georgia"/>
@@ -16652,7 +15972,7 @@
                 <a:cs typeface="Georgia"/>
                 <a:sym typeface="Georgia"/>
               </a:rPr>
-              <a:t>10. oktoberl / Åpen fagkveld</a:t>
+              <a:t>10. oktober / Åpen fagkveld</a:t>
             </a:r>
             <a:endParaRPr sz="1000" b="0" i="1" u="none" strike="noStrike" cap="none" baseline="0" dirty="0">
               <a:solidFill>
@@ -16679,7 +15999,7 @@
         <p:spPr>
           <a:xfrm>
             <a:off x="431800" y="898525"/>
-            <a:ext cx="2700040" cy="553957"/>
+            <a:ext cx="8277224" cy="553957"/>
           </a:xfrm>
           <a:prstGeom prst="rect">
             <a:avLst/>
@@ -16690,7 +16010,7 @@
           </a:ln>
         </p:spPr>
         <p:txBody>
-          <a:bodyPr wrap="square" lIns="91425" tIns="45700" rIns="91425" bIns="45700" anchor="t" anchorCtr="0">
+          <a:bodyPr lIns="91425" tIns="45700" rIns="91425" bIns="45700" anchor="t" anchorCtr="0">
             <a:spAutoFit/>
           </a:bodyPr>
           <a:lstStyle/>
@@ -16719,7 +16039,19 @@
                 <a:cs typeface="Trebuchet MS"/>
                 <a:sym typeface="Trebuchet MS"/>
               </a:rPr>
-              <a:t>CAP / ACID</a:t>
+              <a:t>CAP /</a:t>
+            </a:r>
+            <a:r>
+              <a:rPr lang="nb-NO" sz="3000" b="1" i="0" u="none" strike="noStrike" cap="small" dirty="0" smtClean="0">
+                <a:solidFill>
+                  <a:srgbClr val="96281B"/>
+                </a:solidFill>
+                <a:latin typeface="Trebuchet MS"/>
+                <a:ea typeface="Trebuchet MS"/>
+                <a:cs typeface="Trebuchet MS"/>
+                <a:sym typeface="Trebuchet MS"/>
+              </a:rPr>
+              <a:t> NOSQL</a:t>
             </a:r>
             <a:endParaRPr sz="3000" b="1" i="0" u="none" strike="noStrike" cap="small" baseline="0" dirty="0">
               <a:solidFill>
@@ -16778,327 +16110,32 @@
           <a:noFill/>
         </p:spPr>
       </p:pic>
-      <p:sp>
-        <p:nvSpPr>
-          <p:cNvPr id="11" name="TextBox 10"/>
-          <p:cNvSpPr txBox="1"/>
+      <p:pic>
+        <p:nvPicPr>
+          <p:cNvPr id="66562" name="Picture 2" descr="http://icons.iconarchive.com/icons/deleket/scrap/256/Lock-icon.png"/>
+          <p:cNvPicPr>
+            <a:picLocks noChangeAspect="1" noChangeArrowheads="1"/>
+          </p:cNvPicPr>
           <p:nvPr/>
-        </p:nvSpPr>
-        <p:spPr>
-          <a:xfrm>
-            <a:off x="3779912" y="5661248"/>
-            <a:ext cx="1222840" cy="461665"/>
-          </a:xfrm>
-          <a:prstGeom prst="rect">
-            <a:avLst/>
-          </a:prstGeom>
-          <a:noFill/>
-        </p:spPr>
-        <p:txBody>
-          <a:bodyPr wrap="square" rtlCol="0">
-            <a:spAutoFit/>
-          </a:bodyPr>
-          <a:lstStyle/>
-          <a:p>
-            <a:r>
-              <a:rPr lang="nb-NO" sz="2400" dirty="0" smtClean="0"/>
-              <a:t>ACID</a:t>
-            </a:r>
-            <a:endParaRPr lang="nb-NO" sz="2400" dirty="0"/>
-          </a:p>
-        </p:txBody>
-      </p:sp>
-      <p:cxnSp>
-        <p:nvCxnSpPr>
-          <p:cNvPr id="10" name="Straight Arrow Connector 9"/>
-          <p:cNvCxnSpPr/>
-          <p:nvPr/>
-        </p:nvCxnSpPr>
-        <p:spPr>
-          <a:xfrm flipV="1">
-            <a:off x="4283968" y="5013176"/>
-            <a:ext cx="0" cy="648072"/>
-          </a:xfrm>
-          <a:prstGeom prst="straightConnector1">
-            <a:avLst/>
-          </a:prstGeom>
-          <a:ln>
-            <a:tailEnd type="arrow"/>
-          </a:ln>
-        </p:spPr>
-        <p:style>
-          <a:lnRef idx="2">
-            <a:schemeClr val="dk1"/>
-          </a:lnRef>
-          <a:fillRef idx="0">
-            <a:schemeClr val="dk1"/>
-          </a:fillRef>
-          <a:effectRef idx="1">
-            <a:schemeClr val="dk1"/>
-          </a:effectRef>
-          <a:fontRef idx="minor">
-            <a:schemeClr val="tx1"/>
-          </a:fontRef>
-        </p:style>
-      </p:cxnSp>
-      <p:sp>
-        <p:nvSpPr>
-          <p:cNvPr id="8" name="Shape 259"/>
-          <p:cNvSpPr txBox="1">
-            <a:spLocks/>
-          </p:cNvSpPr>
-          <p:nvPr/>
-        </p:nvSpPr>
-        <p:spPr>
-          <a:xfrm>
-            <a:off x="6156176" y="343709"/>
-            <a:ext cx="2734923" cy="1938952"/>
-          </a:xfrm>
-          <a:prstGeom prst="rect">
-            <a:avLst/>
-          </a:prstGeom>
-          <a:noFill/>
-          <a:ln>
-            <a:noFill/>
-          </a:ln>
-        </p:spPr>
-        <p:txBody>
-          <a:bodyPr wrap="square" lIns="91425" tIns="45700" rIns="91425" bIns="45700" anchor="t" anchorCtr="0">
-            <a:spAutoFit/>
-          </a:bodyPr>
-          <a:lstStyle>
-            <a:defPPr marR="0" algn="l" rtl="0">
-              <a:lnSpc>
-                <a:spcPct val="100000"/>
-              </a:lnSpc>
-              <a:spcBef>
-                <a:spcPts val="0"/>
-              </a:spcBef>
-              <a:spcAft>
-                <a:spcPts val="0"/>
-              </a:spcAft>
-            </a:defPPr>
-            <a:lvl1pPr marL="0" marR="0" indent="0" algn="l" rtl="0">
-              <a:lnSpc>
-                <a:spcPct val="100000"/>
-              </a:lnSpc>
-              <a:spcBef>
-                <a:spcPts val="0"/>
-              </a:spcBef>
-              <a:spcAft>
-                <a:spcPts val="0"/>
-              </a:spcAft>
-              <a:buNone/>
-              <a:defRPr sz="4000" b="1" i="0" u="none" strike="noStrike" cap="small" baseline="0">
-                <a:solidFill>
-                  <a:srgbClr val="96281B"/>
-                </a:solidFill>
-                <a:latin typeface="Trebuchet MS"/>
-                <a:ea typeface="Trebuchet MS"/>
-                <a:cs typeface="Trebuchet MS"/>
-                <a:sym typeface="Trebuchet MS"/>
-              </a:defRPr>
-            </a:lvl1pPr>
-            <a:lvl2pPr marL="0" marR="0" indent="0" algn="l" rtl="0">
-              <a:lnSpc>
-                <a:spcPct val="100000"/>
-              </a:lnSpc>
-              <a:spcBef>
-                <a:spcPts val="0"/>
-              </a:spcBef>
-              <a:spcAft>
-                <a:spcPts val="0"/>
-              </a:spcAft>
-              <a:buNone/>
-              <a:defRPr sz="3000" b="1" i="0" u="none" strike="noStrike" cap="none" baseline="0">
-                <a:solidFill>
-                  <a:srgbClr val="96281B"/>
-                </a:solidFill>
-                <a:latin typeface="Trebuchet MS"/>
-                <a:ea typeface="Trebuchet MS"/>
-                <a:cs typeface="Trebuchet MS"/>
-                <a:sym typeface="Trebuchet MS"/>
-              </a:defRPr>
-            </a:lvl2pPr>
-            <a:lvl3pPr marL="0" marR="0" indent="0" algn="l" rtl="0">
-              <a:spcBef>
-                <a:spcPts val="0"/>
-              </a:spcBef>
-              <a:spcAft>
-                <a:spcPts val="0"/>
-              </a:spcAft>
-              <a:defRPr sz="3000" b="1" i="0" u="none" strike="noStrike" cap="none" baseline="0">
-                <a:solidFill>
-                  <a:srgbClr val="96281B"/>
-                </a:solidFill>
-                <a:latin typeface="Trebuchet MS"/>
-                <a:ea typeface="Trebuchet MS"/>
-                <a:cs typeface="Trebuchet MS"/>
-                <a:sym typeface="Trebuchet MS"/>
-              </a:defRPr>
-            </a:lvl3pPr>
-            <a:lvl4pPr marL="0" marR="0" indent="0" algn="l" rtl="0">
-              <a:spcBef>
-                <a:spcPts val="0"/>
-              </a:spcBef>
-              <a:spcAft>
-                <a:spcPts val="0"/>
-              </a:spcAft>
-              <a:defRPr sz="3000" b="1" i="0" u="none" strike="noStrike" cap="none" baseline="0">
-                <a:solidFill>
-                  <a:srgbClr val="96281B"/>
-                </a:solidFill>
-                <a:latin typeface="Trebuchet MS"/>
-                <a:ea typeface="Trebuchet MS"/>
-                <a:cs typeface="Trebuchet MS"/>
-                <a:sym typeface="Trebuchet MS"/>
-              </a:defRPr>
-            </a:lvl4pPr>
-            <a:lvl5pPr marL="0" marR="0" indent="0" algn="l" rtl="0">
-              <a:spcBef>
-                <a:spcPts val="0"/>
-              </a:spcBef>
-              <a:spcAft>
-                <a:spcPts val="0"/>
-              </a:spcAft>
-              <a:defRPr sz="3000" b="1" i="0" u="none" strike="noStrike" cap="none" baseline="0">
-                <a:solidFill>
-                  <a:srgbClr val="96281B"/>
-                </a:solidFill>
-                <a:latin typeface="Trebuchet MS"/>
-                <a:ea typeface="Trebuchet MS"/>
-                <a:cs typeface="Trebuchet MS"/>
-                <a:sym typeface="Trebuchet MS"/>
-              </a:defRPr>
-            </a:lvl5pPr>
-            <a:lvl6pPr marL="457200" marR="0" indent="0" algn="l" rtl="0">
-              <a:spcBef>
-                <a:spcPts val="0"/>
-              </a:spcBef>
-              <a:spcAft>
-                <a:spcPts val="0"/>
-              </a:spcAft>
-              <a:defRPr sz="3000" b="1" i="0" u="none" strike="noStrike" cap="none" baseline="0">
-                <a:solidFill>
-                  <a:srgbClr val="96281B"/>
-                </a:solidFill>
-                <a:latin typeface="Trebuchet MS"/>
-                <a:ea typeface="Trebuchet MS"/>
-                <a:cs typeface="Trebuchet MS"/>
-                <a:sym typeface="Trebuchet MS"/>
-              </a:defRPr>
-            </a:lvl6pPr>
-            <a:lvl7pPr marL="914400" marR="0" indent="0" algn="l" rtl="0">
-              <a:spcBef>
-                <a:spcPts val="0"/>
-              </a:spcBef>
-              <a:spcAft>
-                <a:spcPts val="0"/>
-              </a:spcAft>
-              <a:defRPr sz="3000" b="1" i="0" u="none" strike="noStrike" cap="none" baseline="0">
-                <a:solidFill>
-                  <a:srgbClr val="96281B"/>
-                </a:solidFill>
-                <a:latin typeface="Trebuchet MS"/>
-                <a:ea typeface="Trebuchet MS"/>
-                <a:cs typeface="Trebuchet MS"/>
-                <a:sym typeface="Trebuchet MS"/>
-              </a:defRPr>
-            </a:lvl7pPr>
-            <a:lvl8pPr marL="1371600" marR="0" indent="0" algn="l" rtl="0">
-              <a:spcBef>
-                <a:spcPts val="0"/>
-              </a:spcBef>
-              <a:spcAft>
-                <a:spcPts val="0"/>
-              </a:spcAft>
-              <a:defRPr sz="3000" b="1" i="0" u="none" strike="noStrike" cap="none" baseline="0">
-                <a:solidFill>
-                  <a:srgbClr val="96281B"/>
-                </a:solidFill>
-                <a:latin typeface="Trebuchet MS"/>
-                <a:ea typeface="Trebuchet MS"/>
-                <a:cs typeface="Trebuchet MS"/>
-                <a:sym typeface="Trebuchet MS"/>
-              </a:defRPr>
-            </a:lvl8pPr>
-            <a:lvl9pPr marL="1828800" marR="0" indent="0" algn="l" rtl="0">
-              <a:spcBef>
-                <a:spcPts val="0"/>
-              </a:spcBef>
-              <a:spcAft>
-                <a:spcPts val="0"/>
-              </a:spcAft>
-              <a:defRPr sz="3000" b="1" i="0" u="none" strike="noStrike" cap="none" baseline="0">
-                <a:solidFill>
-                  <a:srgbClr val="96281B"/>
-                </a:solidFill>
-                <a:latin typeface="Trebuchet MS"/>
-                <a:ea typeface="Trebuchet MS"/>
-                <a:cs typeface="Trebuchet MS"/>
-                <a:sym typeface="Trebuchet MS"/>
-              </a:defRPr>
-            </a:lvl9pPr>
-          </a:lstStyle>
-          <a:p>
-            <a:pPr>
-              <a:buClr>
-                <a:srgbClr val="96281B"/>
-              </a:buClr>
-              <a:buSzPct val="25000"/>
-              <a:buFont typeface="Trebuchet MS"/>
-              <a:buNone/>
-            </a:pPr>
-            <a:r>
-              <a:rPr lang="nb-NO" sz="3000" dirty="0" smtClean="0"/>
-              <a:t>Atomicity</a:t>
-            </a:r>
-          </a:p>
-          <a:p>
-            <a:pPr>
-              <a:buClr>
-                <a:srgbClr val="96281B"/>
-              </a:buClr>
-              <a:buSzPct val="25000"/>
-              <a:buFont typeface="Trebuchet MS"/>
-              <a:buNone/>
-            </a:pPr>
-            <a:r>
-              <a:rPr lang="nb-NO" sz="3000" dirty="0" smtClean="0"/>
-              <a:t>Consistency</a:t>
-            </a:r>
-          </a:p>
-          <a:p>
-            <a:pPr>
-              <a:buClr>
-                <a:srgbClr val="96281B"/>
-              </a:buClr>
-              <a:buSzPct val="25000"/>
-              <a:buFont typeface="Trebuchet MS"/>
-              <a:buNone/>
-            </a:pPr>
-            <a:r>
-              <a:rPr lang="nb-NO" sz="3000" dirty="0" smtClean="0"/>
-              <a:t>Isolation</a:t>
-            </a:r>
-          </a:p>
-          <a:p>
-            <a:pPr>
-              <a:buClr>
-                <a:srgbClr val="96281B"/>
-              </a:buClr>
-              <a:buSzPct val="25000"/>
-              <a:buFont typeface="Trebuchet MS"/>
-              <a:buNone/>
-            </a:pPr>
-            <a:r>
-              <a:rPr lang="nb-NO" sz="3000" dirty="0" smtClean="0"/>
-              <a:t>Durability</a:t>
-            </a:r>
-            <a:endParaRPr lang="nb-NO" sz="3000" dirty="0"/>
-          </a:p>
-        </p:txBody>
-      </p:sp>
+        </p:nvPicPr>
+        <p:blipFill>
+          <a:blip r:embed="rId4"/>
+          <a:srcRect/>
+          <a:stretch>
+            <a:fillRect/>
+          </a:stretch>
+        </p:blipFill>
+        <p:spPr bwMode="auto">
+          <a:xfrm>
+            <a:off x="5220072" y="332656"/>
+            <a:ext cx="1872208" cy="1872208"/>
+          </a:xfrm>
+          <a:prstGeom prst="rect">
+            <a:avLst/>
+          </a:prstGeom>
+          <a:noFill/>
+        </p:spPr>
+      </p:pic>
     </p:spTree>
   </p:cSld>
   <p:clrMapOvr>
@@ -17177,7 +16214,7 @@
                 <a:cs typeface="Georgia"/>
                 <a:sym typeface="Georgia"/>
               </a:rPr>
-              <a:t>10. oktoberl / Åpen fagkveld</a:t>
+              <a:t>10. oktober / Åpen fagkveld</a:t>
             </a:r>
             <a:endParaRPr sz="1000" b="0" i="1" u="none" strike="noStrike" cap="none" baseline="0" dirty="0">
               <a:solidFill>
@@ -17204,7 +16241,7 @@
         <p:spPr>
           <a:xfrm>
             <a:off x="431800" y="898525"/>
-            <a:ext cx="2267992" cy="553957"/>
+            <a:ext cx="8277224" cy="553957"/>
           </a:xfrm>
           <a:prstGeom prst="rect">
             <a:avLst/>
@@ -17215,38 +16252,46 @@
           </a:ln>
         </p:spPr>
         <p:txBody>
-          <a:bodyPr wrap="square" lIns="91425" tIns="45700" rIns="91425" bIns="45700" anchor="t" anchorCtr="0">
+          <a:bodyPr lIns="91425" tIns="45700" rIns="91425" bIns="45700" anchor="t" anchorCtr="0">
             <a:spAutoFit/>
           </a:bodyPr>
           <a:lstStyle/>
           <a:p>
-            <a:pPr marL="0" marR="0" lvl="0" indent="0" algn="l" rtl="0">
-              <a:spcBef>
-                <a:spcPts val="0"/>
-              </a:spcBef>
-              <a:spcAft>
-                <a:spcPts val="0"/>
-              </a:spcAft>
+            <a:pPr lvl="0">
               <a:buClr>
                 <a:srgbClr val="96281B"/>
               </a:buClr>
               <a:buSzPct val="25000"/>
-              <a:buFont typeface="Trebuchet MS"/>
-              <a:buNone/>
-            </a:pPr>
-            <a:r>
-              <a:rPr lang="nb-NO" sz="3000" b="1" i="0" u="none" strike="noStrike" cap="small" baseline="0" dirty="0" smtClean="0">
-                <a:solidFill>
-                  <a:srgbClr val="96281B"/>
+            </a:pPr>
+            <a:r>
+              <a:rPr lang="nb-NO" sz="3000" b="1" i="0" u="none" cap="small" baseline="0" dirty="0" smtClean="0">
+                <a:solidFill>
+                  <a:schemeClr val="accent1"/>
                 </a:solidFill>
                 <a:latin typeface="Trebuchet MS"/>
                 <a:ea typeface="Trebuchet MS"/>
                 <a:cs typeface="Trebuchet MS"/>
                 <a:sym typeface="Trebuchet MS"/>
               </a:rPr>
-              <a:t>CAP / BASE</a:t>
-            </a:r>
-            <a:endParaRPr sz="3000" b="1" i="0" u="none" strike="noStrike" cap="small" baseline="0" dirty="0">
+              <a:t>C</a:t>
+            </a:r>
+            <a:r>
+              <a:rPr lang="nb-NO" sz="3000" b="1" i="0" u="none" cap="small" baseline="0" dirty="0" smtClean="0">
+                <a:solidFill>
+                  <a:srgbClr val="96281B"/>
+                </a:solidFill>
+                <a:latin typeface="Trebuchet MS"/>
+                <a:ea typeface="Trebuchet MS"/>
+                <a:cs typeface="Trebuchet MS"/>
+                <a:sym typeface="Trebuchet MS"/>
+              </a:rPr>
+              <a:t>AP </a:t>
+            </a:r>
+            <a:r>
+              <a:rPr lang="nb-NO" sz="3000" dirty="0" smtClean="0"/>
+              <a:t>/ NOSQL</a:t>
+            </a:r>
+            <a:endParaRPr sz="3000" b="1" i="0" u="none" cap="small" baseline="0" dirty="0">
               <a:solidFill>
                 <a:srgbClr val="96281B"/>
               </a:solidFill>
@@ -17303,390 +16348,58 @@
           <a:noFill/>
         </p:spPr>
       </p:pic>
-      <p:sp>
-        <p:nvSpPr>
-          <p:cNvPr id="8" name="TextBox 7"/>
-          <p:cNvSpPr txBox="1"/>
+      <p:pic>
+        <p:nvPicPr>
+          <p:cNvPr id="66562" name="Picture 2" descr="http://icons.iconarchive.com/icons/deleket/scrap/256/Lock-icon.png"/>
+          <p:cNvPicPr>
+            <a:picLocks noChangeAspect="1" noChangeArrowheads="1"/>
+          </p:cNvPicPr>
           <p:nvPr/>
-        </p:nvSpPr>
-        <p:spPr>
-          <a:xfrm rot="1682408">
-            <a:off x="1224365" y="1601095"/>
-            <a:ext cx="1222840" cy="461665"/>
-          </a:xfrm>
-          <a:prstGeom prst="rect">
-            <a:avLst/>
-          </a:prstGeom>
-          <a:noFill/>
-        </p:spPr>
-        <p:txBody>
-          <a:bodyPr wrap="square" rtlCol="0">
-            <a:spAutoFit/>
-          </a:bodyPr>
-          <a:lstStyle/>
-          <a:p>
-            <a:r>
-              <a:rPr lang="nb-NO" sz="2400" dirty="0" smtClean="0"/>
-              <a:t>BASE</a:t>
-            </a:r>
-            <a:endParaRPr lang="nb-NO" sz="2400" dirty="0"/>
-          </a:p>
-        </p:txBody>
-      </p:sp>
-      <p:sp>
-        <p:nvSpPr>
-          <p:cNvPr id="11" name="TextBox 10"/>
-          <p:cNvSpPr txBox="1"/>
+        </p:nvPicPr>
+        <p:blipFill>
+          <a:blip r:embed="rId4"/>
+          <a:srcRect/>
+          <a:stretch>
+            <a:fillRect/>
+          </a:stretch>
+        </p:blipFill>
+        <p:spPr bwMode="auto">
+          <a:xfrm>
+            <a:off x="5220072" y="332656"/>
+            <a:ext cx="1872208" cy="1872208"/>
+          </a:xfrm>
+          <a:prstGeom prst="rect">
+            <a:avLst/>
+          </a:prstGeom>
+          <a:noFill/>
+        </p:spPr>
+      </p:pic>
+      <p:pic>
+        <p:nvPicPr>
+          <p:cNvPr id="7" name="Picture 2" descr="http://icons.iconarchive.com/icons/deleket/scrap/256/Lock-icon.png"/>
+          <p:cNvPicPr>
+            <a:picLocks noChangeAspect="1" noChangeArrowheads="1"/>
+          </p:cNvPicPr>
           <p:nvPr/>
-        </p:nvSpPr>
-        <p:spPr>
-          <a:xfrm>
-            <a:off x="3779912" y="5661248"/>
-            <a:ext cx="1222840" cy="461665"/>
-          </a:xfrm>
-          <a:prstGeom prst="rect">
-            <a:avLst/>
-          </a:prstGeom>
-          <a:noFill/>
-        </p:spPr>
-        <p:txBody>
-          <a:bodyPr wrap="square" rtlCol="0">
-            <a:spAutoFit/>
-          </a:bodyPr>
-          <a:lstStyle/>
-          <a:p>
-            <a:r>
-              <a:rPr lang="nb-NO" sz="2400" dirty="0" smtClean="0"/>
-              <a:t>ACID</a:t>
-            </a:r>
-            <a:endParaRPr lang="nb-NO" sz="2400" dirty="0"/>
-          </a:p>
-        </p:txBody>
-      </p:sp>
-      <p:cxnSp>
-        <p:nvCxnSpPr>
-          <p:cNvPr id="12" name="Straight Arrow Connector 11"/>
-          <p:cNvCxnSpPr/>
-          <p:nvPr/>
-        </p:nvCxnSpPr>
-        <p:spPr>
-          <a:xfrm>
-            <a:off x="2195736" y="1988840"/>
-            <a:ext cx="504056" cy="288032"/>
-          </a:xfrm>
-          <a:prstGeom prst="straightConnector1">
-            <a:avLst/>
-          </a:prstGeom>
-          <a:ln>
-            <a:tailEnd type="arrow"/>
-          </a:ln>
-        </p:spPr>
-        <p:style>
-          <a:lnRef idx="2">
-            <a:schemeClr val="dk1"/>
-          </a:lnRef>
-          <a:fillRef idx="0">
-            <a:schemeClr val="dk1"/>
-          </a:fillRef>
-          <a:effectRef idx="1">
-            <a:schemeClr val="dk1"/>
-          </a:effectRef>
-          <a:fontRef idx="minor">
-            <a:schemeClr val="tx1"/>
-          </a:fontRef>
-        </p:style>
-      </p:cxnSp>
-      <p:cxnSp>
-        <p:nvCxnSpPr>
-          <p:cNvPr id="16" name="Straight Arrow Connector 15"/>
-          <p:cNvCxnSpPr/>
-          <p:nvPr/>
-        </p:nvCxnSpPr>
-        <p:spPr>
-          <a:xfrm flipV="1">
-            <a:off x="4283968" y="5013176"/>
-            <a:ext cx="0" cy="648072"/>
-          </a:xfrm>
-          <a:prstGeom prst="straightConnector1">
-            <a:avLst/>
-          </a:prstGeom>
-          <a:ln>
-            <a:tailEnd type="arrow"/>
-          </a:ln>
-        </p:spPr>
-        <p:style>
-          <a:lnRef idx="2">
-            <a:schemeClr val="dk1"/>
-          </a:lnRef>
-          <a:fillRef idx="0">
-            <a:schemeClr val="dk1"/>
-          </a:fillRef>
-          <a:effectRef idx="1">
-            <a:schemeClr val="dk1"/>
-          </a:effectRef>
-          <a:fontRef idx="minor">
-            <a:schemeClr val="tx1"/>
-          </a:fontRef>
-        </p:style>
-      </p:cxnSp>
-      <p:sp>
-        <p:nvSpPr>
-          <p:cNvPr id="10" name="Shape 259"/>
-          <p:cNvSpPr txBox="1">
-            <a:spLocks/>
-          </p:cNvSpPr>
-          <p:nvPr/>
-        </p:nvSpPr>
-        <p:spPr>
-          <a:xfrm>
-            <a:off x="5724128" y="46227"/>
-            <a:ext cx="3563888" cy="1815841"/>
-          </a:xfrm>
-          <a:prstGeom prst="rect">
-            <a:avLst/>
-          </a:prstGeom>
-          <a:noFill/>
-          <a:ln>
-            <a:noFill/>
-          </a:ln>
-        </p:spPr>
-        <p:txBody>
-          <a:bodyPr wrap="square" lIns="91425" tIns="45700" rIns="91425" bIns="45700" anchor="t" anchorCtr="0">
-            <a:spAutoFit/>
-          </a:bodyPr>
-          <a:lstStyle>
-            <a:defPPr marR="0" algn="l" rtl="0">
-              <a:lnSpc>
-                <a:spcPct val="100000"/>
-              </a:lnSpc>
-              <a:spcBef>
-                <a:spcPts val="0"/>
-              </a:spcBef>
-              <a:spcAft>
-                <a:spcPts val="0"/>
-              </a:spcAft>
-            </a:defPPr>
-            <a:lvl1pPr marL="0" marR="0" indent="0" algn="l" rtl="0">
-              <a:lnSpc>
-                <a:spcPct val="100000"/>
-              </a:lnSpc>
-              <a:spcBef>
-                <a:spcPts val="0"/>
-              </a:spcBef>
-              <a:spcAft>
-                <a:spcPts val="0"/>
-              </a:spcAft>
-              <a:buNone/>
-              <a:defRPr sz="4000" b="1" i="0" u="none" strike="noStrike" cap="small" baseline="0">
-                <a:solidFill>
-                  <a:srgbClr val="96281B"/>
-                </a:solidFill>
-                <a:latin typeface="Trebuchet MS"/>
-                <a:ea typeface="Trebuchet MS"/>
-                <a:cs typeface="Trebuchet MS"/>
-                <a:sym typeface="Trebuchet MS"/>
-              </a:defRPr>
-            </a:lvl1pPr>
-            <a:lvl2pPr marL="0" marR="0" indent="0" algn="l" rtl="0">
-              <a:lnSpc>
-                <a:spcPct val="100000"/>
-              </a:lnSpc>
-              <a:spcBef>
-                <a:spcPts val="0"/>
-              </a:spcBef>
-              <a:spcAft>
-                <a:spcPts val="0"/>
-              </a:spcAft>
-              <a:buNone/>
-              <a:defRPr sz="3000" b="1" i="0" u="none" strike="noStrike" cap="none" baseline="0">
-                <a:solidFill>
-                  <a:srgbClr val="96281B"/>
-                </a:solidFill>
-                <a:latin typeface="Trebuchet MS"/>
-                <a:ea typeface="Trebuchet MS"/>
-                <a:cs typeface="Trebuchet MS"/>
-                <a:sym typeface="Trebuchet MS"/>
-              </a:defRPr>
-            </a:lvl2pPr>
-            <a:lvl3pPr marL="0" marR="0" indent="0" algn="l" rtl="0">
-              <a:spcBef>
-                <a:spcPts val="0"/>
-              </a:spcBef>
-              <a:spcAft>
-                <a:spcPts val="0"/>
-              </a:spcAft>
-              <a:defRPr sz="3000" b="1" i="0" u="none" strike="noStrike" cap="none" baseline="0">
-                <a:solidFill>
-                  <a:srgbClr val="96281B"/>
-                </a:solidFill>
-                <a:latin typeface="Trebuchet MS"/>
-                <a:ea typeface="Trebuchet MS"/>
-                <a:cs typeface="Trebuchet MS"/>
-                <a:sym typeface="Trebuchet MS"/>
-              </a:defRPr>
-            </a:lvl3pPr>
-            <a:lvl4pPr marL="0" marR="0" indent="0" algn="l" rtl="0">
-              <a:spcBef>
-                <a:spcPts val="0"/>
-              </a:spcBef>
-              <a:spcAft>
-                <a:spcPts val="0"/>
-              </a:spcAft>
-              <a:defRPr sz="3000" b="1" i="0" u="none" strike="noStrike" cap="none" baseline="0">
-                <a:solidFill>
-                  <a:srgbClr val="96281B"/>
-                </a:solidFill>
-                <a:latin typeface="Trebuchet MS"/>
-                <a:ea typeface="Trebuchet MS"/>
-                <a:cs typeface="Trebuchet MS"/>
-                <a:sym typeface="Trebuchet MS"/>
-              </a:defRPr>
-            </a:lvl4pPr>
-            <a:lvl5pPr marL="0" marR="0" indent="0" algn="l" rtl="0">
-              <a:spcBef>
-                <a:spcPts val="0"/>
-              </a:spcBef>
-              <a:spcAft>
-                <a:spcPts val="0"/>
-              </a:spcAft>
-              <a:defRPr sz="3000" b="1" i="0" u="none" strike="noStrike" cap="none" baseline="0">
-                <a:solidFill>
-                  <a:srgbClr val="96281B"/>
-                </a:solidFill>
-                <a:latin typeface="Trebuchet MS"/>
-                <a:ea typeface="Trebuchet MS"/>
-                <a:cs typeface="Trebuchet MS"/>
-                <a:sym typeface="Trebuchet MS"/>
-              </a:defRPr>
-            </a:lvl5pPr>
-            <a:lvl6pPr marL="457200" marR="0" indent="0" algn="l" rtl="0">
-              <a:spcBef>
-                <a:spcPts val="0"/>
-              </a:spcBef>
-              <a:spcAft>
-                <a:spcPts val="0"/>
-              </a:spcAft>
-              <a:defRPr sz="3000" b="1" i="0" u="none" strike="noStrike" cap="none" baseline="0">
-                <a:solidFill>
-                  <a:srgbClr val="96281B"/>
-                </a:solidFill>
-                <a:latin typeface="Trebuchet MS"/>
-                <a:ea typeface="Trebuchet MS"/>
-                <a:cs typeface="Trebuchet MS"/>
-                <a:sym typeface="Trebuchet MS"/>
-              </a:defRPr>
-            </a:lvl6pPr>
-            <a:lvl7pPr marL="914400" marR="0" indent="0" algn="l" rtl="0">
-              <a:spcBef>
-                <a:spcPts val="0"/>
-              </a:spcBef>
-              <a:spcAft>
-                <a:spcPts val="0"/>
-              </a:spcAft>
-              <a:defRPr sz="3000" b="1" i="0" u="none" strike="noStrike" cap="none" baseline="0">
-                <a:solidFill>
-                  <a:srgbClr val="96281B"/>
-                </a:solidFill>
-                <a:latin typeface="Trebuchet MS"/>
-                <a:ea typeface="Trebuchet MS"/>
-                <a:cs typeface="Trebuchet MS"/>
-                <a:sym typeface="Trebuchet MS"/>
-              </a:defRPr>
-            </a:lvl7pPr>
-            <a:lvl8pPr marL="1371600" marR="0" indent="0" algn="l" rtl="0">
-              <a:spcBef>
-                <a:spcPts val="0"/>
-              </a:spcBef>
-              <a:spcAft>
-                <a:spcPts val="0"/>
-              </a:spcAft>
-              <a:defRPr sz="3000" b="1" i="0" u="none" strike="noStrike" cap="none" baseline="0">
-                <a:solidFill>
-                  <a:srgbClr val="96281B"/>
-                </a:solidFill>
-                <a:latin typeface="Trebuchet MS"/>
-                <a:ea typeface="Trebuchet MS"/>
-                <a:cs typeface="Trebuchet MS"/>
-                <a:sym typeface="Trebuchet MS"/>
-              </a:defRPr>
-            </a:lvl8pPr>
-            <a:lvl9pPr marL="1828800" marR="0" indent="0" algn="l" rtl="0">
-              <a:spcBef>
-                <a:spcPts val="0"/>
-              </a:spcBef>
-              <a:spcAft>
-                <a:spcPts val="0"/>
-              </a:spcAft>
-              <a:defRPr sz="3000" b="1" i="0" u="none" strike="noStrike" cap="none" baseline="0">
-                <a:solidFill>
-                  <a:srgbClr val="96281B"/>
-                </a:solidFill>
-                <a:latin typeface="Trebuchet MS"/>
-                <a:ea typeface="Trebuchet MS"/>
-                <a:cs typeface="Trebuchet MS"/>
-                <a:sym typeface="Trebuchet MS"/>
-              </a:defRPr>
-            </a:lvl9pPr>
-          </a:lstStyle>
-          <a:p>
-            <a:pPr>
-              <a:buClr>
-                <a:srgbClr val="96281B"/>
-              </a:buClr>
-              <a:buSzPct val="25000"/>
-              <a:buFont typeface="Trebuchet MS"/>
-              <a:buNone/>
-            </a:pPr>
-            <a:r>
-              <a:rPr lang="nb-NO" sz="2800" dirty="0" smtClean="0"/>
-              <a:t>Basically </a:t>
-            </a:r>
-          </a:p>
-          <a:p>
-            <a:pPr>
-              <a:buClr>
-                <a:srgbClr val="96281B"/>
-              </a:buClr>
-              <a:buSzPct val="25000"/>
-              <a:buFont typeface="Trebuchet MS"/>
-              <a:buNone/>
-            </a:pPr>
-            <a:r>
-              <a:rPr lang="nb-NO" sz="2800" dirty="0" smtClean="0"/>
-              <a:t>Available</a:t>
-            </a:r>
-          </a:p>
-          <a:p>
-            <a:pPr>
-              <a:buClr>
-                <a:srgbClr val="96281B"/>
-              </a:buClr>
-              <a:buSzPct val="25000"/>
-              <a:buFont typeface="Trebuchet MS"/>
-              <a:buNone/>
-            </a:pPr>
-            <a:r>
-              <a:rPr lang="nb-NO" sz="2800" dirty="0" smtClean="0"/>
-              <a:t>Soft state</a:t>
-            </a:r>
-          </a:p>
-          <a:p>
-            <a:pPr>
-              <a:buClr>
-                <a:srgbClr val="96281B"/>
-              </a:buClr>
-              <a:buSzPct val="25000"/>
-              <a:buFont typeface="Trebuchet MS"/>
-              <a:buNone/>
-            </a:pPr>
-            <a:r>
-              <a:rPr lang="nb-NO" sz="2800" dirty="0" smtClean="0"/>
-              <a:t>Eventual consistent</a:t>
-            </a:r>
-            <a:endParaRPr lang="nb-NO" sz="2800" dirty="0"/>
-          </a:p>
-        </p:txBody>
-      </p:sp>
+        </p:nvPicPr>
+        <p:blipFill>
+          <a:blip r:embed="rId4"/>
+          <a:srcRect/>
+          <a:stretch>
+            <a:fillRect/>
+          </a:stretch>
+        </p:blipFill>
+        <p:spPr bwMode="auto">
+          <a:xfrm>
+            <a:off x="2051720" y="4293096"/>
+            <a:ext cx="1872208" cy="1872208"/>
+          </a:xfrm>
+          <a:prstGeom prst="rect">
+            <a:avLst/>
+          </a:prstGeom>
+          <a:noFill/>
+        </p:spPr>
+      </p:pic>
     </p:spTree>
   </p:cSld>
   <p:clrMapOvr>
@@ -17765,7 +16478,7 @@
                 <a:cs typeface="Georgia"/>
                 <a:sym typeface="Georgia"/>
               </a:rPr>
-              <a:t>10. oktoberl / Åpen fagkveld</a:t>
+              <a:t>10. oktober / Åpen fagkveld</a:t>
             </a:r>
             <a:endParaRPr sz="1000" b="0" i="1" u="none" strike="noStrike" cap="none" baseline="0" dirty="0">
               <a:solidFill>
@@ -17792,7 +16505,7 @@
         <p:spPr>
           <a:xfrm>
             <a:off x="431800" y="898525"/>
-            <a:ext cx="8277224" cy="553957"/>
+            <a:ext cx="2772048" cy="553957"/>
           </a:xfrm>
           <a:prstGeom prst="rect">
             <a:avLst/>
@@ -17803,28 +16516,28 @@
           </a:ln>
         </p:spPr>
         <p:txBody>
-          <a:bodyPr lIns="91425" tIns="45700" rIns="91425" bIns="45700" anchor="t" anchorCtr="0">
+          <a:bodyPr wrap="square" lIns="91425" tIns="45700" rIns="91425" bIns="45700" anchor="t" anchorCtr="0">
             <a:spAutoFit/>
           </a:bodyPr>
           <a:lstStyle/>
           <a:p>
-            <a:pPr marL="0" marR="0" lvl="0" indent="0" algn="l" rtl="0">
-              <a:spcBef>
-                <a:spcPts val="0"/>
-              </a:spcBef>
-              <a:spcAft>
-                <a:spcPts val="0"/>
-              </a:spcAft>
+            <a:pPr lvl="0">
               <a:buClr>
                 <a:srgbClr val="96281B"/>
               </a:buClr>
               <a:buSzPct val="25000"/>
-              <a:buFont typeface="Trebuchet MS"/>
-              <a:buNone/>
-            </a:pPr>
+            </a:pPr>
+            <a:r>
+              <a:rPr lang="nb-NO" sz="3000" dirty="0" smtClean="0">
+                <a:solidFill>
+                  <a:schemeClr val="accent1"/>
+                </a:solidFill>
+              </a:rPr>
+              <a:t>C</a:t>
+            </a:r>
             <a:r>
               <a:rPr lang="nb-NO" sz="3000" dirty="0" smtClean="0"/>
-              <a:t>ACID on the Node, BASE on the cluster</a:t>
+              <a:t>AP / NOSQL</a:t>
             </a:r>
             <a:endParaRPr sz="3000" b="1" i="0" u="none" strike="noStrike" cap="small" baseline="0" dirty="0">
               <a:solidFill>
@@ -17840,7 +16553,7 @@
       </p:sp>
       <p:sp>
         <p:nvSpPr>
-          <p:cNvPr id="260" name="Shape 260"/>
+          <p:cNvPr id="6" name="Text Placeholder 5"/>
           <p:cNvSpPr>
             <a:spLocks noGrp="1"/>
           </p:cNvSpPr>
@@ -17848,56 +16561,18 @@
             <p:ph type="body" idx="1"/>
           </p:nvPr>
         </p:nvSpPr>
-        <p:spPr>
-          <a:xfrm>
-            <a:off x="431800" y="1546225"/>
-            <a:ext cx="8277224" cy="1315704"/>
-          </a:xfrm>
-          <a:prstGeom prst="rect">
-            <a:avLst/>
-          </a:prstGeom>
-          <a:noFill/>
-          <a:ln>
-            <a:noFill/>
-          </a:ln>
-        </p:spPr>
+        <p:spPr/>
         <p:txBody>
-          <a:bodyPr lIns="91425" tIns="45700" rIns="91425" bIns="45700" anchor="t" anchorCtr="0">
-            <a:spAutoFit/>
-          </a:bodyPr>
+          <a:bodyPr/>
           <a:lstStyle/>
           <a:p>
-            <a:pPr>
-              <a:buSzPct val="100694"/>
-              <a:buFont typeface="Arial"/>
-              <a:buChar char="•"/>
-            </a:pPr>
-            <a:endParaRPr lang="nb-NO" sz="2800" dirty="0" smtClean="0"/>
-          </a:p>
-          <a:p>
-            <a:pPr lvl="1">
-              <a:buSzPct val="100694"/>
-              <a:buFont typeface="Arial"/>
-              <a:buChar char="•"/>
-            </a:pPr>
-            <a:endParaRPr sz="2400" b="0" i="0" u="none" strike="noStrike" cap="none" baseline="0" dirty="0">
-              <a:solidFill>
-                <a:schemeClr val="dk1"/>
-              </a:solidFill>
-              <a:latin typeface="Georgia"/>
-              <a:ea typeface="Georgia"/>
-              <a:cs typeface="Georgia"/>
-              <a:sym typeface="Georgia"/>
-            </a:endParaRPr>
-          </a:p>
-          <a:p>
-            <a:endParaRPr dirty="0"/>
+            <a:endParaRPr lang="nb-NO" dirty="0"/>
           </a:p>
         </p:txBody>
       </p:sp>
       <p:pic>
         <p:nvPicPr>
-          <p:cNvPr id="6" name="Picture 2" descr="http://www.chemistryexplained.com/photos/acid-base-chemistry-3284.jpg"/>
+          <p:cNvPr id="49156" name="Picture 4" descr="CAP.png"/>
           <p:cNvPicPr>
             <a:picLocks noChangeAspect="1" noChangeArrowheads="1"/>
           </p:cNvPicPr>
@@ -17912,8 +16587,8 @@
         </p:blipFill>
         <p:spPr bwMode="auto">
           <a:xfrm>
-            <a:off x="1619672" y="1567079"/>
-            <a:ext cx="5530216" cy="3950153"/>
+            <a:off x="1763688" y="620688"/>
+            <a:ext cx="5184576" cy="4687721"/>
           </a:xfrm>
           <a:prstGeom prst="rect">
             <a:avLst/>
@@ -17921,6 +16596,390 @@
           <a:noFill/>
         </p:spPr>
       </p:pic>
+      <p:sp>
+        <p:nvSpPr>
+          <p:cNvPr id="8" name="TextBox 7"/>
+          <p:cNvSpPr txBox="1"/>
+          <p:nvPr/>
+        </p:nvSpPr>
+        <p:spPr>
+          <a:xfrm rot="1682408">
+            <a:off x="1224365" y="1601095"/>
+            <a:ext cx="1222840" cy="461665"/>
+          </a:xfrm>
+          <a:prstGeom prst="rect">
+            <a:avLst/>
+          </a:prstGeom>
+          <a:noFill/>
+        </p:spPr>
+        <p:txBody>
+          <a:bodyPr wrap="square" rtlCol="0">
+            <a:spAutoFit/>
+          </a:bodyPr>
+          <a:lstStyle/>
+          <a:p>
+            <a:r>
+              <a:rPr lang="nb-NO" sz="2400" dirty="0" smtClean="0"/>
+              <a:t>BASE</a:t>
+            </a:r>
+            <a:endParaRPr lang="nb-NO" sz="2400" dirty="0"/>
+          </a:p>
+        </p:txBody>
+      </p:sp>
+      <p:sp>
+        <p:nvSpPr>
+          <p:cNvPr id="11" name="TextBox 10"/>
+          <p:cNvSpPr txBox="1"/>
+          <p:nvPr/>
+        </p:nvSpPr>
+        <p:spPr>
+          <a:xfrm>
+            <a:off x="3779912" y="5661248"/>
+            <a:ext cx="1222840" cy="461665"/>
+          </a:xfrm>
+          <a:prstGeom prst="rect">
+            <a:avLst/>
+          </a:prstGeom>
+          <a:noFill/>
+        </p:spPr>
+        <p:txBody>
+          <a:bodyPr wrap="square" rtlCol="0">
+            <a:spAutoFit/>
+          </a:bodyPr>
+          <a:lstStyle/>
+          <a:p>
+            <a:r>
+              <a:rPr lang="nb-NO" sz="2400" dirty="0" smtClean="0"/>
+              <a:t>ACID</a:t>
+            </a:r>
+            <a:endParaRPr lang="nb-NO" sz="2400" dirty="0"/>
+          </a:p>
+        </p:txBody>
+      </p:sp>
+      <p:cxnSp>
+        <p:nvCxnSpPr>
+          <p:cNvPr id="12" name="Straight Arrow Connector 11"/>
+          <p:cNvCxnSpPr/>
+          <p:nvPr/>
+        </p:nvCxnSpPr>
+        <p:spPr>
+          <a:xfrm>
+            <a:off x="2195736" y="1988840"/>
+            <a:ext cx="504056" cy="288032"/>
+          </a:xfrm>
+          <a:prstGeom prst="straightConnector1">
+            <a:avLst/>
+          </a:prstGeom>
+          <a:ln>
+            <a:tailEnd type="arrow"/>
+          </a:ln>
+        </p:spPr>
+        <p:style>
+          <a:lnRef idx="2">
+            <a:schemeClr val="dk1"/>
+          </a:lnRef>
+          <a:fillRef idx="0">
+            <a:schemeClr val="dk1"/>
+          </a:fillRef>
+          <a:effectRef idx="1">
+            <a:schemeClr val="dk1"/>
+          </a:effectRef>
+          <a:fontRef idx="minor">
+            <a:schemeClr val="tx1"/>
+          </a:fontRef>
+        </p:style>
+      </p:cxnSp>
+      <p:cxnSp>
+        <p:nvCxnSpPr>
+          <p:cNvPr id="16" name="Straight Arrow Connector 15"/>
+          <p:cNvCxnSpPr/>
+          <p:nvPr/>
+        </p:nvCxnSpPr>
+        <p:spPr>
+          <a:xfrm flipV="1">
+            <a:off x="4283968" y="5013176"/>
+            <a:ext cx="0" cy="648072"/>
+          </a:xfrm>
+          <a:prstGeom prst="straightConnector1">
+            <a:avLst/>
+          </a:prstGeom>
+          <a:ln>
+            <a:tailEnd type="arrow"/>
+          </a:ln>
+        </p:spPr>
+        <p:style>
+          <a:lnRef idx="2">
+            <a:schemeClr val="dk1"/>
+          </a:lnRef>
+          <a:fillRef idx="0">
+            <a:schemeClr val="dk1"/>
+          </a:fillRef>
+          <a:effectRef idx="1">
+            <a:schemeClr val="dk1"/>
+          </a:effectRef>
+          <a:fontRef idx="minor">
+            <a:schemeClr val="tx1"/>
+          </a:fontRef>
+        </p:style>
+      </p:cxnSp>
+      <p:sp>
+        <p:nvSpPr>
+          <p:cNvPr id="10" name="Shape 259"/>
+          <p:cNvSpPr txBox="1">
+            <a:spLocks/>
+          </p:cNvSpPr>
+          <p:nvPr/>
+        </p:nvSpPr>
+        <p:spPr>
+          <a:xfrm>
+            <a:off x="5724128" y="46227"/>
+            <a:ext cx="3563888" cy="1815841"/>
+          </a:xfrm>
+          <a:prstGeom prst="rect">
+            <a:avLst/>
+          </a:prstGeom>
+          <a:noFill/>
+          <a:ln>
+            <a:noFill/>
+          </a:ln>
+        </p:spPr>
+        <p:txBody>
+          <a:bodyPr wrap="square" lIns="91425" tIns="45700" rIns="91425" bIns="45700" anchor="t" anchorCtr="0">
+            <a:spAutoFit/>
+          </a:bodyPr>
+          <a:lstStyle>
+            <a:defPPr marR="0" algn="l" rtl="0">
+              <a:lnSpc>
+                <a:spcPct val="100000"/>
+              </a:lnSpc>
+              <a:spcBef>
+                <a:spcPts val="0"/>
+              </a:spcBef>
+              <a:spcAft>
+                <a:spcPts val="0"/>
+              </a:spcAft>
+            </a:defPPr>
+            <a:lvl1pPr marL="0" marR="0" indent="0" algn="l" rtl="0">
+              <a:lnSpc>
+                <a:spcPct val="100000"/>
+              </a:lnSpc>
+              <a:spcBef>
+                <a:spcPts val="0"/>
+              </a:spcBef>
+              <a:spcAft>
+                <a:spcPts val="0"/>
+              </a:spcAft>
+              <a:buNone/>
+              <a:defRPr sz="4000" b="1" i="0" u="none" strike="noStrike" cap="small" baseline="0">
+                <a:solidFill>
+                  <a:srgbClr val="96281B"/>
+                </a:solidFill>
+                <a:latin typeface="Trebuchet MS"/>
+                <a:ea typeface="Trebuchet MS"/>
+                <a:cs typeface="Trebuchet MS"/>
+                <a:sym typeface="Trebuchet MS"/>
+              </a:defRPr>
+            </a:lvl1pPr>
+            <a:lvl2pPr marL="0" marR="0" indent="0" algn="l" rtl="0">
+              <a:lnSpc>
+                <a:spcPct val="100000"/>
+              </a:lnSpc>
+              <a:spcBef>
+                <a:spcPts val="0"/>
+              </a:spcBef>
+              <a:spcAft>
+                <a:spcPts val="0"/>
+              </a:spcAft>
+              <a:buNone/>
+              <a:defRPr sz="3000" b="1" i="0" u="none" strike="noStrike" cap="none" baseline="0">
+                <a:solidFill>
+                  <a:srgbClr val="96281B"/>
+                </a:solidFill>
+                <a:latin typeface="Trebuchet MS"/>
+                <a:ea typeface="Trebuchet MS"/>
+                <a:cs typeface="Trebuchet MS"/>
+                <a:sym typeface="Trebuchet MS"/>
+              </a:defRPr>
+            </a:lvl2pPr>
+            <a:lvl3pPr marL="0" marR="0" indent="0" algn="l" rtl="0">
+              <a:spcBef>
+                <a:spcPts val="0"/>
+              </a:spcBef>
+              <a:spcAft>
+                <a:spcPts val="0"/>
+              </a:spcAft>
+              <a:defRPr sz="3000" b="1" i="0" u="none" strike="noStrike" cap="none" baseline="0">
+                <a:solidFill>
+                  <a:srgbClr val="96281B"/>
+                </a:solidFill>
+                <a:latin typeface="Trebuchet MS"/>
+                <a:ea typeface="Trebuchet MS"/>
+                <a:cs typeface="Trebuchet MS"/>
+                <a:sym typeface="Trebuchet MS"/>
+              </a:defRPr>
+            </a:lvl3pPr>
+            <a:lvl4pPr marL="0" marR="0" indent="0" algn="l" rtl="0">
+              <a:spcBef>
+                <a:spcPts val="0"/>
+              </a:spcBef>
+              <a:spcAft>
+                <a:spcPts val="0"/>
+              </a:spcAft>
+              <a:defRPr sz="3000" b="1" i="0" u="none" strike="noStrike" cap="none" baseline="0">
+                <a:solidFill>
+                  <a:srgbClr val="96281B"/>
+                </a:solidFill>
+                <a:latin typeface="Trebuchet MS"/>
+                <a:ea typeface="Trebuchet MS"/>
+                <a:cs typeface="Trebuchet MS"/>
+                <a:sym typeface="Trebuchet MS"/>
+              </a:defRPr>
+            </a:lvl4pPr>
+            <a:lvl5pPr marL="0" marR="0" indent="0" algn="l" rtl="0">
+              <a:spcBef>
+                <a:spcPts val="0"/>
+              </a:spcBef>
+              <a:spcAft>
+                <a:spcPts val="0"/>
+              </a:spcAft>
+              <a:defRPr sz="3000" b="1" i="0" u="none" strike="noStrike" cap="none" baseline="0">
+                <a:solidFill>
+                  <a:srgbClr val="96281B"/>
+                </a:solidFill>
+                <a:latin typeface="Trebuchet MS"/>
+                <a:ea typeface="Trebuchet MS"/>
+                <a:cs typeface="Trebuchet MS"/>
+                <a:sym typeface="Trebuchet MS"/>
+              </a:defRPr>
+            </a:lvl5pPr>
+            <a:lvl6pPr marL="457200" marR="0" indent="0" algn="l" rtl="0">
+              <a:spcBef>
+                <a:spcPts val="0"/>
+              </a:spcBef>
+              <a:spcAft>
+                <a:spcPts val="0"/>
+              </a:spcAft>
+              <a:defRPr sz="3000" b="1" i="0" u="none" strike="noStrike" cap="none" baseline="0">
+                <a:solidFill>
+                  <a:srgbClr val="96281B"/>
+                </a:solidFill>
+                <a:latin typeface="Trebuchet MS"/>
+                <a:ea typeface="Trebuchet MS"/>
+                <a:cs typeface="Trebuchet MS"/>
+                <a:sym typeface="Trebuchet MS"/>
+              </a:defRPr>
+            </a:lvl6pPr>
+            <a:lvl7pPr marL="914400" marR="0" indent="0" algn="l" rtl="0">
+              <a:spcBef>
+                <a:spcPts val="0"/>
+              </a:spcBef>
+              <a:spcAft>
+                <a:spcPts val="0"/>
+              </a:spcAft>
+              <a:defRPr sz="3000" b="1" i="0" u="none" strike="noStrike" cap="none" baseline="0">
+                <a:solidFill>
+                  <a:srgbClr val="96281B"/>
+                </a:solidFill>
+                <a:latin typeface="Trebuchet MS"/>
+                <a:ea typeface="Trebuchet MS"/>
+                <a:cs typeface="Trebuchet MS"/>
+                <a:sym typeface="Trebuchet MS"/>
+              </a:defRPr>
+            </a:lvl7pPr>
+            <a:lvl8pPr marL="1371600" marR="0" indent="0" algn="l" rtl="0">
+              <a:spcBef>
+                <a:spcPts val="0"/>
+              </a:spcBef>
+              <a:spcAft>
+                <a:spcPts val="0"/>
+              </a:spcAft>
+              <a:defRPr sz="3000" b="1" i="0" u="none" strike="noStrike" cap="none" baseline="0">
+                <a:solidFill>
+                  <a:srgbClr val="96281B"/>
+                </a:solidFill>
+                <a:latin typeface="Trebuchet MS"/>
+                <a:ea typeface="Trebuchet MS"/>
+                <a:cs typeface="Trebuchet MS"/>
+                <a:sym typeface="Trebuchet MS"/>
+              </a:defRPr>
+            </a:lvl8pPr>
+            <a:lvl9pPr marL="1828800" marR="0" indent="0" algn="l" rtl="0">
+              <a:spcBef>
+                <a:spcPts val="0"/>
+              </a:spcBef>
+              <a:spcAft>
+                <a:spcPts val="0"/>
+              </a:spcAft>
+              <a:defRPr sz="3000" b="1" i="0" u="none" strike="noStrike" cap="none" baseline="0">
+                <a:solidFill>
+                  <a:srgbClr val="96281B"/>
+                </a:solidFill>
+                <a:latin typeface="Trebuchet MS"/>
+                <a:ea typeface="Trebuchet MS"/>
+                <a:cs typeface="Trebuchet MS"/>
+                <a:sym typeface="Trebuchet MS"/>
+              </a:defRPr>
+            </a:lvl9pPr>
+          </a:lstStyle>
+          <a:p>
+            <a:pPr>
+              <a:buClr>
+                <a:srgbClr val="96281B"/>
+              </a:buClr>
+              <a:buSzPct val="25000"/>
+              <a:buFont typeface="Trebuchet MS"/>
+              <a:buNone/>
+            </a:pPr>
+            <a:r>
+              <a:rPr lang="nb-NO" sz="2800" dirty="0" smtClean="0"/>
+              <a:t>Basically </a:t>
+            </a:r>
+          </a:p>
+          <a:p>
+            <a:pPr>
+              <a:buClr>
+                <a:srgbClr val="96281B"/>
+              </a:buClr>
+              <a:buSzPct val="25000"/>
+              <a:buFont typeface="Trebuchet MS"/>
+              <a:buNone/>
+            </a:pPr>
+            <a:r>
+              <a:rPr lang="nb-NO" sz="2800" dirty="0" smtClean="0"/>
+              <a:t>Available</a:t>
+            </a:r>
+          </a:p>
+          <a:p>
+            <a:pPr>
+              <a:buClr>
+                <a:srgbClr val="96281B"/>
+              </a:buClr>
+              <a:buSzPct val="25000"/>
+              <a:buFont typeface="Trebuchet MS"/>
+              <a:buNone/>
+            </a:pPr>
+            <a:r>
+              <a:rPr lang="nb-NO" sz="2800" dirty="0" smtClean="0"/>
+              <a:t>Soft state</a:t>
+            </a:r>
+          </a:p>
+          <a:p>
+            <a:pPr>
+              <a:buClr>
+                <a:srgbClr val="96281B"/>
+              </a:buClr>
+              <a:buSzPct val="25000"/>
+              <a:buFont typeface="Trebuchet MS"/>
+              <a:buNone/>
+            </a:pPr>
+            <a:r>
+              <a:rPr lang="nb-NO" sz="2800" dirty="0" smtClean="0"/>
+              <a:t>Eventual consistent</a:t>
+            </a:r>
+            <a:endParaRPr lang="nb-NO" sz="2800" dirty="0"/>
+          </a:p>
+        </p:txBody>
+      </p:sp>
     </p:spTree>
   </p:cSld>
   <p:clrMapOvr>
@@ -17944,7 +17003,7 @@
   <p:cSld>
     <p:spTree>
       <p:nvGrpSpPr>
-        <p:cNvPr id="1" name="Shape 116"/>
+        <p:cNvPr id="1" name="Shape 257"/>
         <p:cNvGrpSpPr/>
         <p:nvPr/>
       </p:nvGrpSpPr>
@@ -17958,7 +17017,7 @@
       </p:grpSpPr>
       <p:sp>
         <p:nvSpPr>
-          <p:cNvPr id="117" name="Shape 117"/>
+          <p:cNvPr id="258" name="Shape 258"/>
           <p:cNvSpPr/>
           <p:nvPr/>
         </p:nvSpPr>
@@ -17999,7 +17058,7 @@
                 <a:cs typeface="Georgia"/>
                 <a:sym typeface="Georgia"/>
               </a:rPr>
-              <a:t>10. oktoberl / Åpen fagkveld</a:t>
+              <a:t>10. oktober / Åpen fagkveld</a:t>
             </a:r>
             <a:endParaRPr sz="1000" b="0" i="1" u="none" strike="noStrike" cap="none" baseline="0" dirty="0">
               <a:solidFill>
@@ -18015,7 +17074,7 @@
       </p:sp>
       <p:sp>
         <p:nvSpPr>
-          <p:cNvPr id="118" name="Shape 118"/>
+          <p:cNvPr id="259" name="Shape 259"/>
           <p:cNvSpPr>
             <a:spLocks noGrp="1"/>
           </p:cNvSpPr>
@@ -18042,15 +17101,23 @@
           </a:bodyPr>
           <a:lstStyle/>
           <a:p>
-            <a:pPr lvl="0">
+            <a:pPr marL="0" marR="0" lvl="0" indent="0" algn="l" rtl="0">
+              <a:spcBef>
+                <a:spcPts val="0"/>
+              </a:spcBef>
+              <a:spcAft>
+                <a:spcPts val="0"/>
+              </a:spcAft>
               <a:buClr>
                 <a:srgbClr val="96281B"/>
               </a:buClr>
               <a:buSzPct val="25000"/>
+              <a:buFont typeface="Trebuchet MS"/>
+              <a:buNone/>
             </a:pPr>
             <a:r>
               <a:rPr lang="nb-NO" sz="3000" dirty="0" smtClean="0"/>
-              <a:t>RDBMS			vs 			NOSQL</a:t>
+              <a:t>ACID on the Node, BASE on the cluster</a:t>
             </a:r>
             <a:endParaRPr sz="3000" b="1" i="0" u="none" strike="noStrike" cap="small" baseline="0" dirty="0">
               <a:solidFill>
@@ -18066,7 +17133,7 @@
       </p:sp>
       <p:sp>
         <p:nvSpPr>
-          <p:cNvPr id="119" name="Shape 119"/>
+          <p:cNvPr id="260" name="Shape 260"/>
           <p:cNvSpPr>
             <a:spLocks noGrp="1"/>
           </p:cNvSpPr>
@@ -18077,7 +17144,7 @@
         <p:spPr>
           <a:xfrm>
             <a:off x="431800" y="1546225"/>
-            <a:ext cx="2916064" cy="3775352"/>
+            <a:ext cx="8277224" cy="1315704"/>
           </a:xfrm>
           <a:prstGeom prst="rect">
             <a:avLst/>
@@ -18088,184 +17155,28 @@
           </a:ln>
         </p:spPr>
         <p:txBody>
-          <a:bodyPr wrap="square" lIns="91425" tIns="45700" rIns="91425" bIns="45700" anchor="t" anchorCtr="0">
+          <a:bodyPr lIns="91425" tIns="45700" rIns="91425" bIns="45700" anchor="t" anchorCtr="0">
             <a:spAutoFit/>
           </a:bodyPr>
           <a:lstStyle/>
           <a:p>
-            <a:pPr lvl="0">
+            <a:pPr>
               <a:buSzPct val="100694"/>
               <a:buFont typeface="Arial"/>
               <a:buChar char="•"/>
             </a:pPr>
-            <a:r>
-              <a:rPr lang="nb-NO" sz="2400" dirty="0" smtClean="0"/>
-              <a:t> En maskin</a:t>
-            </a:r>
-          </a:p>
-          <a:p>
-            <a:pPr lvl="0">
+            <a:endParaRPr lang="nb-NO" sz="2800" dirty="0" smtClean="0"/>
+          </a:p>
+          <a:p>
+            <a:pPr lvl="1">
               <a:buSzPct val="100694"/>
               <a:buFont typeface="Arial"/>
               <a:buChar char="•"/>
             </a:pPr>
-            <a:r>
-              <a:rPr lang="nb-NO" sz="2400" dirty="0" smtClean="0"/>
-              <a:t> CA</a:t>
-            </a:r>
-          </a:p>
-          <a:p>
-            <a:pPr lvl="0">
-              <a:buSzPct val="100694"/>
-              <a:buFont typeface="Arial"/>
-              <a:buChar char="•"/>
-            </a:pPr>
-            <a:r>
-              <a:rPr lang="nb-NO" sz="2400" dirty="0" smtClean="0"/>
-              <a:t> Skalerer vertikalt</a:t>
-            </a:r>
-          </a:p>
-          <a:p>
-            <a:pPr lvl="0">
-              <a:buSzPct val="100694"/>
-              <a:buFont typeface="Arial"/>
-              <a:buChar char="•"/>
-            </a:pPr>
-            <a:r>
-              <a:rPr lang="nb-NO" sz="2400" dirty="0" smtClean="0"/>
-              <a:t> SQL</a:t>
-            </a:r>
-          </a:p>
-          <a:p>
-            <a:pPr lvl="0">
-              <a:buSzPct val="100694"/>
-              <a:buFont typeface="Arial"/>
-              <a:buChar char="•"/>
-            </a:pPr>
-            <a:r>
-              <a:rPr lang="nb-NO" sz="2400" dirty="0" smtClean="0"/>
-              <a:t> ACID</a:t>
-            </a:r>
-          </a:p>
-          <a:p>
-            <a:pPr lvl="0">
-              <a:buSzPct val="100694"/>
-              <a:buFont typeface="Arial"/>
-              <a:buChar char="•"/>
-            </a:pPr>
-            <a:r>
-              <a:rPr lang="nb-NO" sz="2400" dirty="0" smtClean="0"/>
-              <a:t> Indexer</a:t>
-            </a:r>
-          </a:p>
-          <a:p>
-            <a:pPr lvl="0">
-              <a:buSzPct val="100694"/>
-              <a:buFont typeface="Arial"/>
-              <a:buChar char="•"/>
-            </a:pPr>
-            <a:endParaRPr lang="nb-NO" sz="2200" dirty="0" smtClean="0"/>
-          </a:p>
-          <a:p>
-            <a:endParaRPr dirty="0"/>
-          </a:p>
-          <a:p>
-            <a:endParaRPr dirty="0"/>
-          </a:p>
-        </p:txBody>
-      </p:sp>
-      <p:sp>
-        <p:nvSpPr>
-          <p:cNvPr id="5" name="Shape 119"/>
-          <p:cNvSpPr txBox="1">
-            <a:spLocks/>
-          </p:cNvSpPr>
-          <p:nvPr/>
-        </p:nvSpPr>
-        <p:spPr>
-          <a:xfrm>
-            <a:off x="5508104" y="1484784"/>
-            <a:ext cx="3204096" cy="3775352"/>
-          </a:xfrm>
-          <a:prstGeom prst="rect">
-            <a:avLst/>
-          </a:prstGeom>
-          <a:noFill/>
-          <a:ln>
-            <a:noFill/>
-          </a:ln>
-        </p:spPr>
-        <p:txBody>
-          <a:bodyPr wrap="square" lIns="91425" tIns="45700" rIns="91425" bIns="45700" anchor="t" anchorCtr="0">
-            <a:spAutoFit/>
-          </a:bodyPr>
-          <a:lstStyle/>
-          <a:p>
-            <a:pPr marL="0" marR="0" lvl="0" indent="0" algn="l" defTabSz="914400" rtl="0" eaLnBrk="1" fontAlgn="auto" latinLnBrk="0" hangingPunct="1">
-              <a:lnSpc>
-                <a:spcPct val="100000"/>
-              </a:lnSpc>
-              <a:spcBef>
-                <a:spcPts val="480"/>
-              </a:spcBef>
-              <a:spcAft>
-                <a:spcPts val="0"/>
-              </a:spcAft>
-              <a:buClr>
-                <a:srgbClr val="96281B"/>
-              </a:buClr>
-              <a:buSzPct val="100694"/>
-              <a:buFont typeface="Arial"/>
-              <a:buChar char="•"/>
-              <a:tabLst/>
-              <a:defRPr/>
-            </a:pPr>
-            <a:r>
-              <a:rPr kumimoji="0" lang="nb-NO" sz="2400" b="0" i="0" u="none" strike="noStrike" kern="0" cap="none" spc="0" normalizeH="0" baseline="0" noProof="0" dirty="0" smtClean="0">
-                <a:ln>
-                  <a:noFill/>
-                </a:ln>
-                <a:solidFill>
-                  <a:schemeClr val="dk1"/>
-                </a:solidFill>
-                <a:effectLst/>
-                <a:uLnTx/>
-                <a:uFillTx/>
-                <a:latin typeface="Georgia"/>
-                <a:ea typeface="Georgia"/>
-                <a:cs typeface="Georgia"/>
-                <a:sym typeface="Georgia"/>
-              </a:rPr>
-              <a:t> Mange</a:t>
-            </a:r>
-            <a:r>
-              <a:rPr kumimoji="0" lang="nb-NO" sz="2400" b="0" i="0" u="none" strike="noStrike" kern="0" cap="none" spc="0" normalizeH="0" noProof="0" dirty="0" smtClean="0">
-                <a:ln>
-                  <a:noFill/>
-                </a:ln>
-                <a:solidFill>
-                  <a:schemeClr val="dk1"/>
-                </a:solidFill>
-                <a:effectLst/>
-                <a:uLnTx/>
-                <a:uFillTx/>
-                <a:latin typeface="Georgia"/>
-                <a:ea typeface="Georgia"/>
-                <a:cs typeface="Georgia"/>
-                <a:sym typeface="Georgia"/>
-              </a:rPr>
-              <a:t> maskiner</a:t>
-            </a:r>
-            <a:endParaRPr kumimoji="0" lang="nb-NO" sz="2400" b="0" i="0" u="none" strike="noStrike" kern="0" cap="none" spc="0" normalizeH="0" baseline="0" noProof="0" dirty="0" smtClean="0">
-              <a:ln>
-                <a:noFill/>
-              </a:ln>
+            <a:endParaRPr sz="2400" b="0" i="0" u="none" strike="noStrike" cap="none" baseline="0" dirty="0">
               <a:solidFill>
                 <a:schemeClr val="dk1"/>
               </a:solidFill>
-              <a:effectLst/>
-              <a:uLnTx/>
-              <a:uFillTx/>
               <a:latin typeface="Georgia"/>
               <a:ea typeface="Georgia"/>
               <a:cs typeface="Georgia"/>
@@ -18273,412 +17184,36 @@
             </a:endParaRPr>
           </a:p>
           <a:p>
-            <a:pPr marL="0" marR="0" lvl="0" indent="0" algn="l" defTabSz="914400" rtl="0" eaLnBrk="1" fontAlgn="auto" latinLnBrk="0" hangingPunct="1">
-              <a:lnSpc>
-                <a:spcPct val="100000"/>
-              </a:lnSpc>
-              <a:spcBef>
-                <a:spcPts val="480"/>
-              </a:spcBef>
-              <a:spcAft>
-                <a:spcPts val="0"/>
-              </a:spcAft>
-              <a:buClr>
-                <a:srgbClr val="96281B"/>
-              </a:buClr>
-              <a:buSzPct val="100694"/>
-              <a:buFont typeface="Arial"/>
-              <a:buChar char="•"/>
-              <a:tabLst/>
-              <a:defRPr/>
-            </a:pPr>
-            <a:r>
-              <a:rPr kumimoji="0" lang="nb-NO" sz="2400" b="0" i="0" u="none" strike="noStrike" kern="0" cap="none" spc="0" normalizeH="0" baseline="0" noProof="0" dirty="0" smtClean="0">
-                <a:ln>
-                  <a:noFill/>
-                </a:ln>
-                <a:solidFill>
-                  <a:schemeClr val="dk1"/>
-                </a:solidFill>
-                <a:effectLst/>
-                <a:uLnTx/>
-                <a:uFillTx/>
-                <a:latin typeface="Georgia"/>
-                <a:ea typeface="Georgia"/>
-                <a:cs typeface="Georgia"/>
-                <a:sym typeface="Georgia"/>
-              </a:rPr>
-              <a:t> </a:t>
-            </a:r>
-            <a:r>
-              <a:rPr kumimoji="0" lang="nb-NO" sz="2400" b="1" i="0" u="none" strike="noStrike" kern="0" cap="none" spc="0" normalizeH="0" baseline="0" noProof="0" dirty="0" smtClean="0">
-                <a:ln>
-                  <a:noFill/>
-                </a:ln>
-                <a:solidFill>
-                  <a:schemeClr val="dk1"/>
-                </a:solidFill>
-                <a:effectLst/>
-                <a:uLnTx/>
-                <a:uFillTx/>
-                <a:latin typeface="Georgia"/>
-                <a:ea typeface="Georgia"/>
-                <a:cs typeface="Georgia"/>
-                <a:sym typeface="Georgia"/>
-              </a:rPr>
-              <a:t>AP</a:t>
-            </a:r>
-            <a:r>
-              <a:rPr kumimoji="0" lang="nb-NO" sz="2400" b="0" i="0" u="none" strike="noStrike" kern="0" cap="none" spc="0" normalizeH="0" baseline="0" noProof="0" dirty="0" smtClean="0">
-                <a:ln>
-                  <a:noFill/>
-                </a:ln>
-                <a:solidFill>
-                  <a:schemeClr val="dk1"/>
-                </a:solidFill>
-                <a:effectLst/>
-                <a:uLnTx/>
-                <a:uFillTx/>
-                <a:latin typeface="Georgia"/>
-                <a:ea typeface="Georgia"/>
-                <a:cs typeface="Georgia"/>
-                <a:sym typeface="Georgia"/>
-              </a:rPr>
-              <a:t>/CA/CP</a:t>
-            </a:r>
-          </a:p>
-          <a:p>
-            <a:pPr marL="0" marR="0" lvl="0" indent="0" algn="l" defTabSz="914400" rtl="0" eaLnBrk="1" fontAlgn="auto" latinLnBrk="0" hangingPunct="1">
-              <a:lnSpc>
-                <a:spcPct val="100000"/>
-              </a:lnSpc>
-              <a:spcBef>
-                <a:spcPts val="480"/>
-              </a:spcBef>
-              <a:spcAft>
-                <a:spcPts val="0"/>
-              </a:spcAft>
-              <a:buClr>
-                <a:srgbClr val="96281B"/>
-              </a:buClr>
-              <a:buSzPct val="100694"/>
-              <a:buFont typeface="Arial"/>
-              <a:buChar char="•"/>
-              <a:tabLst/>
-              <a:defRPr/>
-            </a:pPr>
-            <a:r>
-              <a:rPr kumimoji="0" lang="nb-NO" sz="2400" b="0" i="0" u="none" strike="noStrike" kern="0" cap="none" spc="0" normalizeH="0" baseline="0" noProof="0" dirty="0" smtClean="0">
-                <a:ln>
-                  <a:noFill/>
-                </a:ln>
-                <a:solidFill>
-                  <a:schemeClr val="dk1"/>
-                </a:solidFill>
-                <a:effectLst/>
-                <a:uLnTx/>
-                <a:uFillTx/>
-                <a:latin typeface="Georgia"/>
-                <a:ea typeface="Georgia"/>
-                <a:cs typeface="Georgia"/>
-                <a:sym typeface="Georgia"/>
-              </a:rPr>
-              <a:t> Skalerer Horisontalt</a:t>
-            </a:r>
-          </a:p>
-          <a:p>
-            <a:pPr marL="0" marR="0" lvl="0" indent="0" algn="l" defTabSz="914400" rtl="0" eaLnBrk="1" fontAlgn="auto" latinLnBrk="0" hangingPunct="1">
-              <a:lnSpc>
-                <a:spcPct val="100000"/>
-              </a:lnSpc>
-              <a:spcBef>
-                <a:spcPts val="480"/>
-              </a:spcBef>
-              <a:spcAft>
-                <a:spcPts val="0"/>
-              </a:spcAft>
-              <a:buClr>
-                <a:srgbClr val="96281B"/>
-              </a:buClr>
-              <a:buSzPct val="100694"/>
-              <a:buFont typeface="Arial"/>
-              <a:buChar char="•"/>
-              <a:tabLst/>
-              <a:defRPr/>
-            </a:pPr>
-            <a:r>
-              <a:rPr kumimoji="0" lang="nb-NO" sz="2400" b="0" i="0" u="none" strike="noStrike" kern="0" cap="none" spc="0" normalizeH="0" baseline="0" noProof="0" dirty="0" smtClean="0">
-                <a:ln>
-                  <a:noFill/>
-                </a:ln>
-                <a:solidFill>
-                  <a:schemeClr val="dk1"/>
-                </a:solidFill>
-                <a:effectLst/>
-                <a:uLnTx/>
-                <a:uFillTx/>
-                <a:latin typeface="Georgia"/>
-                <a:ea typeface="Georgia"/>
-                <a:cs typeface="Georgia"/>
-                <a:sym typeface="Georgia"/>
-              </a:rPr>
-              <a:t> Custom</a:t>
-            </a:r>
-            <a:r>
-              <a:rPr kumimoji="0" lang="nb-NO" sz="2400" b="0" i="0" u="none" strike="noStrike" kern="0" cap="none" spc="0" normalizeH="0" noProof="0" dirty="0" smtClean="0">
-                <a:ln>
-                  <a:noFill/>
-                </a:ln>
-                <a:solidFill>
-                  <a:schemeClr val="dk1"/>
-                </a:solidFill>
-                <a:effectLst/>
-                <a:uLnTx/>
-                <a:uFillTx/>
-                <a:latin typeface="Georgia"/>
-                <a:ea typeface="Georgia"/>
-                <a:cs typeface="Georgia"/>
-                <a:sym typeface="Georgia"/>
-              </a:rPr>
-              <a:t> API</a:t>
-            </a:r>
-            <a:endParaRPr kumimoji="0" lang="nb-NO" sz="2400" b="0" i="0" u="none" strike="noStrike" kern="0" cap="none" spc="0" normalizeH="0" baseline="0" noProof="0" dirty="0" smtClean="0">
-              <a:ln>
-                <a:noFill/>
-              </a:ln>
-              <a:solidFill>
-                <a:schemeClr val="dk1"/>
-              </a:solidFill>
-              <a:effectLst/>
-              <a:uLnTx/>
-              <a:uFillTx/>
-              <a:latin typeface="Georgia"/>
-              <a:ea typeface="Georgia"/>
-              <a:cs typeface="Georgia"/>
-              <a:sym typeface="Georgia"/>
-            </a:endParaRPr>
-          </a:p>
-          <a:p>
-            <a:pPr marL="0" marR="0" lvl="0" indent="0" algn="l" defTabSz="914400" rtl="0" eaLnBrk="1" fontAlgn="auto" latinLnBrk="0" hangingPunct="1">
-              <a:lnSpc>
-                <a:spcPct val="100000"/>
-              </a:lnSpc>
-              <a:spcBef>
-                <a:spcPts val="480"/>
-              </a:spcBef>
-              <a:spcAft>
-                <a:spcPts val="0"/>
-              </a:spcAft>
-              <a:buClr>
-                <a:srgbClr val="96281B"/>
-              </a:buClr>
-              <a:buSzPct val="100694"/>
-              <a:buFont typeface="Arial"/>
-              <a:buChar char="•"/>
-              <a:tabLst/>
-              <a:defRPr/>
-            </a:pPr>
-            <a:r>
-              <a:rPr kumimoji="0" lang="nb-NO" sz="2400" b="0" i="0" u="none" strike="noStrike" kern="0" cap="none" spc="0" normalizeH="0" baseline="0" noProof="0" dirty="0" smtClean="0">
-                <a:ln>
-                  <a:noFill/>
-                </a:ln>
-                <a:solidFill>
-                  <a:schemeClr val="dk1"/>
-                </a:solidFill>
-                <a:effectLst/>
-                <a:uLnTx/>
-                <a:uFillTx/>
-                <a:latin typeface="Georgia"/>
-                <a:ea typeface="Georgia"/>
-                <a:cs typeface="Georgia"/>
-                <a:sym typeface="Georgia"/>
-              </a:rPr>
-              <a:t> ”ACID” og BASE</a:t>
-            </a:r>
-          </a:p>
-          <a:p>
-            <a:pPr marL="0" marR="0" lvl="0" indent="0" algn="l" defTabSz="914400" rtl="0" eaLnBrk="1" fontAlgn="auto" latinLnBrk="0" hangingPunct="1">
-              <a:lnSpc>
-                <a:spcPct val="100000"/>
-              </a:lnSpc>
-              <a:spcBef>
-                <a:spcPts val="480"/>
-              </a:spcBef>
-              <a:spcAft>
-                <a:spcPts val="0"/>
-              </a:spcAft>
-              <a:buClr>
-                <a:srgbClr val="96281B"/>
-              </a:buClr>
-              <a:buSzPct val="100694"/>
-              <a:buFont typeface="Arial"/>
-              <a:buChar char="•"/>
-              <a:tabLst/>
-              <a:defRPr/>
-            </a:pPr>
-            <a:r>
-              <a:rPr kumimoji="0" lang="nb-NO" sz="2400" b="0" i="0" u="none" strike="noStrike" kern="0" cap="none" spc="0" normalizeH="0" baseline="0" noProof="0" dirty="0" smtClean="0">
-                <a:ln>
-                  <a:noFill/>
-                </a:ln>
-                <a:solidFill>
-                  <a:schemeClr val="dk1"/>
-                </a:solidFill>
-                <a:effectLst/>
-                <a:uLnTx/>
-                <a:uFillTx/>
-                <a:latin typeface="Georgia"/>
-                <a:ea typeface="Georgia"/>
-                <a:cs typeface="Georgia"/>
-                <a:sym typeface="Georgia"/>
-              </a:rPr>
-              <a:t> Keys/key</a:t>
-            </a:r>
-            <a:r>
-              <a:rPr kumimoji="0" lang="nb-NO" sz="2400" b="0" i="0" u="none" strike="noStrike" kern="0" cap="none" spc="0" normalizeH="0" noProof="0" dirty="0" smtClean="0">
-                <a:ln>
-                  <a:noFill/>
-                </a:ln>
-                <a:solidFill>
-                  <a:schemeClr val="dk1"/>
-                </a:solidFill>
-                <a:effectLst/>
-                <a:uLnTx/>
-                <a:uFillTx/>
-                <a:latin typeface="Georgia"/>
-                <a:ea typeface="Georgia"/>
-                <a:cs typeface="Georgia"/>
-                <a:sym typeface="Georgia"/>
-              </a:rPr>
-              <a:t> ranges</a:t>
-            </a:r>
-            <a:endParaRPr kumimoji="0" lang="nb-NO" sz="2400" b="0" i="0" u="none" strike="noStrike" kern="0" cap="none" spc="0" normalizeH="0" baseline="0" noProof="0" dirty="0" smtClean="0">
-              <a:ln>
-                <a:noFill/>
-              </a:ln>
-              <a:solidFill>
-                <a:schemeClr val="dk1"/>
-              </a:solidFill>
-              <a:effectLst/>
-              <a:uLnTx/>
-              <a:uFillTx/>
-              <a:latin typeface="Georgia"/>
-              <a:ea typeface="Georgia"/>
-              <a:cs typeface="Georgia"/>
-              <a:sym typeface="Georgia"/>
-            </a:endParaRPr>
-          </a:p>
-          <a:p>
-            <a:pPr marL="0" marR="0" lvl="0" indent="0" algn="l" defTabSz="914400" rtl="0" eaLnBrk="1" fontAlgn="auto" latinLnBrk="0" hangingPunct="1">
-              <a:lnSpc>
-                <a:spcPct val="100000"/>
-              </a:lnSpc>
-              <a:spcBef>
-                <a:spcPts val="480"/>
-              </a:spcBef>
-              <a:spcAft>
-                <a:spcPts val="0"/>
-              </a:spcAft>
-              <a:buClr>
-                <a:srgbClr val="96281B"/>
-              </a:buClr>
-              <a:buSzPct val="100694"/>
-              <a:buFont typeface="Arial"/>
-              <a:buChar char="•"/>
-              <a:tabLst/>
-              <a:defRPr/>
-            </a:pPr>
-            <a:endParaRPr kumimoji="0" lang="nb-NO" sz="2200" b="0" i="0" u="none" strike="noStrike" kern="0" cap="none" spc="0" normalizeH="0" baseline="0" noProof="0" dirty="0" smtClean="0">
-              <a:ln>
-                <a:noFill/>
-              </a:ln>
-              <a:solidFill>
-                <a:schemeClr val="dk1"/>
-              </a:solidFill>
-              <a:effectLst/>
-              <a:uLnTx/>
-              <a:uFillTx/>
-              <a:latin typeface="Georgia"/>
-              <a:ea typeface="Georgia"/>
-              <a:cs typeface="Georgia"/>
-              <a:sym typeface="Georgia"/>
-            </a:endParaRPr>
-          </a:p>
-          <a:p>
-            <a:pPr marL="0" marR="0" lvl="0" indent="0" algn="l" defTabSz="914400" rtl="0" eaLnBrk="1" fontAlgn="auto" latinLnBrk="0" hangingPunct="1">
-              <a:lnSpc>
-                <a:spcPct val="100000"/>
-              </a:lnSpc>
-              <a:spcBef>
-                <a:spcPts val="480"/>
-              </a:spcBef>
-              <a:spcAft>
-                <a:spcPts val="0"/>
-              </a:spcAft>
-              <a:buClr>
-                <a:srgbClr val="96281B"/>
-              </a:buClr>
-              <a:buSzTx/>
-              <a:buFont typeface="Georgia"/>
-              <a:buNone/>
-              <a:tabLst/>
-              <a:defRPr/>
-            </a:pPr>
-            <a:endParaRPr kumimoji="0" lang="nb-NO" sz="2000" b="0" i="0" u="none" strike="noStrike" kern="0" cap="none" spc="0" normalizeH="0" baseline="0" noProof="0" dirty="0" smtClean="0">
-              <a:ln>
-                <a:noFill/>
-              </a:ln>
-              <a:solidFill>
-                <a:schemeClr val="dk1"/>
-              </a:solidFill>
-              <a:effectLst/>
-              <a:uLnTx/>
-              <a:uFillTx/>
-              <a:latin typeface="Georgia"/>
-              <a:ea typeface="Georgia"/>
-              <a:cs typeface="Georgia"/>
-              <a:sym typeface="Georgia"/>
-            </a:endParaRPr>
-          </a:p>
-          <a:p>
-            <a:pPr marL="0" marR="0" lvl="0" indent="0" algn="l" defTabSz="914400" rtl="0" eaLnBrk="1" fontAlgn="auto" latinLnBrk="0" hangingPunct="1">
-              <a:lnSpc>
-                <a:spcPct val="100000"/>
-              </a:lnSpc>
-              <a:spcBef>
-                <a:spcPts val="480"/>
-              </a:spcBef>
-              <a:spcAft>
-                <a:spcPts val="0"/>
-              </a:spcAft>
-              <a:buClr>
-                <a:srgbClr val="96281B"/>
-              </a:buClr>
-              <a:buSzTx/>
-              <a:buFont typeface="Georgia"/>
-              <a:buNone/>
-              <a:tabLst/>
-              <a:defRPr/>
-            </a:pPr>
-            <a:endParaRPr kumimoji="0" lang="nb-NO" sz="2000" b="0" i="0" u="none" strike="noStrike" kern="0" cap="none" spc="0" normalizeH="0" baseline="0" noProof="0" dirty="0">
-              <a:ln>
-                <a:noFill/>
-              </a:ln>
-              <a:solidFill>
-                <a:schemeClr val="dk1"/>
-              </a:solidFill>
-              <a:effectLst/>
-              <a:uLnTx/>
-              <a:uFillTx/>
-              <a:latin typeface="Georgia"/>
-              <a:ea typeface="Georgia"/>
-              <a:cs typeface="Georgia"/>
-              <a:sym typeface="Georgia"/>
-            </a:endParaRPr>
+            <a:endParaRPr dirty="0"/>
           </a:p>
         </p:txBody>
       </p:sp>
+      <p:pic>
+        <p:nvPicPr>
+          <p:cNvPr id="6" name="Picture 2" descr="http://www.chemistryexplained.com/photos/acid-base-chemistry-3284.jpg"/>
+          <p:cNvPicPr>
+            <a:picLocks noChangeAspect="1" noChangeArrowheads="1"/>
+          </p:cNvPicPr>
+          <p:nvPr/>
+        </p:nvPicPr>
+        <p:blipFill>
+          <a:blip r:embed="rId3"/>
+          <a:srcRect/>
+          <a:stretch>
+            <a:fillRect/>
+          </a:stretch>
+        </p:blipFill>
+        <p:spPr bwMode="auto">
+          <a:xfrm>
+            <a:off x="1619672" y="1567079"/>
+            <a:ext cx="5530216" cy="3950153"/>
+          </a:xfrm>
+          <a:prstGeom prst="rect">
+            <a:avLst/>
+          </a:prstGeom>
+          <a:noFill/>
+        </p:spPr>
+      </p:pic>
     </p:spTree>
   </p:cSld>
   <p:clrMapOvr>
@@ -18702,7 +17237,7 @@
   <p:cSld>
     <p:spTree>
       <p:nvGrpSpPr>
-        <p:cNvPr id="1" name="Shape 257"/>
+        <p:cNvPr id="1" name="Shape 116"/>
         <p:cNvGrpSpPr/>
         <p:nvPr/>
       </p:nvGrpSpPr>
@@ -18716,7 +17251,7 @@
       </p:grpSpPr>
       <p:sp>
         <p:nvSpPr>
-          <p:cNvPr id="258" name="Shape 258"/>
+          <p:cNvPr id="117" name="Shape 117"/>
           <p:cNvSpPr/>
           <p:nvPr/>
         </p:nvSpPr>
@@ -18757,7 +17292,7 @@
                 <a:cs typeface="Georgia"/>
                 <a:sym typeface="Georgia"/>
               </a:rPr>
-              <a:t>10. oktoberl / Åpen fagkveld</a:t>
+              <a:t>10. oktober / Åpen fagkveld</a:t>
             </a:r>
             <a:endParaRPr sz="1000" b="0" i="1" u="none" strike="noStrike" cap="none" baseline="0" dirty="0">
               <a:solidFill>
@@ -18773,7 +17308,7 @@
       </p:sp>
       <p:sp>
         <p:nvSpPr>
-          <p:cNvPr id="259" name="Shape 259"/>
+          <p:cNvPr id="118" name="Shape 118"/>
           <p:cNvSpPr>
             <a:spLocks noGrp="1"/>
           </p:cNvSpPr>
@@ -18800,23 +17335,15 @@
           </a:bodyPr>
           <a:lstStyle/>
           <a:p>
-            <a:pPr marL="0" marR="0" lvl="0" indent="0" algn="l" rtl="0">
-              <a:spcBef>
-                <a:spcPts val="0"/>
-              </a:spcBef>
-              <a:spcAft>
-                <a:spcPts val="0"/>
-              </a:spcAft>
+            <a:pPr lvl="0">
               <a:buClr>
                 <a:srgbClr val="96281B"/>
               </a:buClr>
               <a:buSzPct val="25000"/>
-              <a:buFont typeface="Trebuchet MS"/>
-              <a:buNone/>
             </a:pPr>
             <a:r>
               <a:rPr lang="nb-NO" sz="3000" dirty="0" smtClean="0"/>
-              <a:t>Key/Value</a:t>
+              <a:t>RDBMS			vs 			NOSQL</a:t>
             </a:r>
             <a:endParaRPr sz="3000" b="1" i="0" u="none" strike="noStrike" cap="small" baseline="0" dirty="0">
               <a:solidFill>
@@ -18832,7 +17359,7 @@
       </p:sp>
       <p:sp>
         <p:nvSpPr>
-          <p:cNvPr id="260" name="Shape 260"/>
+          <p:cNvPr id="119" name="Shape 119"/>
           <p:cNvSpPr>
             <a:spLocks noGrp="1"/>
           </p:cNvSpPr>
@@ -18843,7 +17370,7 @@
         <p:spPr>
           <a:xfrm>
             <a:off x="431800" y="1546225"/>
-            <a:ext cx="8277224" cy="1315704"/>
+            <a:ext cx="2916064" cy="3775352"/>
           </a:xfrm>
           <a:prstGeom prst="rect">
             <a:avLst/>
@@ -18854,28 +17381,184 @@
           </a:ln>
         </p:spPr>
         <p:txBody>
-          <a:bodyPr lIns="91425" tIns="45700" rIns="91425" bIns="45700" anchor="t" anchorCtr="0">
+          <a:bodyPr wrap="square" lIns="91425" tIns="45700" rIns="91425" bIns="45700" anchor="t" anchorCtr="0">
             <a:spAutoFit/>
           </a:bodyPr>
           <a:lstStyle/>
           <a:p>
-            <a:pPr>
+            <a:pPr lvl="0">
               <a:buSzPct val="100694"/>
               <a:buFont typeface="Arial"/>
               <a:buChar char="•"/>
             </a:pPr>
-            <a:endParaRPr lang="nb-NO" sz="2800" dirty="0" smtClean="0"/>
-          </a:p>
-          <a:p>
-            <a:pPr lvl="1">
+            <a:r>
+              <a:rPr lang="nb-NO" sz="2400" dirty="0" smtClean="0"/>
+              <a:t> En maskin</a:t>
+            </a:r>
+          </a:p>
+          <a:p>
+            <a:pPr lvl="0">
               <a:buSzPct val="100694"/>
               <a:buFont typeface="Arial"/>
               <a:buChar char="•"/>
             </a:pPr>
-            <a:endParaRPr sz="2400" b="0" i="0" u="none" strike="noStrike" cap="none" baseline="0" dirty="0">
+            <a:r>
+              <a:rPr lang="nb-NO" sz="2400" dirty="0" smtClean="0"/>
+              <a:t> CA</a:t>
+            </a:r>
+          </a:p>
+          <a:p>
+            <a:pPr lvl="0">
+              <a:buSzPct val="100694"/>
+              <a:buFont typeface="Arial"/>
+              <a:buChar char="•"/>
+            </a:pPr>
+            <a:r>
+              <a:rPr lang="nb-NO" sz="2400" dirty="0" smtClean="0"/>
+              <a:t> Skalerer vertikalt</a:t>
+            </a:r>
+          </a:p>
+          <a:p>
+            <a:pPr lvl="0">
+              <a:buSzPct val="100694"/>
+              <a:buFont typeface="Arial"/>
+              <a:buChar char="•"/>
+            </a:pPr>
+            <a:r>
+              <a:rPr lang="nb-NO" sz="2400" dirty="0" smtClean="0"/>
+              <a:t> SQL</a:t>
+            </a:r>
+          </a:p>
+          <a:p>
+            <a:pPr lvl="0">
+              <a:buSzPct val="100694"/>
+              <a:buFont typeface="Arial"/>
+              <a:buChar char="•"/>
+            </a:pPr>
+            <a:r>
+              <a:rPr lang="nb-NO" sz="2400" dirty="0" smtClean="0"/>
+              <a:t> ACID</a:t>
+            </a:r>
+          </a:p>
+          <a:p>
+            <a:pPr lvl="0">
+              <a:buSzPct val="100694"/>
+              <a:buFont typeface="Arial"/>
+              <a:buChar char="•"/>
+            </a:pPr>
+            <a:r>
+              <a:rPr lang="nb-NO" sz="2400" dirty="0" smtClean="0"/>
+              <a:t> Indexer</a:t>
+            </a:r>
+          </a:p>
+          <a:p>
+            <a:pPr lvl="0">
+              <a:buSzPct val="100694"/>
+              <a:buFont typeface="Arial"/>
+              <a:buChar char="•"/>
+            </a:pPr>
+            <a:endParaRPr lang="nb-NO" sz="2200" dirty="0" smtClean="0"/>
+          </a:p>
+          <a:p>
+            <a:endParaRPr dirty="0"/>
+          </a:p>
+          <a:p>
+            <a:endParaRPr dirty="0"/>
+          </a:p>
+        </p:txBody>
+      </p:sp>
+      <p:sp>
+        <p:nvSpPr>
+          <p:cNvPr id="5" name="Shape 119"/>
+          <p:cNvSpPr txBox="1">
+            <a:spLocks/>
+          </p:cNvSpPr>
+          <p:nvPr/>
+        </p:nvSpPr>
+        <p:spPr>
+          <a:xfrm>
+            <a:off x="5508104" y="1484784"/>
+            <a:ext cx="3204096" cy="3775352"/>
+          </a:xfrm>
+          <a:prstGeom prst="rect">
+            <a:avLst/>
+          </a:prstGeom>
+          <a:noFill/>
+          <a:ln>
+            <a:noFill/>
+          </a:ln>
+        </p:spPr>
+        <p:txBody>
+          <a:bodyPr wrap="square" lIns="91425" tIns="45700" rIns="91425" bIns="45700" anchor="t" anchorCtr="0">
+            <a:spAutoFit/>
+          </a:bodyPr>
+          <a:lstStyle/>
+          <a:p>
+            <a:pPr marL="0" marR="0" lvl="0" indent="0" algn="l" defTabSz="914400" rtl="0" eaLnBrk="1" fontAlgn="auto" latinLnBrk="0" hangingPunct="1">
+              <a:lnSpc>
+                <a:spcPct val="100000"/>
+              </a:lnSpc>
+              <a:spcBef>
+                <a:spcPts val="480"/>
+              </a:spcBef>
+              <a:spcAft>
+                <a:spcPts val="0"/>
+              </a:spcAft>
+              <a:buClr>
+                <a:srgbClr val="96281B"/>
+              </a:buClr>
+              <a:buSzPct val="100694"/>
+              <a:buFont typeface="Arial"/>
+              <a:buChar char="•"/>
+              <a:tabLst/>
+              <a:defRPr/>
+            </a:pPr>
+            <a:r>
+              <a:rPr kumimoji="0" lang="nb-NO" sz="2400" b="0" i="0" u="none" strike="noStrike" kern="0" cap="none" spc="0" normalizeH="0" baseline="0" noProof="0" dirty="0" smtClean="0">
+                <a:ln>
+                  <a:noFill/>
+                </a:ln>
+                <a:solidFill>
+                  <a:schemeClr val="dk1"/>
+                </a:solidFill>
+                <a:effectLst/>
+                <a:uLnTx/>
+                <a:uFillTx/>
+                <a:latin typeface="Georgia"/>
+                <a:ea typeface="Georgia"/>
+                <a:cs typeface="Georgia"/>
+                <a:sym typeface="Georgia"/>
+              </a:rPr>
+              <a:t> Mange</a:t>
+            </a:r>
+            <a:r>
+              <a:rPr kumimoji="0" lang="nb-NO" sz="2400" b="0" i="0" u="none" strike="noStrike" kern="0" cap="none" spc="0" normalizeH="0" noProof="0" dirty="0" smtClean="0">
+                <a:ln>
+                  <a:noFill/>
+                </a:ln>
+                <a:solidFill>
+                  <a:schemeClr val="dk1"/>
+                </a:solidFill>
+                <a:effectLst/>
+                <a:uLnTx/>
+                <a:uFillTx/>
+                <a:latin typeface="Georgia"/>
+                <a:ea typeface="Georgia"/>
+                <a:cs typeface="Georgia"/>
+                <a:sym typeface="Georgia"/>
+              </a:rPr>
+              <a:t> maskiner</a:t>
+            </a:r>
+            <a:endParaRPr kumimoji="0" lang="nb-NO" sz="2400" b="0" i="0" u="none" strike="noStrike" kern="0" cap="none" spc="0" normalizeH="0" baseline="0" noProof="0" dirty="0" smtClean="0">
+              <a:ln>
+                <a:noFill/>
+              </a:ln>
               <a:solidFill>
                 <a:schemeClr val="dk1"/>
               </a:solidFill>
+              <a:effectLst/>
+              <a:uLnTx/>
+              <a:uFillTx/>
               <a:latin typeface="Georgia"/>
               <a:ea typeface="Georgia"/>
               <a:cs typeface="Georgia"/>
@@ -18883,36 +17566,412 @@
             </a:endParaRPr>
           </a:p>
           <a:p>
-            <a:endParaRPr dirty="0"/>
+            <a:pPr marL="0" marR="0" lvl="0" indent="0" algn="l" defTabSz="914400" rtl="0" eaLnBrk="1" fontAlgn="auto" latinLnBrk="0" hangingPunct="1">
+              <a:lnSpc>
+                <a:spcPct val="100000"/>
+              </a:lnSpc>
+              <a:spcBef>
+                <a:spcPts val="480"/>
+              </a:spcBef>
+              <a:spcAft>
+                <a:spcPts val="0"/>
+              </a:spcAft>
+              <a:buClr>
+                <a:srgbClr val="96281B"/>
+              </a:buClr>
+              <a:buSzPct val="100694"/>
+              <a:buFont typeface="Arial"/>
+              <a:buChar char="•"/>
+              <a:tabLst/>
+              <a:defRPr/>
+            </a:pPr>
+            <a:r>
+              <a:rPr kumimoji="0" lang="nb-NO" sz="2400" b="0" i="0" u="none" strike="noStrike" kern="0" cap="none" spc="0" normalizeH="0" baseline="0" noProof="0" dirty="0" smtClean="0">
+                <a:ln>
+                  <a:noFill/>
+                </a:ln>
+                <a:solidFill>
+                  <a:schemeClr val="dk1"/>
+                </a:solidFill>
+                <a:effectLst/>
+                <a:uLnTx/>
+                <a:uFillTx/>
+                <a:latin typeface="Georgia"/>
+                <a:ea typeface="Georgia"/>
+                <a:cs typeface="Georgia"/>
+                <a:sym typeface="Georgia"/>
+              </a:rPr>
+              <a:t> </a:t>
+            </a:r>
+            <a:r>
+              <a:rPr kumimoji="0" lang="nb-NO" sz="2400" b="1" i="0" u="none" strike="noStrike" kern="0" cap="none" spc="0" normalizeH="0" baseline="0" noProof="0" dirty="0" smtClean="0">
+                <a:ln>
+                  <a:noFill/>
+                </a:ln>
+                <a:solidFill>
+                  <a:schemeClr val="dk1"/>
+                </a:solidFill>
+                <a:effectLst/>
+                <a:uLnTx/>
+                <a:uFillTx/>
+                <a:latin typeface="Georgia"/>
+                <a:ea typeface="Georgia"/>
+                <a:cs typeface="Georgia"/>
+                <a:sym typeface="Georgia"/>
+              </a:rPr>
+              <a:t>AP</a:t>
+            </a:r>
+            <a:r>
+              <a:rPr kumimoji="0" lang="nb-NO" sz="2400" b="0" i="0" u="none" strike="noStrike" kern="0" cap="none" spc="0" normalizeH="0" baseline="0" noProof="0" dirty="0" smtClean="0">
+                <a:ln>
+                  <a:noFill/>
+                </a:ln>
+                <a:solidFill>
+                  <a:schemeClr val="dk1"/>
+                </a:solidFill>
+                <a:effectLst/>
+                <a:uLnTx/>
+                <a:uFillTx/>
+                <a:latin typeface="Georgia"/>
+                <a:ea typeface="Georgia"/>
+                <a:cs typeface="Georgia"/>
+                <a:sym typeface="Georgia"/>
+              </a:rPr>
+              <a:t>/CA/CP</a:t>
+            </a:r>
+          </a:p>
+          <a:p>
+            <a:pPr marL="0" marR="0" lvl="0" indent="0" algn="l" defTabSz="914400" rtl="0" eaLnBrk="1" fontAlgn="auto" latinLnBrk="0" hangingPunct="1">
+              <a:lnSpc>
+                <a:spcPct val="100000"/>
+              </a:lnSpc>
+              <a:spcBef>
+                <a:spcPts val="480"/>
+              </a:spcBef>
+              <a:spcAft>
+                <a:spcPts val="0"/>
+              </a:spcAft>
+              <a:buClr>
+                <a:srgbClr val="96281B"/>
+              </a:buClr>
+              <a:buSzPct val="100694"/>
+              <a:buFont typeface="Arial"/>
+              <a:buChar char="•"/>
+              <a:tabLst/>
+              <a:defRPr/>
+            </a:pPr>
+            <a:r>
+              <a:rPr kumimoji="0" lang="nb-NO" sz="2400" b="0" i="0" u="none" strike="noStrike" kern="0" cap="none" spc="0" normalizeH="0" baseline="0" noProof="0" dirty="0" smtClean="0">
+                <a:ln>
+                  <a:noFill/>
+                </a:ln>
+                <a:solidFill>
+                  <a:schemeClr val="dk1"/>
+                </a:solidFill>
+                <a:effectLst/>
+                <a:uLnTx/>
+                <a:uFillTx/>
+                <a:latin typeface="Georgia"/>
+                <a:ea typeface="Georgia"/>
+                <a:cs typeface="Georgia"/>
+                <a:sym typeface="Georgia"/>
+              </a:rPr>
+              <a:t> Skalerer Horisontalt</a:t>
+            </a:r>
+          </a:p>
+          <a:p>
+            <a:pPr marL="0" marR="0" lvl="0" indent="0" algn="l" defTabSz="914400" rtl="0" eaLnBrk="1" fontAlgn="auto" latinLnBrk="0" hangingPunct="1">
+              <a:lnSpc>
+                <a:spcPct val="100000"/>
+              </a:lnSpc>
+              <a:spcBef>
+                <a:spcPts val="480"/>
+              </a:spcBef>
+              <a:spcAft>
+                <a:spcPts val="0"/>
+              </a:spcAft>
+              <a:buClr>
+                <a:srgbClr val="96281B"/>
+              </a:buClr>
+              <a:buSzPct val="100694"/>
+              <a:buFont typeface="Arial"/>
+              <a:buChar char="•"/>
+              <a:tabLst/>
+              <a:defRPr/>
+            </a:pPr>
+            <a:r>
+              <a:rPr kumimoji="0" lang="nb-NO" sz="2400" b="0" i="0" u="none" strike="noStrike" kern="0" cap="none" spc="0" normalizeH="0" baseline="0" noProof="0" dirty="0" smtClean="0">
+                <a:ln>
+                  <a:noFill/>
+                </a:ln>
+                <a:solidFill>
+                  <a:schemeClr val="dk1"/>
+                </a:solidFill>
+                <a:effectLst/>
+                <a:uLnTx/>
+                <a:uFillTx/>
+                <a:latin typeface="Georgia"/>
+                <a:ea typeface="Georgia"/>
+                <a:cs typeface="Georgia"/>
+                <a:sym typeface="Georgia"/>
+              </a:rPr>
+              <a:t> Custom</a:t>
+            </a:r>
+            <a:r>
+              <a:rPr kumimoji="0" lang="nb-NO" sz="2400" b="0" i="0" u="none" strike="noStrike" kern="0" cap="none" spc="0" normalizeH="0" noProof="0" dirty="0" smtClean="0">
+                <a:ln>
+                  <a:noFill/>
+                </a:ln>
+                <a:solidFill>
+                  <a:schemeClr val="dk1"/>
+                </a:solidFill>
+                <a:effectLst/>
+                <a:uLnTx/>
+                <a:uFillTx/>
+                <a:latin typeface="Georgia"/>
+                <a:ea typeface="Georgia"/>
+                <a:cs typeface="Georgia"/>
+                <a:sym typeface="Georgia"/>
+              </a:rPr>
+              <a:t> API</a:t>
+            </a:r>
+            <a:endParaRPr kumimoji="0" lang="nb-NO" sz="2400" b="0" i="0" u="none" strike="noStrike" kern="0" cap="none" spc="0" normalizeH="0" baseline="0" noProof="0" dirty="0" smtClean="0">
+              <a:ln>
+                <a:noFill/>
+              </a:ln>
+              <a:solidFill>
+                <a:schemeClr val="dk1"/>
+              </a:solidFill>
+              <a:effectLst/>
+              <a:uLnTx/>
+              <a:uFillTx/>
+              <a:latin typeface="Georgia"/>
+              <a:ea typeface="Georgia"/>
+              <a:cs typeface="Georgia"/>
+              <a:sym typeface="Georgia"/>
+            </a:endParaRPr>
+          </a:p>
+          <a:p>
+            <a:pPr marL="0" marR="0" lvl="0" indent="0" algn="l" defTabSz="914400" rtl="0" eaLnBrk="1" fontAlgn="auto" latinLnBrk="0" hangingPunct="1">
+              <a:lnSpc>
+                <a:spcPct val="100000"/>
+              </a:lnSpc>
+              <a:spcBef>
+                <a:spcPts val="480"/>
+              </a:spcBef>
+              <a:spcAft>
+                <a:spcPts val="0"/>
+              </a:spcAft>
+              <a:buClr>
+                <a:srgbClr val="96281B"/>
+              </a:buClr>
+              <a:buSzPct val="100694"/>
+              <a:buFont typeface="Arial"/>
+              <a:buChar char="•"/>
+              <a:tabLst/>
+              <a:defRPr/>
+            </a:pPr>
+            <a:r>
+              <a:rPr kumimoji="0" lang="nb-NO" sz="2400" b="0" i="0" u="none" strike="noStrike" kern="0" cap="none" spc="0" normalizeH="0" baseline="0" noProof="0" dirty="0" smtClean="0">
+                <a:ln>
+                  <a:noFill/>
+                </a:ln>
+                <a:solidFill>
+                  <a:schemeClr val="dk1"/>
+                </a:solidFill>
+                <a:effectLst/>
+                <a:uLnTx/>
+                <a:uFillTx/>
+                <a:latin typeface="Georgia"/>
+                <a:ea typeface="Georgia"/>
+                <a:cs typeface="Georgia"/>
+                <a:sym typeface="Georgia"/>
+              </a:rPr>
+              <a:t> ”ACID” og BASE</a:t>
+            </a:r>
+          </a:p>
+          <a:p>
+            <a:pPr marL="0" marR="0" lvl="0" indent="0" algn="l" defTabSz="914400" rtl="0" eaLnBrk="1" fontAlgn="auto" latinLnBrk="0" hangingPunct="1">
+              <a:lnSpc>
+                <a:spcPct val="100000"/>
+              </a:lnSpc>
+              <a:spcBef>
+                <a:spcPts val="480"/>
+              </a:spcBef>
+              <a:spcAft>
+                <a:spcPts val="0"/>
+              </a:spcAft>
+              <a:buClr>
+                <a:srgbClr val="96281B"/>
+              </a:buClr>
+              <a:buSzPct val="100694"/>
+              <a:buFont typeface="Arial"/>
+              <a:buChar char="•"/>
+              <a:tabLst/>
+              <a:defRPr/>
+            </a:pPr>
+            <a:r>
+              <a:rPr kumimoji="0" lang="nb-NO" sz="2400" b="0" i="0" u="none" strike="noStrike" kern="0" cap="none" spc="0" normalizeH="0" baseline="0" noProof="0" dirty="0" smtClean="0">
+                <a:ln>
+                  <a:noFill/>
+                </a:ln>
+                <a:solidFill>
+                  <a:schemeClr val="dk1"/>
+                </a:solidFill>
+                <a:effectLst/>
+                <a:uLnTx/>
+                <a:uFillTx/>
+                <a:latin typeface="Georgia"/>
+                <a:ea typeface="Georgia"/>
+                <a:cs typeface="Georgia"/>
+                <a:sym typeface="Georgia"/>
+              </a:rPr>
+              <a:t> Keys/key</a:t>
+            </a:r>
+            <a:r>
+              <a:rPr kumimoji="0" lang="nb-NO" sz="2400" b="0" i="0" u="none" strike="noStrike" kern="0" cap="none" spc="0" normalizeH="0" noProof="0" dirty="0" smtClean="0">
+                <a:ln>
+                  <a:noFill/>
+                </a:ln>
+                <a:solidFill>
+                  <a:schemeClr val="dk1"/>
+                </a:solidFill>
+                <a:effectLst/>
+                <a:uLnTx/>
+                <a:uFillTx/>
+                <a:latin typeface="Georgia"/>
+                <a:ea typeface="Georgia"/>
+                <a:cs typeface="Georgia"/>
+                <a:sym typeface="Georgia"/>
+              </a:rPr>
+              <a:t> ranges</a:t>
+            </a:r>
+            <a:endParaRPr kumimoji="0" lang="nb-NO" sz="2400" b="0" i="0" u="none" strike="noStrike" kern="0" cap="none" spc="0" normalizeH="0" baseline="0" noProof="0" dirty="0" smtClean="0">
+              <a:ln>
+                <a:noFill/>
+              </a:ln>
+              <a:solidFill>
+                <a:schemeClr val="dk1"/>
+              </a:solidFill>
+              <a:effectLst/>
+              <a:uLnTx/>
+              <a:uFillTx/>
+              <a:latin typeface="Georgia"/>
+              <a:ea typeface="Georgia"/>
+              <a:cs typeface="Georgia"/>
+              <a:sym typeface="Georgia"/>
+            </a:endParaRPr>
+          </a:p>
+          <a:p>
+            <a:pPr marL="0" marR="0" lvl="0" indent="0" algn="l" defTabSz="914400" rtl="0" eaLnBrk="1" fontAlgn="auto" latinLnBrk="0" hangingPunct="1">
+              <a:lnSpc>
+                <a:spcPct val="100000"/>
+              </a:lnSpc>
+              <a:spcBef>
+                <a:spcPts val="480"/>
+              </a:spcBef>
+              <a:spcAft>
+                <a:spcPts val="0"/>
+              </a:spcAft>
+              <a:buClr>
+                <a:srgbClr val="96281B"/>
+              </a:buClr>
+              <a:buSzPct val="100694"/>
+              <a:buFont typeface="Arial"/>
+              <a:buChar char="•"/>
+              <a:tabLst/>
+              <a:defRPr/>
+            </a:pPr>
+            <a:endParaRPr kumimoji="0" lang="nb-NO" sz="2200" b="0" i="0" u="none" strike="noStrike" kern="0" cap="none" spc="0" normalizeH="0" baseline="0" noProof="0" dirty="0" smtClean="0">
+              <a:ln>
+                <a:noFill/>
+              </a:ln>
+              <a:solidFill>
+                <a:schemeClr val="dk1"/>
+              </a:solidFill>
+              <a:effectLst/>
+              <a:uLnTx/>
+              <a:uFillTx/>
+              <a:latin typeface="Georgia"/>
+              <a:ea typeface="Georgia"/>
+              <a:cs typeface="Georgia"/>
+              <a:sym typeface="Georgia"/>
+            </a:endParaRPr>
+          </a:p>
+          <a:p>
+            <a:pPr marL="0" marR="0" lvl="0" indent="0" algn="l" defTabSz="914400" rtl="0" eaLnBrk="1" fontAlgn="auto" latinLnBrk="0" hangingPunct="1">
+              <a:lnSpc>
+                <a:spcPct val="100000"/>
+              </a:lnSpc>
+              <a:spcBef>
+                <a:spcPts val="480"/>
+              </a:spcBef>
+              <a:spcAft>
+                <a:spcPts val="0"/>
+              </a:spcAft>
+              <a:buClr>
+                <a:srgbClr val="96281B"/>
+              </a:buClr>
+              <a:buSzTx/>
+              <a:buFont typeface="Georgia"/>
+              <a:buNone/>
+              <a:tabLst/>
+              <a:defRPr/>
+            </a:pPr>
+            <a:endParaRPr kumimoji="0" lang="nb-NO" sz="2000" b="0" i="0" u="none" strike="noStrike" kern="0" cap="none" spc="0" normalizeH="0" baseline="0" noProof="0" dirty="0" smtClean="0">
+              <a:ln>
+                <a:noFill/>
+              </a:ln>
+              <a:solidFill>
+                <a:schemeClr val="dk1"/>
+              </a:solidFill>
+              <a:effectLst/>
+              <a:uLnTx/>
+              <a:uFillTx/>
+              <a:latin typeface="Georgia"/>
+              <a:ea typeface="Georgia"/>
+              <a:cs typeface="Georgia"/>
+              <a:sym typeface="Georgia"/>
+            </a:endParaRPr>
+          </a:p>
+          <a:p>
+            <a:pPr marL="0" marR="0" lvl="0" indent="0" algn="l" defTabSz="914400" rtl="0" eaLnBrk="1" fontAlgn="auto" latinLnBrk="0" hangingPunct="1">
+              <a:lnSpc>
+                <a:spcPct val="100000"/>
+              </a:lnSpc>
+              <a:spcBef>
+                <a:spcPts val="480"/>
+              </a:spcBef>
+              <a:spcAft>
+                <a:spcPts val="0"/>
+              </a:spcAft>
+              <a:buClr>
+                <a:srgbClr val="96281B"/>
+              </a:buClr>
+              <a:buSzTx/>
+              <a:buFont typeface="Georgia"/>
+              <a:buNone/>
+              <a:tabLst/>
+              <a:defRPr/>
+            </a:pPr>
+            <a:endParaRPr kumimoji="0" lang="nb-NO" sz="2000" b="0" i="0" u="none" strike="noStrike" kern="0" cap="none" spc="0" normalizeH="0" baseline="0" noProof="0" dirty="0">
+              <a:ln>
+                <a:noFill/>
+              </a:ln>
+              <a:solidFill>
+                <a:schemeClr val="dk1"/>
+              </a:solidFill>
+              <a:effectLst/>
+              <a:uLnTx/>
+              <a:uFillTx/>
+              <a:latin typeface="Georgia"/>
+              <a:ea typeface="Georgia"/>
+              <a:cs typeface="Georgia"/>
+              <a:sym typeface="Georgia"/>
+            </a:endParaRPr>
           </a:p>
         </p:txBody>
       </p:sp>
-      <p:pic>
-        <p:nvPicPr>
-          <p:cNvPr id="57348" name="Picture 4" descr="http://mbed.org/media/uploads/shintamainjp/_scaled_keyvalue.png"/>
-          <p:cNvPicPr>
-            <a:picLocks noChangeAspect="1" noChangeArrowheads="1"/>
-          </p:cNvPicPr>
-          <p:nvPr/>
-        </p:nvPicPr>
-        <p:blipFill>
-          <a:blip r:embed="rId3"/>
-          <a:srcRect/>
-          <a:stretch>
-            <a:fillRect/>
-          </a:stretch>
-        </p:blipFill>
-        <p:spPr bwMode="auto">
-          <a:xfrm>
-            <a:off x="1403648" y="1916832"/>
-            <a:ext cx="5894605" cy="3168352"/>
-          </a:xfrm>
-          <a:prstGeom prst="rect">
-            <a:avLst/>
-          </a:prstGeom>
-          <a:noFill/>
-        </p:spPr>
-      </p:pic>
     </p:spTree>
   </p:cSld>
   <p:clrMapOvr>
@@ -18991,7 +18050,7 @@
                 <a:cs typeface="Georgia"/>
                 <a:sym typeface="Georgia"/>
               </a:rPr>
-              <a:t>10. oktoberl / Åpen fagkveld</a:t>
+              <a:t>10. oktober / Åpen fagkveld</a:t>
             </a:r>
             <a:endParaRPr sz="1000" b="0" i="1" u="none" strike="noStrike" cap="none" baseline="0" dirty="0">
               <a:solidFill>
@@ -19048,10 +18107,6 @@
               <a:buFont typeface="Trebuchet MS"/>
               <a:buNone/>
             </a:pPr>
-            <a:r>
-              <a:rPr lang="nb-NO" sz="3000" dirty="0" smtClean="0"/>
-              <a:t>Key/Value</a:t>
-            </a:r>
             <a:endParaRPr sz="3000" b="1" i="0" u="none" strike="noStrike" cap="small" baseline="0" dirty="0">
               <a:solidFill>
                 <a:srgbClr val="96281B"/>
@@ -19123,7 +18178,7 @@
       </p:sp>
       <p:pic>
         <p:nvPicPr>
-          <p:cNvPr id="2050" name="Picture 2" descr="http://developer.rackspace.com/images/2013-04-29-speed-up-with-redis/redis_logo.png"/>
+          <p:cNvPr id="2050" name="Picture 2" descr="http://www.hoopersstores.com/media/wysiwyg/StorePage_Tiles_236x236px__WhatsInStore.png"/>
           <p:cNvPicPr>
             <a:picLocks noChangeAspect="1" noChangeArrowheads="1"/>
           </p:cNvPicPr>
@@ -19138,71 +18193,13 @@
         </p:blipFill>
         <p:spPr bwMode="auto">
           <a:xfrm>
-            <a:off x="539552" y="1844824"/>
-            <a:ext cx="2933700" cy="2476501"/>
-          </a:xfrm>
-          <a:prstGeom prst="rect">
-            <a:avLst/>
-          </a:prstGeom>
-          <a:noFill/>
-        </p:spPr>
-      </p:pic>
-      <p:pic>
-        <p:nvPicPr>
-          <p:cNvPr id="2052" name="Picture 4" descr="http://blog.trifork.com/wp-content/uploads/2013/06/Riak_product_logo.png"/>
-          <p:cNvPicPr>
-            <a:picLocks noChangeAspect="1" noChangeArrowheads="1"/>
-          </p:cNvPicPr>
-          <p:nvPr/>
-        </p:nvPicPr>
-        <p:blipFill>
-          <a:blip r:embed="rId4"/>
-          <a:srcRect/>
-          <a:stretch>
-            <a:fillRect/>
-          </a:stretch>
-        </p:blipFill>
-        <p:spPr bwMode="auto">
-          <a:xfrm>
-            <a:off x="3995936" y="764704"/>
-            <a:ext cx="3810000" cy="1447801"/>
-          </a:xfrm>
-          <a:prstGeom prst="rect">
-            <a:avLst/>
-          </a:prstGeom>
-          <a:noFill/>
-        </p:spPr>
-      </p:pic>
-      <p:pic>
-        <p:nvPicPr>
-          <p:cNvPr id="2053" name="Picture 5"/>
-          <p:cNvPicPr>
-            <a:picLocks noChangeAspect="1" noChangeArrowheads="1"/>
-          </p:cNvPicPr>
-          <p:nvPr/>
-        </p:nvPicPr>
-        <p:blipFill>
-          <a:blip r:embed="rId5"/>
-          <a:srcRect/>
-          <a:stretch>
-            <a:fillRect/>
-          </a:stretch>
-        </p:blipFill>
-        <p:spPr bwMode="auto">
-          <a:xfrm>
-            <a:off x="3347864" y="4005064"/>
-            <a:ext cx="4714480" cy="1650677"/>
-          </a:xfrm>
-          <a:prstGeom prst="rect">
-            <a:avLst/>
-          </a:prstGeom>
-          <a:noFill/>
-          <a:ln w="9525">
-            <a:noFill/>
-            <a:miter lim="800000"/>
-            <a:headEnd/>
-            <a:tailEnd/>
-          </a:ln>
+            <a:off x="1403648" y="-27384"/>
+            <a:ext cx="5904656" cy="5904658"/>
+          </a:xfrm>
+          <a:prstGeom prst="rect">
+            <a:avLst/>
+          </a:prstGeom>
+          <a:noFill/>
         </p:spPr>
       </p:pic>
     </p:spTree>
@@ -19283,7 +18280,7 @@
                 <a:cs typeface="Georgia"/>
                 <a:sym typeface="Georgia"/>
               </a:rPr>
-              <a:t>10. oktoberl / Åpen fagkveld</a:t>
+              <a:t>10. oktober / Åpen fagkveld</a:t>
             </a:r>
             <a:endParaRPr sz="1000" b="0" i="1" u="none" strike="noStrike" cap="none" baseline="0" dirty="0">
               <a:solidFill>
@@ -19342,7 +18339,7 @@
             </a:pPr>
             <a:r>
               <a:rPr lang="nb-NO" sz="3000" dirty="0" smtClean="0"/>
-              <a:t>Document</a:t>
+              <a:t>Key/Value</a:t>
             </a:r>
             <a:endParaRPr sz="3000" b="1" i="0" u="none" strike="noStrike" cap="small" baseline="0" dirty="0">
               <a:solidFill>
@@ -19415,7 +18412,7 @@
       </p:sp>
       <p:pic>
         <p:nvPicPr>
-          <p:cNvPr id="51202" name="Picture 2" descr="https://www.oajustice.org/assets/OH/OH/userimages/iStock_000004581445Small.jpg"/>
+          <p:cNvPr id="57348" name="Picture 4" descr="http://mbed.org/media/uploads/shintamainjp/_scaled_keyvalue.png"/>
           <p:cNvPicPr>
             <a:picLocks noChangeAspect="1" noChangeArrowheads="1"/>
           </p:cNvPicPr>
@@ -19430,8 +18427,8 @@
         </p:blipFill>
         <p:spPr bwMode="auto">
           <a:xfrm>
-            <a:off x="2195736" y="1196752"/>
-            <a:ext cx="4320480" cy="5048425"/>
+            <a:off x="1403648" y="1916832"/>
+            <a:ext cx="5894605" cy="3168352"/>
           </a:xfrm>
           <a:prstGeom prst="rect">
             <a:avLst/>
@@ -19517,7 +18514,7 @@
                 <a:cs typeface="Georgia"/>
                 <a:sym typeface="Georgia"/>
               </a:rPr>
-              <a:t>10. oktoberl / Åpen fagkveld</a:t>
+              <a:t>10. oktober / Åpen fagkveld</a:t>
             </a:r>
             <a:endParaRPr sz="1000" b="0" i="1" u="none" strike="noStrike" cap="none" baseline="0" dirty="0">
               <a:solidFill>
@@ -19576,7 +18573,7 @@
             </a:pPr>
             <a:r>
               <a:rPr lang="nb-NO" sz="3000" dirty="0" smtClean="0"/>
-              <a:t>Document</a:t>
+              <a:t>Key/Value</a:t>
             </a:r>
             <a:endParaRPr sz="3000" b="1" i="0" u="none" strike="noStrike" cap="small" baseline="0" dirty="0">
               <a:solidFill>
@@ -19649,7 +18646,7 @@
       </p:sp>
       <p:pic>
         <p:nvPicPr>
-          <p:cNvPr id="62466" name="Picture 2" descr="http://static.projectbfs.com.s3.amazonaws.com/defaults/images/topics/ravendb.jpg"/>
+          <p:cNvPr id="2050" name="Picture 2" descr="http://developer.rackspace.com/images/2013-04-29-speed-up-with-redis/redis_logo.png"/>
           <p:cNvPicPr>
             <a:picLocks noChangeAspect="1" noChangeArrowheads="1"/>
           </p:cNvPicPr>
@@ -19664,8 +18661,8 @@
         </p:blipFill>
         <p:spPr bwMode="auto">
           <a:xfrm>
-            <a:off x="4067944" y="0"/>
-            <a:ext cx="4738127" cy="3384377"/>
+            <a:off x="539552" y="1844824"/>
+            <a:ext cx="2933700" cy="2476501"/>
           </a:xfrm>
           <a:prstGeom prst="rect">
             <a:avLst/>
@@ -19675,7 +18672,7 @@
       </p:pic>
       <p:pic>
         <p:nvPicPr>
-          <p:cNvPr id="62468" name="Picture 4" descr="http://www.linux-mag.com/s/i/topics/couchdb.jpg"/>
+          <p:cNvPr id="2052" name="Picture 4" descr="http://blog.trifork.com/wp-content/uploads/2013/06/Riak_product_logo.png"/>
           <p:cNvPicPr>
             <a:picLocks noChangeAspect="1" noChangeArrowheads="1"/>
           </p:cNvPicPr>
@@ -19690,8 +18687,8 @@
         </p:blipFill>
         <p:spPr bwMode="auto">
           <a:xfrm>
-            <a:off x="395536" y="1556792"/>
-            <a:ext cx="3600400" cy="3600400"/>
+            <a:off x="3995936" y="764704"/>
+            <a:ext cx="3810000" cy="1447801"/>
           </a:xfrm>
           <a:prstGeom prst="rect">
             <a:avLst/>
@@ -19701,7 +18698,7 @@
       </p:pic>
       <p:pic>
         <p:nvPicPr>
-          <p:cNvPr id="62470" name="Picture 6" descr="http://www.networkworld.com/community/files/imce/img_blogs/mongodb.png"/>
+          <p:cNvPr id="2053" name="Picture 5"/>
           <p:cNvPicPr>
             <a:picLocks noChangeAspect="1" noChangeArrowheads="1"/>
           </p:cNvPicPr>
@@ -19716,13 +18713,19 @@
         </p:blipFill>
         <p:spPr bwMode="auto">
           <a:xfrm>
-            <a:off x="4211960" y="3068960"/>
-            <a:ext cx="3960440" cy="2741843"/>
-          </a:xfrm>
-          <a:prstGeom prst="rect">
-            <a:avLst/>
-          </a:prstGeom>
-          <a:noFill/>
+            <a:off x="3347864" y="4005064"/>
+            <a:ext cx="4714480" cy="1650677"/>
+          </a:xfrm>
+          <a:prstGeom prst="rect">
+            <a:avLst/>
+          </a:prstGeom>
+          <a:noFill/>
+          <a:ln w="9525">
+            <a:noFill/>
+            <a:miter lim="800000"/>
+            <a:headEnd/>
+            <a:tailEnd/>
+          </a:ln>
         </p:spPr>
       </p:pic>
     </p:spTree>
@@ -19803,7 +18806,7 @@
                 <a:cs typeface="Georgia"/>
                 <a:sym typeface="Georgia"/>
               </a:rPr>
-              <a:t>10. oktoberl / Åpen fagkveld</a:t>
+              <a:t>10. oktober / Åpen fagkveld</a:t>
             </a:r>
             <a:endParaRPr sz="1000" b="0" i="1" u="none" strike="noStrike" cap="none" baseline="0" dirty="0">
               <a:solidFill>
@@ -19846,15 +18849,23 @@
           </a:bodyPr>
           <a:lstStyle/>
           <a:p>
-            <a:pPr lvl="0">
+            <a:pPr marL="0" marR="0" lvl="0" indent="0" algn="l" rtl="0">
+              <a:spcBef>
+                <a:spcPts val="0"/>
+              </a:spcBef>
+              <a:spcAft>
+                <a:spcPts val="0"/>
+              </a:spcAft>
               <a:buClr>
                 <a:srgbClr val="96281B"/>
               </a:buClr>
               <a:buSzPct val="25000"/>
+              <a:buFont typeface="Trebuchet MS"/>
+              <a:buNone/>
             </a:pPr>
             <a:r>
               <a:rPr lang="nb-NO" sz="3000" dirty="0" smtClean="0"/>
-              <a:t>Columnstore</a:t>
+              <a:t>Document</a:t>
             </a:r>
             <a:endParaRPr sz="3000" b="1" i="0" u="none" strike="noStrike" cap="small" baseline="0" dirty="0">
               <a:solidFill>
@@ -19927,7 +18938,7 @@
       </p:sp>
       <p:pic>
         <p:nvPicPr>
-          <p:cNvPr id="55298" name="Picture 2" descr="http://www.labhut.com/media/catalog/product/cache/1/image/700x500/9df78eab33525d08d6e5fb8d27136e95/c/o/colstor60_1_3.jpg"/>
+          <p:cNvPr id="51202" name="Picture 2" descr="https://www.oajustice.org/assets/OH/OH/userimages/iStock_000004581445Small.jpg"/>
           <p:cNvPicPr>
             <a:picLocks noChangeAspect="1" noChangeArrowheads="1"/>
           </p:cNvPicPr>
@@ -19942,8 +18953,8 @@
         </p:blipFill>
         <p:spPr bwMode="auto">
           <a:xfrm>
-            <a:off x="1115616" y="1412776"/>
-            <a:ext cx="6595492" cy="4474468"/>
+            <a:off x="2195736" y="1196752"/>
+            <a:ext cx="4320480" cy="5048425"/>
           </a:xfrm>
           <a:prstGeom prst="rect">
             <a:avLst/>
@@ -20029,7 +19040,7 @@
                 <a:cs typeface="Georgia"/>
                 <a:sym typeface="Georgia"/>
               </a:rPr>
-              <a:t>10. oktoberl / Åpen fagkveld</a:t>
+              <a:t>10. oktober / Åpen fagkveld</a:t>
             </a:r>
             <a:endParaRPr sz="1000" b="0" i="1" u="none" strike="noStrike" cap="none" baseline="0" dirty="0">
               <a:solidFill>
@@ -20072,15 +19083,23 @@
           </a:bodyPr>
           <a:lstStyle/>
           <a:p>
-            <a:pPr lvl="0">
+            <a:pPr marL="0" marR="0" lvl="0" indent="0" algn="l" rtl="0">
+              <a:spcBef>
+                <a:spcPts val="0"/>
+              </a:spcBef>
+              <a:spcAft>
+                <a:spcPts val="0"/>
+              </a:spcAft>
               <a:buClr>
                 <a:srgbClr val="96281B"/>
               </a:buClr>
               <a:buSzPct val="25000"/>
+              <a:buFont typeface="Trebuchet MS"/>
+              <a:buNone/>
             </a:pPr>
             <a:r>
               <a:rPr lang="nb-NO" sz="3000" dirty="0" smtClean="0"/>
-              <a:t>Columnstore</a:t>
+              <a:t>Document</a:t>
             </a:r>
             <a:endParaRPr sz="3000" b="1" i="0" u="none" strike="noStrike" cap="small" baseline="0" dirty="0">
               <a:solidFill>
@@ -20153,20 +19172,14 @@
       </p:sp>
       <p:pic>
         <p:nvPicPr>
-          <p:cNvPr id="1028" name="Picture 4" descr="http://1.bp.blogspot.com/_j6mB7TMmJJY/TK1npAatLqI/AAAAAAAAAd4/TscPInSeUoo/s1600/p1.png"/>
+          <p:cNvPr id="62466" name="Picture 2" descr="http://static.projectbfs.com.s3.amazonaws.com/defaults/images/topics/ravendb.jpg"/>
           <p:cNvPicPr>
             <a:picLocks noChangeAspect="1" noChangeArrowheads="1"/>
           </p:cNvPicPr>
           <p:nvPr/>
         </p:nvPicPr>
         <p:blipFill>
-          <a:blip r:embed="rId3">
-            <a:extLst>
-              <a:ext uri="{28A0092B-C50C-407E-A947-70E740481C1C}">
-                <a14:useLocalDpi xmlns:a14="http://schemas.microsoft.com/office/drawing/2010/main" val="0"/>
-              </a:ext>
-            </a:extLst>
-          </a:blip>
+          <a:blip r:embed="rId3"/>
           <a:srcRect/>
           <a:stretch>
             <a:fillRect/>
@@ -20174,30 +19187,68 @@
         </p:blipFill>
         <p:spPr bwMode="auto">
           <a:xfrm>
-            <a:off x="611560" y="1196752"/>
-            <a:ext cx="7578519" cy="4519452"/>
-          </a:xfrm>
-          <a:prstGeom prst="rect">
-            <a:avLst/>
-          </a:prstGeom>
-          <a:noFill/>
-          <a:extLst>
-            <a:ext uri="{909E8E84-426E-40DD-AFC4-6F175D3DCCD1}">
-              <a14:hiddenFill xmlns:a14="http://schemas.microsoft.com/office/drawing/2010/main">
-                <a:solidFill>
-                  <a:srgbClr val="FFFFFF"/>
-                </a:solidFill>
-              </a14:hiddenFill>
-            </a:ext>
-          </a:extLst>
+            <a:off x="4067944" y="0"/>
+            <a:ext cx="4738127" cy="3384377"/>
+          </a:xfrm>
+          <a:prstGeom prst="rect">
+            <a:avLst/>
+          </a:prstGeom>
+          <a:noFill/>
+        </p:spPr>
+      </p:pic>
+      <p:pic>
+        <p:nvPicPr>
+          <p:cNvPr id="62468" name="Picture 4" descr="http://www.linux-mag.com/s/i/topics/couchdb.jpg"/>
+          <p:cNvPicPr>
+            <a:picLocks noChangeAspect="1" noChangeArrowheads="1"/>
+          </p:cNvPicPr>
+          <p:nvPr/>
+        </p:nvPicPr>
+        <p:blipFill>
+          <a:blip r:embed="rId4"/>
+          <a:srcRect/>
+          <a:stretch>
+            <a:fillRect/>
+          </a:stretch>
+        </p:blipFill>
+        <p:spPr bwMode="auto">
+          <a:xfrm>
+            <a:off x="395536" y="1556792"/>
+            <a:ext cx="3600400" cy="3600400"/>
+          </a:xfrm>
+          <a:prstGeom prst="rect">
+            <a:avLst/>
+          </a:prstGeom>
+          <a:noFill/>
+        </p:spPr>
+      </p:pic>
+      <p:pic>
+        <p:nvPicPr>
+          <p:cNvPr id="62470" name="Picture 6" descr="http://www.networkworld.com/community/files/imce/img_blogs/mongodb.png"/>
+          <p:cNvPicPr>
+            <a:picLocks noChangeAspect="1" noChangeArrowheads="1"/>
+          </p:cNvPicPr>
+          <p:nvPr/>
+        </p:nvPicPr>
+        <p:blipFill>
+          <a:blip r:embed="rId5"/>
+          <a:srcRect/>
+          <a:stretch>
+            <a:fillRect/>
+          </a:stretch>
+        </p:blipFill>
+        <p:spPr bwMode="auto">
+          <a:xfrm>
+            <a:off x="4211960" y="3068960"/>
+            <a:ext cx="3960440" cy="2741843"/>
+          </a:xfrm>
+          <a:prstGeom prst="rect">
+            <a:avLst/>
+          </a:prstGeom>
+          <a:noFill/>
         </p:spPr>
       </p:pic>
     </p:spTree>
-    <p:extLst>
-      <p:ext uri="{BB962C8B-B14F-4D97-AF65-F5344CB8AC3E}">
-        <p14:creationId xmlns:p14="http://schemas.microsoft.com/office/powerpoint/2010/main" val="4240631869"/>
-      </p:ext>
-    </p:extLst>
   </p:cSld>
   <p:clrMapOvr>
     <a:masterClrMapping/>
@@ -20220,7 +19271,7 @@
   <p:cSld>
     <p:spTree>
       <p:nvGrpSpPr>
-        <p:cNvPr id="1" name="Shape 116"/>
+        <p:cNvPr id="1" name="Shape 257"/>
         <p:cNvGrpSpPr/>
         <p:nvPr/>
       </p:nvGrpSpPr>
@@ -20234,7 +19285,7 @@
       </p:grpSpPr>
       <p:sp>
         <p:nvSpPr>
-          <p:cNvPr id="117" name="Shape 117"/>
+          <p:cNvPr id="258" name="Shape 258"/>
           <p:cNvSpPr/>
           <p:nvPr/>
         </p:nvSpPr>
@@ -20275,7 +19326,7 @@
                 <a:cs typeface="Georgia"/>
                 <a:sym typeface="Georgia"/>
               </a:rPr>
-              <a:t>10. oktoberl / Åpen fagkveld</a:t>
+              <a:t>10. oktober / Åpen fagkveld</a:t>
             </a:r>
             <a:endParaRPr sz="1000" b="0" i="1" u="none" strike="noStrike" cap="none" baseline="0" dirty="0">
               <a:solidFill>
@@ -20291,7 +19342,7 @@
       </p:sp>
       <p:sp>
         <p:nvSpPr>
-          <p:cNvPr id="118" name="Shape 118"/>
+          <p:cNvPr id="259" name="Shape 259"/>
           <p:cNvSpPr>
             <a:spLocks noGrp="1"/>
           </p:cNvSpPr>
@@ -20318,15 +19369,31 @@
           </a:bodyPr>
           <a:lstStyle/>
           <a:p>
-            <a:pPr lvl="0">
+            <a:pPr marL="0" marR="0" lvl="0" indent="0" algn="l" rtl="0">
+              <a:spcBef>
+                <a:spcPts val="0"/>
+              </a:spcBef>
+              <a:spcAft>
+                <a:spcPts val="0"/>
+              </a:spcAft>
               <a:buClr>
                 <a:srgbClr val="96281B"/>
               </a:buClr>
               <a:buSzPct val="25000"/>
-            </a:pPr>
-            <a:r>
-              <a:rPr lang="nb-NO" sz="3000" dirty="0" smtClean="0"/>
-              <a:t>Polyglot persistence</a:t>
+              <a:buFont typeface="Trebuchet MS"/>
+              <a:buNone/>
+            </a:pPr>
+            <a:r>
+              <a:rPr lang="nb-NO" sz="3000" b="1" i="0" u="none" strike="noStrike" cap="small" baseline="0" dirty="0" smtClean="0">
+                <a:solidFill>
+                  <a:srgbClr val="96281B"/>
+                </a:solidFill>
+                <a:latin typeface="Trebuchet MS"/>
+                <a:ea typeface="Trebuchet MS"/>
+                <a:cs typeface="Trebuchet MS"/>
+                <a:sym typeface="Trebuchet MS"/>
+              </a:rPr>
+              <a:t>Agenda</a:t>
             </a:r>
             <a:endParaRPr sz="3000" b="1" i="0" u="none" strike="noStrike" cap="small" baseline="0" dirty="0">
               <a:solidFill>
@@ -20342,7 +19409,7 @@
       </p:sp>
       <p:sp>
         <p:nvSpPr>
-          <p:cNvPr id="119" name="Shape 119"/>
+          <p:cNvPr id="260" name="Shape 260"/>
           <p:cNvSpPr>
             <a:spLocks noGrp="1"/>
           </p:cNvSpPr>
@@ -20352,8 +19419,8 @@
         </p:nvSpPr>
         <p:spPr>
           <a:xfrm>
-            <a:off x="431800" y="1546225"/>
-            <a:ext cx="8277224" cy="771966"/>
+            <a:off x="395536" y="1556792"/>
+            <a:ext cx="8277224" cy="4237017"/>
           </a:xfrm>
           <a:prstGeom prst="rect">
             <a:avLst/>
@@ -20364,12 +19431,105 @@
           </a:ln>
         </p:spPr>
         <p:txBody>
-          <a:bodyPr lIns="91425" tIns="45700" rIns="91425" bIns="45700" anchor="t" anchorCtr="0">
+          <a:bodyPr wrap="square" lIns="91425" tIns="45700" rIns="91425" bIns="45700" anchor="t" anchorCtr="0">
             <a:spAutoFit/>
           </a:bodyPr>
           <a:lstStyle/>
           <a:p>
-            <a:endParaRPr dirty="0"/>
+            <a:pPr>
+              <a:buSzPct val="100694"/>
+              <a:buFont typeface="Arial"/>
+              <a:buChar char="•"/>
+            </a:pPr>
+            <a:endParaRPr lang="nb-NO" sz="2800" dirty="0" smtClean="0"/>
+          </a:p>
+          <a:p>
+            <a:endParaRPr lang="nb-NO" dirty="0" smtClean="0"/>
+          </a:p>
+          <a:p>
+            <a:r>
+              <a:rPr lang="nb-NO" sz="2400" dirty="0" smtClean="0"/>
+              <a:t>17:00 Intro </a:t>
+            </a:r>
+            <a:r>
+              <a:rPr lang="nb-NO" sz="2400" dirty="0" smtClean="0"/>
+              <a:t>- </a:t>
+            </a:r>
+            <a:r>
+              <a:rPr lang="nb-NO" sz="2400" dirty="0" smtClean="0"/>
+              <a:t>Jan </a:t>
+            </a:r>
+            <a:r>
+              <a:rPr lang="nb-NO" sz="2400" dirty="0" smtClean="0"/>
+              <a:t>Ove Skogheim Olsen</a:t>
+            </a:r>
+            <a:endParaRPr lang="nb-NO" sz="2400" dirty="0" smtClean="0"/>
+          </a:p>
+          <a:p>
+            <a:r>
+              <a:rPr lang="nb-NO" sz="2400" dirty="0" smtClean="0"/>
+              <a:t>17:15 Demo </a:t>
+            </a:r>
+            <a:r>
+              <a:rPr lang="nb-NO" sz="2400" dirty="0" smtClean="0"/>
+              <a:t>- Marius Ingjer og Torstein Bjørnstad</a:t>
+            </a:r>
+            <a:endParaRPr lang="nb-NO" sz="2400" dirty="0" smtClean="0"/>
+          </a:p>
+          <a:p>
+            <a:r>
+              <a:rPr lang="nb-NO" sz="2400" dirty="0" smtClean="0"/>
+              <a:t>18:00 Pause</a:t>
+            </a:r>
+          </a:p>
+          <a:p>
+            <a:r>
+              <a:rPr lang="nb-NO" sz="2400" dirty="0" smtClean="0"/>
+              <a:t>18:15 Dokumentbaser </a:t>
+            </a:r>
+            <a:r>
+              <a:rPr lang="nb-NO" sz="2400" dirty="0" smtClean="0"/>
+              <a:t>- </a:t>
+            </a:r>
+            <a:r>
+              <a:rPr lang="nb-NO" sz="2400" dirty="0" smtClean="0"/>
+              <a:t>Gaute Magnussen</a:t>
+            </a:r>
+            <a:r>
+              <a:rPr lang="nb-NO" sz="2400" dirty="0" smtClean="0"/>
+              <a:t/>
+            </a:r>
+            <a:br>
+              <a:rPr lang="nb-NO" sz="2400" dirty="0" smtClean="0"/>
+            </a:br>
+            <a:r>
+              <a:rPr lang="nb-NO" sz="2400" dirty="0" smtClean="0"/>
+              <a:t>19:00 Pause</a:t>
+            </a:r>
+          </a:p>
+          <a:p>
+            <a:r>
+              <a:rPr lang="nb-NO" sz="2400" dirty="0" smtClean="0"/>
+              <a:t>19:10 Grafbaser </a:t>
+            </a:r>
+            <a:r>
+              <a:rPr lang="nb-NO" sz="2400" dirty="0" smtClean="0"/>
+              <a:t>- Björn </a:t>
+            </a:r>
+            <a:r>
+              <a:rPr lang="nb-NO" sz="2400" dirty="0" smtClean="0"/>
+              <a:t>Granvik</a:t>
+            </a:r>
+            <a:r>
+              <a:rPr lang="nb-NO" sz="2400" b="1" dirty="0" smtClean="0"/>
+              <a:t> </a:t>
+            </a:r>
+          </a:p>
+          <a:p>
+            <a:r>
+              <a:rPr lang="nb-NO" sz="2400" dirty="0" smtClean="0"/>
+              <a:t>20:15 Beer o’clock</a:t>
+            </a:r>
           </a:p>
           <a:p>
             <a:endParaRPr dirty="0"/>
@@ -20378,7 +19538,7 @@
       </p:sp>
       <p:pic>
         <p:nvPicPr>
-          <p:cNvPr id="8194" name="Picture 2" descr="Babel Fish"/>
+          <p:cNvPr id="82946" name="Picture 2" descr="http://www.picgifs.com/graphics/a/agenda/graphics-agenda-615488.gif"/>
           <p:cNvPicPr>
             <a:picLocks noChangeAspect="1" noChangeArrowheads="1"/>
           </p:cNvPicPr>
@@ -20393,8 +19553,8 @@
         </p:blipFill>
         <p:spPr bwMode="auto">
           <a:xfrm>
-            <a:off x="2483768" y="1727296"/>
-            <a:ext cx="3960440" cy="4446055"/>
+            <a:off x="6588224" y="188640"/>
+            <a:ext cx="2295207" cy="2524035"/>
           </a:xfrm>
           <a:prstGeom prst="rect">
             <a:avLst/>
@@ -20480,7 +19640,7 @@
                 <a:cs typeface="Georgia"/>
                 <a:sym typeface="Georgia"/>
               </a:rPr>
-              <a:t>10. oktoberl / Åpen fagkveld</a:t>
+              <a:t>10. oktober / Åpen fagkveld</a:t>
             </a:r>
             <a:endParaRPr sz="1000" b="0" i="1" u="none" strike="noStrike" cap="none" baseline="0" dirty="0">
               <a:solidFill>
@@ -20604,7 +19764,7 @@
       </p:sp>
       <p:pic>
         <p:nvPicPr>
-          <p:cNvPr id="64514" name="Picture 2" descr="http://upload.wikimedia.org/wikipedia/commons/thumb/5/5e/Cassandra_logo.svg/279px-Cassandra_logo.svg.png"/>
+          <p:cNvPr id="55298" name="Picture 2" descr="http://www.labhut.com/media/catalog/product/cache/1/image/700x500/9df78eab33525d08d6e5fb8d27136e95/c/o/colstor60_1_3.jpg"/>
           <p:cNvPicPr>
             <a:picLocks noChangeAspect="1" noChangeArrowheads="1"/>
           </p:cNvPicPr>
@@ -20619,97 +19779,13 @@
         </p:blipFill>
         <p:spPr bwMode="auto">
           <a:xfrm>
-            <a:off x="611560" y="1700808"/>
-            <a:ext cx="3008161" cy="2016224"/>
-          </a:xfrm>
-          <a:prstGeom prst="rect">
-            <a:avLst/>
-          </a:prstGeom>
-          <a:noFill/>
-        </p:spPr>
-      </p:pic>
-      <p:pic>
-        <p:nvPicPr>
-          <p:cNvPr id="64516" name="Picture 4" descr="https://si0.twimg.com/profile_images/563838120/InfiniDB-TM_square.JPG"/>
-          <p:cNvPicPr>
-            <a:picLocks noChangeAspect="1" noChangeArrowheads="1"/>
-          </p:cNvPicPr>
-          <p:nvPr/>
-        </p:nvPicPr>
-        <p:blipFill>
-          <a:blip r:embed="rId4"/>
-          <a:srcRect/>
-          <a:stretch>
-            <a:fillRect/>
-          </a:stretch>
-        </p:blipFill>
-        <p:spPr bwMode="auto">
-          <a:xfrm>
-            <a:off x="5148064" y="404664"/>
-            <a:ext cx="2476500" cy="2476501"/>
-          </a:xfrm>
-          <a:prstGeom prst="rect">
-            <a:avLst/>
-          </a:prstGeom>
-          <a:noFill/>
-        </p:spPr>
-      </p:pic>
-      <p:pic>
-        <p:nvPicPr>
-          <p:cNvPr id="64518" name="Picture 6" descr="http://www.softwareone.com/en-uk/Events/Events/Documents/SQL12_Logo.jpg"/>
-          <p:cNvPicPr>
-            <a:picLocks noChangeAspect="1" noChangeArrowheads="1"/>
-          </p:cNvPicPr>
-          <p:nvPr/>
-        </p:nvPicPr>
-        <p:blipFill>
-          <a:blip r:embed="rId5"/>
-          <a:srcRect/>
-          <a:stretch>
-            <a:fillRect/>
-          </a:stretch>
-        </p:blipFill>
-        <p:spPr bwMode="auto">
-          <a:xfrm>
-            <a:off x="4139952" y="2348880"/>
-            <a:ext cx="4029075" cy="2771776"/>
-          </a:xfrm>
-          <a:prstGeom prst="rect">
-            <a:avLst/>
-          </a:prstGeom>
-          <a:noFill/>
-        </p:spPr>
-      </p:pic>
-      <p:pic>
-        <p:nvPicPr>
-          <p:cNvPr id="64519" name="Picture 7"/>
-          <p:cNvPicPr>
-            <a:picLocks noChangeAspect="1" noChangeArrowheads="1"/>
-          </p:cNvPicPr>
-          <p:nvPr/>
-        </p:nvPicPr>
-        <p:blipFill>
-          <a:blip r:embed="rId6"/>
-          <a:srcRect/>
-          <a:stretch>
-            <a:fillRect/>
-          </a:stretch>
-        </p:blipFill>
-        <p:spPr bwMode="auto">
-          <a:xfrm>
-            <a:off x="827584" y="4005064"/>
-            <a:ext cx="2808312" cy="1907820"/>
-          </a:xfrm>
-          <a:prstGeom prst="rect">
-            <a:avLst/>
-          </a:prstGeom>
-          <a:noFill/>
-          <a:ln w="9525">
-            <a:noFill/>
-            <a:miter lim="800000"/>
-            <a:headEnd/>
-            <a:tailEnd/>
-          </a:ln>
+            <a:off x="1115616" y="1412776"/>
+            <a:ext cx="6595492" cy="4474468"/>
+          </a:xfrm>
+          <a:prstGeom prst="rect">
+            <a:avLst/>
+          </a:prstGeom>
+          <a:noFill/>
         </p:spPr>
       </p:pic>
     </p:spTree>
@@ -20790,7 +19866,7 @@
                 <a:cs typeface="Georgia"/>
                 <a:sym typeface="Georgia"/>
               </a:rPr>
-              <a:t>10. oktoberl / Åpen fagkveld</a:t>
+              <a:t>10. oktober / Åpen fagkveld</a:t>
             </a:r>
             <a:endParaRPr sz="1000" b="0" i="1" u="none" strike="noStrike" cap="none" baseline="0" dirty="0">
               <a:solidFill>
@@ -20833,23 +19909,15 @@
           </a:bodyPr>
           <a:lstStyle/>
           <a:p>
-            <a:pPr marL="0" marR="0" lvl="0" indent="0" algn="l" rtl="0">
-              <a:spcBef>
-                <a:spcPts val="0"/>
-              </a:spcBef>
-              <a:spcAft>
-                <a:spcPts val="0"/>
-              </a:spcAft>
+            <a:pPr lvl="0">
               <a:buClr>
                 <a:srgbClr val="96281B"/>
               </a:buClr>
               <a:buSzPct val="25000"/>
-              <a:buFont typeface="Trebuchet MS"/>
-              <a:buNone/>
             </a:pPr>
             <a:r>
               <a:rPr lang="nb-NO" sz="3000" dirty="0" smtClean="0"/>
-              <a:t>Graph</a:t>
+              <a:t>Columnstore</a:t>
             </a:r>
             <a:endParaRPr sz="3000" b="1" i="0" u="none" strike="noStrike" cap="small" baseline="0" dirty="0">
               <a:solidFill>
@@ -20922,14 +19990,20 @@
       </p:sp>
       <p:pic>
         <p:nvPicPr>
-          <p:cNvPr id="53250" name="Picture 2" descr="http://graemethickins.typepad.com/.a/6a00d8341c4f1053ef0134827fe044970c-800wi"/>
+          <p:cNvPr id="1028" name="Picture 4" descr="http://1.bp.blogspot.com/_j6mB7TMmJJY/TK1npAatLqI/AAAAAAAAAd4/TscPInSeUoo/s1600/p1.png"/>
           <p:cNvPicPr>
             <a:picLocks noChangeAspect="1" noChangeArrowheads="1"/>
           </p:cNvPicPr>
           <p:nvPr/>
         </p:nvPicPr>
         <p:blipFill>
-          <a:blip r:embed="rId3"/>
+          <a:blip r:embed="rId3">
+            <a:extLst>
+              <a:ext uri="{28A0092B-C50C-407E-A947-70E740481C1C}">
+                <a14:useLocalDpi xmlns="" xmlns:a14="http://schemas.microsoft.com/office/drawing/2010/main" val="0"/>
+              </a:ext>
+            </a:extLst>
+          </a:blip>
           <a:srcRect/>
           <a:stretch>
             <a:fillRect/>
@@ -20937,16 +20011,30 @@
         </p:blipFill>
         <p:spPr bwMode="auto">
           <a:xfrm>
-            <a:off x="1619672" y="1052736"/>
-            <a:ext cx="5400600" cy="4932550"/>
-          </a:xfrm>
-          <a:prstGeom prst="rect">
-            <a:avLst/>
-          </a:prstGeom>
-          <a:noFill/>
+            <a:off x="611560" y="1196752"/>
+            <a:ext cx="7578519" cy="4519452"/>
+          </a:xfrm>
+          <a:prstGeom prst="rect">
+            <a:avLst/>
+          </a:prstGeom>
+          <a:noFill/>
+          <a:extLst>
+            <a:ext uri="{909E8E84-426E-40DD-AFC4-6F175D3DCCD1}">
+              <a14:hiddenFill xmlns="" xmlns:a14="http://schemas.microsoft.com/office/drawing/2010/main">
+                <a:solidFill>
+                  <a:srgbClr val="FFFFFF"/>
+                </a:solidFill>
+              </a14:hiddenFill>
+            </a:ext>
+          </a:extLst>
         </p:spPr>
       </p:pic>
     </p:spTree>
+    <p:extLst>
+      <p:ext uri="{BB962C8B-B14F-4D97-AF65-F5344CB8AC3E}">
+        <p14:creationId xmlns="" xmlns:p14="http://schemas.microsoft.com/office/powerpoint/2010/main" val="4240631869"/>
+      </p:ext>
+    </p:extLst>
   </p:cSld>
   <p:clrMapOvr>
     <a:masterClrMapping/>
@@ -21024,7 +20112,7 @@
                 <a:cs typeface="Georgia"/>
                 <a:sym typeface="Georgia"/>
               </a:rPr>
-              <a:t>10. oktoberl / Åpen fagkveld</a:t>
+              <a:t>10. oktober / Åpen fagkveld</a:t>
             </a:r>
             <a:endParaRPr sz="1000" b="0" i="1" u="none" strike="noStrike" cap="none" baseline="0" dirty="0">
               <a:solidFill>
@@ -21067,23 +20155,15 @@
           </a:bodyPr>
           <a:lstStyle/>
           <a:p>
-            <a:pPr marL="0" marR="0" lvl="0" indent="0" algn="l" rtl="0">
-              <a:spcBef>
-                <a:spcPts val="0"/>
-              </a:spcBef>
-              <a:spcAft>
-                <a:spcPts val="0"/>
-              </a:spcAft>
+            <a:pPr lvl="0">
               <a:buClr>
                 <a:srgbClr val="96281B"/>
               </a:buClr>
               <a:buSzPct val="25000"/>
-              <a:buFont typeface="Trebuchet MS"/>
-              <a:buNone/>
             </a:pPr>
             <a:r>
               <a:rPr lang="nb-NO" sz="3000" dirty="0" smtClean="0"/>
-              <a:t>Graph</a:t>
+              <a:t>Columnstore</a:t>
             </a:r>
             <a:endParaRPr sz="3000" b="1" i="0" u="none" strike="noStrike" cap="small" baseline="0" dirty="0">
               <a:solidFill>
@@ -21156,7 +20236,7 @@
       </p:sp>
       <p:pic>
         <p:nvPicPr>
-          <p:cNvPr id="68610" name="Picture 2" descr="http://ebmedia.eventbrite.com/s3-build/images/2059693/46740671327/1/logo.png"/>
+          <p:cNvPr id="64514" name="Picture 2" descr="http://upload.wikimedia.org/wikipedia/commons/thumb/5/5e/Cassandra_logo.svg/279px-Cassandra_logo.svg.png"/>
           <p:cNvPicPr>
             <a:picLocks noChangeAspect="1" noChangeArrowheads="1"/>
           </p:cNvPicPr>
@@ -21171,8 +20251,8 @@
         </p:blipFill>
         <p:spPr bwMode="auto">
           <a:xfrm>
-            <a:off x="4139952" y="1052736"/>
-            <a:ext cx="4286250" cy="1628776"/>
+            <a:off x="611560" y="1700808"/>
+            <a:ext cx="3008161" cy="2016224"/>
           </a:xfrm>
           <a:prstGeom prst="rect">
             <a:avLst/>
@@ -21182,7 +20262,7 @@
       </p:pic>
       <p:pic>
         <p:nvPicPr>
-          <p:cNvPr id="68612" name="Picture 4" descr="http://www.hypergraphdb.org/images/hgdblogo-green-bckground2.jpg"/>
+          <p:cNvPr id="64516" name="Picture 4" descr="https://si0.twimg.com/profile_images/563838120/InfiniDB-TM_square.JPG"/>
           <p:cNvPicPr>
             <a:picLocks noChangeAspect="1" noChangeArrowheads="1"/>
           </p:cNvPicPr>
@@ -21197,8 +20277,8 @@
         </p:blipFill>
         <p:spPr bwMode="auto">
           <a:xfrm>
-            <a:off x="539552" y="2276872"/>
-            <a:ext cx="2771775" cy="1638300"/>
+            <a:off x="5148064" y="404664"/>
+            <a:ext cx="2476500" cy="2476501"/>
           </a:xfrm>
           <a:prstGeom prst="rect">
             <a:avLst/>
@@ -21208,7 +20288,7 @@
       </p:pic>
       <p:pic>
         <p:nvPicPr>
-          <p:cNvPr id="68614" name="Picture 6" descr="http://upload.wikimedia.org/wikipedia/en/d/dc/OrientdbLogo.png"/>
+          <p:cNvPr id="64518" name="Picture 6" descr="http://www.softwareone.com/en-uk/Events/Events/Documents/SQL12_Logo.jpg"/>
           <p:cNvPicPr>
             <a:picLocks noChangeAspect="1" noChangeArrowheads="1"/>
           </p:cNvPicPr>
@@ -21223,13 +20303,45 @@
         </p:blipFill>
         <p:spPr bwMode="auto">
           <a:xfrm>
-            <a:off x="3563888" y="3429000"/>
-            <a:ext cx="4838700" cy="2009776"/>
-          </a:xfrm>
-          <a:prstGeom prst="rect">
-            <a:avLst/>
-          </a:prstGeom>
-          <a:noFill/>
+            <a:off x="4139952" y="2348880"/>
+            <a:ext cx="4029075" cy="2771776"/>
+          </a:xfrm>
+          <a:prstGeom prst="rect">
+            <a:avLst/>
+          </a:prstGeom>
+          <a:noFill/>
+        </p:spPr>
+      </p:pic>
+      <p:pic>
+        <p:nvPicPr>
+          <p:cNvPr id="64519" name="Picture 7"/>
+          <p:cNvPicPr>
+            <a:picLocks noChangeAspect="1" noChangeArrowheads="1"/>
+          </p:cNvPicPr>
+          <p:nvPr/>
+        </p:nvPicPr>
+        <p:blipFill>
+          <a:blip r:embed="rId6"/>
+          <a:srcRect/>
+          <a:stretch>
+            <a:fillRect/>
+          </a:stretch>
+        </p:blipFill>
+        <p:spPr bwMode="auto">
+          <a:xfrm>
+            <a:off x="827584" y="4005064"/>
+            <a:ext cx="2808312" cy="1907820"/>
+          </a:xfrm>
+          <a:prstGeom prst="rect">
+            <a:avLst/>
+          </a:prstGeom>
+          <a:noFill/>
+          <a:ln w="9525">
+            <a:noFill/>
+            <a:miter lim="800000"/>
+            <a:headEnd/>
+            <a:tailEnd/>
+          </a:ln>
         </p:spPr>
       </p:pic>
     </p:spTree>
@@ -21310,7 +20422,7 @@
                 <a:cs typeface="Georgia"/>
                 <a:sym typeface="Georgia"/>
               </a:rPr>
-              <a:t>10. oktoberl / Åpen fagkveld</a:t>
+              <a:t>10. oktober / Åpen fagkveld</a:t>
             </a:r>
             <a:endParaRPr sz="1000" b="0" i="1" u="none" strike="noStrike" cap="none" baseline="0" dirty="0">
               <a:solidFill>
@@ -21368,16 +20480,8 @@
               <a:buNone/>
             </a:pPr>
             <a:r>
-              <a:rPr lang="nb-NO" sz="3000" b="1" i="0" u="none" strike="noStrike" cap="small" baseline="0" dirty="0" smtClean="0">
-                <a:solidFill>
-                  <a:srgbClr val="96281B"/>
-                </a:solidFill>
-                <a:latin typeface="Trebuchet MS"/>
-                <a:ea typeface="Trebuchet MS"/>
-                <a:cs typeface="Trebuchet MS"/>
-                <a:sym typeface="Trebuchet MS"/>
-              </a:rPr>
-              <a:t>Eksempler</a:t>
+              <a:rPr lang="nb-NO" sz="3000" dirty="0" smtClean="0"/>
+              <a:t>Graph</a:t>
             </a:r>
             <a:endParaRPr sz="3000" b="1" i="0" u="none" strike="noStrike" cap="small" baseline="0" dirty="0">
               <a:solidFill>
@@ -21404,7 +20508,7 @@
         <p:spPr>
           <a:xfrm>
             <a:off x="431800" y="1546225"/>
-            <a:ext cx="8277224" cy="2998216"/>
+            <a:ext cx="8277224" cy="1315704"/>
           </a:xfrm>
           <a:prstGeom prst="rect">
             <a:avLst/>
@@ -21433,87 +20537,7 @@
               <a:buFont typeface="Arial"/>
               <a:buChar char="•"/>
             </a:pPr>
-            <a:r>
-              <a:rPr lang="nb-NO" sz="2400" dirty="0" smtClean="0"/>
-              <a:t>Key/value : sessions / shopping cart</a:t>
-            </a:r>
-          </a:p>
-          <a:p>
-            <a:pPr lvl="1">
-              <a:buSzPct val="100694"/>
-              <a:buFont typeface="Arial"/>
-              <a:buChar char="•"/>
-            </a:pPr>
-            <a:r>
-              <a:rPr lang="nb-NO" sz="2400" b="0" i="0" u="none" strike="noStrike" cap="none" baseline="0" dirty="0" smtClean="0">
-                <a:solidFill>
-                  <a:schemeClr val="dk1"/>
-                </a:solidFill>
-                <a:latin typeface="Georgia"/>
-                <a:ea typeface="Georgia"/>
-                <a:cs typeface="Georgia"/>
-                <a:sym typeface="Georgia"/>
-              </a:rPr>
-              <a:t>Document: ordrer</a:t>
-            </a:r>
-          </a:p>
-          <a:p>
-            <a:pPr lvl="1">
-              <a:buSzPct val="100694"/>
-              <a:buFont typeface="Arial"/>
-              <a:buChar char="•"/>
-            </a:pPr>
-            <a:r>
-              <a:rPr lang="nb-NO" sz="2400" dirty="0" smtClean="0"/>
-              <a:t>Graph: hvem har kjøpt denne boken før?</a:t>
-            </a:r>
-          </a:p>
-          <a:p>
-            <a:pPr lvl="1">
-              <a:buSzPct val="100694"/>
-              <a:buFont typeface="Arial"/>
-              <a:buChar char="•"/>
-            </a:pPr>
-            <a:r>
-              <a:rPr lang="nb-NO" sz="2400" dirty="0" smtClean="0"/>
-              <a:t>Columnstore: audit log</a:t>
-            </a:r>
-          </a:p>
-          <a:p>
-            <a:pPr lvl="1">
-              <a:buSzPct val="100694"/>
-              <a:buFont typeface="Arial"/>
-              <a:buChar char="•"/>
-            </a:pPr>
-            <a:r>
-              <a:rPr lang="nb-NO" sz="2400" b="0" i="0" u="none" strike="noStrike" cap="none" baseline="0" dirty="0" smtClean="0">
-                <a:solidFill>
-                  <a:schemeClr val="dk1"/>
-                </a:solidFill>
-                <a:latin typeface="Georgia"/>
-                <a:ea typeface="Georgia"/>
-                <a:cs typeface="Georgia"/>
-                <a:sym typeface="Georgia"/>
-              </a:rPr>
-              <a:t>RDBMS:</a:t>
-            </a:r>
-            <a:r>
-              <a:rPr lang="nb-NO" sz="2400" dirty="0" smtClean="0"/>
-              <a:t> </a:t>
-            </a:r>
-            <a:r>
-              <a:rPr lang="nb-NO" sz="2400" b="0" i="0" u="none" strike="noStrike" cap="none" dirty="0" smtClean="0">
-                <a:solidFill>
-                  <a:schemeClr val="dk1"/>
-                </a:solidFill>
-                <a:latin typeface="Georgia"/>
-                <a:ea typeface="Georgia"/>
-                <a:cs typeface="Georgia"/>
-                <a:sym typeface="Georgia"/>
-              </a:rPr>
-              <a:t>reporting/BI</a:t>
-            </a:r>
-            <a:endParaRPr sz="2400" b="0" i="0" u="none" strike="noStrike" cap="none" baseline="0" dirty="0" smtClean="0">
+            <a:endParaRPr sz="2400" b="0" i="0" u="none" strike="noStrike" cap="none" baseline="0" dirty="0">
               <a:solidFill>
                 <a:schemeClr val="dk1"/>
               </a:solidFill>
@@ -21528,6 +20552,32 @@
           </a:p>
         </p:txBody>
       </p:sp>
+      <p:pic>
+        <p:nvPicPr>
+          <p:cNvPr id="53250" name="Picture 2" descr="http://graemethickins.typepad.com/.a/6a00d8341c4f1053ef0134827fe044970c-800wi"/>
+          <p:cNvPicPr>
+            <a:picLocks noChangeAspect="1" noChangeArrowheads="1"/>
+          </p:cNvPicPr>
+          <p:nvPr/>
+        </p:nvPicPr>
+        <p:blipFill>
+          <a:blip r:embed="rId3"/>
+          <a:srcRect/>
+          <a:stretch>
+            <a:fillRect/>
+          </a:stretch>
+        </p:blipFill>
+        <p:spPr bwMode="auto">
+          <a:xfrm>
+            <a:off x="1619672" y="1052736"/>
+            <a:ext cx="5400600" cy="4932550"/>
+          </a:xfrm>
+          <a:prstGeom prst="rect">
+            <a:avLst/>
+          </a:prstGeom>
+          <a:noFill/>
+        </p:spPr>
+      </p:pic>
     </p:spTree>
   </p:cSld>
   <p:clrMapOvr>
@@ -21606,7 +20656,7 @@
                 <a:cs typeface="Georgia"/>
                 <a:sym typeface="Georgia"/>
               </a:rPr>
-              <a:t>10. oktoberl / Åpen fagkveld</a:t>
+              <a:t>10. oktober / Åpen fagkveld</a:t>
             </a:r>
             <a:endParaRPr sz="1000" b="0" i="1" u="none" strike="noStrike" cap="none" baseline="0" dirty="0">
               <a:solidFill>
@@ -21664,16 +20714,8 @@
               <a:buNone/>
             </a:pPr>
             <a:r>
-              <a:rPr lang="nb-NO" sz="3000" b="1" i="0" u="none" strike="noStrike" cap="small" baseline="0" dirty="0" smtClean="0">
-                <a:solidFill>
-                  <a:srgbClr val="96281B"/>
-                </a:solidFill>
-                <a:latin typeface="Trebuchet MS"/>
-                <a:ea typeface="Trebuchet MS"/>
-                <a:cs typeface="Trebuchet MS"/>
-                <a:sym typeface="Trebuchet MS"/>
-              </a:rPr>
-              <a:t>Så..</a:t>
+              <a:rPr lang="nb-NO" sz="3000" dirty="0" smtClean="0"/>
+              <a:t>Graph</a:t>
             </a:r>
             <a:endParaRPr sz="3000" b="1" i="0" u="none" strike="noStrike" cap="small" baseline="0" dirty="0">
               <a:solidFill>
@@ -21700,7 +20742,7 @@
         <p:spPr>
           <a:xfrm>
             <a:off x="431800" y="1546225"/>
-            <a:ext cx="8277224" cy="400069"/>
+            <a:ext cx="8277224" cy="1315704"/>
           </a:xfrm>
           <a:prstGeom prst="rect">
             <a:avLst/>
@@ -21716,13 +20758,37 @@
           </a:bodyPr>
           <a:lstStyle/>
           <a:p>
+            <a:pPr>
+              <a:buSzPct val="100694"/>
+              <a:buFont typeface="Arial"/>
+              <a:buChar char="•"/>
+            </a:pPr>
+            <a:endParaRPr lang="nb-NO" sz="2800" dirty="0" smtClean="0"/>
+          </a:p>
+          <a:p>
+            <a:pPr lvl="1">
+              <a:buSzPct val="100694"/>
+              <a:buFont typeface="Arial"/>
+              <a:buChar char="•"/>
+            </a:pPr>
+            <a:endParaRPr sz="2400" b="0" i="0" u="none" strike="noStrike" cap="none" baseline="0" dirty="0">
+              <a:solidFill>
+                <a:schemeClr val="dk1"/>
+              </a:solidFill>
+              <a:latin typeface="Georgia"/>
+              <a:ea typeface="Georgia"/>
+              <a:cs typeface="Georgia"/>
+              <a:sym typeface="Georgia"/>
+            </a:endParaRPr>
+          </a:p>
+          <a:p>
             <a:endParaRPr dirty="0"/>
           </a:p>
         </p:txBody>
       </p:sp>
       <p:pic>
         <p:nvPicPr>
-          <p:cNvPr id="69634" name="Picture 2"/>
+          <p:cNvPr id="68610" name="Picture 2" descr="http://ebmedia.eventbrite.com/s3-build/images/2059693/46740671327/1/logo.png"/>
           <p:cNvPicPr>
             <a:picLocks noChangeAspect="1" noChangeArrowheads="1"/>
           </p:cNvPicPr>
@@ -21737,19 +20803,65 @@
         </p:blipFill>
         <p:spPr bwMode="auto">
           <a:xfrm>
-            <a:off x="1403648" y="1412776"/>
-            <a:ext cx="5640288" cy="4512231"/>
-          </a:xfrm>
-          <a:prstGeom prst="rect">
-            <a:avLst/>
-          </a:prstGeom>
-          <a:noFill/>
-          <a:ln w="9525">
-            <a:noFill/>
-            <a:miter lim="800000"/>
-            <a:headEnd/>
-            <a:tailEnd/>
-          </a:ln>
+            <a:off x="4139952" y="1052736"/>
+            <a:ext cx="4286250" cy="1628776"/>
+          </a:xfrm>
+          <a:prstGeom prst="rect">
+            <a:avLst/>
+          </a:prstGeom>
+          <a:noFill/>
+        </p:spPr>
+      </p:pic>
+      <p:pic>
+        <p:nvPicPr>
+          <p:cNvPr id="68612" name="Picture 4" descr="http://www.hypergraphdb.org/images/hgdblogo-green-bckground2.jpg"/>
+          <p:cNvPicPr>
+            <a:picLocks noChangeAspect="1" noChangeArrowheads="1"/>
+          </p:cNvPicPr>
+          <p:nvPr/>
+        </p:nvPicPr>
+        <p:blipFill>
+          <a:blip r:embed="rId4"/>
+          <a:srcRect/>
+          <a:stretch>
+            <a:fillRect/>
+          </a:stretch>
+        </p:blipFill>
+        <p:spPr bwMode="auto">
+          <a:xfrm>
+            <a:off x="539552" y="2276872"/>
+            <a:ext cx="2771775" cy="1638300"/>
+          </a:xfrm>
+          <a:prstGeom prst="rect">
+            <a:avLst/>
+          </a:prstGeom>
+          <a:noFill/>
+        </p:spPr>
+      </p:pic>
+      <p:pic>
+        <p:nvPicPr>
+          <p:cNvPr id="68614" name="Picture 6" descr="http://upload.wikimedia.org/wikipedia/en/d/dc/OrientdbLogo.png"/>
+          <p:cNvPicPr>
+            <a:picLocks noChangeAspect="1" noChangeArrowheads="1"/>
+          </p:cNvPicPr>
+          <p:nvPr/>
+        </p:nvPicPr>
+        <p:blipFill>
+          <a:blip r:embed="rId5"/>
+          <a:srcRect/>
+          <a:stretch>
+            <a:fillRect/>
+          </a:stretch>
+        </p:blipFill>
+        <p:spPr bwMode="auto">
+          <a:xfrm>
+            <a:off x="3563888" y="3429000"/>
+            <a:ext cx="4838700" cy="2009776"/>
+          </a:xfrm>
+          <a:prstGeom prst="rect">
+            <a:avLst/>
+          </a:prstGeom>
+          <a:noFill/>
         </p:spPr>
       </p:pic>
     </p:spTree>
@@ -21830,7 +20942,540 @@
                 <a:cs typeface="Georgia"/>
                 <a:sym typeface="Georgia"/>
               </a:rPr>
-              <a:t>10. oktoberl / Åpen fagkveld</a:t>
+              <a:t>10. oktober / Åpen fagkveld</a:t>
+            </a:r>
+            <a:endParaRPr sz="1000" b="0" i="1" u="none" strike="noStrike" cap="none" baseline="0" dirty="0">
+              <a:solidFill>
+                <a:srgbClr val="96281B"/>
+              </a:solidFill>
+              <a:latin typeface="Georgia"/>
+              <a:ea typeface="Georgia"/>
+              <a:cs typeface="Georgia"/>
+              <a:sym typeface="Georgia"/>
+            </a:endParaRPr>
+          </a:p>
+        </p:txBody>
+      </p:sp>
+      <p:sp>
+        <p:nvSpPr>
+          <p:cNvPr id="259" name="Shape 259"/>
+          <p:cNvSpPr>
+            <a:spLocks noGrp="1"/>
+          </p:cNvSpPr>
+          <p:nvPr>
+            <p:ph type="title"/>
+          </p:nvPr>
+        </p:nvSpPr>
+        <p:spPr>
+          <a:xfrm>
+            <a:off x="431800" y="898525"/>
+            <a:ext cx="8277224" cy="553957"/>
+          </a:xfrm>
+          <a:prstGeom prst="rect">
+            <a:avLst/>
+          </a:prstGeom>
+          <a:noFill/>
+          <a:ln>
+            <a:noFill/>
+          </a:ln>
+        </p:spPr>
+        <p:txBody>
+          <a:bodyPr lIns="91425" tIns="45700" rIns="91425" bIns="45700" anchor="t" anchorCtr="0">
+            <a:spAutoFit/>
+          </a:bodyPr>
+          <a:lstStyle/>
+          <a:p>
+            <a:pPr marL="0" marR="0" lvl="0" indent="0" algn="l" rtl="0">
+              <a:spcBef>
+                <a:spcPts val="0"/>
+              </a:spcBef>
+              <a:spcAft>
+                <a:spcPts val="0"/>
+              </a:spcAft>
+              <a:buClr>
+                <a:srgbClr val="96281B"/>
+              </a:buClr>
+              <a:buSzPct val="25000"/>
+              <a:buFont typeface="Trebuchet MS"/>
+              <a:buNone/>
+            </a:pPr>
+            <a:r>
+              <a:rPr lang="nb-NO" sz="3000" b="1" i="0" u="none" strike="noStrike" cap="small" baseline="0" dirty="0" smtClean="0">
+                <a:solidFill>
+                  <a:srgbClr val="96281B"/>
+                </a:solidFill>
+                <a:latin typeface="Trebuchet MS"/>
+                <a:ea typeface="Trebuchet MS"/>
+                <a:cs typeface="Trebuchet MS"/>
+                <a:sym typeface="Trebuchet MS"/>
+              </a:rPr>
+              <a:t>Eksempler fra hestverden</a:t>
+            </a:r>
+            <a:endParaRPr sz="3000" b="1" i="0" u="none" strike="noStrike" cap="small" baseline="0" dirty="0">
+              <a:solidFill>
+                <a:srgbClr val="96281B"/>
+              </a:solidFill>
+              <a:latin typeface="Trebuchet MS"/>
+              <a:ea typeface="Trebuchet MS"/>
+              <a:cs typeface="Trebuchet MS"/>
+              <a:sym typeface="Trebuchet MS"/>
+            </a:endParaRPr>
+          </a:p>
+        </p:txBody>
+      </p:sp>
+      <p:sp>
+        <p:nvSpPr>
+          <p:cNvPr id="260" name="Shape 260"/>
+          <p:cNvSpPr>
+            <a:spLocks noGrp="1"/>
+          </p:cNvSpPr>
+          <p:nvPr>
+            <p:ph type="body" idx="1"/>
+          </p:nvPr>
+        </p:nvSpPr>
+        <p:spPr>
+          <a:xfrm>
+            <a:off x="431800" y="1546225"/>
+            <a:ext cx="8277224" cy="2998216"/>
+          </a:xfrm>
+          <a:prstGeom prst="rect">
+            <a:avLst/>
+          </a:prstGeom>
+          <a:noFill/>
+          <a:ln>
+            <a:noFill/>
+          </a:ln>
+        </p:spPr>
+        <p:txBody>
+          <a:bodyPr lIns="91425" tIns="45700" rIns="91425" bIns="45700" anchor="t" anchorCtr="0">
+            <a:spAutoFit/>
+          </a:bodyPr>
+          <a:lstStyle/>
+          <a:p>
+            <a:pPr>
+              <a:buSzPct val="100694"/>
+              <a:buFont typeface="Arial"/>
+              <a:buChar char="•"/>
+            </a:pPr>
+            <a:endParaRPr lang="nb-NO" sz="2800" dirty="0" smtClean="0"/>
+          </a:p>
+          <a:p>
+            <a:pPr lvl="1">
+              <a:buSzPct val="100694"/>
+              <a:buFont typeface="Arial"/>
+              <a:buChar char="•"/>
+            </a:pPr>
+            <a:r>
+              <a:rPr lang="nb-NO" sz="2400" dirty="0" smtClean="0"/>
+              <a:t>Key/value : sessions</a:t>
+            </a:r>
+          </a:p>
+          <a:p>
+            <a:pPr lvl="1">
+              <a:buSzPct val="100694"/>
+              <a:buFont typeface="Arial"/>
+              <a:buChar char="•"/>
+            </a:pPr>
+            <a:r>
+              <a:rPr lang="nb-NO" sz="2400" b="0" i="0" u="none" strike="noStrike" cap="none" baseline="0" dirty="0" smtClean="0">
+                <a:solidFill>
+                  <a:schemeClr val="dk1"/>
+                </a:solidFill>
+                <a:latin typeface="Georgia"/>
+                <a:ea typeface="Georgia"/>
+                <a:cs typeface="Georgia"/>
+                <a:sym typeface="Georgia"/>
+              </a:rPr>
+              <a:t>Document: </a:t>
+            </a:r>
+            <a:r>
+              <a:rPr lang="nb-NO" sz="2400" dirty="0" smtClean="0"/>
+              <a:t>en spillbong</a:t>
+            </a:r>
+            <a:endParaRPr lang="nb-NO" sz="2400" b="0" i="0" u="none" strike="noStrike" cap="none" baseline="0" dirty="0" smtClean="0">
+              <a:solidFill>
+                <a:schemeClr val="dk1"/>
+              </a:solidFill>
+              <a:latin typeface="Georgia"/>
+              <a:ea typeface="Georgia"/>
+              <a:cs typeface="Georgia"/>
+              <a:sym typeface="Georgia"/>
+            </a:endParaRPr>
+          </a:p>
+          <a:p>
+            <a:pPr lvl="1">
+              <a:buSzPct val="100694"/>
+              <a:buFont typeface="Arial"/>
+              <a:buChar char="•"/>
+            </a:pPr>
+            <a:r>
+              <a:rPr lang="nb-NO" sz="2400" dirty="0" smtClean="0"/>
+              <a:t>Graph: stamtavlen til en hest</a:t>
+            </a:r>
+          </a:p>
+          <a:p>
+            <a:pPr lvl="1">
+              <a:buSzPct val="100694"/>
+              <a:buFont typeface="Arial"/>
+              <a:buChar char="•"/>
+            </a:pPr>
+            <a:r>
+              <a:rPr lang="nb-NO" sz="2400" dirty="0" smtClean="0"/>
+              <a:t>Columnstore: audit log</a:t>
+            </a:r>
+          </a:p>
+          <a:p>
+            <a:pPr lvl="1">
+              <a:buSzPct val="100694"/>
+              <a:buFont typeface="Arial"/>
+              <a:buChar char="•"/>
+            </a:pPr>
+            <a:r>
+              <a:rPr lang="nb-NO" sz="2400" b="0" i="0" u="none" strike="noStrike" cap="none" baseline="0" dirty="0" smtClean="0">
+                <a:solidFill>
+                  <a:schemeClr val="dk1"/>
+                </a:solidFill>
+                <a:latin typeface="Georgia"/>
+                <a:ea typeface="Georgia"/>
+                <a:cs typeface="Georgia"/>
+                <a:sym typeface="Georgia"/>
+              </a:rPr>
+              <a:t>RDBMS:</a:t>
+            </a:r>
+            <a:r>
+              <a:rPr lang="nb-NO" sz="2400" dirty="0" smtClean="0"/>
+              <a:t> </a:t>
+            </a:r>
+            <a:r>
+              <a:rPr lang="nb-NO" sz="2400" b="0" i="0" u="none" strike="noStrike" cap="none" dirty="0" smtClean="0">
+                <a:solidFill>
+                  <a:schemeClr val="dk1"/>
+                </a:solidFill>
+                <a:latin typeface="Georgia"/>
+                <a:ea typeface="Georgia"/>
+                <a:cs typeface="Georgia"/>
+                <a:sym typeface="Georgia"/>
+              </a:rPr>
+              <a:t>reporting/BI</a:t>
+            </a:r>
+            <a:endParaRPr sz="2400" b="0" i="0" u="none" strike="noStrike" cap="none" baseline="0" dirty="0" smtClean="0">
+              <a:solidFill>
+                <a:schemeClr val="dk1"/>
+              </a:solidFill>
+              <a:latin typeface="Georgia"/>
+              <a:ea typeface="Georgia"/>
+              <a:cs typeface="Georgia"/>
+              <a:sym typeface="Georgia"/>
+            </a:endParaRPr>
+          </a:p>
+          <a:p>
+            <a:endParaRPr dirty="0"/>
+          </a:p>
+        </p:txBody>
+      </p:sp>
+    </p:spTree>
+  </p:cSld>
+  <p:clrMapOvr>
+    <a:masterClrMapping/>
+  </p:clrMapOvr>
+  <p:transition spd="slow">
+    <p:cut/>
+  </p:transition>
+  <p:timing>
+    <p:tnLst>
+      <p:par>
+        <p:cTn id="1" dur="indefinite" restart="never" nodeType="tmRoot"/>
+      </p:par>
+    </p:tnLst>
+  </p:timing>
+</p:sld>
+</file>
+
+<file path=ppt/slides/slide26.xml><?xml version="1.0" encoding="utf-8"?>
+<p:sld xmlns:a="http://schemas.openxmlformats.org/drawingml/2006/main" xmlns:r="http://schemas.openxmlformats.org/officeDocument/2006/relationships" xmlns:p="http://schemas.openxmlformats.org/presentationml/2006/main">
+  <p:cSld>
+    <p:spTree>
+      <p:nvGrpSpPr>
+        <p:cNvPr id="1" name="Shape 257"/>
+        <p:cNvGrpSpPr/>
+        <p:nvPr/>
+      </p:nvGrpSpPr>
+      <p:grpSpPr>
+        <a:xfrm>
+          <a:off x="0" y="0"/>
+          <a:ext cx="0" cy="0"/>
+          <a:chOff x="0" y="0"/>
+          <a:chExt cx="0" cy="0"/>
+        </a:xfrm>
+      </p:grpSpPr>
+      <p:sp>
+        <p:nvSpPr>
+          <p:cNvPr id="258" name="Shape 258"/>
+          <p:cNvSpPr/>
+          <p:nvPr/>
+        </p:nvSpPr>
+        <p:spPr>
+          <a:xfrm>
+            <a:off x="431800" y="6134100"/>
+            <a:ext cx="1904999" cy="246181"/>
+          </a:xfrm>
+          <a:prstGeom prst="rect">
+            <a:avLst/>
+          </a:prstGeom>
+          <a:noFill/>
+          <a:ln>
+            <a:noFill/>
+          </a:ln>
+        </p:spPr>
+        <p:txBody>
+          <a:bodyPr lIns="91425" tIns="45700" rIns="91425" bIns="45700" anchor="t" anchorCtr="0">
+            <a:spAutoFit/>
+          </a:bodyPr>
+          <a:lstStyle/>
+          <a:p>
+            <a:pPr marL="0" marR="0" lvl="0" indent="0" algn="l" rtl="0">
+              <a:buClr>
+                <a:schemeClr val="dk1"/>
+              </a:buClr>
+              <a:buSzPct val="25000"/>
+              <a:buFont typeface="Georgia"/>
+              <a:buNone/>
+            </a:pPr>
+            <a:r>
+              <a:rPr lang="nb-NO" sz="1000" b="0" i="1" u="none" strike="noStrike" cap="none" baseline="0" dirty="0" smtClean="0">
+                <a:solidFill>
+                  <a:srgbClr val="96281B"/>
+                </a:solidFill>
+                <a:latin typeface="Georgia"/>
+                <a:ea typeface="Georgia"/>
+                <a:cs typeface="Georgia"/>
+                <a:sym typeface="Georgia"/>
+              </a:rPr>
+              <a:t>10. oktober / Åpen fagkveld</a:t>
+            </a:r>
+            <a:endParaRPr sz="1000" b="0" i="1" u="none" strike="noStrike" cap="none" baseline="0" dirty="0">
+              <a:solidFill>
+                <a:srgbClr val="96281B"/>
+              </a:solidFill>
+              <a:latin typeface="Georgia"/>
+              <a:ea typeface="Georgia"/>
+              <a:cs typeface="Georgia"/>
+              <a:sym typeface="Georgia"/>
+            </a:endParaRPr>
+          </a:p>
+        </p:txBody>
+      </p:sp>
+      <p:sp>
+        <p:nvSpPr>
+          <p:cNvPr id="259" name="Shape 259"/>
+          <p:cNvSpPr>
+            <a:spLocks noGrp="1"/>
+          </p:cNvSpPr>
+          <p:nvPr>
+            <p:ph type="title"/>
+          </p:nvPr>
+        </p:nvSpPr>
+        <p:spPr>
+          <a:xfrm>
+            <a:off x="431800" y="898525"/>
+            <a:ext cx="8277224" cy="553957"/>
+          </a:xfrm>
+          <a:prstGeom prst="rect">
+            <a:avLst/>
+          </a:prstGeom>
+          <a:noFill/>
+          <a:ln>
+            <a:noFill/>
+          </a:ln>
+        </p:spPr>
+        <p:txBody>
+          <a:bodyPr lIns="91425" tIns="45700" rIns="91425" bIns="45700" anchor="t" anchorCtr="0">
+            <a:spAutoFit/>
+          </a:bodyPr>
+          <a:lstStyle/>
+          <a:p>
+            <a:pPr marL="0" marR="0" lvl="0" indent="0" algn="l" rtl="0">
+              <a:spcBef>
+                <a:spcPts val="0"/>
+              </a:spcBef>
+              <a:spcAft>
+                <a:spcPts val="0"/>
+              </a:spcAft>
+              <a:buClr>
+                <a:srgbClr val="96281B"/>
+              </a:buClr>
+              <a:buSzPct val="25000"/>
+              <a:buFont typeface="Trebuchet MS"/>
+              <a:buNone/>
+            </a:pPr>
+            <a:r>
+              <a:rPr lang="nb-NO" sz="3000" b="1" i="0" u="none" strike="noStrike" cap="small" baseline="0" dirty="0" smtClean="0">
+                <a:solidFill>
+                  <a:srgbClr val="96281B"/>
+                </a:solidFill>
+                <a:latin typeface="Trebuchet MS"/>
+                <a:ea typeface="Trebuchet MS"/>
+                <a:cs typeface="Trebuchet MS"/>
+                <a:sym typeface="Trebuchet MS"/>
+              </a:rPr>
+              <a:t>Så..</a:t>
+            </a:r>
+            <a:endParaRPr sz="3000" b="1" i="0" u="none" strike="noStrike" cap="small" baseline="0" dirty="0">
+              <a:solidFill>
+                <a:srgbClr val="96281B"/>
+              </a:solidFill>
+              <a:latin typeface="Trebuchet MS"/>
+              <a:ea typeface="Trebuchet MS"/>
+              <a:cs typeface="Trebuchet MS"/>
+              <a:sym typeface="Trebuchet MS"/>
+            </a:endParaRPr>
+          </a:p>
+        </p:txBody>
+      </p:sp>
+      <p:sp>
+        <p:nvSpPr>
+          <p:cNvPr id="260" name="Shape 260"/>
+          <p:cNvSpPr>
+            <a:spLocks noGrp="1"/>
+          </p:cNvSpPr>
+          <p:nvPr>
+            <p:ph type="body" idx="1"/>
+          </p:nvPr>
+        </p:nvSpPr>
+        <p:spPr>
+          <a:xfrm>
+            <a:off x="431800" y="1546225"/>
+            <a:ext cx="8277224" cy="400069"/>
+          </a:xfrm>
+          <a:prstGeom prst="rect">
+            <a:avLst/>
+          </a:prstGeom>
+          <a:noFill/>
+          <a:ln>
+            <a:noFill/>
+          </a:ln>
+        </p:spPr>
+        <p:txBody>
+          <a:bodyPr lIns="91425" tIns="45700" rIns="91425" bIns="45700" anchor="t" anchorCtr="0">
+            <a:spAutoFit/>
+          </a:bodyPr>
+          <a:lstStyle/>
+          <a:p>
+            <a:endParaRPr dirty="0"/>
+          </a:p>
+        </p:txBody>
+      </p:sp>
+      <p:pic>
+        <p:nvPicPr>
+          <p:cNvPr id="69634" name="Picture 2"/>
+          <p:cNvPicPr>
+            <a:picLocks noChangeAspect="1" noChangeArrowheads="1"/>
+          </p:cNvPicPr>
+          <p:nvPr/>
+        </p:nvPicPr>
+        <p:blipFill>
+          <a:blip r:embed="rId3"/>
+          <a:srcRect/>
+          <a:stretch>
+            <a:fillRect/>
+          </a:stretch>
+        </p:blipFill>
+        <p:spPr bwMode="auto">
+          <a:xfrm>
+            <a:off x="1403648" y="1412776"/>
+            <a:ext cx="5640288" cy="4512231"/>
+          </a:xfrm>
+          <a:prstGeom prst="rect">
+            <a:avLst/>
+          </a:prstGeom>
+          <a:noFill/>
+          <a:ln w="9525">
+            <a:noFill/>
+            <a:miter lim="800000"/>
+            <a:headEnd/>
+            <a:tailEnd/>
+          </a:ln>
+        </p:spPr>
+      </p:pic>
+    </p:spTree>
+  </p:cSld>
+  <p:clrMapOvr>
+    <a:masterClrMapping/>
+  </p:clrMapOvr>
+  <p:transition spd="slow">
+    <p:cut/>
+  </p:transition>
+  <p:timing>
+    <p:tnLst>
+      <p:par>
+        <p:cTn id="1" dur="indefinite" restart="never" nodeType="tmRoot"/>
+      </p:par>
+    </p:tnLst>
+  </p:timing>
+</p:sld>
+</file>
+
+<file path=ppt/slides/slide27.xml><?xml version="1.0" encoding="utf-8"?>
+<p:sld xmlns:a="http://schemas.openxmlformats.org/drawingml/2006/main" xmlns:r="http://schemas.openxmlformats.org/officeDocument/2006/relationships" xmlns:p="http://schemas.openxmlformats.org/presentationml/2006/main">
+  <p:cSld>
+    <p:spTree>
+      <p:nvGrpSpPr>
+        <p:cNvPr id="1" name="Shape 257"/>
+        <p:cNvGrpSpPr/>
+        <p:nvPr/>
+      </p:nvGrpSpPr>
+      <p:grpSpPr>
+        <a:xfrm>
+          <a:off x="0" y="0"/>
+          <a:ext cx="0" cy="0"/>
+          <a:chOff x="0" y="0"/>
+          <a:chExt cx="0" cy="0"/>
+        </a:xfrm>
+      </p:grpSpPr>
+      <p:sp>
+        <p:nvSpPr>
+          <p:cNvPr id="258" name="Shape 258"/>
+          <p:cNvSpPr/>
+          <p:nvPr/>
+        </p:nvSpPr>
+        <p:spPr>
+          <a:xfrm>
+            <a:off x="431800" y="6134100"/>
+            <a:ext cx="1904999" cy="246181"/>
+          </a:xfrm>
+          <a:prstGeom prst="rect">
+            <a:avLst/>
+          </a:prstGeom>
+          <a:noFill/>
+          <a:ln>
+            <a:noFill/>
+          </a:ln>
+        </p:spPr>
+        <p:txBody>
+          <a:bodyPr lIns="91425" tIns="45700" rIns="91425" bIns="45700" anchor="t" anchorCtr="0">
+            <a:spAutoFit/>
+          </a:bodyPr>
+          <a:lstStyle/>
+          <a:p>
+            <a:pPr marL="0" marR="0" lvl="0" indent="0" algn="l" rtl="0">
+              <a:buClr>
+                <a:schemeClr val="dk1"/>
+              </a:buClr>
+              <a:buSzPct val="25000"/>
+              <a:buFont typeface="Georgia"/>
+              <a:buNone/>
+            </a:pPr>
+            <a:r>
+              <a:rPr lang="nb-NO" sz="1000" b="0" i="1" u="none" strike="noStrike" cap="none" baseline="0" dirty="0" smtClean="0">
+                <a:solidFill>
+                  <a:srgbClr val="96281B"/>
+                </a:solidFill>
+                <a:latin typeface="Georgia"/>
+                <a:ea typeface="Georgia"/>
+                <a:cs typeface="Georgia"/>
+                <a:sym typeface="Georgia"/>
+              </a:rPr>
+              <a:t>10. oktober / Åpen fagkveld</a:t>
             </a:r>
             <a:endParaRPr sz="1000" b="0" i="1" u="none" strike="noStrike" cap="none" baseline="0" dirty="0">
               <a:solidFill>
@@ -21981,7 +21626,7 @@
   <p:cSld>
     <p:spTree>
       <p:nvGrpSpPr>
-        <p:cNvPr id="1" name="Shape 257"/>
+        <p:cNvPr id="1" name="Shape 116"/>
         <p:cNvGrpSpPr/>
         <p:nvPr/>
       </p:nvGrpSpPr>
@@ -21995,7 +21640,7 @@
       </p:grpSpPr>
       <p:sp>
         <p:nvSpPr>
-          <p:cNvPr id="258" name="Shape 258"/>
+          <p:cNvPr id="117" name="Shape 117"/>
           <p:cNvSpPr/>
           <p:nvPr/>
         </p:nvSpPr>
@@ -22036,7 +21681,7 @@
                 <a:cs typeface="Georgia"/>
                 <a:sym typeface="Georgia"/>
               </a:rPr>
-              <a:t>10. oktoberl / Åpen fagkveld</a:t>
+              <a:t>10. oktober / Åpen fagkveld</a:t>
             </a:r>
             <a:endParaRPr sz="1000" b="0" i="1" u="none" strike="noStrike" cap="none" baseline="0" dirty="0">
               <a:solidFill>
@@ -22052,7 +21697,7 @@
       </p:sp>
       <p:sp>
         <p:nvSpPr>
-          <p:cNvPr id="259" name="Shape 259"/>
+          <p:cNvPr id="118" name="Shape 118"/>
           <p:cNvSpPr>
             <a:spLocks noGrp="1"/>
           </p:cNvSpPr>
@@ -22079,31 +21724,15 @@
           </a:bodyPr>
           <a:lstStyle/>
           <a:p>
-            <a:pPr marL="0" marR="0" lvl="0" indent="0" algn="l" rtl="0">
-              <a:spcBef>
-                <a:spcPts val="0"/>
-              </a:spcBef>
-              <a:spcAft>
-                <a:spcPts val="0"/>
-              </a:spcAft>
+            <a:pPr lvl="0">
               <a:buClr>
                 <a:srgbClr val="96281B"/>
               </a:buClr>
               <a:buSzPct val="25000"/>
-              <a:buFont typeface="Trebuchet MS"/>
-              <a:buNone/>
-            </a:pPr>
-            <a:r>
-              <a:rPr lang="nb-NO" sz="3000" b="1" i="0" u="none" strike="noStrike" cap="small" baseline="0" dirty="0" smtClean="0">
-                <a:solidFill>
-                  <a:srgbClr val="96281B"/>
-                </a:solidFill>
-                <a:latin typeface="Trebuchet MS"/>
-                <a:ea typeface="Trebuchet MS"/>
-                <a:cs typeface="Trebuchet MS"/>
-                <a:sym typeface="Trebuchet MS"/>
-              </a:rPr>
-              <a:t>Hvorfor nå?</a:t>
+            </a:pPr>
+            <a:r>
+              <a:rPr lang="nb-NO" sz="3000" dirty="0" smtClean="0"/>
+              <a:t>Polyglot persistence</a:t>
             </a:r>
             <a:endParaRPr sz="3000" b="1" i="0" u="none" strike="noStrike" cap="small" baseline="0" dirty="0">
               <a:solidFill>
@@ -22119,7 +21748,7 @@
       </p:sp>
       <p:sp>
         <p:nvSpPr>
-          <p:cNvPr id="260" name="Shape 260"/>
+          <p:cNvPr id="119" name="Shape 119"/>
           <p:cNvSpPr>
             <a:spLocks noGrp="1"/>
           </p:cNvSpPr>
@@ -22130,7 +21759,7 @@
         <p:spPr>
           <a:xfrm>
             <a:off x="431800" y="1546225"/>
-            <a:ext cx="8277224" cy="1315704"/>
+            <a:ext cx="8277224" cy="771966"/>
           </a:xfrm>
           <a:prstGeom prst="rect">
             <a:avLst/>
@@ -22146,28 +21775,7 @@
           </a:bodyPr>
           <a:lstStyle/>
           <a:p>
-            <a:pPr>
-              <a:buSzPct val="100694"/>
-              <a:buFont typeface="Arial"/>
-              <a:buChar char="•"/>
-            </a:pPr>
-            <a:endParaRPr lang="nb-NO" sz="2800" dirty="0" smtClean="0"/>
-          </a:p>
-          <a:p>
-            <a:pPr lvl="1">
-              <a:buSzPct val="100694"/>
-              <a:buFont typeface="Arial"/>
-              <a:buChar char="•"/>
-            </a:pPr>
-            <a:endParaRPr sz="2400" b="0" i="0" u="none" strike="noStrike" cap="none" baseline="0" dirty="0">
-              <a:solidFill>
-                <a:schemeClr val="dk1"/>
-              </a:solidFill>
-              <a:latin typeface="Georgia"/>
-              <a:ea typeface="Georgia"/>
-              <a:cs typeface="Georgia"/>
-              <a:sym typeface="Georgia"/>
-            </a:endParaRPr>
+            <a:endParaRPr dirty="0"/>
           </a:p>
           <a:p>
             <a:endParaRPr dirty="0"/>
@@ -22176,7 +21784,7 @@
       </p:sp>
       <p:pic>
         <p:nvPicPr>
-          <p:cNvPr id="39939" name="Picture 3"/>
+          <p:cNvPr id="8194" name="Picture 2" descr="Babel Fish"/>
           <p:cNvPicPr>
             <a:picLocks noChangeAspect="1" noChangeArrowheads="1"/>
           </p:cNvPicPr>
@@ -22191,19 +21799,13 @@
         </p:blipFill>
         <p:spPr bwMode="auto">
           <a:xfrm>
-            <a:off x="0" y="0"/>
-            <a:ext cx="9144000" cy="6858000"/>
-          </a:xfrm>
-          <a:prstGeom prst="rect">
-            <a:avLst/>
-          </a:prstGeom>
-          <a:noFill/>
-          <a:ln w="9525">
-            <a:noFill/>
-            <a:miter lim="800000"/>
-            <a:headEnd/>
-            <a:tailEnd/>
-          </a:ln>
+            <a:off x="2483768" y="1727296"/>
+            <a:ext cx="3960440" cy="4446055"/>
+          </a:xfrm>
+          <a:prstGeom prst="rect">
+            <a:avLst/>
+          </a:prstGeom>
+          <a:noFill/>
         </p:spPr>
       </p:pic>
     </p:spTree>
@@ -22284,7 +21886,7 @@
                 <a:cs typeface="Georgia"/>
                 <a:sym typeface="Georgia"/>
               </a:rPr>
-              <a:t>10. oktoberl / Åpen fagkveld</a:t>
+              <a:t>10. oktober / Åpen fagkveld</a:t>
             </a:r>
             <a:endParaRPr sz="1000" b="0" i="1" u="none" strike="noStrike" cap="none" baseline="0" dirty="0">
               <a:solidFill>
@@ -22351,7 +21953,7 @@
                 <a:cs typeface="Trebuchet MS"/>
                 <a:sym typeface="Trebuchet MS"/>
               </a:rPr>
-              <a:t>Database THAW</a:t>
+              <a:t>Hvorfor nå?</a:t>
             </a:r>
             <a:endParaRPr sz="3000" b="1" i="0" u="none" strike="noStrike" cap="small" baseline="0" dirty="0">
               <a:solidFill>
@@ -22378,7 +21980,7 @@
         <p:spPr>
           <a:xfrm>
             <a:off x="431800" y="1546225"/>
-            <a:ext cx="8277224" cy="2305719"/>
+            <a:ext cx="8277224" cy="1315704"/>
           </a:xfrm>
           <a:prstGeom prst="rect">
             <a:avLst/>
@@ -22393,29 +21995,6 @@
             <a:spAutoFit/>
           </a:bodyPr>
           <a:lstStyle/>
-          <a:p>
-            <a:pPr>
-              <a:buSzPct val="100694"/>
-              <a:buFont typeface="Arial"/>
-              <a:buChar char="•"/>
-            </a:pPr>
-            <a:r>
-              <a:rPr lang="nb-NO" sz="2800" dirty="0" smtClean="0"/>
-              <a:t>Big data</a:t>
-            </a:r>
-          </a:p>
-          <a:p>
-            <a:pPr>
-              <a:buSzPct val="100694"/>
-              <a:buFont typeface="Arial"/>
-              <a:buChar char="•"/>
-            </a:pPr>
-            <a:r>
-              <a:rPr lang="nb-NO" sz="2800" dirty="0" smtClean="0"/>
-              <a:t>Nye integrasjonstrender</a:t>
-            </a:r>
-            <a:endParaRPr lang="nb-NO" sz="2600" dirty="0" smtClean="0"/>
-          </a:p>
           <a:p>
             <a:pPr>
               <a:buSzPct val="100694"/>
@@ -22447,7 +22026,7 @@
       </p:sp>
       <p:pic>
         <p:nvPicPr>
-          <p:cNvPr id="5" name="Picture 3"/>
+          <p:cNvPr id="39939" name="Picture 3"/>
           <p:cNvPicPr>
             <a:picLocks noChangeAspect="1" noChangeArrowheads="1"/>
           </p:cNvPicPr>
@@ -22462,8 +22041,8 @@
         </p:blipFill>
         <p:spPr bwMode="auto">
           <a:xfrm>
-            <a:off x="2483768" y="2708920"/>
-            <a:ext cx="4512502" cy="3384376"/>
+            <a:off x="0" y="0"/>
+            <a:ext cx="9144000" cy="6858000"/>
           </a:xfrm>
           <a:prstGeom prst="rect">
             <a:avLst/>
@@ -22555,7 +22134,7 @@
                 <a:cs typeface="Georgia"/>
                 <a:sym typeface="Georgia"/>
               </a:rPr>
-              <a:t>10. oktoberl / Åpen fagkveld</a:t>
+              <a:t>10. oktober / Åpen fagkveld</a:t>
             </a:r>
             <a:endParaRPr sz="1000" b="0" i="1" u="none" strike="noStrike" cap="none" baseline="0" dirty="0">
               <a:solidFill>
@@ -22612,6 +22191,18 @@
               <a:buFont typeface="Trebuchet MS"/>
               <a:buNone/>
             </a:pPr>
+            <a:r>
+              <a:rPr lang="nb-NO" sz="3000" b="1" i="0" u="none" strike="noStrike" cap="small" baseline="0" dirty="0" smtClean="0">
+                <a:solidFill>
+                  <a:srgbClr val="96281B"/>
+                </a:solidFill>
+                <a:latin typeface="Trebuchet MS"/>
+                <a:ea typeface="Trebuchet MS"/>
+                <a:cs typeface="Trebuchet MS"/>
+                <a:sym typeface="Trebuchet MS"/>
+              </a:rPr>
+              <a:t>Database THAW</a:t>
+            </a:r>
             <a:endParaRPr sz="3000" b="1" i="0" u="none" strike="noStrike" cap="small" baseline="0" dirty="0">
               <a:solidFill>
                 <a:srgbClr val="96281B"/>
@@ -22624,9 +22215,89 @@
           </a:p>
         </p:txBody>
       </p:sp>
+      <p:sp>
+        <p:nvSpPr>
+          <p:cNvPr id="260" name="Shape 260"/>
+          <p:cNvSpPr>
+            <a:spLocks noGrp="1"/>
+          </p:cNvSpPr>
+          <p:nvPr>
+            <p:ph type="body" idx="1"/>
+          </p:nvPr>
+        </p:nvSpPr>
+        <p:spPr>
+          <a:xfrm>
+            <a:off x="431800" y="1546225"/>
+            <a:ext cx="8277224" cy="2305719"/>
+          </a:xfrm>
+          <a:prstGeom prst="rect">
+            <a:avLst/>
+          </a:prstGeom>
+          <a:noFill/>
+          <a:ln>
+            <a:noFill/>
+          </a:ln>
+        </p:spPr>
+        <p:txBody>
+          <a:bodyPr lIns="91425" tIns="45700" rIns="91425" bIns="45700" anchor="t" anchorCtr="0">
+            <a:spAutoFit/>
+          </a:bodyPr>
+          <a:lstStyle/>
+          <a:p>
+            <a:pPr>
+              <a:buSzPct val="100694"/>
+              <a:buFont typeface="Arial"/>
+              <a:buChar char="•"/>
+            </a:pPr>
+            <a:r>
+              <a:rPr lang="nb-NO" sz="2800" dirty="0" smtClean="0"/>
+              <a:t>Big data</a:t>
+            </a:r>
+          </a:p>
+          <a:p>
+            <a:pPr>
+              <a:buSzPct val="100694"/>
+              <a:buFont typeface="Arial"/>
+              <a:buChar char="•"/>
+            </a:pPr>
+            <a:r>
+              <a:rPr lang="nb-NO" sz="2800" dirty="0" smtClean="0"/>
+              <a:t>Nye integrasjonstrender</a:t>
+            </a:r>
+            <a:endParaRPr lang="nb-NO" sz="2600" dirty="0" smtClean="0"/>
+          </a:p>
+          <a:p>
+            <a:pPr>
+              <a:buSzPct val="100694"/>
+              <a:buFont typeface="Arial"/>
+              <a:buChar char="•"/>
+            </a:pPr>
+            <a:endParaRPr lang="nb-NO" sz="2800" dirty="0" smtClean="0"/>
+          </a:p>
+          <a:p>
+            <a:pPr lvl="1">
+              <a:buSzPct val="100694"/>
+              <a:buFont typeface="Arial"/>
+              <a:buChar char="•"/>
+            </a:pPr>
+            <a:endParaRPr sz="2400" b="0" i="0" u="none" strike="noStrike" cap="none" baseline="0" dirty="0">
+              <a:solidFill>
+                <a:schemeClr val="dk1"/>
+              </a:solidFill>
+              <a:latin typeface="Georgia"/>
+              <a:ea typeface="Georgia"/>
+              <a:cs typeface="Georgia"/>
+              <a:sym typeface="Georgia"/>
+            </a:endParaRPr>
+          </a:p>
+          <a:p>
+            <a:endParaRPr dirty="0"/>
+          </a:p>
+        </p:txBody>
+      </p:sp>
       <p:pic>
         <p:nvPicPr>
-          <p:cNvPr id="44034" name="Picture 2" descr="http://www.wearyourbeer.com/images/Humor_Whats_In_It_For_Me_Navy_Shirt2.jpg"/>
+          <p:cNvPr id="5" name="Picture 3"/>
           <p:cNvPicPr>
             <a:picLocks noChangeAspect="1" noChangeArrowheads="1"/>
           </p:cNvPicPr>
@@ -22641,34 +22312,21 @@
         </p:blipFill>
         <p:spPr bwMode="auto">
           <a:xfrm>
-            <a:off x="2051720" y="980728"/>
-            <a:ext cx="4608512" cy="4608512"/>
-          </a:xfrm>
-          <a:prstGeom prst="rect">
-            <a:avLst/>
-          </a:prstGeom>
-          <a:noFill/>
+            <a:off x="2483768" y="2708920"/>
+            <a:ext cx="4512502" cy="3384376"/>
+          </a:xfrm>
+          <a:prstGeom prst="rect">
+            <a:avLst/>
+          </a:prstGeom>
+          <a:noFill/>
+          <a:ln w="9525">
+            <a:noFill/>
+            <a:miter lim="800000"/>
+            <a:headEnd/>
+            <a:tailEnd/>
+          </a:ln>
         </p:spPr>
       </p:pic>
-      <p:sp>
-        <p:nvSpPr>
-          <p:cNvPr id="6" name="Text Placeholder 5"/>
-          <p:cNvSpPr>
-            <a:spLocks noGrp="1"/>
-          </p:cNvSpPr>
-          <p:nvPr>
-            <p:ph type="body" idx="1"/>
-          </p:nvPr>
-        </p:nvSpPr>
-        <p:spPr/>
-        <p:txBody>
-          <a:bodyPr/>
-          <a:lstStyle/>
-          <a:p>
-            <a:endParaRPr lang="nb-NO" dirty="0"/>
-          </a:p>
-        </p:txBody>
-      </p:sp>
     </p:spTree>
   </p:cSld>
   <p:clrMapOvr>
@@ -22747,7 +22405,7 @@
                 <a:cs typeface="Georgia"/>
                 <a:sym typeface="Georgia"/>
               </a:rPr>
-              <a:t>10. oktoberl / Åpen fagkveld</a:t>
+              <a:t>10. oktober / Åpen fagkveld</a:t>
             </a:r>
             <a:endParaRPr sz="1000" b="0" i="1" u="none" strike="noStrike" cap="none" baseline="0" dirty="0">
               <a:solidFill>
@@ -22804,30 +22462,6 @@
               <a:buFont typeface="Trebuchet MS"/>
               <a:buNone/>
             </a:pPr>
-            <a:r>
-              <a:rPr lang="nb-NO" sz="3000" b="1" i="0" u="none" strike="noStrike" cap="small" baseline="0" dirty="0" smtClean="0">
-                <a:solidFill>
-                  <a:srgbClr val="96281B"/>
-                </a:solidFill>
-                <a:latin typeface="Trebuchet MS"/>
-                <a:ea typeface="Trebuchet MS"/>
-                <a:cs typeface="Trebuchet MS"/>
-                <a:sym typeface="Trebuchet MS"/>
-              </a:rPr>
-              <a:t>NOSQL</a:t>
-            </a:r>
-            <a:r>
-              <a:rPr lang="nb-NO" sz="3000" b="1" i="0" u="none" strike="noStrike" cap="small" dirty="0" smtClean="0">
-                <a:solidFill>
-                  <a:srgbClr val="96281B"/>
-                </a:solidFill>
-                <a:latin typeface="Trebuchet MS"/>
-                <a:ea typeface="Trebuchet MS"/>
-                <a:cs typeface="Trebuchet MS"/>
-                <a:sym typeface="Trebuchet MS"/>
-              </a:rPr>
-              <a:t> – hva da?</a:t>
-            </a:r>
             <a:endParaRPr sz="3000" b="1" i="0" u="none" strike="noStrike" cap="small" baseline="0" dirty="0">
               <a:solidFill>
                 <a:srgbClr val="96281B"/>
@@ -22840,9 +22474,35 @@
           </a:p>
         </p:txBody>
       </p:sp>
-      <p:sp>
-        <p:nvSpPr>
-          <p:cNvPr id="260" name="Shape 260"/>
+      <p:pic>
+        <p:nvPicPr>
+          <p:cNvPr id="44034" name="Picture 2" descr="http://www.wearyourbeer.com/images/Humor_Whats_In_It_For_Me_Navy_Shirt2.jpg"/>
+          <p:cNvPicPr>
+            <a:picLocks noChangeAspect="1" noChangeArrowheads="1"/>
+          </p:cNvPicPr>
+          <p:nvPr/>
+        </p:nvPicPr>
+        <p:blipFill>
+          <a:blip r:embed="rId3"/>
+          <a:srcRect/>
+          <a:stretch>
+            <a:fillRect/>
+          </a:stretch>
+        </p:blipFill>
+        <p:spPr bwMode="auto">
+          <a:xfrm>
+            <a:off x="2051720" y="980728"/>
+            <a:ext cx="4608512" cy="4608512"/>
+          </a:xfrm>
+          <a:prstGeom prst="rect">
+            <a:avLst/>
+          </a:prstGeom>
+          <a:noFill/>
+        </p:spPr>
+      </p:pic>
+      <p:sp>
+        <p:nvSpPr>
+          <p:cNvPr id="6" name="Text Placeholder 5"/>
           <p:cNvSpPr>
             <a:spLocks noGrp="1"/>
           </p:cNvSpPr>
@@ -22850,85 +22510,12 @@
             <p:ph type="body" idx="1"/>
           </p:nvPr>
         </p:nvSpPr>
-        <p:spPr>
-          <a:xfrm>
-            <a:off x="431800" y="1546225"/>
-            <a:ext cx="8277224" cy="1736332"/>
-          </a:xfrm>
-          <a:prstGeom prst="rect">
-            <a:avLst/>
-          </a:prstGeom>
-          <a:noFill/>
-          <a:ln>
-            <a:noFill/>
-          </a:ln>
-        </p:spPr>
+        <p:spPr/>
         <p:txBody>
-          <a:bodyPr lIns="91425" tIns="45700" rIns="91425" bIns="45700" anchor="t" anchorCtr="0">
-            <a:spAutoFit/>
-          </a:bodyPr>
+          <a:bodyPr/>
           <a:lstStyle/>
           <a:p>
-            <a:pPr>
-              <a:buSzPct val="100694"/>
-              <a:buFont typeface="Arial"/>
-              <a:buChar char="•"/>
-            </a:pPr>
-            <a:endParaRPr lang="nb-NO" sz="2800" dirty="0" smtClean="0"/>
-          </a:p>
-          <a:p>
-            <a:pPr lvl="1">
-              <a:buSzPct val="100694"/>
-              <a:buFont typeface="Arial"/>
-              <a:buChar char="•"/>
-            </a:pPr>
-            <a:r>
-              <a:rPr lang="nb-NO" sz="2400" b="0" i="0" u="none" strike="noStrike" cap="none" baseline="0" dirty="0" smtClean="0">
-                <a:solidFill>
-                  <a:schemeClr val="dk1"/>
-                </a:solidFill>
-                <a:latin typeface="Georgia"/>
-                <a:ea typeface="Georgia"/>
-                <a:cs typeface="Georgia"/>
-                <a:sym typeface="Georgia"/>
-              </a:rPr>
-              <a:t>Anderledes</a:t>
-            </a:r>
-            <a:r>
-              <a:rPr lang="nb-NO" sz="2400" b="0" i="0" u="none" strike="noStrike" cap="none" dirty="0" smtClean="0">
-                <a:solidFill>
-                  <a:schemeClr val="dk1"/>
-                </a:solidFill>
-                <a:latin typeface="Georgia"/>
-                <a:ea typeface="Georgia"/>
-                <a:cs typeface="Georgia"/>
-                <a:sym typeface="Georgia"/>
-              </a:rPr>
-              <a:t> datamodell</a:t>
-            </a:r>
-          </a:p>
-          <a:p>
-            <a:pPr lvl="1">
-              <a:buSzPct val="100694"/>
-              <a:buFont typeface="Arial"/>
-              <a:buChar char="•"/>
-            </a:pPr>
-            <a:r>
-              <a:rPr lang="nb-NO" sz="2400" dirty="0" smtClean="0"/>
-              <a:t>Myker opp begrensninger</a:t>
-            </a:r>
-            <a:endParaRPr sz="2400" b="0" i="0" u="none" strike="noStrike" cap="none" baseline="0" dirty="0">
-              <a:solidFill>
-                <a:schemeClr val="dk1"/>
-              </a:solidFill>
-              <a:latin typeface="Georgia"/>
-              <a:ea typeface="Georgia"/>
-              <a:cs typeface="Georgia"/>
-              <a:sym typeface="Georgia"/>
-            </a:endParaRPr>
-          </a:p>
-          <a:p>
-            <a:endParaRPr dirty="0"/>
+            <a:endParaRPr lang="nb-NO" dirty="0"/>
           </a:p>
         </p:txBody>
       </p:sp>
@@ -23010,7 +22597,7 @@
                 <a:cs typeface="Georgia"/>
                 <a:sym typeface="Georgia"/>
               </a:rPr>
-              <a:t>10. oktoberl / Åpen fagkveld</a:t>
+              <a:t>10. oktober / Åpen fagkveld</a:t>
             </a:r>
             <a:endParaRPr sz="1000" b="0" i="1" u="none" strike="noStrike" cap="none" baseline="0" dirty="0">
               <a:solidFill>
@@ -23077,7 +22664,19 @@
                 <a:cs typeface="Trebuchet MS"/>
                 <a:sym typeface="Trebuchet MS"/>
               </a:rPr>
-              <a:t>CAP</a:t>
+              <a:t>NOSQL</a:t>
+            </a:r>
+            <a:r>
+              <a:rPr lang="nb-NO" sz="3000" b="1" i="0" u="none" strike="noStrike" cap="small" dirty="0" smtClean="0">
+                <a:solidFill>
+                  <a:srgbClr val="96281B"/>
+                </a:solidFill>
+                <a:latin typeface="Trebuchet MS"/>
+                <a:ea typeface="Trebuchet MS"/>
+                <a:cs typeface="Trebuchet MS"/>
+                <a:sym typeface="Trebuchet MS"/>
+              </a:rPr>
+              <a:t> – hva da?</a:t>
             </a:r>
             <a:endParaRPr sz="3000" b="1" i="0" u="none" strike="noStrike" cap="small" baseline="0" dirty="0">
               <a:solidFill>
@@ -23093,7 +22692,7 @@
       </p:sp>
       <p:sp>
         <p:nvSpPr>
-          <p:cNvPr id="6" name="Text Placeholder 5"/>
+          <p:cNvPr id="260" name="Shape 260"/>
           <p:cNvSpPr>
             <a:spLocks noGrp="1"/>
           </p:cNvSpPr>
@@ -23101,41 +22700,88 @@
             <p:ph type="body" idx="1"/>
           </p:nvPr>
         </p:nvSpPr>
-        <p:spPr/>
+        <p:spPr>
+          <a:xfrm>
+            <a:off x="431800" y="1546225"/>
+            <a:ext cx="8277224" cy="1736332"/>
+          </a:xfrm>
+          <a:prstGeom prst="rect">
+            <a:avLst/>
+          </a:prstGeom>
+          <a:noFill/>
+          <a:ln>
+            <a:noFill/>
+          </a:ln>
+        </p:spPr>
         <p:txBody>
-          <a:bodyPr/>
+          <a:bodyPr lIns="91425" tIns="45700" rIns="91425" bIns="45700" anchor="t" anchorCtr="0">
+            <a:spAutoFit/>
+          </a:bodyPr>
           <a:lstStyle/>
           <a:p>
-            <a:endParaRPr lang="nb-NO" dirty="0"/>
+            <a:pPr>
+              <a:buSzPct val="100694"/>
+              <a:buFont typeface="Arial"/>
+              <a:buChar char="•"/>
+            </a:pPr>
+            <a:endParaRPr lang="nb-NO" sz="2800" dirty="0" smtClean="0"/>
+          </a:p>
+          <a:p>
+            <a:pPr lvl="1">
+              <a:buSzPct val="100694"/>
+              <a:buFont typeface="Arial"/>
+              <a:buChar char="•"/>
+            </a:pPr>
+            <a:r>
+              <a:rPr lang="nb-NO" sz="2400" b="0" i="0" u="none" strike="noStrike" cap="none" baseline="0" dirty="0" smtClean="0">
+                <a:solidFill>
+                  <a:schemeClr val="dk1"/>
+                </a:solidFill>
+                <a:latin typeface="Georgia"/>
+                <a:ea typeface="Georgia"/>
+                <a:cs typeface="Georgia"/>
+                <a:sym typeface="Georgia"/>
+              </a:rPr>
+              <a:t>Anderledes</a:t>
+            </a:r>
+            <a:r>
+              <a:rPr lang="nb-NO" sz="2400" b="0" i="0" u="none" strike="noStrike" cap="none" dirty="0" smtClean="0">
+                <a:solidFill>
+                  <a:schemeClr val="dk1"/>
+                </a:solidFill>
+                <a:latin typeface="Georgia"/>
+                <a:ea typeface="Georgia"/>
+                <a:cs typeface="Georgia"/>
+                <a:sym typeface="Georgia"/>
+              </a:rPr>
+              <a:t> datamodell</a:t>
+            </a:r>
+          </a:p>
+          <a:p>
+            <a:pPr lvl="1">
+              <a:buSzPct val="100694"/>
+              <a:buFont typeface="Arial"/>
+              <a:buChar char="•"/>
+            </a:pPr>
+            <a:r>
+              <a:rPr lang="nb-NO" sz="2400" dirty="0" smtClean="0"/>
+              <a:t>Myker opp begrensninger</a:t>
+            </a:r>
+            <a:endParaRPr sz="2400" b="0" i="0" u="none" strike="noStrike" cap="none" baseline="0" dirty="0">
+              <a:solidFill>
+                <a:schemeClr val="dk1"/>
+              </a:solidFill>
+              <a:latin typeface="Georgia"/>
+              <a:ea typeface="Georgia"/>
+              <a:cs typeface="Georgia"/>
+              <a:sym typeface="Georgia"/>
+            </a:endParaRPr>
+          </a:p>
+          <a:p>
+            <a:endParaRPr dirty="0"/>
           </a:p>
         </p:txBody>
       </p:sp>
-      <p:pic>
-        <p:nvPicPr>
-          <p:cNvPr id="49156" name="Picture 4" descr="CAP.png"/>
-          <p:cNvPicPr>
-            <a:picLocks noChangeAspect="1" noChangeArrowheads="1"/>
-          </p:cNvPicPr>
-          <p:nvPr/>
-        </p:nvPicPr>
-        <p:blipFill>
-          <a:blip r:embed="rId3"/>
-          <a:srcRect/>
-          <a:stretch>
-            <a:fillRect/>
-          </a:stretch>
-        </p:blipFill>
-        <p:spPr bwMode="auto">
-          <a:xfrm>
-            <a:off x="1763688" y="620688"/>
-            <a:ext cx="5184576" cy="4687721"/>
-          </a:xfrm>
-          <a:prstGeom prst="rect">
-            <a:avLst/>
-          </a:prstGeom>
-          <a:noFill/>
-        </p:spPr>
-      </p:pic>
     </p:spTree>
   </p:cSld>
   <p:clrMapOvr>
@@ -23214,7 +22860,7 @@
                 <a:cs typeface="Georgia"/>
                 <a:sym typeface="Georgia"/>
               </a:rPr>
-              <a:t>10. oktoberl / Åpen fagkveld</a:t>
+              <a:t>10. oktober / Åpen fagkveld</a:t>
             </a:r>
             <a:endParaRPr sz="1000" b="0" i="1" u="none" strike="noStrike" cap="none" baseline="0" dirty="0">
               <a:solidFill>
@@ -23333,32 +22979,6 @@
           <a:xfrm>
             <a:off x="1763688" y="620688"/>
             <a:ext cx="5184576" cy="4687721"/>
-          </a:xfrm>
-          <a:prstGeom prst="rect">
-            <a:avLst/>
-          </a:prstGeom>
-          <a:noFill/>
-        </p:spPr>
-      </p:pic>
-      <p:pic>
-        <p:nvPicPr>
-          <p:cNvPr id="66562" name="Picture 2" descr="http://icons.iconarchive.com/icons/deleket/scrap/256/Lock-icon.png"/>
-          <p:cNvPicPr>
-            <a:picLocks noChangeAspect="1" noChangeArrowheads="1"/>
-          </p:cNvPicPr>
-          <p:nvPr/>
-        </p:nvPicPr>
-        <p:blipFill>
-          <a:blip r:embed="rId4"/>
-          <a:srcRect/>
-          <a:stretch>
-            <a:fillRect/>
-          </a:stretch>
-        </p:blipFill>
-        <p:spPr bwMode="auto">
-          <a:xfrm>
-            <a:off x="5220072" y="332656"/>
-            <a:ext cx="1872208" cy="1872208"/>
           </a:xfrm>
           <a:prstGeom prst="rect">
             <a:avLst/>
@@ -23444,7 +23064,7 @@
                 <a:cs typeface="Georgia"/>
                 <a:sym typeface="Georgia"/>
               </a:rPr>
-              <a:t>10. oktoberl / Åpen fagkveld</a:t>
+              <a:t>10. oktober / Åpen fagkveld</a:t>
             </a:r>
             <a:endParaRPr sz="1000" b="0" i="1" u="none" strike="noStrike" cap="none" baseline="0" dirty="0">
               <a:solidFill>
@@ -23471,7 +23091,7 @@
         <p:spPr>
           <a:xfrm>
             <a:off x="431800" y="898525"/>
-            <a:ext cx="8277224" cy="553957"/>
+            <a:ext cx="2700040" cy="553957"/>
           </a:xfrm>
           <a:prstGeom prst="rect">
             <a:avLst/>
@@ -23482,7 +23102,7 @@
           </a:ln>
         </p:spPr>
         <p:txBody>
-          <a:bodyPr lIns="91425" tIns="45700" rIns="91425" bIns="45700" anchor="t" anchorCtr="0">
+          <a:bodyPr wrap="square" lIns="91425" tIns="45700" rIns="91425" bIns="45700" anchor="t" anchorCtr="0">
             <a:spAutoFit/>
           </a:bodyPr>
           <a:lstStyle/>
@@ -23511,7 +23131,7 @@
                 <a:cs typeface="Trebuchet MS"/>
                 <a:sym typeface="Trebuchet MS"/>
               </a:rPr>
-              <a:t>CAP</a:t>
+              <a:t>CAP / RDBMS</a:t>
             </a:r>
             <a:endParaRPr sz="3000" b="1" i="0" u="none" strike="noStrike" cap="small" baseline="0" dirty="0">
               <a:solidFill>
@@ -23570,58 +23190,327 @@
           <a:noFill/>
         </p:spPr>
       </p:pic>
-      <p:pic>
-        <p:nvPicPr>
-          <p:cNvPr id="66562" name="Picture 2" descr="http://icons.iconarchive.com/icons/deleket/scrap/256/Lock-icon.png"/>
-          <p:cNvPicPr>
-            <a:picLocks noChangeAspect="1" noChangeArrowheads="1"/>
-          </p:cNvPicPr>
+      <p:sp>
+        <p:nvSpPr>
+          <p:cNvPr id="11" name="TextBox 10"/>
+          <p:cNvSpPr txBox="1"/>
           <p:nvPr/>
-        </p:nvPicPr>
-        <p:blipFill>
-          <a:blip r:embed="rId4"/>
-          <a:srcRect/>
-          <a:stretch>
-            <a:fillRect/>
-          </a:stretch>
-        </p:blipFill>
-        <p:spPr bwMode="auto">
-          <a:xfrm>
-            <a:off x="5220072" y="332656"/>
-            <a:ext cx="1872208" cy="1872208"/>
-          </a:xfrm>
-          <a:prstGeom prst="rect">
-            <a:avLst/>
-          </a:prstGeom>
-          <a:noFill/>
-        </p:spPr>
-      </p:pic>
-      <p:pic>
-        <p:nvPicPr>
-          <p:cNvPr id="7" name="Picture 2" descr="http://icons.iconarchive.com/icons/deleket/scrap/256/Lock-icon.png"/>
-          <p:cNvPicPr>
-            <a:picLocks noChangeAspect="1" noChangeArrowheads="1"/>
-          </p:cNvPicPr>
+        </p:nvSpPr>
+        <p:spPr>
+          <a:xfrm>
+            <a:off x="3779912" y="5661248"/>
+            <a:ext cx="1222840" cy="461665"/>
+          </a:xfrm>
+          <a:prstGeom prst="rect">
+            <a:avLst/>
+          </a:prstGeom>
+          <a:noFill/>
+        </p:spPr>
+        <p:txBody>
+          <a:bodyPr wrap="square" rtlCol="0">
+            <a:spAutoFit/>
+          </a:bodyPr>
+          <a:lstStyle/>
+          <a:p>
+            <a:r>
+              <a:rPr lang="nb-NO" sz="2400" dirty="0" smtClean="0"/>
+              <a:t>ACID</a:t>
+            </a:r>
+            <a:endParaRPr lang="nb-NO" sz="2400" dirty="0"/>
+          </a:p>
+        </p:txBody>
+      </p:sp>
+      <p:cxnSp>
+        <p:nvCxnSpPr>
+          <p:cNvPr id="10" name="Straight Arrow Connector 9"/>
+          <p:cNvCxnSpPr/>
           <p:nvPr/>
-        </p:nvPicPr>
-        <p:blipFill>
-          <a:blip r:embed="rId4"/>
-          <a:srcRect/>
-          <a:stretch>
-            <a:fillRect/>
-          </a:stretch>
-        </p:blipFill>
-        <p:spPr bwMode="auto">
-          <a:xfrm>
-            <a:off x="2051720" y="4293096"/>
-            <a:ext cx="1872208" cy="1872208"/>
-          </a:xfrm>
-          <a:prstGeom prst="rect">
-            <a:avLst/>
-          </a:prstGeom>
-          <a:noFill/>
-        </p:spPr>
-      </p:pic>
+        </p:nvCxnSpPr>
+        <p:spPr>
+          <a:xfrm flipV="1">
+            <a:off x="4283968" y="5013176"/>
+            <a:ext cx="0" cy="648072"/>
+          </a:xfrm>
+          <a:prstGeom prst="straightConnector1">
+            <a:avLst/>
+          </a:prstGeom>
+          <a:ln>
+            <a:tailEnd type="arrow"/>
+          </a:ln>
+        </p:spPr>
+        <p:style>
+          <a:lnRef idx="2">
+            <a:schemeClr val="dk1"/>
+          </a:lnRef>
+          <a:fillRef idx="0">
+            <a:schemeClr val="dk1"/>
+          </a:fillRef>
+          <a:effectRef idx="1">
+            <a:schemeClr val="dk1"/>
+          </a:effectRef>
+          <a:fontRef idx="minor">
+            <a:schemeClr val="tx1"/>
+          </a:fontRef>
+        </p:style>
+      </p:cxnSp>
+      <p:sp>
+        <p:nvSpPr>
+          <p:cNvPr id="8" name="Shape 259"/>
+          <p:cNvSpPr txBox="1">
+            <a:spLocks/>
+          </p:cNvSpPr>
+          <p:nvPr/>
+        </p:nvSpPr>
+        <p:spPr>
+          <a:xfrm>
+            <a:off x="6156176" y="343709"/>
+            <a:ext cx="2734923" cy="1938952"/>
+          </a:xfrm>
+          <a:prstGeom prst="rect">
+            <a:avLst/>
+          </a:prstGeom>
+          <a:noFill/>
+          <a:ln>
+            <a:noFill/>
+          </a:ln>
+        </p:spPr>
+        <p:txBody>
+          <a:bodyPr wrap="square" lIns="91425" tIns="45700" rIns="91425" bIns="45700" anchor="t" anchorCtr="0">
+            <a:spAutoFit/>
+          </a:bodyPr>
+          <a:lstStyle>
+            <a:defPPr marR="0" algn="l" rtl="0">
+              <a:lnSpc>
+                <a:spcPct val="100000"/>
+              </a:lnSpc>
+              <a:spcBef>
+                <a:spcPts val="0"/>
+              </a:spcBef>
+              <a:spcAft>
+                <a:spcPts val="0"/>
+              </a:spcAft>
+            </a:defPPr>
+            <a:lvl1pPr marL="0" marR="0" indent="0" algn="l" rtl="0">
+              <a:lnSpc>
+                <a:spcPct val="100000"/>
+              </a:lnSpc>
+              <a:spcBef>
+                <a:spcPts val="0"/>
+              </a:spcBef>
+              <a:spcAft>
+                <a:spcPts val="0"/>
+              </a:spcAft>
+              <a:buNone/>
+              <a:defRPr sz="4000" b="1" i="0" u="none" strike="noStrike" cap="small" baseline="0">
+                <a:solidFill>
+                  <a:srgbClr val="96281B"/>
+                </a:solidFill>
+                <a:latin typeface="Trebuchet MS"/>
+                <a:ea typeface="Trebuchet MS"/>
+                <a:cs typeface="Trebuchet MS"/>
+                <a:sym typeface="Trebuchet MS"/>
+              </a:defRPr>
+            </a:lvl1pPr>
+            <a:lvl2pPr marL="0" marR="0" indent="0" algn="l" rtl="0">
+              <a:lnSpc>
+                <a:spcPct val="100000"/>
+              </a:lnSpc>
+              <a:spcBef>
+                <a:spcPts val="0"/>
+              </a:spcBef>
+              <a:spcAft>
+                <a:spcPts val="0"/>
+              </a:spcAft>
+              <a:buNone/>
+              <a:defRPr sz="3000" b="1" i="0" u="none" strike="noStrike" cap="none" baseline="0">
+                <a:solidFill>
+                  <a:srgbClr val="96281B"/>
+                </a:solidFill>
+                <a:latin typeface="Trebuchet MS"/>
+                <a:ea typeface="Trebuchet MS"/>
+                <a:cs typeface="Trebuchet MS"/>
+                <a:sym typeface="Trebuchet MS"/>
+              </a:defRPr>
+            </a:lvl2pPr>
+            <a:lvl3pPr marL="0" marR="0" indent="0" algn="l" rtl="0">
+              <a:spcBef>
+                <a:spcPts val="0"/>
+              </a:spcBef>
+              <a:spcAft>
+                <a:spcPts val="0"/>
+              </a:spcAft>
+              <a:defRPr sz="3000" b="1" i="0" u="none" strike="noStrike" cap="none" baseline="0">
+                <a:solidFill>
+                  <a:srgbClr val="96281B"/>
+                </a:solidFill>
+                <a:latin typeface="Trebuchet MS"/>
+                <a:ea typeface="Trebuchet MS"/>
+                <a:cs typeface="Trebuchet MS"/>
+                <a:sym typeface="Trebuchet MS"/>
+              </a:defRPr>
+            </a:lvl3pPr>
+            <a:lvl4pPr marL="0" marR="0" indent="0" algn="l" rtl="0">
+              <a:spcBef>
+                <a:spcPts val="0"/>
+              </a:spcBef>
+              <a:spcAft>
+                <a:spcPts val="0"/>
+              </a:spcAft>
+              <a:defRPr sz="3000" b="1" i="0" u="none" strike="noStrike" cap="none" baseline="0">
+                <a:solidFill>
+                  <a:srgbClr val="96281B"/>
+                </a:solidFill>
+                <a:latin typeface="Trebuchet MS"/>
+                <a:ea typeface="Trebuchet MS"/>
+                <a:cs typeface="Trebuchet MS"/>
+                <a:sym typeface="Trebuchet MS"/>
+              </a:defRPr>
+            </a:lvl4pPr>
+            <a:lvl5pPr marL="0" marR="0" indent="0" algn="l" rtl="0">
+              <a:spcBef>
+                <a:spcPts val="0"/>
+              </a:spcBef>
+              <a:spcAft>
+                <a:spcPts val="0"/>
+              </a:spcAft>
+              <a:defRPr sz="3000" b="1" i="0" u="none" strike="noStrike" cap="none" baseline="0">
+                <a:solidFill>
+                  <a:srgbClr val="96281B"/>
+                </a:solidFill>
+                <a:latin typeface="Trebuchet MS"/>
+                <a:ea typeface="Trebuchet MS"/>
+                <a:cs typeface="Trebuchet MS"/>
+                <a:sym typeface="Trebuchet MS"/>
+              </a:defRPr>
+            </a:lvl5pPr>
+            <a:lvl6pPr marL="457200" marR="0" indent="0" algn="l" rtl="0">
+              <a:spcBef>
+                <a:spcPts val="0"/>
+              </a:spcBef>
+              <a:spcAft>
+                <a:spcPts val="0"/>
+              </a:spcAft>
+              <a:defRPr sz="3000" b="1" i="0" u="none" strike="noStrike" cap="none" baseline="0">
+                <a:solidFill>
+                  <a:srgbClr val="96281B"/>
+                </a:solidFill>
+                <a:latin typeface="Trebuchet MS"/>
+                <a:ea typeface="Trebuchet MS"/>
+                <a:cs typeface="Trebuchet MS"/>
+                <a:sym typeface="Trebuchet MS"/>
+              </a:defRPr>
+            </a:lvl6pPr>
+            <a:lvl7pPr marL="914400" marR="0" indent="0" algn="l" rtl="0">
+              <a:spcBef>
+                <a:spcPts val="0"/>
+              </a:spcBef>
+              <a:spcAft>
+                <a:spcPts val="0"/>
+              </a:spcAft>
+              <a:defRPr sz="3000" b="1" i="0" u="none" strike="noStrike" cap="none" baseline="0">
+                <a:solidFill>
+                  <a:srgbClr val="96281B"/>
+                </a:solidFill>
+                <a:latin typeface="Trebuchet MS"/>
+                <a:ea typeface="Trebuchet MS"/>
+                <a:cs typeface="Trebuchet MS"/>
+                <a:sym typeface="Trebuchet MS"/>
+              </a:defRPr>
+            </a:lvl7pPr>
+            <a:lvl8pPr marL="1371600" marR="0" indent="0" algn="l" rtl="0">
+              <a:spcBef>
+                <a:spcPts val="0"/>
+              </a:spcBef>
+              <a:spcAft>
+                <a:spcPts val="0"/>
+              </a:spcAft>
+              <a:defRPr sz="3000" b="1" i="0" u="none" strike="noStrike" cap="none" baseline="0">
+                <a:solidFill>
+                  <a:srgbClr val="96281B"/>
+                </a:solidFill>
+                <a:latin typeface="Trebuchet MS"/>
+                <a:ea typeface="Trebuchet MS"/>
+                <a:cs typeface="Trebuchet MS"/>
+                <a:sym typeface="Trebuchet MS"/>
+              </a:defRPr>
+            </a:lvl8pPr>
+            <a:lvl9pPr marL="1828800" marR="0" indent="0" algn="l" rtl="0">
+              <a:spcBef>
+                <a:spcPts val="0"/>
+              </a:spcBef>
+              <a:spcAft>
+                <a:spcPts val="0"/>
+              </a:spcAft>
+              <a:defRPr sz="3000" b="1" i="0" u="none" strike="noStrike" cap="none" baseline="0">
+                <a:solidFill>
+                  <a:srgbClr val="96281B"/>
+                </a:solidFill>
+                <a:latin typeface="Trebuchet MS"/>
+                <a:ea typeface="Trebuchet MS"/>
+                <a:cs typeface="Trebuchet MS"/>
+                <a:sym typeface="Trebuchet MS"/>
+              </a:defRPr>
+            </a:lvl9pPr>
+          </a:lstStyle>
+          <a:p>
+            <a:pPr>
+              <a:buClr>
+                <a:srgbClr val="96281B"/>
+              </a:buClr>
+              <a:buSzPct val="25000"/>
+              <a:buFont typeface="Trebuchet MS"/>
+              <a:buNone/>
+            </a:pPr>
+            <a:r>
+              <a:rPr lang="nb-NO" sz="3000" dirty="0" smtClean="0"/>
+              <a:t>Atomicity</a:t>
+            </a:r>
+          </a:p>
+          <a:p>
+            <a:pPr>
+              <a:buClr>
+                <a:srgbClr val="96281B"/>
+              </a:buClr>
+              <a:buSzPct val="25000"/>
+              <a:buFont typeface="Trebuchet MS"/>
+              <a:buNone/>
+            </a:pPr>
+            <a:r>
+              <a:rPr lang="nb-NO" sz="3000" dirty="0" smtClean="0"/>
+              <a:t>Consistency</a:t>
+            </a:r>
+          </a:p>
+          <a:p>
+            <a:pPr>
+              <a:buClr>
+                <a:srgbClr val="96281B"/>
+              </a:buClr>
+              <a:buSzPct val="25000"/>
+              <a:buFont typeface="Trebuchet MS"/>
+              <a:buNone/>
+            </a:pPr>
+            <a:r>
+              <a:rPr lang="nb-NO" sz="3000" dirty="0" smtClean="0"/>
+              <a:t>Isolation</a:t>
+            </a:r>
+          </a:p>
+          <a:p>
+            <a:pPr>
+              <a:buClr>
+                <a:srgbClr val="96281B"/>
+              </a:buClr>
+              <a:buSzPct val="25000"/>
+              <a:buFont typeface="Trebuchet MS"/>
+              <a:buNone/>
+            </a:pPr>
+            <a:r>
+              <a:rPr lang="nb-NO" sz="3000" dirty="0" smtClean="0"/>
+              <a:t>Durability</a:t>
+            </a:r>
+            <a:endParaRPr lang="nb-NO" sz="3000" dirty="0"/>
+          </a:p>
+        </p:txBody>
+      </p:sp>
     </p:spTree>
   </p:cSld>
   <p:clrMapOvr>
@@ -24480,285 +24369,6 @@
 <file path=ppt/theme/theme4.xml><?xml version="1.0" encoding="utf-8"?>
 <a:theme xmlns:a="http://schemas.openxmlformats.org/drawingml/2006/main">
   <a:themeElements>
-    <a:clrScheme name="4_Office-tema 1">
-      <a:dk1>
-        <a:srgbClr val="000000"/>
-      </a:dk1>
-      <a:lt1>
-        <a:srgbClr val="FFFFFF"/>
-      </a:lt1>
-      <a:dk2>
-        <a:srgbClr val="000000"/>
-      </a:dk2>
-      <a:lt2>
-        <a:srgbClr val="808080"/>
-      </a:lt2>
-      <a:accent1>
-        <a:srgbClr val="BBE0E3"/>
-      </a:accent1>
-      <a:accent2>
-        <a:srgbClr val="333399"/>
-      </a:accent2>
-      <a:accent3>
-        <a:srgbClr val="FFFFFF"/>
-      </a:accent3>
-      <a:accent4>
-        <a:srgbClr val="BBE0E3"/>
-      </a:accent4>
-      <a:accent5>
-        <a:srgbClr val="333399"/>
-      </a:accent5>
-      <a:accent6>
-        <a:srgbClr val="FFFFFF"/>
-      </a:accent6>
-      <a:hlink>
-        <a:srgbClr val="009999"/>
-      </a:hlink>
-      <a:folHlink>
-        <a:srgbClr val="99CC00"/>
-      </a:folHlink>
-    </a:clrScheme>
-    <a:fontScheme name="Office">
-      <a:majorFont>
-        <a:latin typeface="Arial"/>
-        <a:ea typeface=""/>
-        <a:cs typeface=""/>
-        <a:font script="Jpan" typeface="ＭＳ Ｐゴシック"/>
-        <a:font script="Hang" typeface="맑은 고딕"/>
-        <a:font script="Hans" typeface="宋体"/>
-        <a:font script="Hant" typeface="新細明體"/>
-        <a:font script="Arab" typeface="Times New Roman"/>
-        <a:font script="Hebr" typeface="Times New Roman"/>
-        <a:font script="Thai" typeface="Angsana New"/>
-        <a:font script="Ethi" typeface="Nyala"/>
-        <a:font script="Beng" typeface="Vrinda"/>
-        <a:font script="Gujr" typeface="Shruti"/>
-        <a:font script="Khmr" typeface="MoolBoran"/>
-        <a:font script="Knda" typeface="Tunga"/>
-        <a:font script="Guru" typeface="Raavi"/>
-        <a:font script="Cans" typeface="Euphemia"/>
-        <a:font script="Cher" typeface="Plantagenet Cherokee"/>
-        <a:font script="Yiii" typeface="Microsoft Yi Baiti"/>
-        <a:font script="Tibt" typeface="Microsoft Himalaya"/>
-        <a:font script="Thaa" typeface="MV Boli"/>
-        <a:font script="Deva" typeface="Mangal"/>
-        <a:font script="Telu" typeface="Gautami"/>
-        <a:font script="Taml" typeface="Latha"/>
-        <a:font script="Syrc" typeface="Estrangelo Edessa"/>
-        <a:font script="Orya" typeface="Kalinga"/>
-        <a:font script="Mlym" typeface="Kartika"/>
-        <a:font script="Laoo" typeface="DokChampa"/>
-        <a:font script="Sinh" typeface="Iskoola Pota"/>
-        <a:font script="Mong" typeface="Mongolian Baiti"/>
-        <a:font script="Viet" typeface="Times New Roman"/>
-        <a:font script="Uigh" typeface="Microsoft Uighur"/>
-      </a:majorFont>
-      <a:minorFont>
-        <a:latin typeface="Arial"/>
-        <a:ea typeface=""/>
-        <a:cs typeface=""/>
-        <a:font script="Jpan" typeface="ＭＳ Ｐゴシック"/>
-        <a:font script="Hang" typeface="맑은 고딕"/>
-        <a:font script="Hans" typeface="宋体"/>
-        <a:font script="Hant" typeface="新細明體"/>
-        <a:font script="Arab" typeface="Arial"/>
-        <a:font script="Hebr" typeface="Arial"/>
-        <a:font script="Thai" typeface="Cordia New"/>
-        <a:font script="Ethi" typeface="Nyala"/>
-        <a:font script="Beng" typeface="Vrinda"/>
-        <a:font script="Gujr" typeface="Shruti"/>
-        <a:font script="Khmr" typeface="DaunPenh"/>
-        <a:font script="Knda" typeface="Tunga"/>
-        <a:font script="Guru" typeface="Raavi"/>
-        <a:font script="Cans" typeface="Euphemia"/>
-        <a:font script="Cher" typeface="Plantagenet Cherokee"/>
-        <a:font script="Yiii" typeface="Microsoft Yi Baiti"/>
-        <a:font script="Tibt" typeface="Microsoft Himalaya"/>
-        <a:font script="Thaa" typeface="MV Boli"/>
-        <a:font script="Deva" typeface="Mangal"/>
-        <a:font script="Telu" typeface="Gautami"/>
-        <a:font script="Taml" typeface="Latha"/>
-        <a:font script="Syrc" typeface="Estrangelo Edessa"/>
-        <a:font script="Orya" typeface="Kalinga"/>
-        <a:font script="Mlym" typeface="Kartika"/>
-        <a:font script="Laoo" typeface="DokChampa"/>
-        <a:font script="Sinh" typeface="Iskoola Pota"/>
-        <a:font script="Mong" typeface="Mongolian Baiti"/>
-        <a:font script="Viet" typeface="Arial"/>
-        <a:font script="Uigh" typeface="Microsoft Uighur"/>
-      </a:minorFont>
-    </a:fontScheme>
-    <a:fmtScheme name="Office">
-      <a:fillStyleLst>
-        <a:solidFill>
-          <a:schemeClr val="phClr"/>
-        </a:solidFill>
-        <a:gradFill rotWithShape="1">
-          <a:gsLst>
-            <a:gs pos="0">
-              <a:schemeClr val="phClr">
-                <a:tint val="50000"/>
-                <a:satMod val="300000"/>
-              </a:schemeClr>
-            </a:gs>
-            <a:gs pos="35000">
-              <a:schemeClr val="phClr">
-                <a:tint val="37000"/>
-                <a:satMod val="300000"/>
-              </a:schemeClr>
-            </a:gs>
-            <a:gs pos="100000">
-              <a:schemeClr val="phClr">
-                <a:tint val="15000"/>
-                <a:satMod val="350000"/>
-              </a:schemeClr>
-            </a:gs>
-          </a:gsLst>
-          <a:lin ang="16200000" scaled="1"/>
-        </a:gradFill>
-        <a:gradFill rotWithShape="1">
-          <a:gsLst>
-            <a:gs pos="0">
-              <a:schemeClr val="phClr">
-                <a:tint val="100000"/>
-                <a:shade val="100000"/>
-                <a:satMod val="130000"/>
-              </a:schemeClr>
-            </a:gs>
-            <a:gs pos="100000">
-              <a:schemeClr val="phClr">
-                <a:tint val="50000"/>
-                <a:shade val="100000"/>
-                <a:satMod val="350000"/>
-              </a:schemeClr>
-            </a:gs>
-          </a:gsLst>
-          <a:lin ang="16200000" scaled="0"/>
-        </a:gradFill>
-      </a:fillStyleLst>
-      <a:lnStyleLst>
-        <a:ln w="9525" cap="flat" cmpd="sng" algn="ctr">
-          <a:solidFill>
-            <a:schemeClr val="phClr">
-              <a:shade val="95000"/>
-              <a:satMod val="105000"/>
-            </a:schemeClr>
-          </a:solidFill>
-          <a:prstDash val="solid"/>
-        </a:ln>
-        <a:ln w="25400" cap="flat" cmpd="sng" algn="ctr">
-          <a:solidFill>
-            <a:schemeClr val="phClr"/>
-          </a:solidFill>
-          <a:prstDash val="solid"/>
-        </a:ln>
-        <a:ln w="38100" cap="flat" cmpd="sng" algn="ctr">
-          <a:solidFill>
-            <a:schemeClr val="phClr"/>
-          </a:solidFill>
-          <a:prstDash val="solid"/>
-        </a:ln>
-      </a:lnStyleLst>
-      <a:effectStyleLst>
-        <a:effectStyle>
-          <a:effectLst>
-            <a:outerShdw blurRad="40000" dist="20000" dir="5400000" rotWithShape="0">
-              <a:srgbClr val="000000">
-                <a:alpha val="38000"/>
-              </a:srgbClr>
-            </a:outerShdw>
-          </a:effectLst>
-        </a:effectStyle>
-        <a:effectStyle>
-          <a:effectLst>
-            <a:outerShdw blurRad="40000" dist="23000" dir="5400000" rotWithShape="0">
-              <a:srgbClr val="000000">
-                <a:alpha val="35000"/>
-              </a:srgbClr>
-            </a:outerShdw>
-          </a:effectLst>
-        </a:effectStyle>
-        <a:effectStyle>
-          <a:effectLst>
-            <a:outerShdw blurRad="40000" dist="23000" dir="5400000" rotWithShape="0">
-              <a:srgbClr val="000000">
-                <a:alpha val="35000"/>
-              </a:srgbClr>
-            </a:outerShdw>
-          </a:effectLst>
-          <a:scene3d>
-            <a:camera prst="orthographicFront">
-              <a:rot lat="0" lon="0" rev="0"/>
-            </a:camera>
-            <a:lightRig rig="threePt" dir="t">
-              <a:rot lat="0" lon="0" rev="1200000"/>
-            </a:lightRig>
-          </a:scene3d>
-          <a:sp3d>
-            <a:bevelT w="63500" h="25400"/>
-          </a:sp3d>
-        </a:effectStyle>
-      </a:effectStyleLst>
-      <a:bgFillStyleLst>
-        <a:solidFill>
-          <a:schemeClr val="phClr"/>
-        </a:solidFill>
-        <a:gradFill rotWithShape="1">
-          <a:gsLst>
-            <a:gs pos="0">
-              <a:schemeClr val="phClr">
-                <a:tint val="40000"/>
-                <a:satMod val="350000"/>
-              </a:schemeClr>
-            </a:gs>
-            <a:gs pos="40000">
-              <a:schemeClr val="phClr">
-                <a:tint val="45000"/>
-                <a:shade val="99000"/>
-                <a:satMod val="350000"/>
-              </a:schemeClr>
-            </a:gs>
-            <a:gs pos="100000">
-              <a:schemeClr val="phClr">
-                <a:shade val="20000"/>
-                <a:satMod val="255000"/>
-              </a:schemeClr>
-            </a:gs>
-          </a:gsLst>
-          <a:path path="circle">
-            <a:fillToRect l="50000" t="-80000" r="50000" b="180000"/>
-          </a:path>
-        </a:gradFill>
-        <a:gradFill rotWithShape="1">
-          <a:gsLst>
-            <a:gs pos="0">
-              <a:schemeClr val="phClr">
-                <a:tint val="80000"/>
-                <a:satMod val="300000"/>
-              </a:schemeClr>
-            </a:gs>
-            <a:gs pos="100000">
-              <a:schemeClr val="phClr">
-                <a:shade val="30000"/>
-                <a:satMod val="200000"/>
-              </a:schemeClr>
-            </a:gs>
-          </a:gsLst>
-          <a:path path="circle">
-            <a:fillToRect l="50000" t="50000" r="50000" b="50000"/>
-          </a:path>
-        </a:gradFill>
-      </a:bgFillStyleLst>
-    </a:fmtScheme>
-  </a:themeElements>
-  <a:objectDefaults/>
-  <a:extraClrSchemeLst/>
-</a:theme>
-</file>
-
-<file path=ppt/theme/theme5.xml><?xml version="1.0" encoding="utf-8"?>
-<a:theme xmlns:a="http://schemas.openxmlformats.org/drawingml/2006/main">
-  <a:themeElements>
     <a:clrScheme name="Default">
       <a:dk1>
         <a:srgbClr val="000000"/>
